--- a/UpGrad Case Study LendingClub.pptx
+++ b/UpGrad Case Study LendingClub.pptx
@@ -121,6 +121,35 @@
     </p:ext>
   </p:extLst>
 </p:presentation>
+</file>
+
+<file path=ppt/changesInfos/changesInfo1.xml><?xml version="1.0" encoding="utf-8"?>
+<pc:chgInfo xmlns:a="http://schemas.openxmlformats.org/drawingml/2006/main" xmlns:r="http://schemas.openxmlformats.org/officeDocument/2006/relationships" xmlns:ac="http://schemas.microsoft.com/office/drawing/2013/main/command" xmlns:pc="http://schemas.microsoft.com/office/powerpoint/2013/main/command">
+  <pc:docChgLst>
+    <pc:chgData name="Ashok Vashist" userId="f2bcda92-3e38-4e90-9d4e-e75883f41106" providerId="ADAL" clId="{BABA330B-D73F-4B51-A053-CE7326DFBDE6}"/>
+    <pc:docChg chg="modSld">
+      <pc:chgData name="Ashok Vashist" userId="f2bcda92-3e38-4e90-9d4e-e75883f41106" providerId="ADAL" clId="{BABA330B-D73F-4B51-A053-CE7326DFBDE6}" dt="2023-10-08T12:24:31.271" v="2"/>
+      <pc:docMkLst>
+        <pc:docMk/>
+      </pc:docMkLst>
+      <pc:sldChg chg="modSp mod">
+        <pc:chgData name="Ashok Vashist" userId="f2bcda92-3e38-4e90-9d4e-e75883f41106" providerId="ADAL" clId="{BABA330B-D73F-4B51-A053-CE7326DFBDE6}" dt="2023-10-08T12:24:31.271" v="2"/>
+        <pc:sldMkLst>
+          <pc:docMk/>
+          <pc:sldMk cId="1043076196" sldId="256"/>
+        </pc:sldMkLst>
+        <pc:spChg chg="mod">
+          <ac:chgData name="Ashok Vashist" userId="f2bcda92-3e38-4e90-9d4e-e75883f41106" providerId="ADAL" clId="{BABA330B-D73F-4B51-A053-CE7326DFBDE6}" dt="2023-10-08T12:24:31.271" v="2"/>
+          <ac:spMkLst>
+            <pc:docMk/>
+            <pc:sldMk cId="1043076196" sldId="256"/>
+            <ac:spMk id="11" creationId="{B21B83CA-F95E-7E4F-E5A2-FEC917EC55A8}"/>
+          </ac:spMkLst>
+        </pc:spChg>
+      </pc:sldChg>
+    </pc:docChg>
+  </pc:docChgLst>
+</pc:chgInfo>
 </file>
 
 <file path=ppt/diagrams/colors1.xml><?xml version="1.0" encoding="utf-8"?>
@@ -12535,7 +12564,7 @@
           <a:p>
             <a:fld id="{9C99F701-9101-4D8F-A4D8-C5D74298C7ED}" type="datetimeFigureOut">
               <a:rPr lang="en-IN" smtClean="0"/>
-              <a:t>07-10-2023</a:t>
+              <a:t>08-10-2023</a:t>
             </a:fld>
             <a:endParaRPr lang="en-IN"/>
           </a:p>
@@ -12934,7 +12963,7 @@
           <a:p>
             <a:fld id="{0E8C9E9E-0463-460F-9554-A68E93E25788}" type="datetimeFigureOut">
               <a:rPr lang="en-IN" smtClean="0"/>
-              <a:t>07-10-2023</a:t>
+              <a:t>08-10-2023</a:t>
             </a:fld>
             <a:endParaRPr lang="en-IN"/>
           </a:p>
@@ -13104,7 +13133,7 @@
           <a:p>
             <a:fld id="{0E8C9E9E-0463-460F-9554-A68E93E25788}" type="datetimeFigureOut">
               <a:rPr lang="en-IN" smtClean="0"/>
-              <a:t>07-10-2023</a:t>
+              <a:t>08-10-2023</a:t>
             </a:fld>
             <a:endParaRPr lang="en-IN"/>
           </a:p>
@@ -13284,7 +13313,7 @@
           <a:p>
             <a:fld id="{0E8C9E9E-0463-460F-9554-A68E93E25788}" type="datetimeFigureOut">
               <a:rPr lang="en-IN" smtClean="0"/>
-              <a:t>07-10-2023</a:t>
+              <a:t>08-10-2023</a:t>
             </a:fld>
             <a:endParaRPr lang="en-IN"/>
           </a:p>
@@ -13454,7 +13483,7 @@
           <a:p>
             <a:fld id="{0E8C9E9E-0463-460F-9554-A68E93E25788}" type="datetimeFigureOut">
               <a:rPr lang="en-IN" smtClean="0"/>
-              <a:t>07-10-2023</a:t>
+              <a:t>08-10-2023</a:t>
             </a:fld>
             <a:endParaRPr lang="en-IN"/>
           </a:p>
@@ -13700,7 +13729,7 @@
           <a:p>
             <a:fld id="{0E8C9E9E-0463-460F-9554-A68E93E25788}" type="datetimeFigureOut">
               <a:rPr lang="en-IN" smtClean="0"/>
-              <a:t>07-10-2023</a:t>
+              <a:t>08-10-2023</a:t>
             </a:fld>
             <a:endParaRPr lang="en-IN"/>
           </a:p>
@@ -13932,7 +13961,7 @@
           <a:p>
             <a:fld id="{0E8C9E9E-0463-460F-9554-A68E93E25788}" type="datetimeFigureOut">
               <a:rPr lang="en-IN" smtClean="0"/>
-              <a:t>07-10-2023</a:t>
+              <a:t>08-10-2023</a:t>
             </a:fld>
             <a:endParaRPr lang="en-IN"/>
           </a:p>
@@ -14299,7 +14328,7 @@
           <a:p>
             <a:fld id="{0E8C9E9E-0463-460F-9554-A68E93E25788}" type="datetimeFigureOut">
               <a:rPr lang="en-IN" smtClean="0"/>
-              <a:t>07-10-2023</a:t>
+              <a:t>08-10-2023</a:t>
             </a:fld>
             <a:endParaRPr lang="en-IN"/>
           </a:p>
@@ -14417,7 +14446,7 @@
           <a:p>
             <a:fld id="{0E8C9E9E-0463-460F-9554-A68E93E25788}" type="datetimeFigureOut">
               <a:rPr lang="en-IN" smtClean="0"/>
-              <a:t>07-10-2023</a:t>
+              <a:t>08-10-2023</a:t>
             </a:fld>
             <a:endParaRPr lang="en-IN"/>
           </a:p>
@@ -14512,7 +14541,7 @@
           <a:p>
             <a:fld id="{0E8C9E9E-0463-460F-9554-A68E93E25788}" type="datetimeFigureOut">
               <a:rPr lang="en-IN" smtClean="0"/>
-              <a:t>07-10-2023</a:t>
+              <a:t>08-10-2023</a:t>
             </a:fld>
             <a:endParaRPr lang="en-IN"/>
           </a:p>
@@ -14789,7 +14818,7 @@
           <a:p>
             <a:fld id="{0E8C9E9E-0463-460F-9554-A68E93E25788}" type="datetimeFigureOut">
               <a:rPr lang="en-IN" smtClean="0"/>
-              <a:t>07-10-2023</a:t>
+              <a:t>08-10-2023</a:t>
             </a:fld>
             <a:endParaRPr lang="en-IN"/>
           </a:p>
@@ -15046,7 +15075,7 @@
           <a:p>
             <a:fld id="{0E8C9E9E-0463-460F-9554-A68E93E25788}" type="datetimeFigureOut">
               <a:rPr lang="en-IN" smtClean="0"/>
-              <a:t>07-10-2023</a:t>
+              <a:t>08-10-2023</a:t>
             </a:fld>
             <a:endParaRPr lang="en-IN"/>
           </a:p>
@@ -15259,7 +15288,7 @@
           <a:p>
             <a:fld id="{0E8C9E9E-0463-460F-9554-A68E93E25788}" type="datetimeFigureOut">
               <a:rPr lang="en-IN" smtClean="0"/>
-              <a:t>07-10-2023</a:t>
+              <a:t>08-10-2023</a:t>
             </a:fld>
             <a:endParaRPr lang="en-IN"/>
           </a:p>
@@ -16139,7 +16168,7 @@
               <a:buChar char="•"/>
             </a:pPr>
             <a:r>
-              <a:rPr lang="en-US" sz="2000"/>
+              <a:rPr lang="en-US" sz="2000" dirty="0"/>
               <a:t>Ashok Vashist &amp;</a:t>
             </a:r>
           </a:p>
@@ -16155,9 +16184,18 @@
               <a:buChar char="•"/>
             </a:pPr>
             <a:r>
-              <a:rPr lang="en-US" sz="2000"/>
-              <a:t>Bineesh chandrasekharan</a:t>
+              <a:rPr lang="en-US" sz="2000" dirty="0" err="1"/>
+              <a:t>Bineesh</a:t>
             </a:r>
+            <a:r>
+              <a:rPr lang="en-US" sz="2000" dirty="0"/>
+              <a:t> </a:t>
+            </a:r>
+            <a:r>
+              <a:rPr lang="en-US" sz="2000" dirty="0" err="1"/>
+              <a:t>Panangat</a:t>
+            </a:r>
+            <a:endParaRPr lang="en-US" sz="2000" dirty="0"/>
           </a:p>
         </p:txBody>
       </p:sp>

--- a/UpGrad Case Study LendingClub.pptx
+++ b/UpGrad Case Study LendingClub.pptx
@@ -5,7 +5,7 @@
     <p:sldMasterId id="2147483947" r:id="rId1"/>
   </p:sldMasterIdLst>
   <p:notesMasterIdLst>
-    <p:notesMasterId r:id="rId11"/>
+    <p:notesMasterId r:id="rId23"/>
   </p:notesMasterIdLst>
   <p:sldIdLst>
     <p:sldId id="256" r:id="rId2"/>
@@ -16,7 +16,19 @@
     <p:sldId id="274" r:id="rId7"/>
     <p:sldId id="275" r:id="rId8"/>
     <p:sldId id="276" r:id="rId9"/>
-    <p:sldId id="268" r:id="rId10"/>
+    <p:sldId id="260" r:id="rId10"/>
+    <p:sldId id="261" r:id="rId11"/>
+    <p:sldId id="262" r:id="rId12"/>
+    <p:sldId id="263" r:id="rId13"/>
+    <p:sldId id="264" r:id="rId14"/>
+    <p:sldId id="265" r:id="rId15"/>
+    <p:sldId id="266" r:id="rId16"/>
+    <p:sldId id="267" r:id="rId17"/>
+    <p:sldId id="277" r:id="rId18"/>
+    <p:sldId id="278" r:id="rId19"/>
+    <p:sldId id="279" r:id="rId20"/>
+    <p:sldId id="280" r:id="rId21"/>
+    <p:sldId id="268" r:id="rId22"/>
   </p:sldIdLst>
   <p:sldSz cx="12192000" cy="6858000"/>
   <p:notesSz cx="6858000" cy="9144000"/>
@@ -121,35 +133,6 @@
     </p:ext>
   </p:extLst>
 </p:presentation>
-</file>
-
-<file path=ppt/changesInfos/changesInfo1.xml><?xml version="1.0" encoding="utf-8"?>
-<pc:chgInfo xmlns:a="http://schemas.openxmlformats.org/drawingml/2006/main" xmlns:r="http://schemas.openxmlformats.org/officeDocument/2006/relationships" xmlns:ac="http://schemas.microsoft.com/office/drawing/2013/main/command" xmlns:pc="http://schemas.microsoft.com/office/powerpoint/2013/main/command">
-  <pc:docChgLst>
-    <pc:chgData name="Ashok Vashist" userId="f2bcda92-3e38-4e90-9d4e-e75883f41106" providerId="ADAL" clId="{BABA330B-D73F-4B51-A053-CE7326DFBDE6}"/>
-    <pc:docChg chg="modSld">
-      <pc:chgData name="Ashok Vashist" userId="f2bcda92-3e38-4e90-9d4e-e75883f41106" providerId="ADAL" clId="{BABA330B-D73F-4B51-A053-CE7326DFBDE6}" dt="2023-10-08T12:24:31.271" v="2"/>
-      <pc:docMkLst>
-        <pc:docMk/>
-      </pc:docMkLst>
-      <pc:sldChg chg="modSp mod">
-        <pc:chgData name="Ashok Vashist" userId="f2bcda92-3e38-4e90-9d4e-e75883f41106" providerId="ADAL" clId="{BABA330B-D73F-4B51-A053-CE7326DFBDE6}" dt="2023-10-08T12:24:31.271" v="2"/>
-        <pc:sldMkLst>
-          <pc:docMk/>
-          <pc:sldMk cId="1043076196" sldId="256"/>
-        </pc:sldMkLst>
-        <pc:spChg chg="mod">
-          <ac:chgData name="Ashok Vashist" userId="f2bcda92-3e38-4e90-9d4e-e75883f41106" providerId="ADAL" clId="{BABA330B-D73F-4B51-A053-CE7326DFBDE6}" dt="2023-10-08T12:24:31.271" v="2"/>
-          <ac:spMkLst>
-            <pc:docMk/>
-            <pc:sldMk cId="1043076196" sldId="256"/>
-            <ac:spMk id="11" creationId="{B21B83CA-F95E-7E4F-E5A2-FEC917EC55A8}"/>
-          </ac:spMkLst>
-        </pc:spChg>
-      </pc:sldChg>
-    </pc:docChg>
-  </pc:docChgLst>
-</pc:chgInfo>
 </file>
 
 <file path=ppt/diagrams/colors1.xml><?xml version="1.0" encoding="utf-8"?>
@@ -12564,7 +12547,7 @@
           <a:p>
             <a:fld id="{9C99F701-9101-4D8F-A4D8-C5D74298C7ED}" type="datetimeFigureOut">
               <a:rPr lang="en-IN" smtClean="0"/>
-              <a:t>08-10-2023</a:t>
+              <a:t>10-10-2023</a:t>
             </a:fld>
             <a:endParaRPr lang="en-IN"/>
           </a:p>
@@ -12832,6 +12815,90 @@
 </p:notesMaster>
 </file>
 
+<file path=ppt/notesSlides/notesSlide1.xml><?xml version="1.0" encoding="utf-8"?>
+<p:notes xmlns:a="http://schemas.openxmlformats.org/drawingml/2006/main" xmlns:r="http://schemas.openxmlformats.org/officeDocument/2006/relationships" xmlns:p="http://schemas.openxmlformats.org/presentationml/2006/main">
+  <p:cSld>
+    <p:spTree>
+      <p:nvGrpSpPr>
+        <p:cNvPr id="1" name=""/>
+        <p:cNvGrpSpPr/>
+        <p:nvPr/>
+      </p:nvGrpSpPr>
+      <p:grpSpPr>
+        <a:xfrm>
+          <a:off x="0" y="0"/>
+          <a:ext cx="0" cy="0"/>
+          <a:chOff x="0" y="0"/>
+          <a:chExt cx="0" cy="0"/>
+        </a:xfrm>
+      </p:grpSpPr>
+      <p:sp>
+        <p:nvSpPr>
+          <p:cNvPr id="2" name="Slide Image Placeholder 1"/>
+          <p:cNvSpPr>
+            <a:spLocks noGrp="1" noRot="1" noChangeAspect="1"/>
+          </p:cNvSpPr>
+          <p:nvPr>
+            <p:ph type="sldImg"/>
+          </p:nvPr>
+        </p:nvSpPr>
+        <p:spPr/>
+      </p:sp>
+      <p:sp>
+        <p:nvSpPr>
+          <p:cNvPr id="3" name="Notes Placeholder 2"/>
+          <p:cNvSpPr>
+            <a:spLocks noGrp="1"/>
+          </p:cNvSpPr>
+          <p:nvPr>
+            <p:ph type="body" idx="1"/>
+          </p:nvPr>
+        </p:nvSpPr>
+        <p:spPr/>
+        <p:txBody>
+          <a:bodyPr/>
+          <a:lstStyle/>
+          <a:p>
+            <a:endParaRPr lang="en-IN" dirty="0"/>
+          </a:p>
+        </p:txBody>
+      </p:sp>
+      <p:sp>
+        <p:nvSpPr>
+          <p:cNvPr id="4" name="Slide Number Placeholder 3"/>
+          <p:cNvSpPr>
+            <a:spLocks noGrp="1"/>
+          </p:cNvSpPr>
+          <p:nvPr>
+            <p:ph type="sldNum" sz="quarter" idx="5"/>
+          </p:nvPr>
+        </p:nvSpPr>
+        <p:spPr/>
+        <p:txBody>
+          <a:bodyPr/>
+          <a:lstStyle/>
+          <a:p>
+            <a:fld id="{5954B2FA-380E-4F4B-A48D-9B3DED5D0183}" type="slidenum">
+              <a:rPr lang="en-IN" smtClean="0"/>
+              <a:t>15</a:t>
+            </a:fld>
+            <a:endParaRPr lang="en-IN"/>
+          </a:p>
+        </p:txBody>
+      </p:sp>
+    </p:spTree>
+    <p:extLst>
+      <p:ext uri="{BB962C8B-B14F-4D97-AF65-F5344CB8AC3E}">
+        <p14:creationId xmlns:p14="http://schemas.microsoft.com/office/powerpoint/2010/main" val="1206622418"/>
+      </p:ext>
+    </p:extLst>
+  </p:cSld>
+  <p:clrMapOvr>
+    <a:masterClrMapping/>
+  </p:clrMapOvr>
+</p:notes>
+</file>
+
 <file path=ppt/slideLayouts/slideLayout1.xml><?xml version="1.0" encoding="utf-8"?>
 <p:sldLayout xmlns:a="http://schemas.openxmlformats.org/drawingml/2006/main" xmlns:r="http://schemas.openxmlformats.org/officeDocument/2006/relationships" xmlns:p="http://schemas.openxmlformats.org/presentationml/2006/main" type="title" preserve="1">
   <p:cSld name="Title Slide">
@@ -12963,7 +13030,7 @@
           <a:p>
             <a:fld id="{0E8C9E9E-0463-460F-9554-A68E93E25788}" type="datetimeFigureOut">
               <a:rPr lang="en-IN" smtClean="0"/>
-              <a:t>08-10-2023</a:t>
+              <a:t>10-10-2023</a:t>
             </a:fld>
             <a:endParaRPr lang="en-IN"/>
           </a:p>
@@ -13133,7 +13200,7 @@
           <a:p>
             <a:fld id="{0E8C9E9E-0463-460F-9554-A68E93E25788}" type="datetimeFigureOut">
               <a:rPr lang="en-IN" smtClean="0"/>
-              <a:t>08-10-2023</a:t>
+              <a:t>10-10-2023</a:t>
             </a:fld>
             <a:endParaRPr lang="en-IN"/>
           </a:p>
@@ -13313,7 +13380,7 @@
           <a:p>
             <a:fld id="{0E8C9E9E-0463-460F-9554-A68E93E25788}" type="datetimeFigureOut">
               <a:rPr lang="en-IN" smtClean="0"/>
-              <a:t>08-10-2023</a:t>
+              <a:t>10-10-2023</a:t>
             </a:fld>
             <a:endParaRPr lang="en-IN"/>
           </a:p>
@@ -13483,7 +13550,7 @@
           <a:p>
             <a:fld id="{0E8C9E9E-0463-460F-9554-A68E93E25788}" type="datetimeFigureOut">
               <a:rPr lang="en-IN" smtClean="0"/>
-              <a:t>08-10-2023</a:t>
+              <a:t>10-10-2023</a:t>
             </a:fld>
             <a:endParaRPr lang="en-IN"/>
           </a:p>
@@ -13729,7 +13796,7 @@
           <a:p>
             <a:fld id="{0E8C9E9E-0463-460F-9554-A68E93E25788}" type="datetimeFigureOut">
               <a:rPr lang="en-IN" smtClean="0"/>
-              <a:t>08-10-2023</a:t>
+              <a:t>10-10-2023</a:t>
             </a:fld>
             <a:endParaRPr lang="en-IN"/>
           </a:p>
@@ -13961,7 +14028,7 @@
           <a:p>
             <a:fld id="{0E8C9E9E-0463-460F-9554-A68E93E25788}" type="datetimeFigureOut">
               <a:rPr lang="en-IN" smtClean="0"/>
-              <a:t>08-10-2023</a:t>
+              <a:t>10-10-2023</a:t>
             </a:fld>
             <a:endParaRPr lang="en-IN"/>
           </a:p>
@@ -14328,7 +14395,7 @@
           <a:p>
             <a:fld id="{0E8C9E9E-0463-460F-9554-A68E93E25788}" type="datetimeFigureOut">
               <a:rPr lang="en-IN" smtClean="0"/>
-              <a:t>08-10-2023</a:t>
+              <a:t>10-10-2023</a:t>
             </a:fld>
             <a:endParaRPr lang="en-IN"/>
           </a:p>
@@ -14446,7 +14513,7 @@
           <a:p>
             <a:fld id="{0E8C9E9E-0463-460F-9554-A68E93E25788}" type="datetimeFigureOut">
               <a:rPr lang="en-IN" smtClean="0"/>
-              <a:t>08-10-2023</a:t>
+              <a:t>10-10-2023</a:t>
             </a:fld>
             <a:endParaRPr lang="en-IN"/>
           </a:p>
@@ -14541,7 +14608,7 @@
           <a:p>
             <a:fld id="{0E8C9E9E-0463-460F-9554-A68E93E25788}" type="datetimeFigureOut">
               <a:rPr lang="en-IN" smtClean="0"/>
-              <a:t>08-10-2023</a:t>
+              <a:t>10-10-2023</a:t>
             </a:fld>
             <a:endParaRPr lang="en-IN"/>
           </a:p>
@@ -14818,7 +14885,7 @@
           <a:p>
             <a:fld id="{0E8C9E9E-0463-460F-9554-A68E93E25788}" type="datetimeFigureOut">
               <a:rPr lang="en-IN" smtClean="0"/>
-              <a:t>08-10-2023</a:t>
+              <a:t>10-10-2023</a:t>
             </a:fld>
             <a:endParaRPr lang="en-IN"/>
           </a:p>
@@ -15075,7 +15142,7 @@
           <a:p>
             <a:fld id="{0E8C9E9E-0463-460F-9554-A68E93E25788}" type="datetimeFigureOut">
               <a:rPr lang="en-IN" smtClean="0"/>
-              <a:t>08-10-2023</a:t>
+              <a:t>10-10-2023</a:t>
             </a:fld>
             <a:endParaRPr lang="en-IN"/>
           </a:p>
@@ -15288,7 +15355,7 @@
           <a:p>
             <a:fld id="{0E8C9E9E-0463-460F-9554-A68E93E25788}" type="datetimeFigureOut">
               <a:rPr lang="en-IN" smtClean="0"/>
-              <a:t>08-10-2023</a:t>
+              <a:t>10-10-2023</a:t>
             </a:fld>
             <a:endParaRPr lang="en-IN"/>
           </a:p>
@@ -16224,6 +16291,4766 @@
 </p:sld>
 </file>
 
+<file path=ppt/slides/slide10.xml><?xml version="1.0" encoding="utf-8"?>
+<p:sld xmlns:a="http://schemas.openxmlformats.org/drawingml/2006/main" xmlns:r="http://schemas.openxmlformats.org/officeDocument/2006/relationships" xmlns:p="http://schemas.openxmlformats.org/presentationml/2006/main">
+  <p:cSld>
+    <p:spTree>
+      <p:nvGrpSpPr>
+        <p:cNvPr id="1" name=""/>
+        <p:cNvGrpSpPr/>
+        <p:nvPr/>
+      </p:nvGrpSpPr>
+      <p:grpSpPr>
+        <a:xfrm>
+          <a:off x="0" y="0"/>
+          <a:ext cx="0" cy="0"/>
+          <a:chOff x="0" y="0"/>
+          <a:chExt cx="0" cy="0"/>
+        </a:xfrm>
+      </p:grpSpPr>
+      <p:sp>
+        <p:nvSpPr>
+          <p:cNvPr id="2" name="Title 1">
+            <a:extLst>
+              <a:ext uri="{FF2B5EF4-FFF2-40B4-BE49-F238E27FC236}">
+                <a16:creationId xmlns:a16="http://schemas.microsoft.com/office/drawing/2014/main" id="{7E6792CE-8BD6-F52E-DB88-21B4248067AF}"/>
+              </a:ext>
+            </a:extLst>
+          </p:cNvPr>
+          <p:cNvSpPr>
+            <a:spLocks noGrp="1"/>
+          </p:cNvSpPr>
+          <p:nvPr>
+            <p:ph type="title"/>
+          </p:nvPr>
+        </p:nvSpPr>
+        <p:spPr/>
+        <p:txBody>
+          <a:bodyPr/>
+          <a:lstStyle/>
+          <a:p>
+            <a:r>
+              <a:rPr lang="en-IN" dirty="0"/>
+              <a:t>Term and Interest Rate</a:t>
+            </a:r>
+          </a:p>
+        </p:txBody>
+      </p:sp>
+      <p:sp>
+        <p:nvSpPr>
+          <p:cNvPr id="3" name="Content Placeholder 2">
+            <a:extLst>
+              <a:ext uri="{FF2B5EF4-FFF2-40B4-BE49-F238E27FC236}">
+                <a16:creationId xmlns:a16="http://schemas.microsoft.com/office/drawing/2014/main" id="{77811BD3-46D5-3C11-49A6-C9B1F0763696}"/>
+              </a:ext>
+            </a:extLst>
+          </p:cNvPr>
+          <p:cNvSpPr>
+            <a:spLocks noGrp="1"/>
+          </p:cNvSpPr>
+          <p:nvPr>
+            <p:ph idx="1"/>
+          </p:nvPr>
+        </p:nvSpPr>
+        <p:spPr>
+          <a:xfrm>
+            <a:off x="1208773" y="4979744"/>
+            <a:ext cx="4268804" cy="1559377"/>
+          </a:xfrm>
+        </p:spPr>
+        <p:txBody>
+          <a:bodyPr>
+            <a:normAutofit fontScale="92500" lnSpcReduction="20000"/>
+          </a:bodyPr>
+          <a:lstStyle/>
+          <a:p>
+            <a:pPr>
+              <a:buFont typeface="Wingdings" panose="05000000000000000000" pitchFamily="2" charset="2"/>
+              <a:buChar char="§"/>
+            </a:pPr>
+            <a:r>
+              <a:rPr lang="en-IN" b="1" dirty="0"/>
+              <a:t>Loan Term: </a:t>
+            </a:r>
+            <a:r>
+              <a:rPr lang="en-IN" dirty="0"/>
+              <a:t> The Loans taken for 36 month term are much more than 60 months and have lower chance of defaulting. </a:t>
+            </a:r>
+          </a:p>
+        </p:txBody>
+      </p:sp>
+      <p:sp>
+        <p:nvSpPr>
+          <p:cNvPr id="4" name="Content Placeholder 2">
+            <a:extLst>
+              <a:ext uri="{FF2B5EF4-FFF2-40B4-BE49-F238E27FC236}">
+                <a16:creationId xmlns:a16="http://schemas.microsoft.com/office/drawing/2014/main" id="{481B4D95-2CFD-901A-1653-8FBB6D3214B4}"/>
+              </a:ext>
+            </a:extLst>
+          </p:cNvPr>
+          <p:cNvSpPr txBox="1">
+            <a:spLocks/>
+          </p:cNvSpPr>
+          <p:nvPr/>
+        </p:nvSpPr>
+        <p:spPr>
+          <a:xfrm>
+            <a:off x="6126480" y="4287970"/>
+            <a:ext cx="4856747" cy="1583266"/>
+          </a:xfrm>
+          <a:prstGeom prst="rect">
+            <a:avLst/>
+          </a:prstGeom>
+        </p:spPr>
+        <p:txBody>
+          <a:bodyPr vert="horz" lIns="0" tIns="45720" rIns="0" bIns="45720" rtlCol="0">
+            <a:normAutofit/>
+          </a:bodyPr>
+          <a:lstStyle>
+            <a:lvl1pPr marL="91440" indent="-91440" algn="l" defTabSz="914400" rtl="0" eaLnBrk="1" latinLnBrk="0" hangingPunct="1">
+              <a:lnSpc>
+                <a:spcPct val="90000"/>
+              </a:lnSpc>
+              <a:spcBef>
+                <a:spcPts val="1200"/>
+              </a:spcBef>
+              <a:spcAft>
+                <a:spcPts val="200"/>
+              </a:spcAft>
+              <a:buClr>
+                <a:schemeClr val="accent1"/>
+              </a:buClr>
+              <a:buSzPct val="100000"/>
+              <a:buFont typeface="Calibri" panose="020F0502020204030204" pitchFamily="34" charset="0"/>
+              <a:buChar char=" "/>
+              <a:defRPr sz="2000" kern="1200">
+                <a:solidFill>
+                  <a:schemeClr val="tx1">
+                    <a:lumMod val="75000"/>
+                    <a:lumOff val="25000"/>
+                  </a:schemeClr>
+                </a:solidFill>
+                <a:latin typeface="+mn-lt"/>
+                <a:ea typeface="+mn-ea"/>
+                <a:cs typeface="+mn-cs"/>
+              </a:defRPr>
+            </a:lvl1pPr>
+            <a:lvl2pPr marL="384048" indent="-182880" algn="l" defTabSz="914400" rtl="0" eaLnBrk="1" latinLnBrk="0" hangingPunct="1">
+              <a:lnSpc>
+                <a:spcPct val="90000"/>
+              </a:lnSpc>
+              <a:spcBef>
+                <a:spcPts val="200"/>
+              </a:spcBef>
+              <a:spcAft>
+                <a:spcPts val="400"/>
+              </a:spcAft>
+              <a:buClr>
+                <a:schemeClr val="accent1"/>
+              </a:buClr>
+              <a:buFont typeface="Calibri" pitchFamily="34" charset="0"/>
+              <a:buChar char="◦"/>
+              <a:defRPr sz="1800" kern="1200">
+                <a:solidFill>
+                  <a:schemeClr val="tx1">
+                    <a:lumMod val="75000"/>
+                    <a:lumOff val="25000"/>
+                  </a:schemeClr>
+                </a:solidFill>
+                <a:latin typeface="+mn-lt"/>
+                <a:ea typeface="+mn-ea"/>
+                <a:cs typeface="+mn-cs"/>
+              </a:defRPr>
+            </a:lvl2pPr>
+            <a:lvl3pPr marL="566928" indent="-182880" algn="l" defTabSz="914400" rtl="0" eaLnBrk="1" latinLnBrk="0" hangingPunct="1">
+              <a:lnSpc>
+                <a:spcPct val="90000"/>
+              </a:lnSpc>
+              <a:spcBef>
+                <a:spcPts val="200"/>
+              </a:spcBef>
+              <a:spcAft>
+                <a:spcPts val="400"/>
+              </a:spcAft>
+              <a:buClr>
+                <a:schemeClr val="accent1"/>
+              </a:buClr>
+              <a:buFont typeface="Calibri" pitchFamily="34" charset="0"/>
+              <a:buChar char="◦"/>
+              <a:defRPr sz="1400" kern="1200">
+                <a:solidFill>
+                  <a:schemeClr val="tx1">
+                    <a:lumMod val="75000"/>
+                    <a:lumOff val="25000"/>
+                  </a:schemeClr>
+                </a:solidFill>
+                <a:latin typeface="+mn-lt"/>
+                <a:ea typeface="+mn-ea"/>
+                <a:cs typeface="+mn-cs"/>
+              </a:defRPr>
+            </a:lvl3pPr>
+            <a:lvl4pPr marL="749808" indent="-182880" algn="l" defTabSz="914400" rtl="0" eaLnBrk="1" latinLnBrk="0" hangingPunct="1">
+              <a:lnSpc>
+                <a:spcPct val="90000"/>
+              </a:lnSpc>
+              <a:spcBef>
+                <a:spcPts val="200"/>
+              </a:spcBef>
+              <a:spcAft>
+                <a:spcPts val="400"/>
+              </a:spcAft>
+              <a:buClr>
+                <a:schemeClr val="accent1"/>
+              </a:buClr>
+              <a:buFont typeface="Calibri" pitchFamily="34" charset="0"/>
+              <a:buChar char="◦"/>
+              <a:defRPr sz="1400" kern="1200">
+                <a:solidFill>
+                  <a:schemeClr val="tx1">
+                    <a:lumMod val="75000"/>
+                    <a:lumOff val="25000"/>
+                  </a:schemeClr>
+                </a:solidFill>
+                <a:latin typeface="+mn-lt"/>
+                <a:ea typeface="+mn-ea"/>
+                <a:cs typeface="+mn-cs"/>
+              </a:defRPr>
+            </a:lvl4pPr>
+            <a:lvl5pPr marL="932688" indent="-182880" algn="l" defTabSz="914400" rtl="0" eaLnBrk="1" latinLnBrk="0" hangingPunct="1">
+              <a:lnSpc>
+                <a:spcPct val="90000"/>
+              </a:lnSpc>
+              <a:spcBef>
+                <a:spcPts val="200"/>
+              </a:spcBef>
+              <a:spcAft>
+                <a:spcPts val="400"/>
+              </a:spcAft>
+              <a:buClr>
+                <a:schemeClr val="accent1"/>
+              </a:buClr>
+              <a:buFont typeface="Calibri" pitchFamily="34" charset="0"/>
+              <a:buChar char="◦"/>
+              <a:defRPr sz="1400" kern="1200">
+                <a:solidFill>
+                  <a:schemeClr val="tx1">
+                    <a:lumMod val="75000"/>
+                    <a:lumOff val="25000"/>
+                  </a:schemeClr>
+                </a:solidFill>
+                <a:latin typeface="+mn-lt"/>
+                <a:ea typeface="+mn-ea"/>
+                <a:cs typeface="+mn-cs"/>
+              </a:defRPr>
+            </a:lvl5pPr>
+            <a:lvl6pPr marL="1100000" indent="-228600" algn="l" defTabSz="914400" rtl="0" eaLnBrk="1" latinLnBrk="0" hangingPunct="1">
+              <a:lnSpc>
+                <a:spcPct val="90000"/>
+              </a:lnSpc>
+              <a:spcBef>
+                <a:spcPts val="200"/>
+              </a:spcBef>
+              <a:spcAft>
+                <a:spcPts val="400"/>
+              </a:spcAft>
+              <a:buClr>
+                <a:schemeClr val="accent1"/>
+              </a:buClr>
+              <a:buFont typeface="Calibri" pitchFamily="34" charset="0"/>
+              <a:buChar char="◦"/>
+              <a:defRPr sz="1400" kern="1200">
+                <a:solidFill>
+                  <a:schemeClr val="tx1">
+                    <a:lumMod val="75000"/>
+                    <a:lumOff val="25000"/>
+                  </a:schemeClr>
+                </a:solidFill>
+                <a:latin typeface="+mn-lt"/>
+                <a:ea typeface="+mn-ea"/>
+                <a:cs typeface="+mn-cs"/>
+              </a:defRPr>
+            </a:lvl6pPr>
+            <a:lvl7pPr marL="1300000" indent="-228600" algn="l" defTabSz="914400" rtl="0" eaLnBrk="1" latinLnBrk="0" hangingPunct="1">
+              <a:lnSpc>
+                <a:spcPct val="90000"/>
+              </a:lnSpc>
+              <a:spcBef>
+                <a:spcPts val="200"/>
+              </a:spcBef>
+              <a:spcAft>
+                <a:spcPts val="400"/>
+              </a:spcAft>
+              <a:buClr>
+                <a:schemeClr val="accent1"/>
+              </a:buClr>
+              <a:buFont typeface="Calibri" pitchFamily="34" charset="0"/>
+              <a:buChar char="◦"/>
+              <a:defRPr sz="1400" kern="1200">
+                <a:solidFill>
+                  <a:schemeClr val="tx1">
+                    <a:lumMod val="75000"/>
+                    <a:lumOff val="25000"/>
+                  </a:schemeClr>
+                </a:solidFill>
+                <a:latin typeface="+mn-lt"/>
+                <a:ea typeface="+mn-ea"/>
+                <a:cs typeface="+mn-cs"/>
+              </a:defRPr>
+            </a:lvl7pPr>
+            <a:lvl8pPr marL="1500000" indent="-228600" algn="l" defTabSz="914400" rtl="0" eaLnBrk="1" latinLnBrk="0" hangingPunct="1">
+              <a:lnSpc>
+                <a:spcPct val="90000"/>
+              </a:lnSpc>
+              <a:spcBef>
+                <a:spcPts val="200"/>
+              </a:spcBef>
+              <a:spcAft>
+                <a:spcPts val="400"/>
+              </a:spcAft>
+              <a:buClr>
+                <a:schemeClr val="accent1"/>
+              </a:buClr>
+              <a:buFont typeface="Calibri" pitchFamily="34" charset="0"/>
+              <a:buChar char="◦"/>
+              <a:defRPr sz="1400" kern="1200">
+                <a:solidFill>
+                  <a:schemeClr val="tx1">
+                    <a:lumMod val="75000"/>
+                    <a:lumOff val="25000"/>
+                  </a:schemeClr>
+                </a:solidFill>
+                <a:latin typeface="+mn-lt"/>
+                <a:ea typeface="+mn-ea"/>
+                <a:cs typeface="+mn-cs"/>
+              </a:defRPr>
+            </a:lvl8pPr>
+            <a:lvl9pPr marL="1700000" indent="-228600" algn="l" defTabSz="914400" rtl="0" eaLnBrk="1" latinLnBrk="0" hangingPunct="1">
+              <a:lnSpc>
+                <a:spcPct val="90000"/>
+              </a:lnSpc>
+              <a:spcBef>
+                <a:spcPts val="200"/>
+              </a:spcBef>
+              <a:spcAft>
+                <a:spcPts val="400"/>
+              </a:spcAft>
+              <a:buClr>
+                <a:schemeClr val="accent1"/>
+              </a:buClr>
+              <a:buFont typeface="Calibri" pitchFamily="34" charset="0"/>
+              <a:buChar char="◦"/>
+              <a:defRPr sz="1400" kern="1200">
+                <a:solidFill>
+                  <a:schemeClr val="tx1">
+                    <a:lumMod val="75000"/>
+                    <a:lumOff val="25000"/>
+                  </a:schemeClr>
+                </a:solidFill>
+                <a:latin typeface="+mn-lt"/>
+                <a:ea typeface="+mn-ea"/>
+                <a:cs typeface="+mn-cs"/>
+              </a:defRPr>
+            </a:lvl9pPr>
+          </a:lstStyle>
+          <a:p>
+            <a:endParaRPr lang="en-IN" dirty="0"/>
+          </a:p>
+        </p:txBody>
+      </p:sp>
+      <p:sp>
+        <p:nvSpPr>
+          <p:cNvPr id="8" name="Content Placeholder 2">
+            <a:extLst>
+              <a:ext uri="{FF2B5EF4-FFF2-40B4-BE49-F238E27FC236}">
+                <a16:creationId xmlns:a16="http://schemas.microsoft.com/office/drawing/2014/main" id="{72B1345C-BECF-413D-ECFB-4BBD6973ABFB}"/>
+              </a:ext>
+            </a:extLst>
+          </p:cNvPr>
+          <p:cNvSpPr txBox="1">
+            <a:spLocks/>
+          </p:cNvSpPr>
+          <p:nvPr/>
+        </p:nvSpPr>
+        <p:spPr>
+          <a:xfrm>
+            <a:off x="6388768" y="4984892"/>
+            <a:ext cx="5366085" cy="1559377"/>
+          </a:xfrm>
+          <a:prstGeom prst="rect">
+            <a:avLst/>
+          </a:prstGeom>
+        </p:spPr>
+        <p:txBody>
+          <a:bodyPr vert="horz" lIns="0" tIns="45720" rIns="0" bIns="45720" rtlCol="0">
+            <a:normAutofit/>
+          </a:bodyPr>
+          <a:lstStyle>
+            <a:lvl1pPr marL="91440" indent="-91440" algn="l" defTabSz="914400" rtl="0" eaLnBrk="1" latinLnBrk="0" hangingPunct="1">
+              <a:lnSpc>
+                <a:spcPct val="90000"/>
+              </a:lnSpc>
+              <a:spcBef>
+                <a:spcPts val="1200"/>
+              </a:spcBef>
+              <a:spcAft>
+                <a:spcPts val="200"/>
+              </a:spcAft>
+              <a:buClr>
+                <a:schemeClr val="accent1"/>
+              </a:buClr>
+              <a:buSzPct val="100000"/>
+              <a:buFont typeface="Calibri" panose="020F0502020204030204" pitchFamily="34" charset="0"/>
+              <a:buChar char=" "/>
+              <a:defRPr sz="2000" kern="1200">
+                <a:solidFill>
+                  <a:schemeClr val="tx1">
+                    <a:lumMod val="75000"/>
+                    <a:lumOff val="25000"/>
+                  </a:schemeClr>
+                </a:solidFill>
+                <a:latin typeface="+mn-lt"/>
+                <a:ea typeface="+mn-ea"/>
+                <a:cs typeface="+mn-cs"/>
+              </a:defRPr>
+            </a:lvl1pPr>
+            <a:lvl2pPr marL="384048" indent="-182880" algn="l" defTabSz="914400" rtl="0" eaLnBrk="1" latinLnBrk="0" hangingPunct="1">
+              <a:lnSpc>
+                <a:spcPct val="90000"/>
+              </a:lnSpc>
+              <a:spcBef>
+                <a:spcPts val="200"/>
+              </a:spcBef>
+              <a:spcAft>
+                <a:spcPts val="400"/>
+              </a:spcAft>
+              <a:buClr>
+                <a:schemeClr val="accent1"/>
+              </a:buClr>
+              <a:buFont typeface="Calibri" pitchFamily="34" charset="0"/>
+              <a:buChar char="◦"/>
+              <a:defRPr sz="1800" kern="1200">
+                <a:solidFill>
+                  <a:schemeClr val="tx1">
+                    <a:lumMod val="75000"/>
+                    <a:lumOff val="25000"/>
+                  </a:schemeClr>
+                </a:solidFill>
+                <a:latin typeface="+mn-lt"/>
+                <a:ea typeface="+mn-ea"/>
+                <a:cs typeface="+mn-cs"/>
+              </a:defRPr>
+            </a:lvl2pPr>
+            <a:lvl3pPr marL="566928" indent="-182880" algn="l" defTabSz="914400" rtl="0" eaLnBrk="1" latinLnBrk="0" hangingPunct="1">
+              <a:lnSpc>
+                <a:spcPct val="90000"/>
+              </a:lnSpc>
+              <a:spcBef>
+                <a:spcPts val="200"/>
+              </a:spcBef>
+              <a:spcAft>
+                <a:spcPts val="400"/>
+              </a:spcAft>
+              <a:buClr>
+                <a:schemeClr val="accent1"/>
+              </a:buClr>
+              <a:buFont typeface="Calibri" pitchFamily="34" charset="0"/>
+              <a:buChar char="◦"/>
+              <a:defRPr sz="1400" kern="1200">
+                <a:solidFill>
+                  <a:schemeClr val="tx1">
+                    <a:lumMod val="75000"/>
+                    <a:lumOff val="25000"/>
+                  </a:schemeClr>
+                </a:solidFill>
+                <a:latin typeface="+mn-lt"/>
+                <a:ea typeface="+mn-ea"/>
+                <a:cs typeface="+mn-cs"/>
+              </a:defRPr>
+            </a:lvl3pPr>
+            <a:lvl4pPr marL="749808" indent="-182880" algn="l" defTabSz="914400" rtl="0" eaLnBrk="1" latinLnBrk="0" hangingPunct="1">
+              <a:lnSpc>
+                <a:spcPct val="90000"/>
+              </a:lnSpc>
+              <a:spcBef>
+                <a:spcPts val="200"/>
+              </a:spcBef>
+              <a:spcAft>
+                <a:spcPts val="400"/>
+              </a:spcAft>
+              <a:buClr>
+                <a:schemeClr val="accent1"/>
+              </a:buClr>
+              <a:buFont typeface="Calibri" pitchFamily="34" charset="0"/>
+              <a:buChar char="◦"/>
+              <a:defRPr sz="1400" kern="1200">
+                <a:solidFill>
+                  <a:schemeClr val="tx1">
+                    <a:lumMod val="75000"/>
+                    <a:lumOff val="25000"/>
+                  </a:schemeClr>
+                </a:solidFill>
+                <a:latin typeface="+mn-lt"/>
+                <a:ea typeface="+mn-ea"/>
+                <a:cs typeface="+mn-cs"/>
+              </a:defRPr>
+            </a:lvl4pPr>
+            <a:lvl5pPr marL="932688" indent="-182880" algn="l" defTabSz="914400" rtl="0" eaLnBrk="1" latinLnBrk="0" hangingPunct="1">
+              <a:lnSpc>
+                <a:spcPct val="90000"/>
+              </a:lnSpc>
+              <a:spcBef>
+                <a:spcPts val="200"/>
+              </a:spcBef>
+              <a:spcAft>
+                <a:spcPts val="400"/>
+              </a:spcAft>
+              <a:buClr>
+                <a:schemeClr val="accent1"/>
+              </a:buClr>
+              <a:buFont typeface="Calibri" pitchFamily="34" charset="0"/>
+              <a:buChar char="◦"/>
+              <a:defRPr sz="1400" kern="1200">
+                <a:solidFill>
+                  <a:schemeClr val="tx1">
+                    <a:lumMod val="75000"/>
+                    <a:lumOff val="25000"/>
+                  </a:schemeClr>
+                </a:solidFill>
+                <a:latin typeface="+mn-lt"/>
+                <a:ea typeface="+mn-ea"/>
+                <a:cs typeface="+mn-cs"/>
+              </a:defRPr>
+            </a:lvl5pPr>
+            <a:lvl6pPr marL="1100000" indent="-228600" algn="l" defTabSz="914400" rtl="0" eaLnBrk="1" latinLnBrk="0" hangingPunct="1">
+              <a:lnSpc>
+                <a:spcPct val="90000"/>
+              </a:lnSpc>
+              <a:spcBef>
+                <a:spcPts val="200"/>
+              </a:spcBef>
+              <a:spcAft>
+                <a:spcPts val="400"/>
+              </a:spcAft>
+              <a:buClr>
+                <a:schemeClr val="accent1"/>
+              </a:buClr>
+              <a:buFont typeface="Calibri" pitchFamily="34" charset="0"/>
+              <a:buChar char="◦"/>
+              <a:defRPr sz="1400" kern="1200">
+                <a:solidFill>
+                  <a:schemeClr val="tx1">
+                    <a:lumMod val="75000"/>
+                    <a:lumOff val="25000"/>
+                  </a:schemeClr>
+                </a:solidFill>
+                <a:latin typeface="+mn-lt"/>
+                <a:ea typeface="+mn-ea"/>
+                <a:cs typeface="+mn-cs"/>
+              </a:defRPr>
+            </a:lvl6pPr>
+            <a:lvl7pPr marL="1300000" indent="-228600" algn="l" defTabSz="914400" rtl="0" eaLnBrk="1" latinLnBrk="0" hangingPunct="1">
+              <a:lnSpc>
+                <a:spcPct val="90000"/>
+              </a:lnSpc>
+              <a:spcBef>
+                <a:spcPts val="200"/>
+              </a:spcBef>
+              <a:spcAft>
+                <a:spcPts val="400"/>
+              </a:spcAft>
+              <a:buClr>
+                <a:schemeClr val="accent1"/>
+              </a:buClr>
+              <a:buFont typeface="Calibri" pitchFamily="34" charset="0"/>
+              <a:buChar char="◦"/>
+              <a:defRPr sz="1400" kern="1200">
+                <a:solidFill>
+                  <a:schemeClr val="tx1">
+                    <a:lumMod val="75000"/>
+                    <a:lumOff val="25000"/>
+                  </a:schemeClr>
+                </a:solidFill>
+                <a:latin typeface="+mn-lt"/>
+                <a:ea typeface="+mn-ea"/>
+                <a:cs typeface="+mn-cs"/>
+              </a:defRPr>
+            </a:lvl7pPr>
+            <a:lvl8pPr marL="1500000" indent="-228600" algn="l" defTabSz="914400" rtl="0" eaLnBrk="1" latinLnBrk="0" hangingPunct="1">
+              <a:lnSpc>
+                <a:spcPct val="90000"/>
+              </a:lnSpc>
+              <a:spcBef>
+                <a:spcPts val="200"/>
+              </a:spcBef>
+              <a:spcAft>
+                <a:spcPts val="400"/>
+              </a:spcAft>
+              <a:buClr>
+                <a:schemeClr val="accent1"/>
+              </a:buClr>
+              <a:buFont typeface="Calibri" pitchFamily="34" charset="0"/>
+              <a:buChar char="◦"/>
+              <a:defRPr sz="1400" kern="1200">
+                <a:solidFill>
+                  <a:schemeClr val="tx1">
+                    <a:lumMod val="75000"/>
+                    <a:lumOff val="25000"/>
+                  </a:schemeClr>
+                </a:solidFill>
+                <a:latin typeface="+mn-lt"/>
+                <a:ea typeface="+mn-ea"/>
+                <a:cs typeface="+mn-cs"/>
+              </a:defRPr>
+            </a:lvl8pPr>
+            <a:lvl9pPr marL="1700000" indent="-228600" algn="l" defTabSz="914400" rtl="0" eaLnBrk="1" latinLnBrk="0" hangingPunct="1">
+              <a:lnSpc>
+                <a:spcPct val="90000"/>
+              </a:lnSpc>
+              <a:spcBef>
+                <a:spcPts val="200"/>
+              </a:spcBef>
+              <a:spcAft>
+                <a:spcPts val="400"/>
+              </a:spcAft>
+              <a:buClr>
+                <a:schemeClr val="accent1"/>
+              </a:buClr>
+              <a:buFont typeface="Calibri" pitchFamily="34" charset="0"/>
+              <a:buChar char="◦"/>
+              <a:defRPr sz="1400" kern="1200">
+                <a:solidFill>
+                  <a:schemeClr val="tx1">
+                    <a:lumMod val="75000"/>
+                    <a:lumOff val="25000"/>
+                  </a:schemeClr>
+                </a:solidFill>
+                <a:latin typeface="+mn-lt"/>
+                <a:ea typeface="+mn-ea"/>
+                <a:cs typeface="+mn-cs"/>
+              </a:defRPr>
+            </a:lvl9pPr>
+          </a:lstStyle>
+          <a:p>
+            <a:pPr>
+              <a:buFont typeface="Wingdings" panose="05000000000000000000" pitchFamily="2" charset="2"/>
+              <a:buChar char="§"/>
+            </a:pPr>
+            <a:r>
+              <a:rPr lang="en-IN" b="1" dirty="0"/>
+              <a:t>Interest Rate: </a:t>
+            </a:r>
+            <a:r>
+              <a:rPr lang="en-IN" dirty="0"/>
+              <a:t>The count of loan taken varies with interest rate showing peak around in 5-15 bracket and decreasing slowly where as the chance of defaulting increases with interest rate.</a:t>
+            </a:r>
+          </a:p>
+        </p:txBody>
+      </p:sp>
+      <p:pic>
+        <p:nvPicPr>
+          <p:cNvPr id="13" name="Picture 12">
+            <a:extLst>
+              <a:ext uri="{FF2B5EF4-FFF2-40B4-BE49-F238E27FC236}">
+                <a16:creationId xmlns:a16="http://schemas.microsoft.com/office/drawing/2014/main" id="{E5994666-9162-8840-6616-D5D9181CC33E}"/>
+              </a:ext>
+            </a:extLst>
+          </p:cNvPr>
+          <p:cNvPicPr>
+            <a:picLocks noChangeAspect="1"/>
+          </p:cNvPicPr>
+          <p:nvPr/>
+        </p:nvPicPr>
+        <p:blipFill>
+          <a:blip r:embed="rId2"/>
+          <a:stretch>
+            <a:fillRect/>
+          </a:stretch>
+        </p:blipFill>
+        <p:spPr>
+          <a:xfrm>
+            <a:off x="108663" y="1887384"/>
+            <a:ext cx="5906324" cy="3124636"/>
+          </a:xfrm>
+          <a:prstGeom prst="rect">
+            <a:avLst/>
+          </a:prstGeom>
+        </p:spPr>
+      </p:pic>
+      <p:pic>
+        <p:nvPicPr>
+          <p:cNvPr id="15" name="Picture 14">
+            <a:extLst>
+              <a:ext uri="{FF2B5EF4-FFF2-40B4-BE49-F238E27FC236}">
+                <a16:creationId xmlns:a16="http://schemas.microsoft.com/office/drawing/2014/main" id="{0F0871A2-BC72-DACB-BCAF-BE4546C77119}"/>
+              </a:ext>
+            </a:extLst>
+          </p:cNvPr>
+          <p:cNvPicPr>
+            <a:picLocks noChangeAspect="1"/>
+          </p:cNvPicPr>
+          <p:nvPr/>
+        </p:nvPicPr>
+        <p:blipFill>
+          <a:blip r:embed="rId3"/>
+          <a:stretch>
+            <a:fillRect/>
+          </a:stretch>
+        </p:blipFill>
+        <p:spPr>
+          <a:xfrm>
+            <a:off x="6096000" y="1887384"/>
+            <a:ext cx="5858693" cy="3143689"/>
+          </a:xfrm>
+          <a:prstGeom prst="rect">
+            <a:avLst/>
+          </a:prstGeom>
+        </p:spPr>
+      </p:pic>
+    </p:spTree>
+    <p:extLst>
+      <p:ext uri="{BB962C8B-B14F-4D97-AF65-F5344CB8AC3E}">
+        <p14:creationId xmlns:p14="http://schemas.microsoft.com/office/powerpoint/2010/main" val="3242725054"/>
+      </p:ext>
+    </p:extLst>
+  </p:cSld>
+  <p:clrMapOvr>
+    <a:masterClrMapping/>
+  </p:clrMapOvr>
+  <mc:AlternateContent xmlns:mc="http://schemas.openxmlformats.org/markup-compatibility/2006" xmlns:p14="http://schemas.microsoft.com/office/powerpoint/2010/main">
+    <mc:Choice Requires="p14">
+      <p:transition spd="med" p14:dur="700">
+        <p:fade/>
+      </p:transition>
+    </mc:Choice>
+    <mc:Fallback xmlns="">
+      <p:transition spd="med">
+        <p:fade/>
+      </p:transition>
+    </mc:Fallback>
+  </mc:AlternateContent>
+</p:sld>
+</file>
+
+<file path=ppt/slides/slide11.xml><?xml version="1.0" encoding="utf-8"?>
+<p:sld xmlns:a="http://schemas.openxmlformats.org/drawingml/2006/main" xmlns:r="http://schemas.openxmlformats.org/officeDocument/2006/relationships" xmlns:p="http://schemas.openxmlformats.org/presentationml/2006/main">
+  <p:cSld>
+    <p:spTree>
+      <p:nvGrpSpPr>
+        <p:cNvPr id="1" name=""/>
+        <p:cNvGrpSpPr/>
+        <p:nvPr/>
+      </p:nvGrpSpPr>
+      <p:grpSpPr>
+        <a:xfrm>
+          <a:off x="0" y="0"/>
+          <a:ext cx="0" cy="0"/>
+          <a:chOff x="0" y="0"/>
+          <a:chExt cx="0" cy="0"/>
+        </a:xfrm>
+      </p:grpSpPr>
+      <p:sp>
+        <p:nvSpPr>
+          <p:cNvPr id="2" name="Title 1">
+            <a:extLst>
+              <a:ext uri="{FF2B5EF4-FFF2-40B4-BE49-F238E27FC236}">
+                <a16:creationId xmlns:a16="http://schemas.microsoft.com/office/drawing/2014/main" id="{7E6792CE-8BD6-F52E-DB88-21B4248067AF}"/>
+              </a:ext>
+            </a:extLst>
+          </p:cNvPr>
+          <p:cNvSpPr>
+            <a:spLocks noGrp="1"/>
+          </p:cNvSpPr>
+          <p:nvPr>
+            <p:ph type="title"/>
+          </p:nvPr>
+        </p:nvSpPr>
+        <p:spPr>
+          <a:xfrm>
+            <a:off x="2146852" y="225466"/>
+            <a:ext cx="7841974" cy="1325563"/>
+          </a:xfrm>
+        </p:spPr>
+        <p:txBody>
+          <a:bodyPr>
+            <a:normAutofit/>
+          </a:bodyPr>
+          <a:lstStyle/>
+          <a:p>
+            <a:r>
+              <a:rPr lang="en-IN" dirty="0"/>
+              <a:t>Distribution terms for  Grades</a:t>
+            </a:r>
+          </a:p>
+        </p:txBody>
+      </p:sp>
+      <p:sp>
+        <p:nvSpPr>
+          <p:cNvPr id="3" name="Content Placeholder 2">
+            <a:extLst>
+              <a:ext uri="{FF2B5EF4-FFF2-40B4-BE49-F238E27FC236}">
+                <a16:creationId xmlns:a16="http://schemas.microsoft.com/office/drawing/2014/main" id="{77811BD3-46D5-3C11-49A6-C9B1F0763696}"/>
+              </a:ext>
+            </a:extLst>
+          </p:cNvPr>
+          <p:cNvSpPr>
+            <a:spLocks noGrp="1"/>
+          </p:cNvSpPr>
+          <p:nvPr>
+            <p:ph idx="1"/>
+          </p:nvPr>
+        </p:nvSpPr>
+        <p:spPr>
+          <a:xfrm>
+            <a:off x="481262" y="5012020"/>
+            <a:ext cx="11157459" cy="1559377"/>
+          </a:xfrm>
+        </p:spPr>
+        <p:txBody>
+          <a:bodyPr>
+            <a:normAutofit/>
+          </a:bodyPr>
+          <a:lstStyle/>
+          <a:p>
+            <a:pPr>
+              <a:buFont typeface="Wingdings" panose="05000000000000000000" pitchFamily="2" charset="2"/>
+              <a:buChar char="§"/>
+            </a:pPr>
+            <a:r>
+              <a:rPr lang="en-IN" b="1" dirty="0"/>
+              <a:t>Grade: </a:t>
+            </a:r>
+            <a:r>
+              <a:rPr lang="en-IN" dirty="0"/>
+              <a:t>The loan approved are majorly of higher grade as they are of low risk thus low chance of defaulting. 60 month term loans have larger number of lower grade loans with high risk.</a:t>
+            </a:r>
+          </a:p>
+        </p:txBody>
+      </p:sp>
+      <p:sp>
+        <p:nvSpPr>
+          <p:cNvPr id="4" name="Content Placeholder 2">
+            <a:extLst>
+              <a:ext uri="{FF2B5EF4-FFF2-40B4-BE49-F238E27FC236}">
+                <a16:creationId xmlns:a16="http://schemas.microsoft.com/office/drawing/2014/main" id="{481B4D95-2CFD-901A-1653-8FBB6D3214B4}"/>
+              </a:ext>
+            </a:extLst>
+          </p:cNvPr>
+          <p:cNvSpPr txBox="1">
+            <a:spLocks/>
+          </p:cNvSpPr>
+          <p:nvPr/>
+        </p:nvSpPr>
+        <p:spPr>
+          <a:xfrm>
+            <a:off x="6126480" y="4287970"/>
+            <a:ext cx="4856747" cy="1583266"/>
+          </a:xfrm>
+          <a:prstGeom prst="rect">
+            <a:avLst/>
+          </a:prstGeom>
+        </p:spPr>
+        <p:txBody>
+          <a:bodyPr vert="horz" lIns="0" tIns="45720" rIns="0" bIns="45720" rtlCol="0">
+            <a:normAutofit/>
+          </a:bodyPr>
+          <a:lstStyle>
+            <a:lvl1pPr marL="91440" indent="-91440" algn="l" defTabSz="914400" rtl="0" eaLnBrk="1" latinLnBrk="0" hangingPunct="1">
+              <a:lnSpc>
+                <a:spcPct val="90000"/>
+              </a:lnSpc>
+              <a:spcBef>
+                <a:spcPts val="1200"/>
+              </a:spcBef>
+              <a:spcAft>
+                <a:spcPts val="200"/>
+              </a:spcAft>
+              <a:buClr>
+                <a:schemeClr val="accent1"/>
+              </a:buClr>
+              <a:buSzPct val="100000"/>
+              <a:buFont typeface="Calibri" panose="020F0502020204030204" pitchFamily="34" charset="0"/>
+              <a:buChar char=" "/>
+              <a:defRPr sz="2000" kern="1200">
+                <a:solidFill>
+                  <a:schemeClr val="tx1">
+                    <a:lumMod val="75000"/>
+                    <a:lumOff val="25000"/>
+                  </a:schemeClr>
+                </a:solidFill>
+                <a:latin typeface="+mn-lt"/>
+                <a:ea typeface="+mn-ea"/>
+                <a:cs typeface="+mn-cs"/>
+              </a:defRPr>
+            </a:lvl1pPr>
+            <a:lvl2pPr marL="384048" indent="-182880" algn="l" defTabSz="914400" rtl="0" eaLnBrk="1" latinLnBrk="0" hangingPunct="1">
+              <a:lnSpc>
+                <a:spcPct val="90000"/>
+              </a:lnSpc>
+              <a:spcBef>
+                <a:spcPts val="200"/>
+              </a:spcBef>
+              <a:spcAft>
+                <a:spcPts val="400"/>
+              </a:spcAft>
+              <a:buClr>
+                <a:schemeClr val="accent1"/>
+              </a:buClr>
+              <a:buFont typeface="Calibri" pitchFamily="34" charset="0"/>
+              <a:buChar char="◦"/>
+              <a:defRPr sz="1800" kern="1200">
+                <a:solidFill>
+                  <a:schemeClr val="tx1">
+                    <a:lumMod val="75000"/>
+                    <a:lumOff val="25000"/>
+                  </a:schemeClr>
+                </a:solidFill>
+                <a:latin typeface="+mn-lt"/>
+                <a:ea typeface="+mn-ea"/>
+                <a:cs typeface="+mn-cs"/>
+              </a:defRPr>
+            </a:lvl2pPr>
+            <a:lvl3pPr marL="566928" indent="-182880" algn="l" defTabSz="914400" rtl="0" eaLnBrk="1" latinLnBrk="0" hangingPunct="1">
+              <a:lnSpc>
+                <a:spcPct val="90000"/>
+              </a:lnSpc>
+              <a:spcBef>
+                <a:spcPts val="200"/>
+              </a:spcBef>
+              <a:spcAft>
+                <a:spcPts val="400"/>
+              </a:spcAft>
+              <a:buClr>
+                <a:schemeClr val="accent1"/>
+              </a:buClr>
+              <a:buFont typeface="Calibri" pitchFamily="34" charset="0"/>
+              <a:buChar char="◦"/>
+              <a:defRPr sz="1400" kern="1200">
+                <a:solidFill>
+                  <a:schemeClr val="tx1">
+                    <a:lumMod val="75000"/>
+                    <a:lumOff val="25000"/>
+                  </a:schemeClr>
+                </a:solidFill>
+                <a:latin typeface="+mn-lt"/>
+                <a:ea typeface="+mn-ea"/>
+                <a:cs typeface="+mn-cs"/>
+              </a:defRPr>
+            </a:lvl3pPr>
+            <a:lvl4pPr marL="749808" indent="-182880" algn="l" defTabSz="914400" rtl="0" eaLnBrk="1" latinLnBrk="0" hangingPunct="1">
+              <a:lnSpc>
+                <a:spcPct val="90000"/>
+              </a:lnSpc>
+              <a:spcBef>
+                <a:spcPts val="200"/>
+              </a:spcBef>
+              <a:spcAft>
+                <a:spcPts val="400"/>
+              </a:spcAft>
+              <a:buClr>
+                <a:schemeClr val="accent1"/>
+              </a:buClr>
+              <a:buFont typeface="Calibri" pitchFamily="34" charset="0"/>
+              <a:buChar char="◦"/>
+              <a:defRPr sz="1400" kern="1200">
+                <a:solidFill>
+                  <a:schemeClr val="tx1">
+                    <a:lumMod val="75000"/>
+                    <a:lumOff val="25000"/>
+                  </a:schemeClr>
+                </a:solidFill>
+                <a:latin typeface="+mn-lt"/>
+                <a:ea typeface="+mn-ea"/>
+                <a:cs typeface="+mn-cs"/>
+              </a:defRPr>
+            </a:lvl4pPr>
+            <a:lvl5pPr marL="932688" indent="-182880" algn="l" defTabSz="914400" rtl="0" eaLnBrk="1" latinLnBrk="0" hangingPunct="1">
+              <a:lnSpc>
+                <a:spcPct val="90000"/>
+              </a:lnSpc>
+              <a:spcBef>
+                <a:spcPts val="200"/>
+              </a:spcBef>
+              <a:spcAft>
+                <a:spcPts val="400"/>
+              </a:spcAft>
+              <a:buClr>
+                <a:schemeClr val="accent1"/>
+              </a:buClr>
+              <a:buFont typeface="Calibri" pitchFamily="34" charset="0"/>
+              <a:buChar char="◦"/>
+              <a:defRPr sz="1400" kern="1200">
+                <a:solidFill>
+                  <a:schemeClr val="tx1">
+                    <a:lumMod val="75000"/>
+                    <a:lumOff val="25000"/>
+                  </a:schemeClr>
+                </a:solidFill>
+                <a:latin typeface="+mn-lt"/>
+                <a:ea typeface="+mn-ea"/>
+                <a:cs typeface="+mn-cs"/>
+              </a:defRPr>
+            </a:lvl5pPr>
+            <a:lvl6pPr marL="1100000" indent="-228600" algn="l" defTabSz="914400" rtl="0" eaLnBrk="1" latinLnBrk="0" hangingPunct="1">
+              <a:lnSpc>
+                <a:spcPct val="90000"/>
+              </a:lnSpc>
+              <a:spcBef>
+                <a:spcPts val="200"/>
+              </a:spcBef>
+              <a:spcAft>
+                <a:spcPts val="400"/>
+              </a:spcAft>
+              <a:buClr>
+                <a:schemeClr val="accent1"/>
+              </a:buClr>
+              <a:buFont typeface="Calibri" pitchFamily="34" charset="0"/>
+              <a:buChar char="◦"/>
+              <a:defRPr sz="1400" kern="1200">
+                <a:solidFill>
+                  <a:schemeClr val="tx1">
+                    <a:lumMod val="75000"/>
+                    <a:lumOff val="25000"/>
+                  </a:schemeClr>
+                </a:solidFill>
+                <a:latin typeface="+mn-lt"/>
+                <a:ea typeface="+mn-ea"/>
+                <a:cs typeface="+mn-cs"/>
+              </a:defRPr>
+            </a:lvl6pPr>
+            <a:lvl7pPr marL="1300000" indent="-228600" algn="l" defTabSz="914400" rtl="0" eaLnBrk="1" latinLnBrk="0" hangingPunct="1">
+              <a:lnSpc>
+                <a:spcPct val="90000"/>
+              </a:lnSpc>
+              <a:spcBef>
+                <a:spcPts val="200"/>
+              </a:spcBef>
+              <a:spcAft>
+                <a:spcPts val="400"/>
+              </a:spcAft>
+              <a:buClr>
+                <a:schemeClr val="accent1"/>
+              </a:buClr>
+              <a:buFont typeface="Calibri" pitchFamily="34" charset="0"/>
+              <a:buChar char="◦"/>
+              <a:defRPr sz="1400" kern="1200">
+                <a:solidFill>
+                  <a:schemeClr val="tx1">
+                    <a:lumMod val="75000"/>
+                    <a:lumOff val="25000"/>
+                  </a:schemeClr>
+                </a:solidFill>
+                <a:latin typeface="+mn-lt"/>
+                <a:ea typeface="+mn-ea"/>
+                <a:cs typeface="+mn-cs"/>
+              </a:defRPr>
+            </a:lvl7pPr>
+            <a:lvl8pPr marL="1500000" indent="-228600" algn="l" defTabSz="914400" rtl="0" eaLnBrk="1" latinLnBrk="0" hangingPunct="1">
+              <a:lnSpc>
+                <a:spcPct val="90000"/>
+              </a:lnSpc>
+              <a:spcBef>
+                <a:spcPts val="200"/>
+              </a:spcBef>
+              <a:spcAft>
+                <a:spcPts val="400"/>
+              </a:spcAft>
+              <a:buClr>
+                <a:schemeClr val="accent1"/>
+              </a:buClr>
+              <a:buFont typeface="Calibri" pitchFamily="34" charset="0"/>
+              <a:buChar char="◦"/>
+              <a:defRPr sz="1400" kern="1200">
+                <a:solidFill>
+                  <a:schemeClr val="tx1">
+                    <a:lumMod val="75000"/>
+                    <a:lumOff val="25000"/>
+                  </a:schemeClr>
+                </a:solidFill>
+                <a:latin typeface="+mn-lt"/>
+                <a:ea typeface="+mn-ea"/>
+                <a:cs typeface="+mn-cs"/>
+              </a:defRPr>
+            </a:lvl8pPr>
+            <a:lvl9pPr marL="1700000" indent="-228600" algn="l" defTabSz="914400" rtl="0" eaLnBrk="1" latinLnBrk="0" hangingPunct="1">
+              <a:lnSpc>
+                <a:spcPct val="90000"/>
+              </a:lnSpc>
+              <a:spcBef>
+                <a:spcPts val="200"/>
+              </a:spcBef>
+              <a:spcAft>
+                <a:spcPts val="400"/>
+              </a:spcAft>
+              <a:buClr>
+                <a:schemeClr val="accent1"/>
+              </a:buClr>
+              <a:buFont typeface="Calibri" pitchFamily="34" charset="0"/>
+              <a:buChar char="◦"/>
+              <a:defRPr sz="1400" kern="1200">
+                <a:solidFill>
+                  <a:schemeClr val="tx1">
+                    <a:lumMod val="75000"/>
+                    <a:lumOff val="25000"/>
+                  </a:schemeClr>
+                </a:solidFill>
+                <a:latin typeface="+mn-lt"/>
+                <a:ea typeface="+mn-ea"/>
+                <a:cs typeface="+mn-cs"/>
+              </a:defRPr>
+            </a:lvl9pPr>
+          </a:lstStyle>
+          <a:p>
+            <a:endParaRPr lang="en-IN" dirty="0"/>
+          </a:p>
+        </p:txBody>
+      </p:sp>
+      <p:sp>
+        <p:nvSpPr>
+          <p:cNvPr id="8" name="Content Placeholder 2">
+            <a:extLst>
+              <a:ext uri="{FF2B5EF4-FFF2-40B4-BE49-F238E27FC236}">
+                <a16:creationId xmlns:a16="http://schemas.microsoft.com/office/drawing/2014/main" id="{72B1345C-BECF-413D-ECFB-4BBD6973ABFB}"/>
+              </a:ext>
+            </a:extLst>
+          </p:cNvPr>
+          <p:cNvSpPr txBox="1">
+            <a:spLocks/>
+          </p:cNvSpPr>
+          <p:nvPr/>
+        </p:nvSpPr>
+        <p:spPr>
+          <a:xfrm>
+            <a:off x="6714423" y="4984892"/>
+            <a:ext cx="4268804" cy="1559377"/>
+          </a:xfrm>
+          <a:prstGeom prst="rect">
+            <a:avLst/>
+          </a:prstGeom>
+        </p:spPr>
+        <p:txBody>
+          <a:bodyPr vert="horz" lIns="0" tIns="45720" rIns="0" bIns="45720" rtlCol="0">
+            <a:normAutofit/>
+          </a:bodyPr>
+          <a:lstStyle>
+            <a:lvl1pPr marL="91440" indent="-91440" algn="l" defTabSz="914400" rtl="0" eaLnBrk="1" latinLnBrk="0" hangingPunct="1">
+              <a:lnSpc>
+                <a:spcPct val="90000"/>
+              </a:lnSpc>
+              <a:spcBef>
+                <a:spcPts val="1200"/>
+              </a:spcBef>
+              <a:spcAft>
+                <a:spcPts val="200"/>
+              </a:spcAft>
+              <a:buClr>
+                <a:schemeClr val="accent1"/>
+              </a:buClr>
+              <a:buSzPct val="100000"/>
+              <a:buFont typeface="Calibri" panose="020F0502020204030204" pitchFamily="34" charset="0"/>
+              <a:buChar char=" "/>
+              <a:defRPr sz="2000" kern="1200">
+                <a:solidFill>
+                  <a:schemeClr val="tx1">
+                    <a:lumMod val="75000"/>
+                    <a:lumOff val="25000"/>
+                  </a:schemeClr>
+                </a:solidFill>
+                <a:latin typeface="+mn-lt"/>
+                <a:ea typeface="+mn-ea"/>
+                <a:cs typeface="+mn-cs"/>
+              </a:defRPr>
+            </a:lvl1pPr>
+            <a:lvl2pPr marL="384048" indent="-182880" algn="l" defTabSz="914400" rtl="0" eaLnBrk="1" latinLnBrk="0" hangingPunct="1">
+              <a:lnSpc>
+                <a:spcPct val="90000"/>
+              </a:lnSpc>
+              <a:spcBef>
+                <a:spcPts val="200"/>
+              </a:spcBef>
+              <a:spcAft>
+                <a:spcPts val="400"/>
+              </a:spcAft>
+              <a:buClr>
+                <a:schemeClr val="accent1"/>
+              </a:buClr>
+              <a:buFont typeface="Calibri" pitchFamily="34" charset="0"/>
+              <a:buChar char="◦"/>
+              <a:defRPr sz="1800" kern="1200">
+                <a:solidFill>
+                  <a:schemeClr val="tx1">
+                    <a:lumMod val="75000"/>
+                    <a:lumOff val="25000"/>
+                  </a:schemeClr>
+                </a:solidFill>
+                <a:latin typeface="+mn-lt"/>
+                <a:ea typeface="+mn-ea"/>
+                <a:cs typeface="+mn-cs"/>
+              </a:defRPr>
+            </a:lvl2pPr>
+            <a:lvl3pPr marL="566928" indent="-182880" algn="l" defTabSz="914400" rtl="0" eaLnBrk="1" latinLnBrk="0" hangingPunct="1">
+              <a:lnSpc>
+                <a:spcPct val="90000"/>
+              </a:lnSpc>
+              <a:spcBef>
+                <a:spcPts val="200"/>
+              </a:spcBef>
+              <a:spcAft>
+                <a:spcPts val="400"/>
+              </a:spcAft>
+              <a:buClr>
+                <a:schemeClr val="accent1"/>
+              </a:buClr>
+              <a:buFont typeface="Calibri" pitchFamily="34" charset="0"/>
+              <a:buChar char="◦"/>
+              <a:defRPr sz="1400" kern="1200">
+                <a:solidFill>
+                  <a:schemeClr val="tx1">
+                    <a:lumMod val="75000"/>
+                    <a:lumOff val="25000"/>
+                  </a:schemeClr>
+                </a:solidFill>
+                <a:latin typeface="+mn-lt"/>
+                <a:ea typeface="+mn-ea"/>
+                <a:cs typeface="+mn-cs"/>
+              </a:defRPr>
+            </a:lvl3pPr>
+            <a:lvl4pPr marL="749808" indent="-182880" algn="l" defTabSz="914400" rtl="0" eaLnBrk="1" latinLnBrk="0" hangingPunct="1">
+              <a:lnSpc>
+                <a:spcPct val="90000"/>
+              </a:lnSpc>
+              <a:spcBef>
+                <a:spcPts val="200"/>
+              </a:spcBef>
+              <a:spcAft>
+                <a:spcPts val="400"/>
+              </a:spcAft>
+              <a:buClr>
+                <a:schemeClr val="accent1"/>
+              </a:buClr>
+              <a:buFont typeface="Calibri" pitchFamily="34" charset="0"/>
+              <a:buChar char="◦"/>
+              <a:defRPr sz="1400" kern="1200">
+                <a:solidFill>
+                  <a:schemeClr val="tx1">
+                    <a:lumMod val="75000"/>
+                    <a:lumOff val="25000"/>
+                  </a:schemeClr>
+                </a:solidFill>
+                <a:latin typeface="+mn-lt"/>
+                <a:ea typeface="+mn-ea"/>
+                <a:cs typeface="+mn-cs"/>
+              </a:defRPr>
+            </a:lvl4pPr>
+            <a:lvl5pPr marL="932688" indent="-182880" algn="l" defTabSz="914400" rtl="0" eaLnBrk="1" latinLnBrk="0" hangingPunct="1">
+              <a:lnSpc>
+                <a:spcPct val="90000"/>
+              </a:lnSpc>
+              <a:spcBef>
+                <a:spcPts val="200"/>
+              </a:spcBef>
+              <a:spcAft>
+                <a:spcPts val="400"/>
+              </a:spcAft>
+              <a:buClr>
+                <a:schemeClr val="accent1"/>
+              </a:buClr>
+              <a:buFont typeface="Calibri" pitchFamily="34" charset="0"/>
+              <a:buChar char="◦"/>
+              <a:defRPr sz="1400" kern="1200">
+                <a:solidFill>
+                  <a:schemeClr val="tx1">
+                    <a:lumMod val="75000"/>
+                    <a:lumOff val="25000"/>
+                  </a:schemeClr>
+                </a:solidFill>
+                <a:latin typeface="+mn-lt"/>
+                <a:ea typeface="+mn-ea"/>
+                <a:cs typeface="+mn-cs"/>
+              </a:defRPr>
+            </a:lvl5pPr>
+            <a:lvl6pPr marL="1100000" indent="-228600" algn="l" defTabSz="914400" rtl="0" eaLnBrk="1" latinLnBrk="0" hangingPunct="1">
+              <a:lnSpc>
+                <a:spcPct val="90000"/>
+              </a:lnSpc>
+              <a:spcBef>
+                <a:spcPts val="200"/>
+              </a:spcBef>
+              <a:spcAft>
+                <a:spcPts val="400"/>
+              </a:spcAft>
+              <a:buClr>
+                <a:schemeClr val="accent1"/>
+              </a:buClr>
+              <a:buFont typeface="Calibri" pitchFamily="34" charset="0"/>
+              <a:buChar char="◦"/>
+              <a:defRPr sz="1400" kern="1200">
+                <a:solidFill>
+                  <a:schemeClr val="tx1">
+                    <a:lumMod val="75000"/>
+                    <a:lumOff val="25000"/>
+                  </a:schemeClr>
+                </a:solidFill>
+                <a:latin typeface="+mn-lt"/>
+                <a:ea typeface="+mn-ea"/>
+                <a:cs typeface="+mn-cs"/>
+              </a:defRPr>
+            </a:lvl6pPr>
+            <a:lvl7pPr marL="1300000" indent="-228600" algn="l" defTabSz="914400" rtl="0" eaLnBrk="1" latinLnBrk="0" hangingPunct="1">
+              <a:lnSpc>
+                <a:spcPct val="90000"/>
+              </a:lnSpc>
+              <a:spcBef>
+                <a:spcPts val="200"/>
+              </a:spcBef>
+              <a:spcAft>
+                <a:spcPts val="400"/>
+              </a:spcAft>
+              <a:buClr>
+                <a:schemeClr val="accent1"/>
+              </a:buClr>
+              <a:buFont typeface="Calibri" pitchFamily="34" charset="0"/>
+              <a:buChar char="◦"/>
+              <a:defRPr sz="1400" kern="1200">
+                <a:solidFill>
+                  <a:schemeClr val="tx1">
+                    <a:lumMod val="75000"/>
+                    <a:lumOff val="25000"/>
+                  </a:schemeClr>
+                </a:solidFill>
+                <a:latin typeface="+mn-lt"/>
+                <a:ea typeface="+mn-ea"/>
+                <a:cs typeface="+mn-cs"/>
+              </a:defRPr>
+            </a:lvl7pPr>
+            <a:lvl8pPr marL="1500000" indent="-228600" algn="l" defTabSz="914400" rtl="0" eaLnBrk="1" latinLnBrk="0" hangingPunct="1">
+              <a:lnSpc>
+                <a:spcPct val="90000"/>
+              </a:lnSpc>
+              <a:spcBef>
+                <a:spcPts val="200"/>
+              </a:spcBef>
+              <a:spcAft>
+                <a:spcPts val="400"/>
+              </a:spcAft>
+              <a:buClr>
+                <a:schemeClr val="accent1"/>
+              </a:buClr>
+              <a:buFont typeface="Calibri" pitchFamily="34" charset="0"/>
+              <a:buChar char="◦"/>
+              <a:defRPr sz="1400" kern="1200">
+                <a:solidFill>
+                  <a:schemeClr val="tx1">
+                    <a:lumMod val="75000"/>
+                    <a:lumOff val="25000"/>
+                  </a:schemeClr>
+                </a:solidFill>
+                <a:latin typeface="+mn-lt"/>
+                <a:ea typeface="+mn-ea"/>
+                <a:cs typeface="+mn-cs"/>
+              </a:defRPr>
+            </a:lvl8pPr>
+            <a:lvl9pPr marL="1700000" indent="-228600" algn="l" defTabSz="914400" rtl="0" eaLnBrk="1" latinLnBrk="0" hangingPunct="1">
+              <a:lnSpc>
+                <a:spcPct val="90000"/>
+              </a:lnSpc>
+              <a:spcBef>
+                <a:spcPts val="200"/>
+              </a:spcBef>
+              <a:spcAft>
+                <a:spcPts val="400"/>
+              </a:spcAft>
+              <a:buClr>
+                <a:schemeClr val="accent1"/>
+              </a:buClr>
+              <a:buFont typeface="Calibri" pitchFamily="34" charset="0"/>
+              <a:buChar char="◦"/>
+              <a:defRPr sz="1400" kern="1200">
+                <a:solidFill>
+                  <a:schemeClr val="tx1">
+                    <a:lumMod val="75000"/>
+                    <a:lumOff val="25000"/>
+                  </a:schemeClr>
+                </a:solidFill>
+                <a:latin typeface="+mn-lt"/>
+                <a:ea typeface="+mn-ea"/>
+                <a:cs typeface="+mn-cs"/>
+              </a:defRPr>
+            </a:lvl9pPr>
+          </a:lstStyle>
+          <a:p>
+            <a:pPr>
+              <a:buFont typeface="Wingdings" panose="05000000000000000000" pitchFamily="2" charset="2"/>
+              <a:buChar char="§"/>
+            </a:pPr>
+            <a:endParaRPr lang="en-IN" dirty="0"/>
+          </a:p>
+        </p:txBody>
+      </p:sp>
+      <p:pic>
+        <p:nvPicPr>
+          <p:cNvPr id="17" name="Picture 16">
+            <a:extLst>
+              <a:ext uri="{FF2B5EF4-FFF2-40B4-BE49-F238E27FC236}">
+                <a16:creationId xmlns:a16="http://schemas.microsoft.com/office/drawing/2014/main" id="{19D64A14-40BF-58FD-9FE8-363A64BB9928}"/>
+              </a:ext>
+            </a:extLst>
+          </p:cNvPr>
+          <p:cNvPicPr>
+            <a:picLocks noChangeAspect="1"/>
+          </p:cNvPicPr>
+          <p:nvPr/>
+        </p:nvPicPr>
+        <p:blipFill>
+          <a:blip r:embed="rId2"/>
+          <a:stretch>
+            <a:fillRect/>
+          </a:stretch>
+        </p:blipFill>
+        <p:spPr>
+          <a:xfrm>
+            <a:off x="2869727" y="1588409"/>
+            <a:ext cx="5801535" cy="3115110"/>
+          </a:xfrm>
+          <a:prstGeom prst="rect">
+            <a:avLst/>
+          </a:prstGeom>
+        </p:spPr>
+      </p:pic>
+    </p:spTree>
+    <p:extLst>
+      <p:ext uri="{BB962C8B-B14F-4D97-AF65-F5344CB8AC3E}">
+        <p14:creationId xmlns:p14="http://schemas.microsoft.com/office/powerpoint/2010/main" val="503622761"/>
+      </p:ext>
+    </p:extLst>
+  </p:cSld>
+  <p:clrMapOvr>
+    <a:masterClrMapping/>
+  </p:clrMapOvr>
+  <mc:AlternateContent xmlns:mc="http://schemas.openxmlformats.org/markup-compatibility/2006" xmlns:p14="http://schemas.microsoft.com/office/powerpoint/2010/main">
+    <mc:Choice Requires="p14">
+      <p:transition spd="med" p14:dur="700">
+        <p:fade/>
+      </p:transition>
+    </mc:Choice>
+    <mc:Fallback xmlns="">
+      <p:transition spd="med">
+        <p:fade/>
+      </p:transition>
+    </mc:Fallback>
+  </mc:AlternateContent>
+</p:sld>
+</file>
+
+<file path=ppt/slides/slide12.xml><?xml version="1.0" encoding="utf-8"?>
+<p:sld xmlns:a="http://schemas.openxmlformats.org/drawingml/2006/main" xmlns:r="http://schemas.openxmlformats.org/officeDocument/2006/relationships" xmlns:p="http://schemas.openxmlformats.org/presentationml/2006/main">
+  <p:cSld>
+    <p:spTree>
+      <p:nvGrpSpPr>
+        <p:cNvPr id="1" name=""/>
+        <p:cNvGrpSpPr/>
+        <p:nvPr/>
+      </p:nvGrpSpPr>
+      <p:grpSpPr>
+        <a:xfrm>
+          <a:off x="0" y="0"/>
+          <a:ext cx="0" cy="0"/>
+          <a:chOff x="0" y="0"/>
+          <a:chExt cx="0" cy="0"/>
+        </a:xfrm>
+      </p:grpSpPr>
+      <p:sp>
+        <p:nvSpPr>
+          <p:cNvPr id="2" name="Title 1">
+            <a:extLst>
+              <a:ext uri="{FF2B5EF4-FFF2-40B4-BE49-F238E27FC236}">
+                <a16:creationId xmlns:a16="http://schemas.microsoft.com/office/drawing/2014/main" id="{7E6792CE-8BD6-F52E-DB88-21B4248067AF}"/>
+              </a:ext>
+            </a:extLst>
+          </p:cNvPr>
+          <p:cNvSpPr>
+            <a:spLocks noGrp="1"/>
+          </p:cNvSpPr>
+          <p:nvPr>
+            <p:ph type="title"/>
+          </p:nvPr>
+        </p:nvSpPr>
+        <p:spPr>
+          <a:xfrm>
+            <a:off x="1097280" y="70424"/>
+            <a:ext cx="10058400" cy="1450757"/>
+          </a:xfrm>
+        </p:spPr>
+        <p:txBody>
+          <a:bodyPr/>
+          <a:lstStyle/>
+          <a:p>
+            <a:r>
+              <a:rPr lang="en-IN" dirty="0"/>
+              <a:t>Employment Length &amp; Homeownership</a:t>
+            </a:r>
+          </a:p>
+        </p:txBody>
+      </p:sp>
+      <p:sp>
+        <p:nvSpPr>
+          <p:cNvPr id="3" name="Content Placeholder 2">
+            <a:extLst>
+              <a:ext uri="{FF2B5EF4-FFF2-40B4-BE49-F238E27FC236}">
+                <a16:creationId xmlns:a16="http://schemas.microsoft.com/office/drawing/2014/main" id="{77811BD3-46D5-3C11-49A6-C9B1F0763696}"/>
+              </a:ext>
+            </a:extLst>
+          </p:cNvPr>
+          <p:cNvSpPr>
+            <a:spLocks noGrp="1"/>
+          </p:cNvSpPr>
+          <p:nvPr>
+            <p:ph idx="1"/>
+          </p:nvPr>
+        </p:nvSpPr>
+        <p:spPr>
+          <a:xfrm>
+            <a:off x="360947" y="5012020"/>
+            <a:ext cx="5362958" cy="1559377"/>
+          </a:xfrm>
+        </p:spPr>
+        <p:txBody>
+          <a:bodyPr>
+            <a:normAutofit lnSpcReduction="10000"/>
+          </a:bodyPr>
+          <a:lstStyle/>
+          <a:p>
+            <a:pPr>
+              <a:buFont typeface="Wingdings" panose="05000000000000000000" pitchFamily="2" charset="2"/>
+              <a:buChar char="§"/>
+            </a:pPr>
+            <a:r>
+              <a:rPr lang="en-IN" b="1" dirty="0"/>
+              <a:t>Employment Length: </a:t>
+            </a:r>
+            <a:r>
+              <a:rPr lang="en-IN" dirty="0"/>
+              <a:t>Majority of clients have 10+ years of experience and has highest number of defaulted loan.</a:t>
+            </a:r>
+          </a:p>
+        </p:txBody>
+      </p:sp>
+      <p:sp>
+        <p:nvSpPr>
+          <p:cNvPr id="4" name="Content Placeholder 2">
+            <a:extLst>
+              <a:ext uri="{FF2B5EF4-FFF2-40B4-BE49-F238E27FC236}">
+                <a16:creationId xmlns:a16="http://schemas.microsoft.com/office/drawing/2014/main" id="{481B4D95-2CFD-901A-1653-8FBB6D3214B4}"/>
+              </a:ext>
+            </a:extLst>
+          </p:cNvPr>
+          <p:cNvSpPr txBox="1">
+            <a:spLocks/>
+          </p:cNvSpPr>
+          <p:nvPr/>
+        </p:nvSpPr>
+        <p:spPr>
+          <a:xfrm>
+            <a:off x="6126480" y="4287970"/>
+            <a:ext cx="4856747" cy="1583266"/>
+          </a:xfrm>
+          <a:prstGeom prst="rect">
+            <a:avLst/>
+          </a:prstGeom>
+        </p:spPr>
+        <p:txBody>
+          <a:bodyPr vert="horz" lIns="0" tIns="45720" rIns="0" bIns="45720" rtlCol="0">
+            <a:normAutofit/>
+          </a:bodyPr>
+          <a:lstStyle>
+            <a:lvl1pPr marL="91440" indent="-91440" algn="l" defTabSz="914400" rtl="0" eaLnBrk="1" latinLnBrk="0" hangingPunct="1">
+              <a:lnSpc>
+                <a:spcPct val="90000"/>
+              </a:lnSpc>
+              <a:spcBef>
+                <a:spcPts val="1200"/>
+              </a:spcBef>
+              <a:spcAft>
+                <a:spcPts val="200"/>
+              </a:spcAft>
+              <a:buClr>
+                <a:schemeClr val="accent1"/>
+              </a:buClr>
+              <a:buSzPct val="100000"/>
+              <a:buFont typeface="Calibri" panose="020F0502020204030204" pitchFamily="34" charset="0"/>
+              <a:buChar char=" "/>
+              <a:defRPr sz="2000" kern="1200">
+                <a:solidFill>
+                  <a:schemeClr val="tx1">
+                    <a:lumMod val="75000"/>
+                    <a:lumOff val="25000"/>
+                  </a:schemeClr>
+                </a:solidFill>
+                <a:latin typeface="+mn-lt"/>
+                <a:ea typeface="+mn-ea"/>
+                <a:cs typeface="+mn-cs"/>
+              </a:defRPr>
+            </a:lvl1pPr>
+            <a:lvl2pPr marL="384048" indent="-182880" algn="l" defTabSz="914400" rtl="0" eaLnBrk="1" latinLnBrk="0" hangingPunct="1">
+              <a:lnSpc>
+                <a:spcPct val="90000"/>
+              </a:lnSpc>
+              <a:spcBef>
+                <a:spcPts val="200"/>
+              </a:spcBef>
+              <a:spcAft>
+                <a:spcPts val="400"/>
+              </a:spcAft>
+              <a:buClr>
+                <a:schemeClr val="accent1"/>
+              </a:buClr>
+              <a:buFont typeface="Calibri" pitchFamily="34" charset="0"/>
+              <a:buChar char="◦"/>
+              <a:defRPr sz="1800" kern="1200">
+                <a:solidFill>
+                  <a:schemeClr val="tx1">
+                    <a:lumMod val="75000"/>
+                    <a:lumOff val="25000"/>
+                  </a:schemeClr>
+                </a:solidFill>
+                <a:latin typeface="+mn-lt"/>
+                <a:ea typeface="+mn-ea"/>
+                <a:cs typeface="+mn-cs"/>
+              </a:defRPr>
+            </a:lvl2pPr>
+            <a:lvl3pPr marL="566928" indent="-182880" algn="l" defTabSz="914400" rtl="0" eaLnBrk="1" latinLnBrk="0" hangingPunct="1">
+              <a:lnSpc>
+                <a:spcPct val="90000"/>
+              </a:lnSpc>
+              <a:spcBef>
+                <a:spcPts val="200"/>
+              </a:spcBef>
+              <a:spcAft>
+                <a:spcPts val="400"/>
+              </a:spcAft>
+              <a:buClr>
+                <a:schemeClr val="accent1"/>
+              </a:buClr>
+              <a:buFont typeface="Calibri" pitchFamily="34" charset="0"/>
+              <a:buChar char="◦"/>
+              <a:defRPr sz="1400" kern="1200">
+                <a:solidFill>
+                  <a:schemeClr val="tx1">
+                    <a:lumMod val="75000"/>
+                    <a:lumOff val="25000"/>
+                  </a:schemeClr>
+                </a:solidFill>
+                <a:latin typeface="+mn-lt"/>
+                <a:ea typeface="+mn-ea"/>
+                <a:cs typeface="+mn-cs"/>
+              </a:defRPr>
+            </a:lvl3pPr>
+            <a:lvl4pPr marL="749808" indent="-182880" algn="l" defTabSz="914400" rtl="0" eaLnBrk="1" latinLnBrk="0" hangingPunct="1">
+              <a:lnSpc>
+                <a:spcPct val="90000"/>
+              </a:lnSpc>
+              <a:spcBef>
+                <a:spcPts val="200"/>
+              </a:spcBef>
+              <a:spcAft>
+                <a:spcPts val="400"/>
+              </a:spcAft>
+              <a:buClr>
+                <a:schemeClr val="accent1"/>
+              </a:buClr>
+              <a:buFont typeface="Calibri" pitchFamily="34" charset="0"/>
+              <a:buChar char="◦"/>
+              <a:defRPr sz="1400" kern="1200">
+                <a:solidFill>
+                  <a:schemeClr val="tx1">
+                    <a:lumMod val="75000"/>
+                    <a:lumOff val="25000"/>
+                  </a:schemeClr>
+                </a:solidFill>
+                <a:latin typeface="+mn-lt"/>
+                <a:ea typeface="+mn-ea"/>
+                <a:cs typeface="+mn-cs"/>
+              </a:defRPr>
+            </a:lvl4pPr>
+            <a:lvl5pPr marL="932688" indent="-182880" algn="l" defTabSz="914400" rtl="0" eaLnBrk="1" latinLnBrk="0" hangingPunct="1">
+              <a:lnSpc>
+                <a:spcPct val="90000"/>
+              </a:lnSpc>
+              <a:spcBef>
+                <a:spcPts val="200"/>
+              </a:spcBef>
+              <a:spcAft>
+                <a:spcPts val="400"/>
+              </a:spcAft>
+              <a:buClr>
+                <a:schemeClr val="accent1"/>
+              </a:buClr>
+              <a:buFont typeface="Calibri" pitchFamily="34" charset="0"/>
+              <a:buChar char="◦"/>
+              <a:defRPr sz="1400" kern="1200">
+                <a:solidFill>
+                  <a:schemeClr val="tx1">
+                    <a:lumMod val="75000"/>
+                    <a:lumOff val="25000"/>
+                  </a:schemeClr>
+                </a:solidFill>
+                <a:latin typeface="+mn-lt"/>
+                <a:ea typeface="+mn-ea"/>
+                <a:cs typeface="+mn-cs"/>
+              </a:defRPr>
+            </a:lvl5pPr>
+            <a:lvl6pPr marL="1100000" indent="-228600" algn="l" defTabSz="914400" rtl="0" eaLnBrk="1" latinLnBrk="0" hangingPunct="1">
+              <a:lnSpc>
+                <a:spcPct val="90000"/>
+              </a:lnSpc>
+              <a:spcBef>
+                <a:spcPts val="200"/>
+              </a:spcBef>
+              <a:spcAft>
+                <a:spcPts val="400"/>
+              </a:spcAft>
+              <a:buClr>
+                <a:schemeClr val="accent1"/>
+              </a:buClr>
+              <a:buFont typeface="Calibri" pitchFamily="34" charset="0"/>
+              <a:buChar char="◦"/>
+              <a:defRPr sz="1400" kern="1200">
+                <a:solidFill>
+                  <a:schemeClr val="tx1">
+                    <a:lumMod val="75000"/>
+                    <a:lumOff val="25000"/>
+                  </a:schemeClr>
+                </a:solidFill>
+                <a:latin typeface="+mn-lt"/>
+                <a:ea typeface="+mn-ea"/>
+                <a:cs typeface="+mn-cs"/>
+              </a:defRPr>
+            </a:lvl6pPr>
+            <a:lvl7pPr marL="1300000" indent="-228600" algn="l" defTabSz="914400" rtl="0" eaLnBrk="1" latinLnBrk="0" hangingPunct="1">
+              <a:lnSpc>
+                <a:spcPct val="90000"/>
+              </a:lnSpc>
+              <a:spcBef>
+                <a:spcPts val="200"/>
+              </a:spcBef>
+              <a:spcAft>
+                <a:spcPts val="400"/>
+              </a:spcAft>
+              <a:buClr>
+                <a:schemeClr val="accent1"/>
+              </a:buClr>
+              <a:buFont typeface="Calibri" pitchFamily="34" charset="0"/>
+              <a:buChar char="◦"/>
+              <a:defRPr sz="1400" kern="1200">
+                <a:solidFill>
+                  <a:schemeClr val="tx1">
+                    <a:lumMod val="75000"/>
+                    <a:lumOff val="25000"/>
+                  </a:schemeClr>
+                </a:solidFill>
+                <a:latin typeface="+mn-lt"/>
+                <a:ea typeface="+mn-ea"/>
+                <a:cs typeface="+mn-cs"/>
+              </a:defRPr>
+            </a:lvl7pPr>
+            <a:lvl8pPr marL="1500000" indent="-228600" algn="l" defTabSz="914400" rtl="0" eaLnBrk="1" latinLnBrk="0" hangingPunct="1">
+              <a:lnSpc>
+                <a:spcPct val="90000"/>
+              </a:lnSpc>
+              <a:spcBef>
+                <a:spcPts val="200"/>
+              </a:spcBef>
+              <a:spcAft>
+                <a:spcPts val="400"/>
+              </a:spcAft>
+              <a:buClr>
+                <a:schemeClr val="accent1"/>
+              </a:buClr>
+              <a:buFont typeface="Calibri" pitchFamily="34" charset="0"/>
+              <a:buChar char="◦"/>
+              <a:defRPr sz="1400" kern="1200">
+                <a:solidFill>
+                  <a:schemeClr val="tx1">
+                    <a:lumMod val="75000"/>
+                    <a:lumOff val="25000"/>
+                  </a:schemeClr>
+                </a:solidFill>
+                <a:latin typeface="+mn-lt"/>
+                <a:ea typeface="+mn-ea"/>
+                <a:cs typeface="+mn-cs"/>
+              </a:defRPr>
+            </a:lvl8pPr>
+            <a:lvl9pPr marL="1700000" indent="-228600" algn="l" defTabSz="914400" rtl="0" eaLnBrk="1" latinLnBrk="0" hangingPunct="1">
+              <a:lnSpc>
+                <a:spcPct val="90000"/>
+              </a:lnSpc>
+              <a:spcBef>
+                <a:spcPts val="200"/>
+              </a:spcBef>
+              <a:spcAft>
+                <a:spcPts val="400"/>
+              </a:spcAft>
+              <a:buClr>
+                <a:schemeClr val="accent1"/>
+              </a:buClr>
+              <a:buFont typeface="Calibri" pitchFamily="34" charset="0"/>
+              <a:buChar char="◦"/>
+              <a:defRPr sz="1400" kern="1200">
+                <a:solidFill>
+                  <a:schemeClr val="tx1">
+                    <a:lumMod val="75000"/>
+                    <a:lumOff val="25000"/>
+                  </a:schemeClr>
+                </a:solidFill>
+                <a:latin typeface="+mn-lt"/>
+                <a:ea typeface="+mn-ea"/>
+                <a:cs typeface="+mn-cs"/>
+              </a:defRPr>
+            </a:lvl9pPr>
+          </a:lstStyle>
+          <a:p>
+            <a:endParaRPr lang="en-IN" dirty="0"/>
+          </a:p>
+        </p:txBody>
+      </p:sp>
+      <p:sp>
+        <p:nvSpPr>
+          <p:cNvPr id="8" name="Content Placeholder 2">
+            <a:extLst>
+              <a:ext uri="{FF2B5EF4-FFF2-40B4-BE49-F238E27FC236}">
+                <a16:creationId xmlns:a16="http://schemas.microsoft.com/office/drawing/2014/main" id="{72B1345C-BECF-413D-ECFB-4BBD6973ABFB}"/>
+              </a:ext>
+            </a:extLst>
+          </p:cNvPr>
+          <p:cNvSpPr txBox="1">
+            <a:spLocks/>
+          </p:cNvSpPr>
+          <p:nvPr/>
+        </p:nvSpPr>
+        <p:spPr>
+          <a:xfrm>
+            <a:off x="6714423" y="4984892"/>
+            <a:ext cx="4268804" cy="1559377"/>
+          </a:xfrm>
+          <a:prstGeom prst="rect">
+            <a:avLst/>
+          </a:prstGeom>
+        </p:spPr>
+        <p:txBody>
+          <a:bodyPr vert="horz" lIns="0" tIns="45720" rIns="0" bIns="45720" rtlCol="0">
+            <a:normAutofit/>
+          </a:bodyPr>
+          <a:lstStyle>
+            <a:lvl1pPr marL="91440" indent="-91440" algn="l" defTabSz="914400" rtl="0" eaLnBrk="1" latinLnBrk="0" hangingPunct="1">
+              <a:lnSpc>
+                <a:spcPct val="90000"/>
+              </a:lnSpc>
+              <a:spcBef>
+                <a:spcPts val="1200"/>
+              </a:spcBef>
+              <a:spcAft>
+                <a:spcPts val="200"/>
+              </a:spcAft>
+              <a:buClr>
+                <a:schemeClr val="accent1"/>
+              </a:buClr>
+              <a:buSzPct val="100000"/>
+              <a:buFont typeface="Calibri" panose="020F0502020204030204" pitchFamily="34" charset="0"/>
+              <a:buChar char=" "/>
+              <a:defRPr sz="2000" kern="1200">
+                <a:solidFill>
+                  <a:schemeClr val="tx1">
+                    <a:lumMod val="75000"/>
+                    <a:lumOff val="25000"/>
+                  </a:schemeClr>
+                </a:solidFill>
+                <a:latin typeface="+mn-lt"/>
+                <a:ea typeface="+mn-ea"/>
+                <a:cs typeface="+mn-cs"/>
+              </a:defRPr>
+            </a:lvl1pPr>
+            <a:lvl2pPr marL="384048" indent="-182880" algn="l" defTabSz="914400" rtl="0" eaLnBrk="1" latinLnBrk="0" hangingPunct="1">
+              <a:lnSpc>
+                <a:spcPct val="90000"/>
+              </a:lnSpc>
+              <a:spcBef>
+                <a:spcPts val="200"/>
+              </a:spcBef>
+              <a:spcAft>
+                <a:spcPts val="400"/>
+              </a:spcAft>
+              <a:buClr>
+                <a:schemeClr val="accent1"/>
+              </a:buClr>
+              <a:buFont typeface="Calibri" pitchFamily="34" charset="0"/>
+              <a:buChar char="◦"/>
+              <a:defRPr sz="1800" kern="1200">
+                <a:solidFill>
+                  <a:schemeClr val="tx1">
+                    <a:lumMod val="75000"/>
+                    <a:lumOff val="25000"/>
+                  </a:schemeClr>
+                </a:solidFill>
+                <a:latin typeface="+mn-lt"/>
+                <a:ea typeface="+mn-ea"/>
+                <a:cs typeface="+mn-cs"/>
+              </a:defRPr>
+            </a:lvl2pPr>
+            <a:lvl3pPr marL="566928" indent="-182880" algn="l" defTabSz="914400" rtl="0" eaLnBrk="1" latinLnBrk="0" hangingPunct="1">
+              <a:lnSpc>
+                <a:spcPct val="90000"/>
+              </a:lnSpc>
+              <a:spcBef>
+                <a:spcPts val="200"/>
+              </a:spcBef>
+              <a:spcAft>
+                <a:spcPts val="400"/>
+              </a:spcAft>
+              <a:buClr>
+                <a:schemeClr val="accent1"/>
+              </a:buClr>
+              <a:buFont typeface="Calibri" pitchFamily="34" charset="0"/>
+              <a:buChar char="◦"/>
+              <a:defRPr sz="1400" kern="1200">
+                <a:solidFill>
+                  <a:schemeClr val="tx1">
+                    <a:lumMod val="75000"/>
+                    <a:lumOff val="25000"/>
+                  </a:schemeClr>
+                </a:solidFill>
+                <a:latin typeface="+mn-lt"/>
+                <a:ea typeface="+mn-ea"/>
+                <a:cs typeface="+mn-cs"/>
+              </a:defRPr>
+            </a:lvl3pPr>
+            <a:lvl4pPr marL="749808" indent="-182880" algn="l" defTabSz="914400" rtl="0" eaLnBrk="1" latinLnBrk="0" hangingPunct="1">
+              <a:lnSpc>
+                <a:spcPct val="90000"/>
+              </a:lnSpc>
+              <a:spcBef>
+                <a:spcPts val="200"/>
+              </a:spcBef>
+              <a:spcAft>
+                <a:spcPts val="400"/>
+              </a:spcAft>
+              <a:buClr>
+                <a:schemeClr val="accent1"/>
+              </a:buClr>
+              <a:buFont typeface="Calibri" pitchFamily="34" charset="0"/>
+              <a:buChar char="◦"/>
+              <a:defRPr sz="1400" kern="1200">
+                <a:solidFill>
+                  <a:schemeClr val="tx1">
+                    <a:lumMod val="75000"/>
+                    <a:lumOff val="25000"/>
+                  </a:schemeClr>
+                </a:solidFill>
+                <a:latin typeface="+mn-lt"/>
+                <a:ea typeface="+mn-ea"/>
+                <a:cs typeface="+mn-cs"/>
+              </a:defRPr>
+            </a:lvl4pPr>
+            <a:lvl5pPr marL="932688" indent="-182880" algn="l" defTabSz="914400" rtl="0" eaLnBrk="1" latinLnBrk="0" hangingPunct="1">
+              <a:lnSpc>
+                <a:spcPct val="90000"/>
+              </a:lnSpc>
+              <a:spcBef>
+                <a:spcPts val="200"/>
+              </a:spcBef>
+              <a:spcAft>
+                <a:spcPts val="400"/>
+              </a:spcAft>
+              <a:buClr>
+                <a:schemeClr val="accent1"/>
+              </a:buClr>
+              <a:buFont typeface="Calibri" pitchFamily="34" charset="0"/>
+              <a:buChar char="◦"/>
+              <a:defRPr sz="1400" kern="1200">
+                <a:solidFill>
+                  <a:schemeClr val="tx1">
+                    <a:lumMod val="75000"/>
+                    <a:lumOff val="25000"/>
+                  </a:schemeClr>
+                </a:solidFill>
+                <a:latin typeface="+mn-lt"/>
+                <a:ea typeface="+mn-ea"/>
+                <a:cs typeface="+mn-cs"/>
+              </a:defRPr>
+            </a:lvl5pPr>
+            <a:lvl6pPr marL="1100000" indent="-228600" algn="l" defTabSz="914400" rtl="0" eaLnBrk="1" latinLnBrk="0" hangingPunct="1">
+              <a:lnSpc>
+                <a:spcPct val="90000"/>
+              </a:lnSpc>
+              <a:spcBef>
+                <a:spcPts val="200"/>
+              </a:spcBef>
+              <a:spcAft>
+                <a:spcPts val="400"/>
+              </a:spcAft>
+              <a:buClr>
+                <a:schemeClr val="accent1"/>
+              </a:buClr>
+              <a:buFont typeface="Calibri" pitchFamily="34" charset="0"/>
+              <a:buChar char="◦"/>
+              <a:defRPr sz="1400" kern="1200">
+                <a:solidFill>
+                  <a:schemeClr val="tx1">
+                    <a:lumMod val="75000"/>
+                    <a:lumOff val="25000"/>
+                  </a:schemeClr>
+                </a:solidFill>
+                <a:latin typeface="+mn-lt"/>
+                <a:ea typeface="+mn-ea"/>
+                <a:cs typeface="+mn-cs"/>
+              </a:defRPr>
+            </a:lvl6pPr>
+            <a:lvl7pPr marL="1300000" indent="-228600" algn="l" defTabSz="914400" rtl="0" eaLnBrk="1" latinLnBrk="0" hangingPunct="1">
+              <a:lnSpc>
+                <a:spcPct val="90000"/>
+              </a:lnSpc>
+              <a:spcBef>
+                <a:spcPts val="200"/>
+              </a:spcBef>
+              <a:spcAft>
+                <a:spcPts val="400"/>
+              </a:spcAft>
+              <a:buClr>
+                <a:schemeClr val="accent1"/>
+              </a:buClr>
+              <a:buFont typeface="Calibri" pitchFamily="34" charset="0"/>
+              <a:buChar char="◦"/>
+              <a:defRPr sz="1400" kern="1200">
+                <a:solidFill>
+                  <a:schemeClr val="tx1">
+                    <a:lumMod val="75000"/>
+                    <a:lumOff val="25000"/>
+                  </a:schemeClr>
+                </a:solidFill>
+                <a:latin typeface="+mn-lt"/>
+                <a:ea typeface="+mn-ea"/>
+                <a:cs typeface="+mn-cs"/>
+              </a:defRPr>
+            </a:lvl7pPr>
+            <a:lvl8pPr marL="1500000" indent="-228600" algn="l" defTabSz="914400" rtl="0" eaLnBrk="1" latinLnBrk="0" hangingPunct="1">
+              <a:lnSpc>
+                <a:spcPct val="90000"/>
+              </a:lnSpc>
+              <a:spcBef>
+                <a:spcPts val="200"/>
+              </a:spcBef>
+              <a:spcAft>
+                <a:spcPts val="400"/>
+              </a:spcAft>
+              <a:buClr>
+                <a:schemeClr val="accent1"/>
+              </a:buClr>
+              <a:buFont typeface="Calibri" pitchFamily="34" charset="0"/>
+              <a:buChar char="◦"/>
+              <a:defRPr sz="1400" kern="1200">
+                <a:solidFill>
+                  <a:schemeClr val="tx1">
+                    <a:lumMod val="75000"/>
+                    <a:lumOff val="25000"/>
+                  </a:schemeClr>
+                </a:solidFill>
+                <a:latin typeface="+mn-lt"/>
+                <a:ea typeface="+mn-ea"/>
+                <a:cs typeface="+mn-cs"/>
+              </a:defRPr>
+            </a:lvl8pPr>
+            <a:lvl9pPr marL="1700000" indent="-228600" algn="l" defTabSz="914400" rtl="0" eaLnBrk="1" latinLnBrk="0" hangingPunct="1">
+              <a:lnSpc>
+                <a:spcPct val="90000"/>
+              </a:lnSpc>
+              <a:spcBef>
+                <a:spcPts val="200"/>
+              </a:spcBef>
+              <a:spcAft>
+                <a:spcPts val="400"/>
+              </a:spcAft>
+              <a:buClr>
+                <a:schemeClr val="accent1"/>
+              </a:buClr>
+              <a:buFont typeface="Calibri" pitchFamily="34" charset="0"/>
+              <a:buChar char="◦"/>
+              <a:defRPr sz="1400" kern="1200">
+                <a:solidFill>
+                  <a:schemeClr val="tx1">
+                    <a:lumMod val="75000"/>
+                    <a:lumOff val="25000"/>
+                  </a:schemeClr>
+                </a:solidFill>
+                <a:latin typeface="+mn-lt"/>
+                <a:ea typeface="+mn-ea"/>
+                <a:cs typeface="+mn-cs"/>
+              </a:defRPr>
+            </a:lvl9pPr>
+          </a:lstStyle>
+          <a:p>
+            <a:pPr>
+              <a:buFont typeface="Wingdings" panose="05000000000000000000" pitchFamily="2" charset="2"/>
+              <a:buChar char="§"/>
+            </a:pPr>
+            <a:r>
+              <a:rPr lang="en-IN" b="1" dirty="0"/>
+              <a:t>Home Ownership: </a:t>
+            </a:r>
+            <a:r>
+              <a:rPr lang="en-IN" dirty="0"/>
+              <a:t>Majority of clients are lacking ownership of any property and are on rent or mortgage and have a higher chance of defaulting.</a:t>
+            </a:r>
+          </a:p>
+        </p:txBody>
+      </p:sp>
+      <p:pic>
+        <p:nvPicPr>
+          <p:cNvPr id="12" name="Picture 11">
+            <a:extLst>
+              <a:ext uri="{FF2B5EF4-FFF2-40B4-BE49-F238E27FC236}">
+                <a16:creationId xmlns:a16="http://schemas.microsoft.com/office/drawing/2014/main" id="{D3A423E8-D21A-8F01-9E51-E59BBF954FE4}"/>
+              </a:ext>
+            </a:extLst>
+          </p:cNvPr>
+          <p:cNvPicPr>
+            <a:picLocks noChangeAspect="1"/>
+          </p:cNvPicPr>
+          <p:nvPr/>
+        </p:nvPicPr>
+        <p:blipFill>
+          <a:blip r:embed="rId2"/>
+          <a:stretch>
+            <a:fillRect/>
+          </a:stretch>
+        </p:blipFill>
+        <p:spPr>
+          <a:xfrm>
+            <a:off x="6096000" y="1869642"/>
+            <a:ext cx="5877745" cy="3143689"/>
+          </a:xfrm>
+          <a:prstGeom prst="rect">
+            <a:avLst/>
+          </a:prstGeom>
+        </p:spPr>
+      </p:pic>
+      <p:pic>
+        <p:nvPicPr>
+          <p:cNvPr id="15" name="Picture 14">
+            <a:extLst>
+              <a:ext uri="{FF2B5EF4-FFF2-40B4-BE49-F238E27FC236}">
+                <a16:creationId xmlns:a16="http://schemas.microsoft.com/office/drawing/2014/main" id="{D30C0E39-8079-ABC7-FF30-11AAD8EDB910}"/>
+              </a:ext>
+            </a:extLst>
+          </p:cNvPr>
+          <p:cNvPicPr>
+            <a:picLocks noChangeAspect="1"/>
+          </p:cNvPicPr>
+          <p:nvPr/>
+        </p:nvPicPr>
+        <p:blipFill>
+          <a:blip r:embed="rId3"/>
+          <a:stretch>
+            <a:fillRect/>
+          </a:stretch>
+        </p:blipFill>
+        <p:spPr>
+          <a:xfrm>
+            <a:off x="115395" y="1807609"/>
+            <a:ext cx="5849166" cy="3134162"/>
+          </a:xfrm>
+          <a:prstGeom prst="rect">
+            <a:avLst/>
+          </a:prstGeom>
+        </p:spPr>
+      </p:pic>
+    </p:spTree>
+    <p:extLst>
+      <p:ext uri="{BB962C8B-B14F-4D97-AF65-F5344CB8AC3E}">
+        <p14:creationId xmlns:p14="http://schemas.microsoft.com/office/powerpoint/2010/main" val="414022731"/>
+      </p:ext>
+    </p:extLst>
+  </p:cSld>
+  <p:clrMapOvr>
+    <a:masterClrMapping/>
+  </p:clrMapOvr>
+  <mc:AlternateContent xmlns:mc="http://schemas.openxmlformats.org/markup-compatibility/2006" xmlns:p14="http://schemas.microsoft.com/office/powerpoint/2010/main">
+    <mc:Choice Requires="p14">
+      <p:transition spd="med" p14:dur="700">
+        <p:fade/>
+      </p:transition>
+    </mc:Choice>
+    <mc:Fallback xmlns="">
+      <p:transition spd="med">
+        <p:fade/>
+      </p:transition>
+    </mc:Fallback>
+  </mc:AlternateContent>
+</p:sld>
+</file>
+
+<file path=ppt/slides/slide13.xml><?xml version="1.0" encoding="utf-8"?>
+<p:sld xmlns:a="http://schemas.openxmlformats.org/drawingml/2006/main" xmlns:r="http://schemas.openxmlformats.org/officeDocument/2006/relationships" xmlns:p="http://schemas.openxmlformats.org/presentationml/2006/main">
+  <p:cSld>
+    <p:spTree>
+      <p:nvGrpSpPr>
+        <p:cNvPr id="1" name=""/>
+        <p:cNvGrpSpPr/>
+        <p:nvPr/>
+      </p:nvGrpSpPr>
+      <p:grpSpPr>
+        <a:xfrm>
+          <a:off x="0" y="0"/>
+          <a:ext cx="0" cy="0"/>
+          <a:chOff x="0" y="0"/>
+          <a:chExt cx="0" cy="0"/>
+        </a:xfrm>
+      </p:grpSpPr>
+      <p:sp>
+        <p:nvSpPr>
+          <p:cNvPr id="2" name="Title 1">
+            <a:extLst>
+              <a:ext uri="{FF2B5EF4-FFF2-40B4-BE49-F238E27FC236}">
+                <a16:creationId xmlns:a16="http://schemas.microsoft.com/office/drawing/2014/main" id="{7E6792CE-8BD6-F52E-DB88-21B4248067AF}"/>
+              </a:ext>
+            </a:extLst>
+          </p:cNvPr>
+          <p:cNvSpPr>
+            <a:spLocks noGrp="1"/>
+          </p:cNvSpPr>
+          <p:nvPr>
+            <p:ph type="title"/>
+          </p:nvPr>
+        </p:nvSpPr>
+        <p:spPr/>
+        <p:txBody>
+          <a:bodyPr/>
+          <a:lstStyle/>
+          <a:p>
+            <a:r>
+              <a:rPr lang="en-IN" dirty="0"/>
+              <a:t>Annual Income &amp; Purpose</a:t>
+            </a:r>
+          </a:p>
+        </p:txBody>
+      </p:sp>
+      <p:sp>
+        <p:nvSpPr>
+          <p:cNvPr id="3" name="Content Placeholder 2">
+            <a:extLst>
+              <a:ext uri="{FF2B5EF4-FFF2-40B4-BE49-F238E27FC236}">
+                <a16:creationId xmlns:a16="http://schemas.microsoft.com/office/drawing/2014/main" id="{77811BD3-46D5-3C11-49A6-C9B1F0763696}"/>
+              </a:ext>
+            </a:extLst>
+          </p:cNvPr>
+          <p:cNvSpPr>
+            <a:spLocks noGrp="1"/>
+          </p:cNvSpPr>
+          <p:nvPr>
+            <p:ph idx="1"/>
+          </p:nvPr>
+        </p:nvSpPr>
+        <p:spPr>
+          <a:xfrm>
+            <a:off x="1208773" y="5012020"/>
+            <a:ext cx="4268804" cy="1559377"/>
+          </a:xfrm>
+        </p:spPr>
+        <p:txBody>
+          <a:bodyPr>
+            <a:normAutofit fontScale="85000" lnSpcReduction="20000"/>
+          </a:bodyPr>
+          <a:lstStyle/>
+          <a:p>
+            <a:pPr>
+              <a:buFont typeface="Wingdings" panose="05000000000000000000" pitchFamily="2" charset="2"/>
+              <a:buChar char="§"/>
+            </a:pPr>
+            <a:r>
+              <a:rPr lang="en-IN" b="1" dirty="0"/>
+              <a:t>Annual Income :</a:t>
+            </a:r>
+            <a:r>
+              <a:rPr lang="en-IN" dirty="0"/>
+              <a:t> The Majority of clients have low annual income compared to rest and income lower than 50k has higher chance of defaulting.</a:t>
+            </a:r>
+          </a:p>
+        </p:txBody>
+      </p:sp>
+      <p:sp>
+        <p:nvSpPr>
+          <p:cNvPr id="4" name="Content Placeholder 2">
+            <a:extLst>
+              <a:ext uri="{FF2B5EF4-FFF2-40B4-BE49-F238E27FC236}">
+                <a16:creationId xmlns:a16="http://schemas.microsoft.com/office/drawing/2014/main" id="{481B4D95-2CFD-901A-1653-8FBB6D3214B4}"/>
+              </a:ext>
+            </a:extLst>
+          </p:cNvPr>
+          <p:cNvSpPr txBox="1">
+            <a:spLocks/>
+          </p:cNvSpPr>
+          <p:nvPr/>
+        </p:nvSpPr>
+        <p:spPr>
+          <a:xfrm>
+            <a:off x="6126480" y="4287970"/>
+            <a:ext cx="4856747" cy="1583266"/>
+          </a:xfrm>
+          <a:prstGeom prst="rect">
+            <a:avLst/>
+          </a:prstGeom>
+        </p:spPr>
+        <p:txBody>
+          <a:bodyPr vert="horz" lIns="0" tIns="45720" rIns="0" bIns="45720" rtlCol="0">
+            <a:normAutofit/>
+          </a:bodyPr>
+          <a:lstStyle>
+            <a:lvl1pPr marL="91440" indent="-91440" algn="l" defTabSz="914400" rtl="0" eaLnBrk="1" latinLnBrk="0" hangingPunct="1">
+              <a:lnSpc>
+                <a:spcPct val="90000"/>
+              </a:lnSpc>
+              <a:spcBef>
+                <a:spcPts val="1200"/>
+              </a:spcBef>
+              <a:spcAft>
+                <a:spcPts val="200"/>
+              </a:spcAft>
+              <a:buClr>
+                <a:schemeClr val="accent1"/>
+              </a:buClr>
+              <a:buSzPct val="100000"/>
+              <a:buFont typeface="Calibri" panose="020F0502020204030204" pitchFamily="34" charset="0"/>
+              <a:buChar char=" "/>
+              <a:defRPr sz="2000" kern="1200">
+                <a:solidFill>
+                  <a:schemeClr val="tx1">
+                    <a:lumMod val="75000"/>
+                    <a:lumOff val="25000"/>
+                  </a:schemeClr>
+                </a:solidFill>
+                <a:latin typeface="+mn-lt"/>
+                <a:ea typeface="+mn-ea"/>
+                <a:cs typeface="+mn-cs"/>
+              </a:defRPr>
+            </a:lvl1pPr>
+            <a:lvl2pPr marL="384048" indent="-182880" algn="l" defTabSz="914400" rtl="0" eaLnBrk="1" latinLnBrk="0" hangingPunct="1">
+              <a:lnSpc>
+                <a:spcPct val="90000"/>
+              </a:lnSpc>
+              <a:spcBef>
+                <a:spcPts val="200"/>
+              </a:spcBef>
+              <a:spcAft>
+                <a:spcPts val="400"/>
+              </a:spcAft>
+              <a:buClr>
+                <a:schemeClr val="accent1"/>
+              </a:buClr>
+              <a:buFont typeface="Calibri" pitchFamily="34" charset="0"/>
+              <a:buChar char="◦"/>
+              <a:defRPr sz="1800" kern="1200">
+                <a:solidFill>
+                  <a:schemeClr val="tx1">
+                    <a:lumMod val="75000"/>
+                    <a:lumOff val="25000"/>
+                  </a:schemeClr>
+                </a:solidFill>
+                <a:latin typeface="+mn-lt"/>
+                <a:ea typeface="+mn-ea"/>
+                <a:cs typeface="+mn-cs"/>
+              </a:defRPr>
+            </a:lvl2pPr>
+            <a:lvl3pPr marL="566928" indent="-182880" algn="l" defTabSz="914400" rtl="0" eaLnBrk="1" latinLnBrk="0" hangingPunct="1">
+              <a:lnSpc>
+                <a:spcPct val="90000"/>
+              </a:lnSpc>
+              <a:spcBef>
+                <a:spcPts val="200"/>
+              </a:spcBef>
+              <a:spcAft>
+                <a:spcPts val="400"/>
+              </a:spcAft>
+              <a:buClr>
+                <a:schemeClr val="accent1"/>
+              </a:buClr>
+              <a:buFont typeface="Calibri" pitchFamily="34" charset="0"/>
+              <a:buChar char="◦"/>
+              <a:defRPr sz="1400" kern="1200">
+                <a:solidFill>
+                  <a:schemeClr val="tx1">
+                    <a:lumMod val="75000"/>
+                    <a:lumOff val="25000"/>
+                  </a:schemeClr>
+                </a:solidFill>
+                <a:latin typeface="+mn-lt"/>
+                <a:ea typeface="+mn-ea"/>
+                <a:cs typeface="+mn-cs"/>
+              </a:defRPr>
+            </a:lvl3pPr>
+            <a:lvl4pPr marL="749808" indent="-182880" algn="l" defTabSz="914400" rtl="0" eaLnBrk="1" latinLnBrk="0" hangingPunct="1">
+              <a:lnSpc>
+                <a:spcPct val="90000"/>
+              </a:lnSpc>
+              <a:spcBef>
+                <a:spcPts val="200"/>
+              </a:spcBef>
+              <a:spcAft>
+                <a:spcPts val="400"/>
+              </a:spcAft>
+              <a:buClr>
+                <a:schemeClr val="accent1"/>
+              </a:buClr>
+              <a:buFont typeface="Calibri" pitchFamily="34" charset="0"/>
+              <a:buChar char="◦"/>
+              <a:defRPr sz="1400" kern="1200">
+                <a:solidFill>
+                  <a:schemeClr val="tx1">
+                    <a:lumMod val="75000"/>
+                    <a:lumOff val="25000"/>
+                  </a:schemeClr>
+                </a:solidFill>
+                <a:latin typeface="+mn-lt"/>
+                <a:ea typeface="+mn-ea"/>
+                <a:cs typeface="+mn-cs"/>
+              </a:defRPr>
+            </a:lvl4pPr>
+            <a:lvl5pPr marL="932688" indent="-182880" algn="l" defTabSz="914400" rtl="0" eaLnBrk="1" latinLnBrk="0" hangingPunct="1">
+              <a:lnSpc>
+                <a:spcPct val="90000"/>
+              </a:lnSpc>
+              <a:spcBef>
+                <a:spcPts val="200"/>
+              </a:spcBef>
+              <a:spcAft>
+                <a:spcPts val="400"/>
+              </a:spcAft>
+              <a:buClr>
+                <a:schemeClr val="accent1"/>
+              </a:buClr>
+              <a:buFont typeface="Calibri" pitchFamily="34" charset="0"/>
+              <a:buChar char="◦"/>
+              <a:defRPr sz="1400" kern="1200">
+                <a:solidFill>
+                  <a:schemeClr val="tx1">
+                    <a:lumMod val="75000"/>
+                    <a:lumOff val="25000"/>
+                  </a:schemeClr>
+                </a:solidFill>
+                <a:latin typeface="+mn-lt"/>
+                <a:ea typeface="+mn-ea"/>
+                <a:cs typeface="+mn-cs"/>
+              </a:defRPr>
+            </a:lvl5pPr>
+            <a:lvl6pPr marL="1100000" indent="-228600" algn="l" defTabSz="914400" rtl="0" eaLnBrk="1" latinLnBrk="0" hangingPunct="1">
+              <a:lnSpc>
+                <a:spcPct val="90000"/>
+              </a:lnSpc>
+              <a:spcBef>
+                <a:spcPts val="200"/>
+              </a:spcBef>
+              <a:spcAft>
+                <a:spcPts val="400"/>
+              </a:spcAft>
+              <a:buClr>
+                <a:schemeClr val="accent1"/>
+              </a:buClr>
+              <a:buFont typeface="Calibri" pitchFamily="34" charset="0"/>
+              <a:buChar char="◦"/>
+              <a:defRPr sz="1400" kern="1200">
+                <a:solidFill>
+                  <a:schemeClr val="tx1">
+                    <a:lumMod val="75000"/>
+                    <a:lumOff val="25000"/>
+                  </a:schemeClr>
+                </a:solidFill>
+                <a:latin typeface="+mn-lt"/>
+                <a:ea typeface="+mn-ea"/>
+                <a:cs typeface="+mn-cs"/>
+              </a:defRPr>
+            </a:lvl6pPr>
+            <a:lvl7pPr marL="1300000" indent="-228600" algn="l" defTabSz="914400" rtl="0" eaLnBrk="1" latinLnBrk="0" hangingPunct="1">
+              <a:lnSpc>
+                <a:spcPct val="90000"/>
+              </a:lnSpc>
+              <a:spcBef>
+                <a:spcPts val="200"/>
+              </a:spcBef>
+              <a:spcAft>
+                <a:spcPts val="400"/>
+              </a:spcAft>
+              <a:buClr>
+                <a:schemeClr val="accent1"/>
+              </a:buClr>
+              <a:buFont typeface="Calibri" pitchFamily="34" charset="0"/>
+              <a:buChar char="◦"/>
+              <a:defRPr sz="1400" kern="1200">
+                <a:solidFill>
+                  <a:schemeClr val="tx1">
+                    <a:lumMod val="75000"/>
+                    <a:lumOff val="25000"/>
+                  </a:schemeClr>
+                </a:solidFill>
+                <a:latin typeface="+mn-lt"/>
+                <a:ea typeface="+mn-ea"/>
+                <a:cs typeface="+mn-cs"/>
+              </a:defRPr>
+            </a:lvl7pPr>
+            <a:lvl8pPr marL="1500000" indent="-228600" algn="l" defTabSz="914400" rtl="0" eaLnBrk="1" latinLnBrk="0" hangingPunct="1">
+              <a:lnSpc>
+                <a:spcPct val="90000"/>
+              </a:lnSpc>
+              <a:spcBef>
+                <a:spcPts val="200"/>
+              </a:spcBef>
+              <a:spcAft>
+                <a:spcPts val="400"/>
+              </a:spcAft>
+              <a:buClr>
+                <a:schemeClr val="accent1"/>
+              </a:buClr>
+              <a:buFont typeface="Calibri" pitchFamily="34" charset="0"/>
+              <a:buChar char="◦"/>
+              <a:defRPr sz="1400" kern="1200">
+                <a:solidFill>
+                  <a:schemeClr val="tx1">
+                    <a:lumMod val="75000"/>
+                    <a:lumOff val="25000"/>
+                  </a:schemeClr>
+                </a:solidFill>
+                <a:latin typeface="+mn-lt"/>
+                <a:ea typeface="+mn-ea"/>
+                <a:cs typeface="+mn-cs"/>
+              </a:defRPr>
+            </a:lvl8pPr>
+            <a:lvl9pPr marL="1700000" indent="-228600" algn="l" defTabSz="914400" rtl="0" eaLnBrk="1" latinLnBrk="0" hangingPunct="1">
+              <a:lnSpc>
+                <a:spcPct val="90000"/>
+              </a:lnSpc>
+              <a:spcBef>
+                <a:spcPts val="200"/>
+              </a:spcBef>
+              <a:spcAft>
+                <a:spcPts val="400"/>
+              </a:spcAft>
+              <a:buClr>
+                <a:schemeClr val="accent1"/>
+              </a:buClr>
+              <a:buFont typeface="Calibri" pitchFamily="34" charset="0"/>
+              <a:buChar char="◦"/>
+              <a:defRPr sz="1400" kern="1200">
+                <a:solidFill>
+                  <a:schemeClr val="tx1">
+                    <a:lumMod val="75000"/>
+                    <a:lumOff val="25000"/>
+                  </a:schemeClr>
+                </a:solidFill>
+                <a:latin typeface="+mn-lt"/>
+                <a:ea typeface="+mn-ea"/>
+                <a:cs typeface="+mn-cs"/>
+              </a:defRPr>
+            </a:lvl9pPr>
+          </a:lstStyle>
+          <a:p>
+            <a:endParaRPr lang="en-IN" dirty="0"/>
+          </a:p>
+        </p:txBody>
+      </p:sp>
+      <p:sp>
+        <p:nvSpPr>
+          <p:cNvPr id="8" name="Content Placeholder 2">
+            <a:extLst>
+              <a:ext uri="{FF2B5EF4-FFF2-40B4-BE49-F238E27FC236}">
+                <a16:creationId xmlns:a16="http://schemas.microsoft.com/office/drawing/2014/main" id="{72B1345C-BECF-413D-ECFB-4BBD6973ABFB}"/>
+              </a:ext>
+            </a:extLst>
+          </p:cNvPr>
+          <p:cNvSpPr txBox="1">
+            <a:spLocks/>
+          </p:cNvSpPr>
+          <p:nvPr/>
+        </p:nvSpPr>
+        <p:spPr>
+          <a:xfrm>
+            <a:off x="6126480" y="4984892"/>
+            <a:ext cx="5915851" cy="1559377"/>
+          </a:xfrm>
+          <a:prstGeom prst="rect">
+            <a:avLst/>
+          </a:prstGeom>
+        </p:spPr>
+        <p:txBody>
+          <a:bodyPr vert="horz" lIns="0" tIns="45720" rIns="0" bIns="45720" rtlCol="0">
+            <a:normAutofit/>
+          </a:bodyPr>
+          <a:lstStyle>
+            <a:lvl1pPr marL="91440" indent="-91440" algn="l" defTabSz="914400" rtl="0" eaLnBrk="1" latinLnBrk="0" hangingPunct="1">
+              <a:lnSpc>
+                <a:spcPct val="90000"/>
+              </a:lnSpc>
+              <a:spcBef>
+                <a:spcPts val="1200"/>
+              </a:spcBef>
+              <a:spcAft>
+                <a:spcPts val="200"/>
+              </a:spcAft>
+              <a:buClr>
+                <a:schemeClr val="accent1"/>
+              </a:buClr>
+              <a:buSzPct val="100000"/>
+              <a:buFont typeface="Calibri" panose="020F0502020204030204" pitchFamily="34" charset="0"/>
+              <a:buChar char=" "/>
+              <a:defRPr sz="2000" kern="1200">
+                <a:solidFill>
+                  <a:schemeClr val="tx1">
+                    <a:lumMod val="75000"/>
+                    <a:lumOff val="25000"/>
+                  </a:schemeClr>
+                </a:solidFill>
+                <a:latin typeface="+mn-lt"/>
+                <a:ea typeface="+mn-ea"/>
+                <a:cs typeface="+mn-cs"/>
+              </a:defRPr>
+            </a:lvl1pPr>
+            <a:lvl2pPr marL="384048" indent="-182880" algn="l" defTabSz="914400" rtl="0" eaLnBrk="1" latinLnBrk="0" hangingPunct="1">
+              <a:lnSpc>
+                <a:spcPct val="90000"/>
+              </a:lnSpc>
+              <a:spcBef>
+                <a:spcPts val="200"/>
+              </a:spcBef>
+              <a:spcAft>
+                <a:spcPts val="400"/>
+              </a:spcAft>
+              <a:buClr>
+                <a:schemeClr val="accent1"/>
+              </a:buClr>
+              <a:buFont typeface="Calibri" pitchFamily="34" charset="0"/>
+              <a:buChar char="◦"/>
+              <a:defRPr sz="1800" kern="1200">
+                <a:solidFill>
+                  <a:schemeClr val="tx1">
+                    <a:lumMod val="75000"/>
+                    <a:lumOff val="25000"/>
+                  </a:schemeClr>
+                </a:solidFill>
+                <a:latin typeface="+mn-lt"/>
+                <a:ea typeface="+mn-ea"/>
+                <a:cs typeface="+mn-cs"/>
+              </a:defRPr>
+            </a:lvl2pPr>
+            <a:lvl3pPr marL="566928" indent="-182880" algn="l" defTabSz="914400" rtl="0" eaLnBrk="1" latinLnBrk="0" hangingPunct="1">
+              <a:lnSpc>
+                <a:spcPct val="90000"/>
+              </a:lnSpc>
+              <a:spcBef>
+                <a:spcPts val="200"/>
+              </a:spcBef>
+              <a:spcAft>
+                <a:spcPts val="400"/>
+              </a:spcAft>
+              <a:buClr>
+                <a:schemeClr val="accent1"/>
+              </a:buClr>
+              <a:buFont typeface="Calibri" pitchFamily="34" charset="0"/>
+              <a:buChar char="◦"/>
+              <a:defRPr sz="1400" kern="1200">
+                <a:solidFill>
+                  <a:schemeClr val="tx1">
+                    <a:lumMod val="75000"/>
+                    <a:lumOff val="25000"/>
+                  </a:schemeClr>
+                </a:solidFill>
+                <a:latin typeface="+mn-lt"/>
+                <a:ea typeface="+mn-ea"/>
+                <a:cs typeface="+mn-cs"/>
+              </a:defRPr>
+            </a:lvl3pPr>
+            <a:lvl4pPr marL="749808" indent="-182880" algn="l" defTabSz="914400" rtl="0" eaLnBrk="1" latinLnBrk="0" hangingPunct="1">
+              <a:lnSpc>
+                <a:spcPct val="90000"/>
+              </a:lnSpc>
+              <a:spcBef>
+                <a:spcPts val="200"/>
+              </a:spcBef>
+              <a:spcAft>
+                <a:spcPts val="400"/>
+              </a:spcAft>
+              <a:buClr>
+                <a:schemeClr val="accent1"/>
+              </a:buClr>
+              <a:buFont typeface="Calibri" pitchFamily="34" charset="0"/>
+              <a:buChar char="◦"/>
+              <a:defRPr sz="1400" kern="1200">
+                <a:solidFill>
+                  <a:schemeClr val="tx1">
+                    <a:lumMod val="75000"/>
+                    <a:lumOff val="25000"/>
+                  </a:schemeClr>
+                </a:solidFill>
+                <a:latin typeface="+mn-lt"/>
+                <a:ea typeface="+mn-ea"/>
+                <a:cs typeface="+mn-cs"/>
+              </a:defRPr>
+            </a:lvl4pPr>
+            <a:lvl5pPr marL="932688" indent="-182880" algn="l" defTabSz="914400" rtl="0" eaLnBrk="1" latinLnBrk="0" hangingPunct="1">
+              <a:lnSpc>
+                <a:spcPct val="90000"/>
+              </a:lnSpc>
+              <a:spcBef>
+                <a:spcPts val="200"/>
+              </a:spcBef>
+              <a:spcAft>
+                <a:spcPts val="400"/>
+              </a:spcAft>
+              <a:buClr>
+                <a:schemeClr val="accent1"/>
+              </a:buClr>
+              <a:buFont typeface="Calibri" pitchFamily="34" charset="0"/>
+              <a:buChar char="◦"/>
+              <a:defRPr sz="1400" kern="1200">
+                <a:solidFill>
+                  <a:schemeClr val="tx1">
+                    <a:lumMod val="75000"/>
+                    <a:lumOff val="25000"/>
+                  </a:schemeClr>
+                </a:solidFill>
+                <a:latin typeface="+mn-lt"/>
+                <a:ea typeface="+mn-ea"/>
+                <a:cs typeface="+mn-cs"/>
+              </a:defRPr>
+            </a:lvl5pPr>
+            <a:lvl6pPr marL="1100000" indent="-228600" algn="l" defTabSz="914400" rtl="0" eaLnBrk="1" latinLnBrk="0" hangingPunct="1">
+              <a:lnSpc>
+                <a:spcPct val="90000"/>
+              </a:lnSpc>
+              <a:spcBef>
+                <a:spcPts val="200"/>
+              </a:spcBef>
+              <a:spcAft>
+                <a:spcPts val="400"/>
+              </a:spcAft>
+              <a:buClr>
+                <a:schemeClr val="accent1"/>
+              </a:buClr>
+              <a:buFont typeface="Calibri" pitchFamily="34" charset="0"/>
+              <a:buChar char="◦"/>
+              <a:defRPr sz="1400" kern="1200">
+                <a:solidFill>
+                  <a:schemeClr val="tx1">
+                    <a:lumMod val="75000"/>
+                    <a:lumOff val="25000"/>
+                  </a:schemeClr>
+                </a:solidFill>
+                <a:latin typeface="+mn-lt"/>
+                <a:ea typeface="+mn-ea"/>
+                <a:cs typeface="+mn-cs"/>
+              </a:defRPr>
+            </a:lvl6pPr>
+            <a:lvl7pPr marL="1300000" indent="-228600" algn="l" defTabSz="914400" rtl="0" eaLnBrk="1" latinLnBrk="0" hangingPunct="1">
+              <a:lnSpc>
+                <a:spcPct val="90000"/>
+              </a:lnSpc>
+              <a:spcBef>
+                <a:spcPts val="200"/>
+              </a:spcBef>
+              <a:spcAft>
+                <a:spcPts val="400"/>
+              </a:spcAft>
+              <a:buClr>
+                <a:schemeClr val="accent1"/>
+              </a:buClr>
+              <a:buFont typeface="Calibri" pitchFamily="34" charset="0"/>
+              <a:buChar char="◦"/>
+              <a:defRPr sz="1400" kern="1200">
+                <a:solidFill>
+                  <a:schemeClr val="tx1">
+                    <a:lumMod val="75000"/>
+                    <a:lumOff val="25000"/>
+                  </a:schemeClr>
+                </a:solidFill>
+                <a:latin typeface="+mn-lt"/>
+                <a:ea typeface="+mn-ea"/>
+                <a:cs typeface="+mn-cs"/>
+              </a:defRPr>
+            </a:lvl7pPr>
+            <a:lvl8pPr marL="1500000" indent="-228600" algn="l" defTabSz="914400" rtl="0" eaLnBrk="1" latinLnBrk="0" hangingPunct="1">
+              <a:lnSpc>
+                <a:spcPct val="90000"/>
+              </a:lnSpc>
+              <a:spcBef>
+                <a:spcPts val="200"/>
+              </a:spcBef>
+              <a:spcAft>
+                <a:spcPts val="400"/>
+              </a:spcAft>
+              <a:buClr>
+                <a:schemeClr val="accent1"/>
+              </a:buClr>
+              <a:buFont typeface="Calibri" pitchFamily="34" charset="0"/>
+              <a:buChar char="◦"/>
+              <a:defRPr sz="1400" kern="1200">
+                <a:solidFill>
+                  <a:schemeClr val="tx1">
+                    <a:lumMod val="75000"/>
+                    <a:lumOff val="25000"/>
+                  </a:schemeClr>
+                </a:solidFill>
+                <a:latin typeface="+mn-lt"/>
+                <a:ea typeface="+mn-ea"/>
+                <a:cs typeface="+mn-cs"/>
+              </a:defRPr>
+            </a:lvl8pPr>
+            <a:lvl9pPr marL="1700000" indent="-228600" algn="l" defTabSz="914400" rtl="0" eaLnBrk="1" latinLnBrk="0" hangingPunct="1">
+              <a:lnSpc>
+                <a:spcPct val="90000"/>
+              </a:lnSpc>
+              <a:spcBef>
+                <a:spcPts val="200"/>
+              </a:spcBef>
+              <a:spcAft>
+                <a:spcPts val="400"/>
+              </a:spcAft>
+              <a:buClr>
+                <a:schemeClr val="accent1"/>
+              </a:buClr>
+              <a:buFont typeface="Calibri" pitchFamily="34" charset="0"/>
+              <a:buChar char="◦"/>
+              <a:defRPr sz="1400" kern="1200">
+                <a:solidFill>
+                  <a:schemeClr val="tx1">
+                    <a:lumMod val="75000"/>
+                    <a:lumOff val="25000"/>
+                  </a:schemeClr>
+                </a:solidFill>
+                <a:latin typeface="+mn-lt"/>
+                <a:ea typeface="+mn-ea"/>
+                <a:cs typeface="+mn-cs"/>
+              </a:defRPr>
+            </a:lvl9pPr>
+          </a:lstStyle>
+          <a:p>
+            <a:pPr>
+              <a:buFont typeface="Wingdings" panose="05000000000000000000" pitchFamily="2" charset="2"/>
+              <a:buChar char="§"/>
+            </a:pPr>
+            <a:r>
+              <a:rPr lang="en-IN" b="1" dirty="0"/>
+              <a:t>Purpose: </a:t>
+            </a:r>
+            <a:r>
+              <a:rPr lang="en-IN" dirty="0"/>
+              <a:t> Loans are taken mostly for debt consolidation followed by credit card payment. Whereas the debt consolidation has highest fully paid loan but also has highest defaulted loans as well.</a:t>
+            </a:r>
+          </a:p>
+        </p:txBody>
+      </p:sp>
+      <p:pic>
+        <p:nvPicPr>
+          <p:cNvPr id="13" name="Picture 12">
+            <a:extLst>
+              <a:ext uri="{FF2B5EF4-FFF2-40B4-BE49-F238E27FC236}">
+                <a16:creationId xmlns:a16="http://schemas.microsoft.com/office/drawing/2014/main" id="{481685C4-AE1D-65C9-AFB1-0801742B93FF}"/>
+              </a:ext>
+            </a:extLst>
+          </p:cNvPr>
+          <p:cNvPicPr>
+            <a:picLocks noChangeAspect="1"/>
+          </p:cNvPicPr>
+          <p:nvPr/>
+        </p:nvPicPr>
+        <p:blipFill>
+          <a:blip r:embed="rId2"/>
+          <a:stretch>
+            <a:fillRect/>
+          </a:stretch>
+        </p:blipFill>
+        <p:spPr>
+          <a:xfrm>
+            <a:off x="5894046" y="1823602"/>
+            <a:ext cx="5915851" cy="3115110"/>
+          </a:xfrm>
+          <a:prstGeom prst="rect">
+            <a:avLst/>
+          </a:prstGeom>
+        </p:spPr>
+      </p:pic>
+      <p:pic>
+        <p:nvPicPr>
+          <p:cNvPr id="15" name="Picture 14">
+            <a:extLst>
+              <a:ext uri="{FF2B5EF4-FFF2-40B4-BE49-F238E27FC236}">
+                <a16:creationId xmlns:a16="http://schemas.microsoft.com/office/drawing/2014/main" id="{8536BAE8-5DF1-418D-DC0B-66CF93AA36A3}"/>
+              </a:ext>
+            </a:extLst>
+          </p:cNvPr>
+          <p:cNvPicPr>
+            <a:picLocks noChangeAspect="1"/>
+          </p:cNvPicPr>
+          <p:nvPr/>
+        </p:nvPicPr>
+        <p:blipFill>
+          <a:blip r:embed="rId3"/>
+          <a:stretch>
+            <a:fillRect/>
+          </a:stretch>
+        </p:blipFill>
+        <p:spPr>
+          <a:xfrm>
+            <a:off x="457199" y="1818113"/>
+            <a:ext cx="5269833" cy="3143689"/>
+          </a:xfrm>
+          <a:prstGeom prst="rect">
+            <a:avLst/>
+          </a:prstGeom>
+        </p:spPr>
+      </p:pic>
+    </p:spTree>
+    <p:extLst>
+      <p:ext uri="{BB962C8B-B14F-4D97-AF65-F5344CB8AC3E}">
+        <p14:creationId xmlns:p14="http://schemas.microsoft.com/office/powerpoint/2010/main" val="3988162433"/>
+      </p:ext>
+    </p:extLst>
+  </p:cSld>
+  <p:clrMapOvr>
+    <a:masterClrMapping/>
+  </p:clrMapOvr>
+  <mc:AlternateContent xmlns:mc="http://schemas.openxmlformats.org/markup-compatibility/2006" xmlns:p14="http://schemas.microsoft.com/office/powerpoint/2010/main">
+    <mc:Choice Requires="p14">
+      <p:transition spd="med" p14:dur="700">
+        <p:fade/>
+      </p:transition>
+    </mc:Choice>
+    <mc:Fallback xmlns="">
+      <p:transition spd="med">
+        <p:fade/>
+      </p:transition>
+    </mc:Fallback>
+  </mc:AlternateContent>
+</p:sld>
+</file>
+
+<file path=ppt/slides/slide14.xml><?xml version="1.0" encoding="utf-8"?>
+<p:sld xmlns:a="http://schemas.openxmlformats.org/drawingml/2006/main" xmlns:r="http://schemas.openxmlformats.org/officeDocument/2006/relationships" xmlns:p="http://schemas.openxmlformats.org/presentationml/2006/main">
+  <p:cSld>
+    <p:spTree>
+      <p:nvGrpSpPr>
+        <p:cNvPr id="1" name=""/>
+        <p:cNvGrpSpPr/>
+        <p:nvPr/>
+      </p:nvGrpSpPr>
+      <p:grpSpPr>
+        <a:xfrm>
+          <a:off x="0" y="0"/>
+          <a:ext cx="0" cy="0"/>
+          <a:chOff x="0" y="0"/>
+          <a:chExt cx="0" cy="0"/>
+        </a:xfrm>
+      </p:grpSpPr>
+      <p:sp>
+        <p:nvSpPr>
+          <p:cNvPr id="2" name="Title 1">
+            <a:extLst>
+              <a:ext uri="{FF2B5EF4-FFF2-40B4-BE49-F238E27FC236}">
+                <a16:creationId xmlns:a16="http://schemas.microsoft.com/office/drawing/2014/main" id="{7E6792CE-8BD6-F52E-DB88-21B4248067AF}"/>
+              </a:ext>
+            </a:extLst>
+          </p:cNvPr>
+          <p:cNvSpPr>
+            <a:spLocks noGrp="1"/>
+          </p:cNvSpPr>
+          <p:nvPr>
+            <p:ph type="title"/>
+          </p:nvPr>
+        </p:nvSpPr>
+        <p:spPr/>
+        <p:txBody>
+          <a:bodyPr/>
+          <a:lstStyle/>
+          <a:p>
+            <a:r>
+              <a:rPr lang="en-IN" dirty="0"/>
+              <a:t>DTI ratio &amp; Bankruptcy</a:t>
+            </a:r>
+          </a:p>
+        </p:txBody>
+      </p:sp>
+      <p:sp>
+        <p:nvSpPr>
+          <p:cNvPr id="3" name="Content Placeholder 2">
+            <a:extLst>
+              <a:ext uri="{FF2B5EF4-FFF2-40B4-BE49-F238E27FC236}">
+                <a16:creationId xmlns:a16="http://schemas.microsoft.com/office/drawing/2014/main" id="{77811BD3-46D5-3C11-49A6-C9B1F0763696}"/>
+              </a:ext>
+            </a:extLst>
+          </p:cNvPr>
+          <p:cNvSpPr>
+            <a:spLocks noGrp="1"/>
+          </p:cNvSpPr>
+          <p:nvPr>
+            <p:ph idx="1"/>
+          </p:nvPr>
+        </p:nvSpPr>
+        <p:spPr>
+          <a:xfrm>
+            <a:off x="1208773" y="5012020"/>
+            <a:ext cx="4268804" cy="1559377"/>
+          </a:xfrm>
+        </p:spPr>
+        <p:txBody>
+          <a:bodyPr>
+            <a:normAutofit fontScale="92500" lnSpcReduction="20000"/>
+          </a:bodyPr>
+          <a:lstStyle/>
+          <a:p>
+            <a:pPr>
+              <a:buFont typeface="Wingdings" panose="05000000000000000000" pitchFamily="2" charset="2"/>
+              <a:buChar char="§"/>
+            </a:pPr>
+            <a:r>
+              <a:rPr lang="en-IN" b="1" dirty="0"/>
+              <a:t>DTI: </a:t>
+            </a:r>
+            <a:r>
+              <a:rPr lang="en-IN" dirty="0"/>
+              <a:t>The large percentage of Clients have a large Debt to Income ratio which shows that lending to such clients can be very risky.</a:t>
+            </a:r>
+          </a:p>
+        </p:txBody>
+      </p:sp>
+      <p:sp>
+        <p:nvSpPr>
+          <p:cNvPr id="8" name="Content Placeholder 2">
+            <a:extLst>
+              <a:ext uri="{FF2B5EF4-FFF2-40B4-BE49-F238E27FC236}">
+                <a16:creationId xmlns:a16="http://schemas.microsoft.com/office/drawing/2014/main" id="{72B1345C-BECF-413D-ECFB-4BBD6973ABFB}"/>
+              </a:ext>
+            </a:extLst>
+          </p:cNvPr>
+          <p:cNvSpPr txBox="1">
+            <a:spLocks/>
+          </p:cNvSpPr>
+          <p:nvPr/>
+        </p:nvSpPr>
+        <p:spPr>
+          <a:xfrm>
+            <a:off x="6714423" y="4984892"/>
+            <a:ext cx="4268804" cy="1559377"/>
+          </a:xfrm>
+          <a:prstGeom prst="rect">
+            <a:avLst/>
+          </a:prstGeom>
+        </p:spPr>
+        <p:txBody>
+          <a:bodyPr vert="horz" lIns="0" tIns="45720" rIns="0" bIns="45720" rtlCol="0">
+            <a:normAutofit/>
+          </a:bodyPr>
+          <a:lstStyle>
+            <a:lvl1pPr marL="91440" indent="-91440" algn="l" defTabSz="914400" rtl="0" eaLnBrk="1" latinLnBrk="0" hangingPunct="1">
+              <a:lnSpc>
+                <a:spcPct val="90000"/>
+              </a:lnSpc>
+              <a:spcBef>
+                <a:spcPts val="1200"/>
+              </a:spcBef>
+              <a:spcAft>
+                <a:spcPts val="200"/>
+              </a:spcAft>
+              <a:buClr>
+                <a:schemeClr val="accent1"/>
+              </a:buClr>
+              <a:buSzPct val="100000"/>
+              <a:buFont typeface="Calibri" panose="020F0502020204030204" pitchFamily="34" charset="0"/>
+              <a:buChar char=" "/>
+              <a:defRPr sz="2000" kern="1200">
+                <a:solidFill>
+                  <a:schemeClr val="tx1">
+                    <a:lumMod val="75000"/>
+                    <a:lumOff val="25000"/>
+                  </a:schemeClr>
+                </a:solidFill>
+                <a:latin typeface="+mn-lt"/>
+                <a:ea typeface="+mn-ea"/>
+                <a:cs typeface="+mn-cs"/>
+              </a:defRPr>
+            </a:lvl1pPr>
+            <a:lvl2pPr marL="384048" indent="-182880" algn="l" defTabSz="914400" rtl="0" eaLnBrk="1" latinLnBrk="0" hangingPunct="1">
+              <a:lnSpc>
+                <a:spcPct val="90000"/>
+              </a:lnSpc>
+              <a:spcBef>
+                <a:spcPts val="200"/>
+              </a:spcBef>
+              <a:spcAft>
+                <a:spcPts val="400"/>
+              </a:spcAft>
+              <a:buClr>
+                <a:schemeClr val="accent1"/>
+              </a:buClr>
+              <a:buFont typeface="Calibri" pitchFamily="34" charset="0"/>
+              <a:buChar char="◦"/>
+              <a:defRPr sz="1800" kern="1200">
+                <a:solidFill>
+                  <a:schemeClr val="tx1">
+                    <a:lumMod val="75000"/>
+                    <a:lumOff val="25000"/>
+                  </a:schemeClr>
+                </a:solidFill>
+                <a:latin typeface="+mn-lt"/>
+                <a:ea typeface="+mn-ea"/>
+                <a:cs typeface="+mn-cs"/>
+              </a:defRPr>
+            </a:lvl2pPr>
+            <a:lvl3pPr marL="566928" indent="-182880" algn="l" defTabSz="914400" rtl="0" eaLnBrk="1" latinLnBrk="0" hangingPunct="1">
+              <a:lnSpc>
+                <a:spcPct val="90000"/>
+              </a:lnSpc>
+              <a:spcBef>
+                <a:spcPts val="200"/>
+              </a:spcBef>
+              <a:spcAft>
+                <a:spcPts val="400"/>
+              </a:spcAft>
+              <a:buClr>
+                <a:schemeClr val="accent1"/>
+              </a:buClr>
+              <a:buFont typeface="Calibri" pitchFamily="34" charset="0"/>
+              <a:buChar char="◦"/>
+              <a:defRPr sz="1400" kern="1200">
+                <a:solidFill>
+                  <a:schemeClr val="tx1">
+                    <a:lumMod val="75000"/>
+                    <a:lumOff val="25000"/>
+                  </a:schemeClr>
+                </a:solidFill>
+                <a:latin typeface="+mn-lt"/>
+                <a:ea typeface="+mn-ea"/>
+                <a:cs typeface="+mn-cs"/>
+              </a:defRPr>
+            </a:lvl3pPr>
+            <a:lvl4pPr marL="749808" indent="-182880" algn="l" defTabSz="914400" rtl="0" eaLnBrk="1" latinLnBrk="0" hangingPunct="1">
+              <a:lnSpc>
+                <a:spcPct val="90000"/>
+              </a:lnSpc>
+              <a:spcBef>
+                <a:spcPts val="200"/>
+              </a:spcBef>
+              <a:spcAft>
+                <a:spcPts val="400"/>
+              </a:spcAft>
+              <a:buClr>
+                <a:schemeClr val="accent1"/>
+              </a:buClr>
+              <a:buFont typeface="Calibri" pitchFamily="34" charset="0"/>
+              <a:buChar char="◦"/>
+              <a:defRPr sz="1400" kern="1200">
+                <a:solidFill>
+                  <a:schemeClr val="tx1">
+                    <a:lumMod val="75000"/>
+                    <a:lumOff val="25000"/>
+                  </a:schemeClr>
+                </a:solidFill>
+                <a:latin typeface="+mn-lt"/>
+                <a:ea typeface="+mn-ea"/>
+                <a:cs typeface="+mn-cs"/>
+              </a:defRPr>
+            </a:lvl4pPr>
+            <a:lvl5pPr marL="932688" indent="-182880" algn="l" defTabSz="914400" rtl="0" eaLnBrk="1" latinLnBrk="0" hangingPunct="1">
+              <a:lnSpc>
+                <a:spcPct val="90000"/>
+              </a:lnSpc>
+              <a:spcBef>
+                <a:spcPts val="200"/>
+              </a:spcBef>
+              <a:spcAft>
+                <a:spcPts val="400"/>
+              </a:spcAft>
+              <a:buClr>
+                <a:schemeClr val="accent1"/>
+              </a:buClr>
+              <a:buFont typeface="Calibri" pitchFamily="34" charset="0"/>
+              <a:buChar char="◦"/>
+              <a:defRPr sz="1400" kern="1200">
+                <a:solidFill>
+                  <a:schemeClr val="tx1">
+                    <a:lumMod val="75000"/>
+                    <a:lumOff val="25000"/>
+                  </a:schemeClr>
+                </a:solidFill>
+                <a:latin typeface="+mn-lt"/>
+                <a:ea typeface="+mn-ea"/>
+                <a:cs typeface="+mn-cs"/>
+              </a:defRPr>
+            </a:lvl5pPr>
+            <a:lvl6pPr marL="1100000" indent="-228600" algn="l" defTabSz="914400" rtl="0" eaLnBrk="1" latinLnBrk="0" hangingPunct="1">
+              <a:lnSpc>
+                <a:spcPct val="90000"/>
+              </a:lnSpc>
+              <a:spcBef>
+                <a:spcPts val="200"/>
+              </a:spcBef>
+              <a:spcAft>
+                <a:spcPts val="400"/>
+              </a:spcAft>
+              <a:buClr>
+                <a:schemeClr val="accent1"/>
+              </a:buClr>
+              <a:buFont typeface="Calibri" pitchFamily="34" charset="0"/>
+              <a:buChar char="◦"/>
+              <a:defRPr sz="1400" kern="1200">
+                <a:solidFill>
+                  <a:schemeClr val="tx1">
+                    <a:lumMod val="75000"/>
+                    <a:lumOff val="25000"/>
+                  </a:schemeClr>
+                </a:solidFill>
+                <a:latin typeface="+mn-lt"/>
+                <a:ea typeface="+mn-ea"/>
+                <a:cs typeface="+mn-cs"/>
+              </a:defRPr>
+            </a:lvl6pPr>
+            <a:lvl7pPr marL="1300000" indent="-228600" algn="l" defTabSz="914400" rtl="0" eaLnBrk="1" latinLnBrk="0" hangingPunct="1">
+              <a:lnSpc>
+                <a:spcPct val="90000"/>
+              </a:lnSpc>
+              <a:spcBef>
+                <a:spcPts val="200"/>
+              </a:spcBef>
+              <a:spcAft>
+                <a:spcPts val="400"/>
+              </a:spcAft>
+              <a:buClr>
+                <a:schemeClr val="accent1"/>
+              </a:buClr>
+              <a:buFont typeface="Calibri" pitchFamily="34" charset="0"/>
+              <a:buChar char="◦"/>
+              <a:defRPr sz="1400" kern="1200">
+                <a:solidFill>
+                  <a:schemeClr val="tx1">
+                    <a:lumMod val="75000"/>
+                    <a:lumOff val="25000"/>
+                  </a:schemeClr>
+                </a:solidFill>
+                <a:latin typeface="+mn-lt"/>
+                <a:ea typeface="+mn-ea"/>
+                <a:cs typeface="+mn-cs"/>
+              </a:defRPr>
+            </a:lvl7pPr>
+            <a:lvl8pPr marL="1500000" indent="-228600" algn="l" defTabSz="914400" rtl="0" eaLnBrk="1" latinLnBrk="0" hangingPunct="1">
+              <a:lnSpc>
+                <a:spcPct val="90000"/>
+              </a:lnSpc>
+              <a:spcBef>
+                <a:spcPts val="200"/>
+              </a:spcBef>
+              <a:spcAft>
+                <a:spcPts val="400"/>
+              </a:spcAft>
+              <a:buClr>
+                <a:schemeClr val="accent1"/>
+              </a:buClr>
+              <a:buFont typeface="Calibri" pitchFamily="34" charset="0"/>
+              <a:buChar char="◦"/>
+              <a:defRPr sz="1400" kern="1200">
+                <a:solidFill>
+                  <a:schemeClr val="tx1">
+                    <a:lumMod val="75000"/>
+                    <a:lumOff val="25000"/>
+                  </a:schemeClr>
+                </a:solidFill>
+                <a:latin typeface="+mn-lt"/>
+                <a:ea typeface="+mn-ea"/>
+                <a:cs typeface="+mn-cs"/>
+              </a:defRPr>
+            </a:lvl8pPr>
+            <a:lvl9pPr marL="1700000" indent="-228600" algn="l" defTabSz="914400" rtl="0" eaLnBrk="1" latinLnBrk="0" hangingPunct="1">
+              <a:lnSpc>
+                <a:spcPct val="90000"/>
+              </a:lnSpc>
+              <a:spcBef>
+                <a:spcPts val="200"/>
+              </a:spcBef>
+              <a:spcAft>
+                <a:spcPts val="400"/>
+              </a:spcAft>
+              <a:buClr>
+                <a:schemeClr val="accent1"/>
+              </a:buClr>
+              <a:buFont typeface="Calibri" pitchFamily="34" charset="0"/>
+              <a:buChar char="◦"/>
+              <a:defRPr sz="1400" kern="1200">
+                <a:solidFill>
+                  <a:schemeClr val="tx1">
+                    <a:lumMod val="75000"/>
+                    <a:lumOff val="25000"/>
+                  </a:schemeClr>
+                </a:solidFill>
+                <a:latin typeface="+mn-lt"/>
+                <a:ea typeface="+mn-ea"/>
+                <a:cs typeface="+mn-cs"/>
+              </a:defRPr>
+            </a:lvl9pPr>
+          </a:lstStyle>
+          <a:p>
+            <a:pPr>
+              <a:buFont typeface="Wingdings" panose="05000000000000000000" pitchFamily="2" charset="2"/>
+              <a:buChar char="§"/>
+            </a:pPr>
+            <a:r>
+              <a:rPr lang="en-IN" b="1" dirty="0"/>
+              <a:t>Public Recorded Bankruptcy: </a:t>
+            </a:r>
+            <a:r>
+              <a:rPr lang="en-IN" dirty="0"/>
+              <a:t>Majority of clients have no record of declaring bankruptcy. </a:t>
+            </a:r>
+          </a:p>
+        </p:txBody>
+      </p:sp>
+      <p:pic>
+        <p:nvPicPr>
+          <p:cNvPr id="10" name="Picture 9">
+            <a:extLst>
+              <a:ext uri="{FF2B5EF4-FFF2-40B4-BE49-F238E27FC236}">
+                <a16:creationId xmlns:a16="http://schemas.microsoft.com/office/drawing/2014/main" id="{A8640CCB-E8EB-4E97-424C-625C7A53C354}"/>
+              </a:ext>
+            </a:extLst>
+          </p:cNvPr>
+          <p:cNvPicPr>
+            <a:picLocks noChangeAspect="1"/>
+          </p:cNvPicPr>
+          <p:nvPr/>
+        </p:nvPicPr>
+        <p:blipFill>
+          <a:blip r:embed="rId2"/>
+          <a:stretch>
+            <a:fillRect/>
+          </a:stretch>
+        </p:blipFill>
+        <p:spPr>
+          <a:xfrm>
+            <a:off x="6096000" y="1777367"/>
+            <a:ext cx="5868219" cy="3115110"/>
+          </a:xfrm>
+          <a:prstGeom prst="rect">
+            <a:avLst/>
+          </a:prstGeom>
+        </p:spPr>
+      </p:pic>
+      <p:pic>
+        <p:nvPicPr>
+          <p:cNvPr id="13" name="Picture 12">
+            <a:extLst>
+              <a:ext uri="{FF2B5EF4-FFF2-40B4-BE49-F238E27FC236}">
+                <a16:creationId xmlns:a16="http://schemas.microsoft.com/office/drawing/2014/main" id="{778984E5-A692-9C71-F078-EEAD3E21536B}"/>
+              </a:ext>
+            </a:extLst>
+          </p:cNvPr>
+          <p:cNvPicPr>
+            <a:picLocks noChangeAspect="1"/>
+          </p:cNvPicPr>
+          <p:nvPr/>
+        </p:nvPicPr>
+        <p:blipFill>
+          <a:blip r:embed="rId3"/>
+          <a:stretch>
+            <a:fillRect/>
+          </a:stretch>
+        </p:blipFill>
+        <p:spPr>
+          <a:xfrm>
+            <a:off x="613611" y="1845980"/>
+            <a:ext cx="5472863" cy="3124636"/>
+          </a:xfrm>
+          <a:prstGeom prst="rect">
+            <a:avLst/>
+          </a:prstGeom>
+        </p:spPr>
+      </p:pic>
+    </p:spTree>
+    <p:extLst>
+      <p:ext uri="{BB962C8B-B14F-4D97-AF65-F5344CB8AC3E}">
+        <p14:creationId xmlns:p14="http://schemas.microsoft.com/office/powerpoint/2010/main" val="2506709050"/>
+      </p:ext>
+    </p:extLst>
+  </p:cSld>
+  <p:clrMapOvr>
+    <a:masterClrMapping/>
+  </p:clrMapOvr>
+  <mc:AlternateContent xmlns:mc="http://schemas.openxmlformats.org/markup-compatibility/2006" xmlns:p14="http://schemas.microsoft.com/office/powerpoint/2010/main">
+    <mc:Choice Requires="p14">
+      <p:transition spd="med" p14:dur="700">
+        <p:fade/>
+      </p:transition>
+    </mc:Choice>
+    <mc:Fallback xmlns="">
+      <p:transition spd="med">
+        <p:fade/>
+      </p:transition>
+    </mc:Fallback>
+  </mc:AlternateContent>
+</p:sld>
+</file>
+
+<file path=ppt/slides/slide15.xml><?xml version="1.0" encoding="utf-8"?>
+<p:sld xmlns:a="http://schemas.openxmlformats.org/drawingml/2006/main" xmlns:r="http://schemas.openxmlformats.org/officeDocument/2006/relationships" xmlns:p="http://schemas.openxmlformats.org/presentationml/2006/main">
+  <p:cSld>
+    <p:spTree>
+      <p:nvGrpSpPr>
+        <p:cNvPr id="1" name=""/>
+        <p:cNvGrpSpPr/>
+        <p:nvPr/>
+      </p:nvGrpSpPr>
+      <p:grpSpPr>
+        <a:xfrm>
+          <a:off x="0" y="0"/>
+          <a:ext cx="0" cy="0"/>
+          <a:chOff x="0" y="0"/>
+          <a:chExt cx="0" cy="0"/>
+        </a:xfrm>
+      </p:grpSpPr>
+      <p:sp>
+        <p:nvSpPr>
+          <p:cNvPr id="2" name="Title 1">
+            <a:extLst>
+              <a:ext uri="{FF2B5EF4-FFF2-40B4-BE49-F238E27FC236}">
+                <a16:creationId xmlns:a16="http://schemas.microsoft.com/office/drawing/2014/main" id="{5FB13B75-DFA3-153F-C5FE-788ECCD5EF5F}"/>
+              </a:ext>
+            </a:extLst>
+          </p:cNvPr>
+          <p:cNvSpPr>
+            <a:spLocks noGrp="1"/>
+          </p:cNvSpPr>
+          <p:nvPr>
+            <p:ph type="title"/>
+          </p:nvPr>
+        </p:nvSpPr>
+        <p:spPr/>
+        <p:txBody>
+          <a:bodyPr/>
+          <a:lstStyle/>
+          <a:p>
+            <a:r>
+              <a:rPr lang="en-IN" dirty="0"/>
+              <a:t>Loan Trend over years</a:t>
+            </a:r>
+          </a:p>
+        </p:txBody>
+      </p:sp>
+      <p:sp>
+        <p:nvSpPr>
+          <p:cNvPr id="4" name="Content Placeholder 2">
+            <a:extLst>
+              <a:ext uri="{FF2B5EF4-FFF2-40B4-BE49-F238E27FC236}">
+                <a16:creationId xmlns:a16="http://schemas.microsoft.com/office/drawing/2014/main" id="{434436B7-A08B-F89B-1EFE-6FB6141D14BD}"/>
+              </a:ext>
+            </a:extLst>
+          </p:cNvPr>
+          <p:cNvSpPr txBox="1">
+            <a:spLocks/>
+          </p:cNvSpPr>
+          <p:nvPr/>
+        </p:nvSpPr>
+        <p:spPr>
+          <a:xfrm>
+            <a:off x="721895" y="5012020"/>
+            <a:ext cx="5313146" cy="1559377"/>
+          </a:xfrm>
+          <a:prstGeom prst="rect">
+            <a:avLst/>
+          </a:prstGeom>
+        </p:spPr>
+        <p:txBody>
+          <a:bodyPr vert="horz" lIns="0" tIns="45720" rIns="0" bIns="45720" rtlCol="0">
+            <a:normAutofit/>
+          </a:bodyPr>
+          <a:lstStyle>
+            <a:lvl1pPr marL="91440" indent="-91440" algn="l" defTabSz="914400" rtl="0" eaLnBrk="1" latinLnBrk="0" hangingPunct="1">
+              <a:lnSpc>
+                <a:spcPct val="90000"/>
+              </a:lnSpc>
+              <a:spcBef>
+                <a:spcPts val="1200"/>
+              </a:spcBef>
+              <a:spcAft>
+                <a:spcPts val="200"/>
+              </a:spcAft>
+              <a:buClr>
+                <a:schemeClr val="accent1"/>
+              </a:buClr>
+              <a:buSzPct val="100000"/>
+              <a:buFont typeface="Calibri" panose="020F0502020204030204" pitchFamily="34" charset="0"/>
+              <a:buChar char=" "/>
+              <a:defRPr sz="2000" kern="1200">
+                <a:solidFill>
+                  <a:schemeClr val="tx1">
+                    <a:lumMod val="75000"/>
+                    <a:lumOff val="25000"/>
+                  </a:schemeClr>
+                </a:solidFill>
+                <a:latin typeface="+mn-lt"/>
+                <a:ea typeface="+mn-ea"/>
+                <a:cs typeface="+mn-cs"/>
+              </a:defRPr>
+            </a:lvl1pPr>
+            <a:lvl2pPr marL="384048" indent="-182880" algn="l" defTabSz="914400" rtl="0" eaLnBrk="1" latinLnBrk="0" hangingPunct="1">
+              <a:lnSpc>
+                <a:spcPct val="90000"/>
+              </a:lnSpc>
+              <a:spcBef>
+                <a:spcPts val="200"/>
+              </a:spcBef>
+              <a:spcAft>
+                <a:spcPts val="400"/>
+              </a:spcAft>
+              <a:buClr>
+                <a:schemeClr val="accent1"/>
+              </a:buClr>
+              <a:buFont typeface="Calibri" pitchFamily="34" charset="0"/>
+              <a:buChar char="◦"/>
+              <a:defRPr sz="1800" kern="1200">
+                <a:solidFill>
+                  <a:schemeClr val="tx1">
+                    <a:lumMod val="75000"/>
+                    <a:lumOff val="25000"/>
+                  </a:schemeClr>
+                </a:solidFill>
+                <a:latin typeface="+mn-lt"/>
+                <a:ea typeface="+mn-ea"/>
+                <a:cs typeface="+mn-cs"/>
+              </a:defRPr>
+            </a:lvl2pPr>
+            <a:lvl3pPr marL="566928" indent="-182880" algn="l" defTabSz="914400" rtl="0" eaLnBrk="1" latinLnBrk="0" hangingPunct="1">
+              <a:lnSpc>
+                <a:spcPct val="90000"/>
+              </a:lnSpc>
+              <a:spcBef>
+                <a:spcPts val="200"/>
+              </a:spcBef>
+              <a:spcAft>
+                <a:spcPts val="400"/>
+              </a:spcAft>
+              <a:buClr>
+                <a:schemeClr val="accent1"/>
+              </a:buClr>
+              <a:buFont typeface="Calibri" pitchFamily="34" charset="0"/>
+              <a:buChar char="◦"/>
+              <a:defRPr sz="1400" kern="1200">
+                <a:solidFill>
+                  <a:schemeClr val="tx1">
+                    <a:lumMod val="75000"/>
+                    <a:lumOff val="25000"/>
+                  </a:schemeClr>
+                </a:solidFill>
+                <a:latin typeface="+mn-lt"/>
+                <a:ea typeface="+mn-ea"/>
+                <a:cs typeface="+mn-cs"/>
+              </a:defRPr>
+            </a:lvl3pPr>
+            <a:lvl4pPr marL="749808" indent="-182880" algn="l" defTabSz="914400" rtl="0" eaLnBrk="1" latinLnBrk="0" hangingPunct="1">
+              <a:lnSpc>
+                <a:spcPct val="90000"/>
+              </a:lnSpc>
+              <a:spcBef>
+                <a:spcPts val="200"/>
+              </a:spcBef>
+              <a:spcAft>
+                <a:spcPts val="400"/>
+              </a:spcAft>
+              <a:buClr>
+                <a:schemeClr val="accent1"/>
+              </a:buClr>
+              <a:buFont typeface="Calibri" pitchFamily="34" charset="0"/>
+              <a:buChar char="◦"/>
+              <a:defRPr sz="1400" kern="1200">
+                <a:solidFill>
+                  <a:schemeClr val="tx1">
+                    <a:lumMod val="75000"/>
+                    <a:lumOff val="25000"/>
+                  </a:schemeClr>
+                </a:solidFill>
+                <a:latin typeface="+mn-lt"/>
+                <a:ea typeface="+mn-ea"/>
+                <a:cs typeface="+mn-cs"/>
+              </a:defRPr>
+            </a:lvl4pPr>
+            <a:lvl5pPr marL="932688" indent="-182880" algn="l" defTabSz="914400" rtl="0" eaLnBrk="1" latinLnBrk="0" hangingPunct="1">
+              <a:lnSpc>
+                <a:spcPct val="90000"/>
+              </a:lnSpc>
+              <a:spcBef>
+                <a:spcPts val="200"/>
+              </a:spcBef>
+              <a:spcAft>
+                <a:spcPts val="400"/>
+              </a:spcAft>
+              <a:buClr>
+                <a:schemeClr val="accent1"/>
+              </a:buClr>
+              <a:buFont typeface="Calibri" pitchFamily="34" charset="0"/>
+              <a:buChar char="◦"/>
+              <a:defRPr sz="1400" kern="1200">
+                <a:solidFill>
+                  <a:schemeClr val="tx1">
+                    <a:lumMod val="75000"/>
+                    <a:lumOff val="25000"/>
+                  </a:schemeClr>
+                </a:solidFill>
+                <a:latin typeface="+mn-lt"/>
+                <a:ea typeface="+mn-ea"/>
+                <a:cs typeface="+mn-cs"/>
+              </a:defRPr>
+            </a:lvl5pPr>
+            <a:lvl6pPr marL="1100000" indent="-228600" algn="l" defTabSz="914400" rtl="0" eaLnBrk="1" latinLnBrk="0" hangingPunct="1">
+              <a:lnSpc>
+                <a:spcPct val="90000"/>
+              </a:lnSpc>
+              <a:spcBef>
+                <a:spcPts val="200"/>
+              </a:spcBef>
+              <a:spcAft>
+                <a:spcPts val="400"/>
+              </a:spcAft>
+              <a:buClr>
+                <a:schemeClr val="accent1"/>
+              </a:buClr>
+              <a:buFont typeface="Calibri" pitchFamily="34" charset="0"/>
+              <a:buChar char="◦"/>
+              <a:defRPr sz="1400" kern="1200">
+                <a:solidFill>
+                  <a:schemeClr val="tx1">
+                    <a:lumMod val="75000"/>
+                    <a:lumOff val="25000"/>
+                  </a:schemeClr>
+                </a:solidFill>
+                <a:latin typeface="+mn-lt"/>
+                <a:ea typeface="+mn-ea"/>
+                <a:cs typeface="+mn-cs"/>
+              </a:defRPr>
+            </a:lvl6pPr>
+            <a:lvl7pPr marL="1300000" indent="-228600" algn="l" defTabSz="914400" rtl="0" eaLnBrk="1" latinLnBrk="0" hangingPunct="1">
+              <a:lnSpc>
+                <a:spcPct val="90000"/>
+              </a:lnSpc>
+              <a:spcBef>
+                <a:spcPts val="200"/>
+              </a:spcBef>
+              <a:spcAft>
+                <a:spcPts val="400"/>
+              </a:spcAft>
+              <a:buClr>
+                <a:schemeClr val="accent1"/>
+              </a:buClr>
+              <a:buFont typeface="Calibri" pitchFamily="34" charset="0"/>
+              <a:buChar char="◦"/>
+              <a:defRPr sz="1400" kern="1200">
+                <a:solidFill>
+                  <a:schemeClr val="tx1">
+                    <a:lumMod val="75000"/>
+                    <a:lumOff val="25000"/>
+                  </a:schemeClr>
+                </a:solidFill>
+                <a:latin typeface="+mn-lt"/>
+                <a:ea typeface="+mn-ea"/>
+                <a:cs typeface="+mn-cs"/>
+              </a:defRPr>
+            </a:lvl7pPr>
+            <a:lvl8pPr marL="1500000" indent="-228600" algn="l" defTabSz="914400" rtl="0" eaLnBrk="1" latinLnBrk="0" hangingPunct="1">
+              <a:lnSpc>
+                <a:spcPct val="90000"/>
+              </a:lnSpc>
+              <a:spcBef>
+                <a:spcPts val="200"/>
+              </a:spcBef>
+              <a:spcAft>
+                <a:spcPts val="400"/>
+              </a:spcAft>
+              <a:buClr>
+                <a:schemeClr val="accent1"/>
+              </a:buClr>
+              <a:buFont typeface="Calibri" pitchFamily="34" charset="0"/>
+              <a:buChar char="◦"/>
+              <a:defRPr sz="1400" kern="1200">
+                <a:solidFill>
+                  <a:schemeClr val="tx1">
+                    <a:lumMod val="75000"/>
+                    <a:lumOff val="25000"/>
+                  </a:schemeClr>
+                </a:solidFill>
+                <a:latin typeface="+mn-lt"/>
+                <a:ea typeface="+mn-ea"/>
+                <a:cs typeface="+mn-cs"/>
+              </a:defRPr>
+            </a:lvl8pPr>
+            <a:lvl9pPr marL="1700000" indent="-228600" algn="l" defTabSz="914400" rtl="0" eaLnBrk="1" latinLnBrk="0" hangingPunct="1">
+              <a:lnSpc>
+                <a:spcPct val="90000"/>
+              </a:lnSpc>
+              <a:spcBef>
+                <a:spcPts val="200"/>
+              </a:spcBef>
+              <a:spcAft>
+                <a:spcPts val="400"/>
+              </a:spcAft>
+              <a:buClr>
+                <a:schemeClr val="accent1"/>
+              </a:buClr>
+              <a:buFont typeface="Calibri" pitchFamily="34" charset="0"/>
+              <a:buChar char="◦"/>
+              <a:defRPr sz="1400" kern="1200">
+                <a:solidFill>
+                  <a:schemeClr val="tx1">
+                    <a:lumMod val="75000"/>
+                    <a:lumOff val="25000"/>
+                  </a:schemeClr>
+                </a:solidFill>
+                <a:latin typeface="+mn-lt"/>
+                <a:ea typeface="+mn-ea"/>
+                <a:cs typeface="+mn-cs"/>
+              </a:defRPr>
+            </a:lvl9pPr>
+          </a:lstStyle>
+          <a:p>
+            <a:pPr marL="0" indent="0">
+              <a:buNone/>
+            </a:pPr>
+            <a:r>
+              <a:rPr lang="en-IN" b="1" dirty="0"/>
+              <a:t> </a:t>
+            </a:r>
+            <a:r>
+              <a:rPr lang="en-IN" dirty="0"/>
+              <a:t>We see a gradual increase in loan taken through the year, with lesser defaulting rate in April ,August, December quarter wise and better more late in year.</a:t>
+            </a:r>
+          </a:p>
+        </p:txBody>
+      </p:sp>
+      <p:sp>
+        <p:nvSpPr>
+          <p:cNvPr id="5" name="Content Placeholder 2">
+            <a:extLst>
+              <a:ext uri="{FF2B5EF4-FFF2-40B4-BE49-F238E27FC236}">
+                <a16:creationId xmlns:a16="http://schemas.microsoft.com/office/drawing/2014/main" id="{B334A241-ABA4-7377-C05E-D09711BFD375}"/>
+              </a:ext>
+            </a:extLst>
+          </p:cNvPr>
+          <p:cNvSpPr txBox="1">
+            <a:spLocks/>
+          </p:cNvSpPr>
+          <p:nvPr/>
+        </p:nvSpPr>
+        <p:spPr>
+          <a:xfrm>
+            <a:off x="6714423" y="4984892"/>
+            <a:ext cx="4268804" cy="1559377"/>
+          </a:xfrm>
+          <a:prstGeom prst="rect">
+            <a:avLst/>
+          </a:prstGeom>
+        </p:spPr>
+        <p:txBody>
+          <a:bodyPr vert="horz" lIns="0" tIns="45720" rIns="0" bIns="45720" rtlCol="0">
+            <a:normAutofit/>
+          </a:bodyPr>
+          <a:lstStyle>
+            <a:lvl1pPr marL="91440" indent="-91440" algn="l" defTabSz="914400" rtl="0" eaLnBrk="1" latinLnBrk="0" hangingPunct="1">
+              <a:lnSpc>
+                <a:spcPct val="90000"/>
+              </a:lnSpc>
+              <a:spcBef>
+                <a:spcPts val="1200"/>
+              </a:spcBef>
+              <a:spcAft>
+                <a:spcPts val="200"/>
+              </a:spcAft>
+              <a:buClr>
+                <a:schemeClr val="accent1"/>
+              </a:buClr>
+              <a:buSzPct val="100000"/>
+              <a:buFont typeface="Calibri" panose="020F0502020204030204" pitchFamily="34" charset="0"/>
+              <a:buChar char=" "/>
+              <a:defRPr sz="2000" kern="1200">
+                <a:solidFill>
+                  <a:schemeClr val="tx1">
+                    <a:lumMod val="75000"/>
+                    <a:lumOff val="25000"/>
+                  </a:schemeClr>
+                </a:solidFill>
+                <a:latin typeface="+mn-lt"/>
+                <a:ea typeface="+mn-ea"/>
+                <a:cs typeface="+mn-cs"/>
+              </a:defRPr>
+            </a:lvl1pPr>
+            <a:lvl2pPr marL="384048" indent="-182880" algn="l" defTabSz="914400" rtl="0" eaLnBrk="1" latinLnBrk="0" hangingPunct="1">
+              <a:lnSpc>
+                <a:spcPct val="90000"/>
+              </a:lnSpc>
+              <a:spcBef>
+                <a:spcPts val="200"/>
+              </a:spcBef>
+              <a:spcAft>
+                <a:spcPts val="400"/>
+              </a:spcAft>
+              <a:buClr>
+                <a:schemeClr val="accent1"/>
+              </a:buClr>
+              <a:buFont typeface="Calibri" pitchFamily="34" charset="0"/>
+              <a:buChar char="◦"/>
+              <a:defRPr sz="1800" kern="1200">
+                <a:solidFill>
+                  <a:schemeClr val="tx1">
+                    <a:lumMod val="75000"/>
+                    <a:lumOff val="25000"/>
+                  </a:schemeClr>
+                </a:solidFill>
+                <a:latin typeface="+mn-lt"/>
+                <a:ea typeface="+mn-ea"/>
+                <a:cs typeface="+mn-cs"/>
+              </a:defRPr>
+            </a:lvl2pPr>
+            <a:lvl3pPr marL="566928" indent="-182880" algn="l" defTabSz="914400" rtl="0" eaLnBrk="1" latinLnBrk="0" hangingPunct="1">
+              <a:lnSpc>
+                <a:spcPct val="90000"/>
+              </a:lnSpc>
+              <a:spcBef>
+                <a:spcPts val="200"/>
+              </a:spcBef>
+              <a:spcAft>
+                <a:spcPts val="400"/>
+              </a:spcAft>
+              <a:buClr>
+                <a:schemeClr val="accent1"/>
+              </a:buClr>
+              <a:buFont typeface="Calibri" pitchFamily="34" charset="0"/>
+              <a:buChar char="◦"/>
+              <a:defRPr sz="1400" kern="1200">
+                <a:solidFill>
+                  <a:schemeClr val="tx1">
+                    <a:lumMod val="75000"/>
+                    <a:lumOff val="25000"/>
+                  </a:schemeClr>
+                </a:solidFill>
+                <a:latin typeface="+mn-lt"/>
+                <a:ea typeface="+mn-ea"/>
+                <a:cs typeface="+mn-cs"/>
+              </a:defRPr>
+            </a:lvl3pPr>
+            <a:lvl4pPr marL="749808" indent="-182880" algn="l" defTabSz="914400" rtl="0" eaLnBrk="1" latinLnBrk="0" hangingPunct="1">
+              <a:lnSpc>
+                <a:spcPct val="90000"/>
+              </a:lnSpc>
+              <a:spcBef>
+                <a:spcPts val="200"/>
+              </a:spcBef>
+              <a:spcAft>
+                <a:spcPts val="400"/>
+              </a:spcAft>
+              <a:buClr>
+                <a:schemeClr val="accent1"/>
+              </a:buClr>
+              <a:buFont typeface="Calibri" pitchFamily="34" charset="0"/>
+              <a:buChar char="◦"/>
+              <a:defRPr sz="1400" kern="1200">
+                <a:solidFill>
+                  <a:schemeClr val="tx1">
+                    <a:lumMod val="75000"/>
+                    <a:lumOff val="25000"/>
+                  </a:schemeClr>
+                </a:solidFill>
+                <a:latin typeface="+mn-lt"/>
+                <a:ea typeface="+mn-ea"/>
+                <a:cs typeface="+mn-cs"/>
+              </a:defRPr>
+            </a:lvl4pPr>
+            <a:lvl5pPr marL="932688" indent="-182880" algn="l" defTabSz="914400" rtl="0" eaLnBrk="1" latinLnBrk="0" hangingPunct="1">
+              <a:lnSpc>
+                <a:spcPct val="90000"/>
+              </a:lnSpc>
+              <a:spcBef>
+                <a:spcPts val="200"/>
+              </a:spcBef>
+              <a:spcAft>
+                <a:spcPts val="400"/>
+              </a:spcAft>
+              <a:buClr>
+                <a:schemeClr val="accent1"/>
+              </a:buClr>
+              <a:buFont typeface="Calibri" pitchFamily="34" charset="0"/>
+              <a:buChar char="◦"/>
+              <a:defRPr sz="1400" kern="1200">
+                <a:solidFill>
+                  <a:schemeClr val="tx1">
+                    <a:lumMod val="75000"/>
+                    <a:lumOff val="25000"/>
+                  </a:schemeClr>
+                </a:solidFill>
+                <a:latin typeface="+mn-lt"/>
+                <a:ea typeface="+mn-ea"/>
+                <a:cs typeface="+mn-cs"/>
+              </a:defRPr>
+            </a:lvl5pPr>
+            <a:lvl6pPr marL="1100000" indent="-228600" algn="l" defTabSz="914400" rtl="0" eaLnBrk="1" latinLnBrk="0" hangingPunct="1">
+              <a:lnSpc>
+                <a:spcPct val="90000"/>
+              </a:lnSpc>
+              <a:spcBef>
+                <a:spcPts val="200"/>
+              </a:spcBef>
+              <a:spcAft>
+                <a:spcPts val="400"/>
+              </a:spcAft>
+              <a:buClr>
+                <a:schemeClr val="accent1"/>
+              </a:buClr>
+              <a:buFont typeface="Calibri" pitchFamily="34" charset="0"/>
+              <a:buChar char="◦"/>
+              <a:defRPr sz="1400" kern="1200">
+                <a:solidFill>
+                  <a:schemeClr val="tx1">
+                    <a:lumMod val="75000"/>
+                    <a:lumOff val="25000"/>
+                  </a:schemeClr>
+                </a:solidFill>
+                <a:latin typeface="+mn-lt"/>
+                <a:ea typeface="+mn-ea"/>
+                <a:cs typeface="+mn-cs"/>
+              </a:defRPr>
+            </a:lvl6pPr>
+            <a:lvl7pPr marL="1300000" indent="-228600" algn="l" defTabSz="914400" rtl="0" eaLnBrk="1" latinLnBrk="0" hangingPunct="1">
+              <a:lnSpc>
+                <a:spcPct val="90000"/>
+              </a:lnSpc>
+              <a:spcBef>
+                <a:spcPts val="200"/>
+              </a:spcBef>
+              <a:spcAft>
+                <a:spcPts val="400"/>
+              </a:spcAft>
+              <a:buClr>
+                <a:schemeClr val="accent1"/>
+              </a:buClr>
+              <a:buFont typeface="Calibri" pitchFamily="34" charset="0"/>
+              <a:buChar char="◦"/>
+              <a:defRPr sz="1400" kern="1200">
+                <a:solidFill>
+                  <a:schemeClr val="tx1">
+                    <a:lumMod val="75000"/>
+                    <a:lumOff val="25000"/>
+                  </a:schemeClr>
+                </a:solidFill>
+                <a:latin typeface="+mn-lt"/>
+                <a:ea typeface="+mn-ea"/>
+                <a:cs typeface="+mn-cs"/>
+              </a:defRPr>
+            </a:lvl7pPr>
+            <a:lvl8pPr marL="1500000" indent="-228600" algn="l" defTabSz="914400" rtl="0" eaLnBrk="1" latinLnBrk="0" hangingPunct="1">
+              <a:lnSpc>
+                <a:spcPct val="90000"/>
+              </a:lnSpc>
+              <a:spcBef>
+                <a:spcPts val="200"/>
+              </a:spcBef>
+              <a:spcAft>
+                <a:spcPts val="400"/>
+              </a:spcAft>
+              <a:buClr>
+                <a:schemeClr val="accent1"/>
+              </a:buClr>
+              <a:buFont typeface="Calibri" pitchFamily="34" charset="0"/>
+              <a:buChar char="◦"/>
+              <a:defRPr sz="1400" kern="1200">
+                <a:solidFill>
+                  <a:schemeClr val="tx1">
+                    <a:lumMod val="75000"/>
+                    <a:lumOff val="25000"/>
+                  </a:schemeClr>
+                </a:solidFill>
+                <a:latin typeface="+mn-lt"/>
+                <a:ea typeface="+mn-ea"/>
+                <a:cs typeface="+mn-cs"/>
+              </a:defRPr>
+            </a:lvl8pPr>
+            <a:lvl9pPr marL="1700000" indent="-228600" algn="l" defTabSz="914400" rtl="0" eaLnBrk="1" latinLnBrk="0" hangingPunct="1">
+              <a:lnSpc>
+                <a:spcPct val="90000"/>
+              </a:lnSpc>
+              <a:spcBef>
+                <a:spcPts val="200"/>
+              </a:spcBef>
+              <a:spcAft>
+                <a:spcPts val="400"/>
+              </a:spcAft>
+              <a:buClr>
+                <a:schemeClr val="accent1"/>
+              </a:buClr>
+              <a:buFont typeface="Calibri" pitchFamily="34" charset="0"/>
+              <a:buChar char="◦"/>
+              <a:defRPr sz="1400" kern="1200">
+                <a:solidFill>
+                  <a:schemeClr val="tx1">
+                    <a:lumMod val="75000"/>
+                    <a:lumOff val="25000"/>
+                  </a:schemeClr>
+                </a:solidFill>
+                <a:latin typeface="+mn-lt"/>
+                <a:ea typeface="+mn-ea"/>
+                <a:cs typeface="+mn-cs"/>
+              </a:defRPr>
+            </a:lvl9pPr>
+          </a:lstStyle>
+          <a:p>
+            <a:pPr marL="0" indent="0">
+              <a:buNone/>
+            </a:pPr>
+            <a:r>
+              <a:rPr lang="en-IN" dirty="0"/>
+              <a:t>With each passing year loan taken are increasing exponentially which indicate we are seeing large increase in DTI ratio and decrease in defaulting rate.</a:t>
+            </a:r>
+          </a:p>
+        </p:txBody>
+      </p:sp>
+      <p:pic>
+        <p:nvPicPr>
+          <p:cNvPr id="11" name="Picture 10">
+            <a:extLst>
+              <a:ext uri="{FF2B5EF4-FFF2-40B4-BE49-F238E27FC236}">
+                <a16:creationId xmlns:a16="http://schemas.microsoft.com/office/drawing/2014/main" id="{172A1BFA-5E4D-D967-BEC2-F693AA43CDAA}"/>
+              </a:ext>
+            </a:extLst>
+          </p:cNvPr>
+          <p:cNvPicPr>
+            <a:picLocks noChangeAspect="1"/>
+          </p:cNvPicPr>
+          <p:nvPr/>
+        </p:nvPicPr>
+        <p:blipFill>
+          <a:blip r:embed="rId3"/>
+          <a:stretch>
+            <a:fillRect/>
+          </a:stretch>
+        </p:blipFill>
+        <p:spPr>
+          <a:xfrm>
+            <a:off x="6035041" y="1896910"/>
+            <a:ext cx="5877745" cy="3115110"/>
+          </a:xfrm>
+          <a:prstGeom prst="rect">
+            <a:avLst/>
+          </a:prstGeom>
+        </p:spPr>
+      </p:pic>
+      <p:pic>
+        <p:nvPicPr>
+          <p:cNvPr id="15" name="Picture 14">
+            <a:extLst>
+              <a:ext uri="{FF2B5EF4-FFF2-40B4-BE49-F238E27FC236}">
+                <a16:creationId xmlns:a16="http://schemas.microsoft.com/office/drawing/2014/main" id="{D9F17DF2-8955-CD12-5B34-A8F93819EA5D}"/>
+              </a:ext>
+            </a:extLst>
+          </p:cNvPr>
+          <p:cNvPicPr>
+            <a:picLocks noChangeAspect="1"/>
+          </p:cNvPicPr>
+          <p:nvPr/>
+        </p:nvPicPr>
+        <p:blipFill>
+          <a:blip r:embed="rId4"/>
+          <a:stretch>
+            <a:fillRect/>
+          </a:stretch>
+        </p:blipFill>
+        <p:spPr>
+          <a:xfrm>
+            <a:off x="279214" y="1896910"/>
+            <a:ext cx="5820587" cy="3134162"/>
+          </a:xfrm>
+          <a:prstGeom prst="rect">
+            <a:avLst/>
+          </a:prstGeom>
+        </p:spPr>
+      </p:pic>
+    </p:spTree>
+    <p:extLst>
+      <p:ext uri="{BB962C8B-B14F-4D97-AF65-F5344CB8AC3E}">
+        <p14:creationId xmlns:p14="http://schemas.microsoft.com/office/powerpoint/2010/main" val="1715975152"/>
+      </p:ext>
+    </p:extLst>
+  </p:cSld>
+  <p:clrMapOvr>
+    <a:masterClrMapping/>
+  </p:clrMapOvr>
+  <mc:AlternateContent xmlns:mc="http://schemas.openxmlformats.org/markup-compatibility/2006" xmlns:p14="http://schemas.microsoft.com/office/powerpoint/2010/main">
+    <mc:Choice Requires="p14">
+      <p:transition spd="med" p14:dur="700">
+        <p:fade/>
+      </p:transition>
+    </mc:Choice>
+    <mc:Fallback xmlns="">
+      <p:transition spd="med">
+        <p:fade/>
+      </p:transition>
+    </mc:Fallback>
+  </mc:AlternateContent>
+</p:sld>
+</file>
+
+<file path=ppt/slides/slide16.xml><?xml version="1.0" encoding="utf-8"?>
+<p:sld xmlns:a="http://schemas.openxmlformats.org/drawingml/2006/main" xmlns:r="http://schemas.openxmlformats.org/officeDocument/2006/relationships" xmlns:p="http://schemas.openxmlformats.org/presentationml/2006/main">
+  <p:cSld>
+    <p:spTree>
+      <p:nvGrpSpPr>
+        <p:cNvPr id="1" name=""/>
+        <p:cNvGrpSpPr/>
+        <p:nvPr/>
+      </p:nvGrpSpPr>
+      <p:grpSpPr>
+        <a:xfrm>
+          <a:off x="0" y="0"/>
+          <a:ext cx="0" cy="0"/>
+          <a:chOff x="0" y="0"/>
+          <a:chExt cx="0" cy="0"/>
+        </a:xfrm>
+      </p:grpSpPr>
+      <p:sp>
+        <p:nvSpPr>
+          <p:cNvPr id="2" name="Title 1">
+            <a:extLst>
+              <a:ext uri="{FF2B5EF4-FFF2-40B4-BE49-F238E27FC236}">
+                <a16:creationId xmlns:a16="http://schemas.microsoft.com/office/drawing/2014/main" id="{7EC4AB0E-877F-15C6-BDD0-295D84FABBDF}"/>
+              </a:ext>
+            </a:extLst>
+          </p:cNvPr>
+          <p:cNvSpPr>
+            <a:spLocks noGrp="1"/>
+          </p:cNvSpPr>
+          <p:nvPr>
+            <p:ph type="title"/>
+          </p:nvPr>
+        </p:nvSpPr>
+        <p:spPr/>
+        <p:txBody>
+          <a:bodyPr/>
+          <a:lstStyle/>
+          <a:p>
+            <a:r>
+              <a:rPr lang="en-IN" dirty="0"/>
+              <a:t>Location Based </a:t>
+            </a:r>
+          </a:p>
+        </p:txBody>
+      </p:sp>
+      <p:sp>
+        <p:nvSpPr>
+          <p:cNvPr id="5" name="Content Placeholder 2">
+            <a:extLst>
+              <a:ext uri="{FF2B5EF4-FFF2-40B4-BE49-F238E27FC236}">
+                <a16:creationId xmlns:a16="http://schemas.microsoft.com/office/drawing/2014/main" id="{9B807178-85CF-0C85-8254-ACA7B5997AB5}"/>
+              </a:ext>
+            </a:extLst>
+          </p:cNvPr>
+          <p:cNvSpPr txBox="1">
+            <a:spLocks/>
+          </p:cNvSpPr>
+          <p:nvPr/>
+        </p:nvSpPr>
+        <p:spPr>
+          <a:xfrm>
+            <a:off x="784459" y="5120640"/>
+            <a:ext cx="10441806" cy="1559377"/>
+          </a:xfrm>
+          <a:prstGeom prst="rect">
+            <a:avLst/>
+          </a:prstGeom>
+        </p:spPr>
+        <p:txBody>
+          <a:bodyPr vert="horz" lIns="0" tIns="45720" rIns="0" bIns="45720" rtlCol="0">
+            <a:normAutofit/>
+          </a:bodyPr>
+          <a:lstStyle>
+            <a:lvl1pPr marL="91440" indent="-91440" algn="l" defTabSz="914400" rtl="0" eaLnBrk="1" latinLnBrk="0" hangingPunct="1">
+              <a:lnSpc>
+                <a:spcPct val="90000"/>
+              </a:lnSpc>
+              <a:spcBef>
+                <a:spcPts val="1200"/>
+              </a:spcBef>
+              <a:spcAft>
+                <a:spcPts val="200"/>
+              </a:spcAft>
+              <a:buClr>
+                <a:schemeClr val="accent1"/>
+              </a:buClr>
+              <a:buSzPct val="100000"/>
+              <a:buFont typeface="Calibri" panose="020F0502020204030204" pitchFamily="34" charset="0"/>
+              <a:buChar char=" "/>
+              <a:defRPr sz="2000" kern="1200">
+                <a:solidFill>
+                  <a:schemeClr val="tx1">
+                    <a:lumMod val="75000"/>
+                    <a:lumOff val="25000"/>
+                  </a:schemeClr>
+                </a:solidFill>
+                <a:latin typeface="+mn-lt"/>
+                <a:ea typeface="+mn-ea"/>
+                <a:cs typeface="+mn-cs"/>
+              </a:defRPr>
+            </a:lvl1pPr>
+            <a:lvl2pPr marL="384048" indent="-182880" algn="l" defTabSz="914400" rtl="0" eaLnBrk="1" latinLnBrk="0" hangingPunct="1">
+              <a:lnSpc>
+                <a:spcPct val="90000"/>
+              </a:lnSpc>
+              <a:spcBef>
+                <a:spcPts val="200"/>
+              </a:spcBef>
+              <a:spcAft>
+                <a:spcPts val="400"/>
+              </a:spcAft>
+              <a:buClr>
+                <a:schemeClr val="accent1"/>
+              </a:buClr>
+              <a:buFont typeface="Calibri" pitchFamily="34" charset="0"/>
+              <a:buChar char="◦"/>
+              <a:defRPr sz="1800" kern="1200">
+                <a:solidFill>
+                  <a:schemeClr val="tx1">
+                    <a:lumMod val="75000"/>
+                    <a:lumOff val="25000"/>
+                  </a:schemeClr>
+                </a:solidFill>
+                <a:latin typeface="+mn-lt"/>
+                <a:ea typeface="+mn-ea"/>
+                <a:cs typeface="+mn-cs"/>
+              </a:defRPr>
+            </a:lvl2pPr>
+            <a:lvl3pPr marL="566928" indent="-182880" algn="l" defTabSz="914400" rtl="0" eaLnBrk="1" latinLnBrk="0" hangingPunct="1">
+              <a:lnSpc>
+                <a:spcPct val="90000"/>
+              </a:lnSpc>
+              <a:spcBef>
+                <a:spcPts val="200"/>
+              </a:spcBef>
+              <a:spcAft>
+                <a:spcPts val="400"/>
+              </a:spcAft>
+              <a:buClr>
+                <a:schemeClr val="accent1"/>
+              </a:buClr>
+              <a:buFont typeface="Calibri" pitchFamily="34" charset="0"/>
+              <a:buChar char="◦"/>
+              <a:defRPr sz="1400" kern="1200">
+                <a:solidFill>
+                  <a:schemeClr val="tx1">
+                    <a:lumMod val="75000"/>
+                    <a:lumOff val="25000"/>
+                  </a:schemeClr>
+                </a:solidFill>
+                <a:latin typeface="+mn-lt"/>
+                <a:ea typeface="+mn-ea"/>
+                <a:cs typeface="+mn-cs"/>
+              </a:defRPr>
+            </a:lvl3pPr>
+            <a:lvl4pPr marL="749808" indent="-182880" algn="l" defTabSz="914400" rtl="0" eaLnBrk="1" latinLnBrk="0" hangingPunct="1">
+              <a:lnSpc>
+                <a:spcPct val="90000"/>
+              </a:lnSpc>
+              <a:spcBef>
+                <a:spcPts val="200"/>
+              </a:spcBef>
+              <a:spcAft>
+                <a:spcPts val="400"/>
+              </a:spcAft>
+              <a:buClr>
+                <a:schemeClr val="accent1"/>
+              </a:buClr>
+              <a:buFont typeface="Calibri" pitchFamily="34" charset="0"/>
+              <a:buChar char="◦"/>
+              <a:defRPr sz="1400" kern="1200">
+                <a:solidFill>
+                  <a:schemeClr val="tx1">
+                    <a:lumMod val="75000"/>
+                    <a:lumOff val="25000"/>
+                  </a:schemeClr>
+                </a:solidFill>
+                <a:latin typeface="+mn-lt"/>
+                <a:ea typeface="+mn-ea"/>
+                <a:cs typeface="+mn-cs"/>
+              </a:defRPr>
+            </a:lvl4pPr>
+            <a:lvl5pPr marL="932688" indent="-182880" algn="l" defTabSz="914400" rtl="0" eaLnBrk="1" latinLnBrk="0" hangingPunct="1">
+              <a:lnSpc>
+                <a:spcPct val="90000"/>
+              </a:lnSpc>
+              <a:spcBef>
+                <a:spcPts val="200"/>
+              </a:spcBef>
+              <a:spcAft>
+                <a:spcPts val="400"/>
+              </a:spcAft>
+              <a:buClr>
+                <a:schemeClr val="accent1"/>
+              </a:buClr>
+              <a:buFont typeface="Calibri" pitchFamily="34" charset="0"/>
+              <a:buChar char="◦"/>
+              <a:defRPr sz="1400" kern="1200">
+                <a:solidFill>
+                  <a:schemeClr val="tx1">
+                    <a:lumMod val="75000"/>
+                    <a:lumOff val="25000"/>
+                  </a:schemeClr>
+                </a:solidFill>
+                <a:latin typeface="+mn-lt"/>
+                <a:ea typeface="+mn-ea"/>
+                <a:cs typeface="+mn-cs"/>
+              </a:defRPr>
+            </a:lvl5pPr>
+            <a:lvl6pPr marL="1100000" indent="-228600" algn="l" defTabSz="914400" rtl="0" eaLnBrk="1" latinLnBrk="0" hangingPunct="1">
+              <a:lnSpc>
+                <a:spcPct val="90000"/>
+              </a:lnSpc>
+              <a:spcBef>
+                <a:spcPts val="200"/>
+              </a:spcBef>
+              <a:spcAft>
+                <a:spcPts val="400"/>
+              </a:spcAft>
+              <a:buClr>
+                <a:schemeClr val="accent1"/>
+              </a:buClr>
+              <a:buFont typeface="Calibri" pitchFamily="34" charset="0"/>
+              <a:buChar char="◦"/>
+              <a:defRPr sz="1400" kern="1200">
+                <a:solidFill>
+                  <a:schemeClr val="tx1">
+                    <a:lumMod val="75000"/>
+                    <a:lumOff val="25000"/>
+                  </a:schemeClr>
+                </a:solidFill>
+                <a:latin typeface="+mn-lt"/>
+                <a:ea typeface="+mn-ea"/>
+                <a:cs typeface="+mn-cs"/>
+              </a:defRPr>
+            </a:lvl6pPr>
+            <a:lvl7pPr marL="1300000" indent="-228600" algn="l" defTabSz="914400" rtl="0" eaLnBrk="1" latinLnBrk="0" hangingPunct="1">
+              <a:lnSpc>
+                <a:spcPct val="90000"/>
+              </a:lnSpc>
+              <a:spcBef>
+                <a:spcPts val="200"/>
+              </a:spcBef>
+              <a:spcAft>
+                <a:spcPts val="400"/>
+              </a:spcAft>
+              <a:buClr>
+                <a:schemeClr val="accent1"/>
+              </a:buClr>
+              <a:buFont typeface="Calibri" pitchFamily="34" charset="0"/>
+              <a:buChar char="◦"/>
+              <a:defRPr sz="1400" kern="1200">
+                <a:solidFill>
+                  <a:schemeClr val="tx1">
+                    <a:lumMod val="75000"/>
+                    <a:lumOff val="25000"/>
+                  </a:schemeClr>
+                </a:solidFill>
+                <a:latin typeface="+mn-lt"/>
+                <a:ea typeface="+mn-ea"/>
+                <a:cs typeface="+mn-cs"/>
+              </a:defRPr>
+            </a:lvl7pPr>
+            <a:lvl8pPr marL="1500000" indent="-228600" algn="l" defTabSz="914400" rtl="0" eaLnBrk="1" latinLnBrk="0" hangingPunct="1">
+              <a:lnSpc>
+                <a:spcPct val="90000"/>
+              </a:lnSpc>
+              <a:spcBef>
+                <a:spcPts val="200"/>
+              </a:spcBef>
+              <a:spcAft>
+                <a:spcPts val="400"/>
+              </a:spcAft>
+              <a:buClr>
+                <a:schemeClr val="accent1"/>
+              </a:buClr>
+              <a:buFont typeface="Calibri" pitchFamily="34" charset="0"/>
+              <a:buChar char="◦"/>
+              <a:defRPr sz="1400" kern="1200">
+                <a:solidFill>
+                  <a:schemeClr val="tx1">
+                    <a:lumMod val="75000"/>
+                    <a:lumOff val="25000"/>
+                  </a:schemeClr>
+                </a:solidFill>
+                <a:latin typeface="+mn-lt"/>
+                <a:ea typeface="+mn-ea"/>
+                <a:cs typeface="+mn-cs"/>
+              </a:defRPr>
+            </a:lvl8pPr>
+            <a:lvl9pPr marL="1700000" indent="-228600" algn="l" defTabSz="914400" rtl="0" eaLnBrk="1" latinLnBrk="0" hangingPunct="1">
+              <a:lnSpc>
+                <a:spcPct val="90000"/>
+              </a:lnSpc>
+              <a:spcBef>
+                <a:spcPts val="200"/>
+              </a:spcBef>
+              <a:spcAft>
+                <a:spcPts val="400"/>
+              </a:spcAft>
+              <a:buClr>
+                <a:schemeClr val="accent1"/>
+              </a:buClr>
+              <a:buFont typeface="Calibri" pitchFamily="34" charset="0"/>
+              <a:buChar char="◦"/>
+              <a:defRPr sz="1400" kern="1200">
+                <a:solidFill>
+                  <a:schemeClr val="tx1">
+                    <a:lumMod val="75000"/>
+                    <a:lumOff val="25000"/>
+                  </a:schemeClr>
+                </a:solidFill>
+                <a:latin typeface="+mn-lt"/>
+                <a:ea typeface="+mn-ea"/>
+                <a:cs typeface="+mn-cs"/>
+              </a:defRPr>
+            </a:lvl9pPr>
+          </a:lstStyle>
+          <a:p>
+            <a:pPr marL="0" indent="0">
+              <a:buNone/>
+            </a:pPr>
+            <a:r>
+              <a:rPr lang="en-IN" dirty="0"/>
+              <a:t>For large metropolitan cities we see large number of loans, with higher number of defaulted loans like </a:t>
+            </a:r>
+            <a:r>
+              <a:rPr lang="en-US" dirty="0"/>
+              <a:t>California, New York, Texas, Florida but have a lower chance of defaulting.</a:t>
+            </a:r>
+            <a:endParaRPr lang="en-IN" dirty="0"/>
+          </a:p>
+        </p:txBody>
+      </p:sp>
+      <p:pic>
+        <p:nvPicPr>
+          <p:cNvPr id="10" name="Picture 9">
+            <a:extLst>
+              <a:ext uri="{FF2B5EF4-FFF2-40B4-BE49-F238E27FC236}">
+                <a16:creationId xmlns:a16="http://schemas.microsoft.com/office/drawing/2014/main" id="{EBFC94DA-C123-C0A2-42A2-DAA66648C3DF}"/>
+              </a:ext>
+            </a:extLst>
+          </p:cNvPr>
+          <p:cNvPicPr>
+            <a:picLocks noChangeAspect="1"/>
+          </p:cNvPicPr>
+          <p:nvPr/>
+        </p:nvPicPr>
+        <p:blipFill>
+          <a:blip r:embed="rId2"/>
+          <a:stretch>
+            <a:fillRect/>
+          </a:stretch>
+        </p:blipFill>
+        <p:spPr>
+          <a:xfrm>
+            <a:off x="721895" y="1866682"/>
+            <a:ext cx="10611851" cy="3124636"/>
+          </a:xfrm>
+          <a:prstGeom prst="rect">
+            <a:avLst/>
+          </a:prstGeom>
+        </p:spPr>
+      </p:pic>
+    </p:spTree>
+    <p:extLst>
+      <p:ext uri="{BB962C8B-B14F-4D97-AF65-F5344CB8AC3E}">
+        <p14:creationId xmlns:p14="http://schemas.microsoft.com/office/powerpoint/2010/main" val="908417852"/>
+      </p:ext>
+    </p:extLst>
+  </p:cSld>
+  <p:clrMapOvr>
+    <a:masterClrMapping/>
+  </p:clrMapOvr>
+  <mc:AlternateContent xmlns:mc="http://schemas.openxmlformats.org/markup-compatibility/2006" xmlns:p14="http://schemas.microsoft.com/office/powerpoint/2010/main">
+    <mc:Choice Requires="p14">
+      <p:transition spd="med" p14:dur="700">
+        <p:fade/>
+      </p:transition>
+    </mc:Choice>
+    <mc:Fallback xmlns="">
+      <p:transition spd="med">
+        <p:fade/>
+      </p:transition>
+    </mc:Fallback>
+  </mc:AlternateContent>
+</p:sld>
+</file>
+
+<file path=ppt/slides/slide17.xml><?xml version="1.0" encoding="utf-8"?>
+<p:sld xmlns:a="http://schemas.openxmlformats.org/drawingml/2006/main" xmlns:r="http://schemas.openxmlformats.org/officeDocument/2006/relationships" xmlns:p="http://schemas.openxmlformats.org/presentationml/2006/main">
+  <p:cSld>
+    <p:spTree>
+      <p:nvGrpSpPr>
+        <p:cNvPr id="1" name=""/>
+        <p:cNvGrpSpPr/>
+        <p:nvPr/>
+      </p:nvGrpSpPr>
+      <p:grpSpPr>
+        <a:xfrm>
+          <a:off x="0" y="0"/>
+          <a:ext cx="0" cy="0"/>
+          <a:chOff x="0" y="0"/>
+          <a:chExt cx="0" cy="0"/>
+        </a:xfrm>
+      </p:grpSpPr>
+      <p:sp>
+        <p:nvSpPr>
+          <p:cNvPr id="2" name="Title 1">
+            <a:extLst>
+              <a:ext uri="{FF2B5EF4-FFF2-40B4-BE49-F238E27FC236}">
+                <a16:creationId xmlns:a16="http://schemas.microsoft.com/office/drawing/2014/main" id="{FC5E5860-D96B-0E43-ED5E-AAFE54C0D9F3}"/>
+              </a:ext>
+            </a:extLst>
+          </p:cNvPr>
+          <p:cNvSpPr>
+            <a:spLocks noGrp="1"/>
+          </p:cNvSpPr>
+          <p:nvPr>
+            <p:ph type="title"/>
+          </p:nvPr>
+        </p:nvSpPr>
+        <p:spPr/>
+        <p:txBody>
+          <a:bodyPr/>
+          <a:lstStyle/>
+          <a:p>
+            <a:r>
+              <a:rPr lang="en-US" dirty="0"/>
+              <a:t>Add some </a:t>
+            </a:r>
+            <a:r>
+              <a:rPr lang="en-US" dirty="0" err="1"/>
+              <a:t>HeatMaps</a:t>
+            </a:r>
+            <a:r>
+              <a:rPr lang="en-US" dirty="0"/>
+              <a:t> &amp; Scatter Plots -  </a:t>
+            </a:r>
+            <a:r>
+              <a:rPr lang="en-US" dirty="0" err="1"/>
+              <a:t>Bineesh</a:t>
+            </a:r>
+            <a:endParaRPr lang="en-IN" dirty="0"/>
+          </a:p>
+        </p:txBody>
+      </p:sp>
+      <p:sp>
+        <p:nvSpPr>
+          <p:cNvPr id="3" name="Content Placeholder 2">
+            <a:extLst>
+              <a:ext uri="{FF2B5EF4-FFF2-40B4-BE49-F238E27FC236}">
+                <a16:creationId xmlns:a16="http://schemas.microsoft.com/office/drawing/2014/main" id="{8E2CBC8F-0B9E-E8A9-D105-63816637A42A}"/>
+              </a:ext>
+            </a:extLst>
+          </p:cNvPr>
+          <p:cNvSpPr>
+            <a:spLocks noGrp="1"/>
+          </p:cNvSpPr>
+          <p:nvPr>
+            <p:ph idx="1"/>
+          </p:nvPr>
+        </p:nvSpPr>
+        <p:spPr/>
+        <p:txBody>
+          <a:bodyPr/>
+          <a:lstStyle/>
+          <a:p>
+            <a:endParaRPr lang="en-IN"/>
+          </a:p>
+        </p:txBody>
+      </p:sp>
+    </p:spTree>
+    <p:extLst>
+      <p:ext uri="{BB962C8B-B14F-4D97-AF65-F5344CB8AC3E}">
+        <p14:creationId xmlns:p14="http://schemas.microsoft.com/office/powerpoint/2010/main" val="504224938"/>
+      </p:ext>
+    </p:extLst>
+  </p:cSld>
+  <p:clrMapOvr>
+    <a:masterClrMapping/>
+  </p:clrMapOvr>
+</p:sld>
+</file>
+
+<file path=ppt/slides/slide18.xml><?xml version="1.0" encoding="utf-8"?>
+<p:sld xmlns:a="http://schemas.openxmlformats.org/drawingml/2006/main" xmlns:r="http://schemas.openxmlformats.org/officeDocument/2006/relationships" xmlns:p="http://schemas.openxmlformats.org/presentationml/2006/main">
+  <p:cSld>
+    <p:spTree>
+      <p:nvGrpSpPr>
+        <p:cNvPr id="1" name=""/>
+        <p:cNvGrpSpPr/>
+        <p:nvPr/>
+      </p:nvGrpSpPr>
+      <p:grpSpPr>
+        <a:xfrm>
+          <a:off x="0" y="0"/>
+          <a:ext cx="0" cy="0"/>
+          <a:chOff x="0" y="0"/>
+          <a:chExt cx="0" cy="0"/>
+        </a:xfrm>
+      </p:grpSpPr>
+      <p:sp>
+        <p:nvSpPr>
+          <p:cNvPr id="2" name="Title 1">
+            <a:extLst>
+              <a:ext uri="{FF2B5EF4-FFF2-40B4-BE49-F238E27FC236}">
+                <a16:creationId xmlns:a16="http://schemas.microsoft.com/office/drawing/2014/main" id="{7A2F286B-691A-A0CD-6B66-C5ABB2B4AA87}"/>
+              </a:ext>
+            </a:extLst>
+          </p:cNvPr>
+          <p:cNvSpPr>
+            <a:spLocks noGrp="1"/>
+          </p:cNvSpPr>
+          <p:nvPr>
+            <p:ph type="title"/>
+          </p:nvPr>
+        </p:nvSpPr>
+        <p:spPr/>
+        <p:txBody>
+          <a:bodyPr/>
+          <a:lstStyle/>
+          <a:p>
+            <a:r>
+              <a:rPr lang="en-US" dirty="0"/>
+              <a:t>Feature Engineering - </a:t>
+            </a:r>
+            <a:r>
+              <a:rPr lang="en-US" dirty="0" err="1"/>
+              <a:t>Bineesh</a:t>
+            </a:r>
+            <a:endParaRPr lang="en-IN" dirty="0"/>
+          </a:p>
+        </p:txBody>
+      </p:sp>
+      <p:sp>
+        <p:nvSpPr>
+          <p:cNvPr id="3" name="Content Placeholder 2">
+            <a:extLst>
+              <a:ext uri="{FF2B5EF4-FFF2-40B4-BE49-F238E27FC236}">
+                <a16:creationId xmlns:a16="http://schemas.microsoft.com/office/drawing/2014/main" id="{5510DE8A-C3BD-6826-0105-DF91FD9E0FBD}"/>
+              </a:ext>
+            </a:extLst>
+          </p:cNvPr>
+          <p:cNvSpPr>
+            <a:spLocks noGrp="1"/>
+          </p:cNvSpPr>
+          <p:nvPr>
+            <p:ph idx="1"/>
+          </p:nvPr>
+        </p:nvSpPr>
+        <p:spPr/>
+        <p:txBody>
+          <a:bodyPr/>
+          <a:lstStyle/>
+          <a:p>
+            <a:endParaRPr lang="en-IN"/>
+          </a:p>
+        </p:txBody>
+      </p:sp>
+    </p:spTree>
+    <p:extLst>
+      <p:ext uri="{BB962C8B-B14F-4D97-AF65-F5344CB8AC3E}">
+        <p14:creationId xmlns:p14="http://schemas.microsoft.com/office/powerpoint/2010/main" val="872814187"/>
+      </p:ext>
+    </p:extLst>
+  </p:cSld>
+  <p:clrMapOvr>
+    <a:masterClrMapping/>
+  </p:clrMapOvr>
+</p:sld>
+</file>
+
+<file path=ppt/slides/slide19.xml><?xml version="1.0" encoding="utf-8"?>
+<p:sld xmlns:a="http://schemas.openxmlformats.org/drawingml/2006/main" xmlns:r="http://schemas.openxmlformats.org/officeDocument/2006/relationships" xmlns:p="http://schemas.openxmlformats.org/presentationml/2006/main">
+  <p:cSld>
+    <p:spTree>
+      <p:nvGrpSpPr>
+        <p:cNvPr id="1" name=""/>
+        <p:cNvGrpSpPr/>
+        <p:nvPr/>
+      </p:nvGrpSpPr>
+      <p:grpSpPr>
+        <a:xfrm>
+          <a:off x="0" y="0"/>
+          <a:ext cx="0" cy="0"/>
+          <a:chOff x="0" y="0"/>
+          <a:chExt cx="0" cy="0"/>
+        </a:xfrm>
+      </p:grpSpPr>
+      <p:sp>
+        <p:nvSpPr>
+          <p:cNvPr id="2" name="Title 1">
+            <a:extLst>
+              <a:ext uri="{FF2B5EF4-FFF2-40B4-BE49-F238E27FC236}">
+                <a16:creationId xmlns:a16="http://schemas.microsoft.com/office/drawing/2014/main" id="{99715603-A8C6-BEE9-85E6-8F90D43F47F8}"/>
+              </a:ext>
+            </a:extLst>
+          </p:cNvPr>
+          <p:cNvSpPr>
+            <a:spLocks noGrp="1"/>
+          </p:cNvSpPr>
+          <p:nvPr>
+            <p:ph type="title"/>
+          </p:nvPr>
+        </p:nvSpPr>
+        <p:spPr/>
+        <p:txBody>
+          <a:bodyPr/>
+          <a:lstStyle/>
+          <a:p>
+            <a:r>
+              <a:rPr lang="en-US" dirty="0" err="1"/>
+              <a:t>Coorelations</a:t>
+            </a:r>
+            <a:r>
+              <a:rPr lang="en-US" dirty="0"/>
+              <a:t> &amp; Relationships</a:t>
+            </a:r>
+            <a:endParaRPr lang="en-IN" dirty="0"/>
+          </a:p>
+        </p:txBody>
+      </p:sp>
+      <p:sp>
+        <p:nvSpPr>
+          <p:cNvPr id="3" name="Content Placeholder 2">
+            <a:extLst>
+              <a:ext uri="{FF2B5EF4-FFF2-40B4-BE49-F238E27FC236}">
+                <a16:creationId xmlns:a16="http://schemas.microsoft.com/office/drawing/2014/main" id="{FA524557-4D73-B267-A5D2-7860E7FBB1EA}"/>
+              </a:ext>
+            </a:extLst>
+          </p:cNvPr>
+          <p:cNvSpPr>
+            <a:spLocks noGrp="1"/>
+          </p:cNvSpPr>
+          <p:nvPr>
+            <p:ph idx="1"/>
+          </p:nvPr>
+        </p:nvSpPr>
+        <p:spPr/>
+        <p:txBody>
+          <a:bodyPr/>
+          <a:lstStyle/>
+          <a:p>
+            <a:endParaRPr lang="en-IN"/>
+          </a:p>
+        </p:txBody>
+      </p:sp>
+    </p:spTree>
+    <p:extLst>
+      <p:ext uri="{BB962C8B-B14F-4D97-AF65-F5344CB8AC3E}">
+        <p14:creationId xmlns:p14="http://schemas.microsoft.com/office/powerpoint/2010/main" val="2976875253"/>
+      </p:ext>
+    </p:extLst>
+  </p:cSld>
+  <p:clrMapOvr>
+    <a:masterClrMapping/>
+  </p:clrMapOvr>
+</p:sld>
+</file>
+
 <file path=ppt/slides/slide2.xml><?xml version="1.0" encoding="utf-8"?>
 <p:sld xmlns:a="http://schemas.openxmlformats.org/drawingml/2006/main" xmlns:r="http://schemas.openxmlformats.org/officeDocument/2006/relationships" xmlns:p="http://schemas.openxmlformats.org/presentationml/2006/main">
   <p:cSld>
@@ -16333,6 +21160,756 @@
   <p:clrMapOvr>
     <a:masterClrMapping/>
   </p:clrMapOvr>
+</p:sld>
+</file>
+
+<file path=ppt/slides/slide20.xml><?xml version="1.0" encoding="utf-8"?>
+<p:sld xmlns:a="http://schemas.openxmlformats.org/drawingml/2006/main" xmlns:r="http://schemas.openxmlformats.org/officeDocument/2006/relationships" xmlns:p="http://schemas.openxmlformats.org/presentationml/2006/main">
+  <p:cSld>
+    <p:spTree>
+      <p:nvGrpSpPr>
+        <p:cNvPr id="1" name=""/>
+        <p:cNvGrpSpPr/>
+        <p:nvPr/>
+      </p:nvGrpSpPr>
+      <p:grpSpPr>
+        <a:xfrm>
+          <a:off x="0" y="0"/>
+          <a:ext cx="0" cy="0"/>
+          <a:chOff x="0" y="0"/>
+          <a:chExt cx="0" cy="0"/>
+        </a:xfrm>
+      </p:grpSpPr>
+      <p:sp>
+        <p:nvSpPr>
+          <p:cNvPr id="2" name="Title 1">
+            <a:extLst>
+              <a:ext uri="{FF2B5EF4-FFF2-40B4-BE49-F238E27FC236}">
+                <a16:creationId xmlns:a16="http://schemas.microsoft.com/office/drawing/2014/main" id="{7B8FC494-0245-960E-78EA-34C8805ED6C6}"/>
+              </a:ext>
+            </a:extLst>
+          </p:cNvPr>
+          <p:cNvSpPr>
+            <a:spLocks noGrp="1"/>
+          </p:cNvSpPr>
+          <p:nvPr>
+            <p:ph type="title"/>
+          </p:nvPr>
+        </p:nvSpPr>
+        <p:spPr/>
+        <p:txBody>
+          <a:bodyPr/>
+          <a:lstStyle/>
+          <a:p>
+            <a:r>
+              <a:rPr lang="en-US" dirty="0"/>
+              <a:t>Univariate , bivariate and Decision Matrix</a:t>
+            </a:r>
+            <a:endParaRPr lang="en-IN" dirty="0"/>
+          </a:p>
+        </p:txBody>
+      </p:sp>
+      <p:sp>
+        <p:nvSpPr>
+          <p:cNvPr id="3" name="Content Placeholder 2">
+            <a:extLst>
+              <a:ext uri="{FF2B5EF4-FFF2-40B4-BE49-F238E27FC236}">
+                <a16:creationId xmlns:a16="http://schemas.microsoft.com/office/drawing/2014/main" id="{BC17B563-9488-41CC-8680-494ED5483E38}"/>
+              </a:ext>
+            </a:extLst>
+          </p:cNvPr>
+          <p:cNvSpPr>
+            <a:spLocks noGrp="1"/>
+          </p:cNvSpPr>
+          <p:nvPr>
+            <p:ph idx="1"/>
+          </p:nvPr>
+        </p:nvSpPr>
+        <p:spPr/>
+        <p:txBody>
+          <a:bodyPr/>
+          <a:lstStyle/>
+          <a:p>
+            <a:endParaRPr lang="en-IN"/>
+          </a:p>
+        </p:txBody>
+      </p:sp>
+    </p:spTree>
+    <p:extLst>
+      <p:ext uri="{BB962C8B-B14F-4D97-AF65-F5344CB8AC3E}">
+        <p14:creationId xmlns:p14="http://schemas.microsoft.com/office/powerpoint/2010/main" val="35336883"/>
+      </p:ext>
+    </p:extLst>
+  </p:cSld>
+  <p:clrMapOvr>
+    <a:masterClrMapping/>
+  </p:clrMapOvr>
+</p:sld>
+</file>
+
+<file path=ppt/slides/slide21.xml><?xml version="1.0" encoding="utf-8"?>
+<p:sld xmlns:a="http://schemas.openxmlformats.org/drawingml/2006/main" xmlns:r="http://schemas.openxmlformats.org/officeDocument/2006/relationships" xmlns:p="http://schemas.openxmlformats.org/presentationml/2006/main">
+  <p:cSld>
+    <p:bg>
+      <p:bgPr>
+        <a:solidFill>
+          <a:schemeClr val="bg1"/>
+        </a:solidFill>
+        <a:effectLst/>
+      </p:bgPr>
+    </p:bg>
+    <p:spTree>
+      <p:nvGrpSpPr>
+        <p:cNvPr id="1" name=""/>
+        <p:cNvGrpSpPr/>
+        <p:nvPr/>
+      </p:nvGrpSpPr>
+      <p:grpSpPr>
+        <a:xfrm>
+          <a:off x="0" y="0"/>
+          <a:ext cx="0" cy="0"/>
+          <a:chOff x="0" y="0"/>
+          <a:chExt cx="0" cy="0"/>
+        </a:xfrm>
+      </p:grpSpPr>
+      <p:sp useBgFill="1">
+        <p:nvSpPr>
+          <p:cNvPr id="12" name="Rectangle 11">
+            <a:extLst>
+              <a:ext uri="{FF2B5EF4-FFF2-40B4-BE49-F238E27FC236}">
+                <a16:creationId xmlns:a16="http://schemas.microsoft.com/office/drawing/2014/main" id="{907EF6B7-1338-4443-8C46-6A318D952DFD}"/>
+              </a:ext>
+              <a:ext uri="{C183D7F6-B498-43B3-948B-1728B52AA6E4}">
+                <adec:decorative xmlns:adec="http://schemas.microsoft.com/office/drawing/2017/decorative" val="1"/>
+              </a:ext>
+            </a:extLst>
+          </p:cNvPr>
+          <p:cNvSpPr>
+            <a:spLocks noGrp="1" noRot="1" noChangeAspect="1" noMove="1" noResize="1" noEditPoints="1" noAdjustHandles="1" noChangeArrowheads="1" noChangeShapeType="1" noTextEdit="1"/>
+          </p:cNvSpPr>
+          <p:nvPr>
+            <p:extLst>
+              <p:ext uri="{386F3935-93C4-4BCD-93E2-E3B085C9AB24}">
+                <p16:designElem xmlns:p16="http://schemas.microsoft.com/office/powerpoint/2015/main" val="1"/>
+              </p:ext>
+            </p:extLst>
+          </p:nvPr>
+        </p:nvSpPr>
+        <p:spPr>
+          <a:xfrm>
+            <a:off x="3048" y="0"/>
+            <a:ext cx="12188952" cy="6858000"/>
+          </a:xfrm>
+          <a:prstGeom prst="rect">
+            <a:avLst/>
+          </a:prstGeom>
+          <a:ln>
+            <a:noFill/>
+          </a:ln>
+        </p:spPr>
+        <p:style>
+          <a:lnRef idx="2">
+            <a:schemeClr val="accent1">
+              <a:shade val="50000"/>
+            </a:schemeClr>
+          </a:lnRef>
+          <a:fillRef idx="1">
+            <a:schemeClr val="accent1"/>
+          </a:fillRef>
+          <a:effectRef idx="0">
+            <a:schemeClr val="accent1"/>
+          </a:effectRef>
+          <a:fontRef idx="minor">
+            <a:schemeClr val="lt1"/>
+          </a:fontRef>
+        </p:style>
+        <p:txBody>
+          <a:bodyPr rtlCol="0" anchor="ctr"/>
+          <a:lstStyle/>
+          <a:p>
+            <a:pPr algn="ctr"/>
+            <a:endParaRPr lang="en-US"/>
+          </a:p>
+        </p:txBody>
+      </p:sp>
+      <p:sp>
+        <p:nvSpPr>
+          <p:cNvPr id="14" name="Freeform: Shape 13">
+            <a:extLst>
+              <a:ext uri="{FF2B5EF4-FFF2-40B4-BE49-F238E27FC236}">
+                <a16:creationId xmlns:a16="http://schemas.microsoft.com/office/drawing/2014/main" id="{DAAE4CDD-124C-4DCF-9584-B6033B545DD5}"/>
+              </a:ext>
+              <a:ext uri="{C183D7F6-B498-43B3-948B-1728B52AA6E4}">
+                <adec:decorative xmlns:adec="http://schemas.microsoft.com/office/drawing/2017/decorative" val="1"/>
+              </a:ext>
+            </a:extLst>
+          </p:cNvPr>
+          <p:cNvSpPr>
+            <a:spLocks noGrp="1" noRot="1" noChangeAspect="1" noMove="1" noResize="1" noEditPoints="1" noAdjustHandles="1" noChangeArrowheads="1" noChangeShapeType="1" noTextEdit="1"/>
+          </p:cNvSpPr>
+          <p:nvPr>
+            <p:extLst>
+              <p:ext uri="{386F3935-93C4-4BCD-93E2-E3B085C9AB24}">
+                <p16:designElem xmlns:p16="http://schemas.microsoft.com/office/powerpoint/2015/main" val="1"/>
+              </p:ext>
+            </p:extLst>
+          </p:nvPr>
+        </p:nvSpPr>
+        <p:spPr>
+          <a:xfrm>
+            <a:off x="1" y="0"/>
+            <a:ext cx="4167271" cy="6858000"/>
+          </a:xfrm>
+          <a:custGeom>
+            <a:avLst/>
+            <a:gdLst>
+              <a:gd name="connsiteX0" fmla="*/ 0 w 4167271"/>
+              <a:gd name="connsiteY0" fmla="*/ 0 h 6858000"/>
+              <a:gd name="connsiteX1" fmla="*/ 2259550 w 4167271"/>
+              <a:gd name="connsiteY1" fmla="*/ 0 h 6858000"/>
+              <a:gd name="connsiteX2" fmla="*/ 2387803 w 4167271"/>
+              <a:gd name="connsiteY2" fmla="*/ 82222 h 6858000"/>
+              <a:gd name="connsiteX3" fmla="*/ 4167271 w 4167271"/>
+              <a:gd name="connsiteY3" fmla="*/ 3429000 h 6858000"/>
+              <a:gd name="connsiteX4" fmla="*/ 2387803 w 4167271"/>
+              <a:gd name="connsiteY4" fmla="*/ 6775779 h 6858000"/>
+              <a:gd name="connsiteX5" fmla="*/ 2259550 w 4167271"/>
+              <a:gd name="connsiteY5" fmla="*/ 6858000 h 6858000"/>
+              <a:gd name="connsiteX6" fmla="*/ 0 w 4167271"/>
+              <a:gd name="connsiteY6" fmla="*/ 6858000 h 6858000"/>
+            </a:gdLst>
+            <a:ahLst/>
+            <a:cxnLst>
+              <a:cxn ang="0">
+                <a:pos x="connsiteX0" y="connsiteY0"/>
+              </a:cxn>
+              <a:cxn ang="0">
+                <a:pos x="connsiteX1" y="connsiteY1"/>
+              </a:cxn>
+              <a:cxn ang="0">
+                <a:pos x="connsiteX2" y="connsiteY2"/>
+              </a:cxn>
+              <a:cxn ang="0">
+                <a:pos x="connsiteX3" y="connsiteY3"/>
+              </a:cxn>
+              <a:cxn ang="0">
+                <a:pos x="connsiteX4" y="connsiteY4"/>
+              </a:cxn>
+              <a:cxn ang="0">
+                <a:pos x="connsiteX5" y="connsiteY5"/>
+              </a:cxn>
+              <a:cxn ang="0">
+                <a:pos x="connsiteX6" y="connsiteY6"/>
+              </a:cxn>
+            </a:cxnLst>
+            <a:rect l="l" t="t" r="r" b="b"/>
+            <a:pathLst>
+              <a:path w="4167271" h="6858000">
+                <a:moveTo>
+                  <a:pt x="0" y="0"/>
+                </a:moveTo>
+                <a:lnTo>
+                  <a:pt x="2259550" y="0"/>
+                </a:lnTo>
+                <a:lnTo>
+                  <a:pt x="2387803" y="82222"/>
+                </a:lnTo>
+                <a:cubicBezTo>
+                  <a:pt x="3461407" y="807534"/>
+                  <a:pt x="4167271" y="2035835"/>
+                  <a:pt x="4167271" y="3429000"/>
+                </a:cubicBezTo>
+                <a:cubicBezTo>
+                  <a:pt x="4167271" y="4822165"/>
+                  <a:pt x="3461407" y="6050467"/>
+                  <a:pt x="2387803" y="6775779"/>
+                </a:cubicBezTo>
+                <a:lnTo>
+                  <a:pt x="2259550" y="6858000"/>
+                </a:lnTo>
+                <a:lnTo>
+                  <a:pt x="0" y="6858000"/>
+                </a:lnTo>
+                <a:close/>
+              </a:path>
+            </a:pathLst>
+          </a:custGeom>
+          <a:solidFill>
+            <a:schemeClr val="accent2"/>
+          </a:solidFill>
+          <a:ln>
+            <a:noFill/>
+          </a:ln>
+        </p:spPr>
+        <p:style>
+          <a:lnRef idx="2">
+            <a:schemeClr val="accent1">
+              <a:shade val="50000"/>
+            </a:schemeClr>
+          </a:lnRef>
+          <a:fillRef idx="1">
+            <a:schemeClr val="accent1"/>
+          </a:fillRef>
+          <a:effectRef idx="0">
+            <a:schemeClr val="accent1"/>
+          </a:effectRef>
+          <a:fontRef idx="minor">
+            <a:schemeClr val="lt1"/>
+          </a:fontRef>
+        </p:style>
+        <p:txBody>
+          <a:bodyPr rtlCol="0" anchor="ctr"/>
+          <a:lstStyle/>
+          <a:p>
+            <a:pPr algn="ctr"/>
+            <a:endParaRPr lang="en-US"/>
+          </a:p>
+        </p:txBody>
+      </p:sp>
+      <p:sp>
+        <p:nvSpPr>
+          <p:cNvPr id="2" name="Title 1">
+            <a:extLst>
+              <a:ext uri="{FF2B5EF4-FFF2-40B4-BE49-F238E27FC236}">
+                <a16:creationId xmlns:a16="http://schemas.microsoft.com/office/drawing/2014/main" id="{778B6999-6448-E0FC-FF99-45D758FA1A33}"/>
+              </a:ext>
+            </a:extLst>
+          </p:cNvPr>
+          <p:cNvSpPr>
+            <a:spLocks noGrp="1"/>
+          </p:cNvSpPr>
+          <p:nvPr>
+            <p:ph type="title"/>
+          </p:nvPr>
+        </p:nvSpPr>
+        <p:spPr>
+          <a:xfrm>
+            <a:off x="686834" y="1153572"/>
+            <a:ext cx="3200400" cy="4461163"/>
+          </a:xfrm>
+        </p:spPr>
+        <p:txBody>
+          <a:bodyPr vert="horz" lIns="91440" tIns="45720" rIns="91440" bIns="45720" rtlCol="0" anchor="ctr">
+            <a:normAutofit/>
+          </a:bodyPr>
+          <a:lstStyle/>
+          <a:p>
+            <a:r>
+              <a:rPr lang="en-US" sz="3100" kern="1200" dirty="0">
+                <a:solidFill>
+                  <a:srgbClr val="FFFFFF"/>
+                </a:solidFill>
+                <a:latin typeface="+mj-lt"/>
+                <a:ea typeface="+mj-ea"/>
+                <a:cs typeface="+mj-cs"/>
+              </a:rPr>
+              <a:t>Insights</a:t>
+            </a:r>
+          </a:p>
+        </p:txBody>
+      </p:sp>
+      <p:sp>
+        <p:nvSpPr>
+          <p:cNvPr id="23" name="Arc 15">
+            <a:extLst>
+              <a:ext uri="{FF2B5EF4-FFF2-40B4-BE49-F238E27FC236}">
+                <a16:creationId xmlns:a16="http://schemas.microsoft.com/office/drawing/2014/main" id="{081E4A58-353D-44AE-B2FC-2A74E2E400F7}"/>
+              </a:ext>
+              <a:ext uri="{C183D7F6-B498-43B3-948B-1728B52AA6E4}">
+                <adec:decorative xmlns:adec="http://schemas.microsoft.com/office/drawing/2017/decorative" val="1"/>
+              </a:ext>
+            </a:extLst>
+          </p:cNvPr>
+          <p:cNvSpPr>
+            <a:spLocks noGrp="1" noRot="1" noChangeAspect="1" noMove="1" noResize="1" noEditPoints="1" noAdjustHandles="1" noChangeArrowheads="1" noChangeShapeType="1" noTextEdit="1"/>
+          </p:cNvSpPr>
+          <p:nvPr>
+            <p:extLst>
+              <p:ext uri="{386F3935-93C4-4BCD-93E2-E3B085C9AB24}">
+                <p16:designElem xmlns:p16="http://schemas.microsoft.com/office/powerpoint/2015/main" val="1"/>
+              </p:ext>
+            </p:extLst>
+          </p:nvPr>
+        </p:nvSpPr>
+        <p:spPr>
+          <a:xfrm flipV="1">
+            <a:off x="7550402" y="2455479"/>
+            <a:ext cx="4083433" cy="4083433"/>
+          </a:xfrm>
+          <a:prstGeom prst="arc">
+            <a:avLst/>
+          </a:prstGeom>
+          <a:ln w="127000" cap="rnd">
+            <a:solidFill>
+              <a:schemeClr val="accent4"/>
+            </a:solidFill>
+            <a:prstDash val="dash"/>
+          </a:ln>
+        </p:spPr>
+        <p:style>
+          <a:lnRef idx="1">
+            <a:schemeClr val="accent1"/>
+          </a:lnRef>
+          <a:fillRef idx="0">
+            <a:schemeClr val="accent1"/>
+          </a:fillRef>
+          <a:effectRef idx="0">
+            <a:schemeClr val="accent1"/>
+          </a:effectRef>
+          <a:fontRef idx="minor">
+            <a:schemeClr val="tx1"/>
+          </a:fontRef>
+        </p:style>
+        <p:txBody>
+          <a:bodyPr rtlCol="0" anchor="ctr"/>
+          <a:lstStyle/>
+          <a:p>
+            <a:pPr algn="ctr"/>
+            <a:endParaRPr lang="en-US" dirty="0"/>
+          </a:p>
+        </p:txBody>
+      </p:sp>
+      <p:sp>
+        <p:nvSpPr>
+          <p:cNvPr id="7" name="TextBox 6">
+            <a:extLst>
+              <a:ext uri="{FF2B5EF4-FFF2-40B4-BE49-F238E27FC236}">
+                <a16:creationId xmlns:a16="http://schemas.microsoft.com/office/drawing/2014/main" id="{D74A5B60-3918-AEEB-1F02-3DD99EC1034D}"/>
+              </a:ext>
+            </a:extLst>
+          </p:cNvPr>
+          <p:cNvSpPr txBox="1"/>
+          <p:nvPr/>
+        </p:nvSpPr>
+        <p:spPr>
+          <a:xfrm>
+            <a:off x="4447308" y="168966"/>
+            <a:ext cx="7186527" cy="6007998"/>
+          </a:xfrm>
+          <a:prstGeom prst="rect">
+            <a:avLst/>
+          </a:prstGeom>
+        </p:spPr>
+        <p:txBody>
+          <a:bodyPr vert="horz" lIns="91440" tIns="45720" rIns="91440" bIns="45720" rtlCol="0" anchor="ctr">
+            <a:normAutofit/>
+          </a:bodyPr>
+          <a:lstStyle/>
+          <a:p>
+            <a:pPr indent="-228600" defTabSz="914400">
+              <a:lnSpc>
+                <a:spcPct val="90000"/>
+              </a:lnSpc>
+              <a:spcAft>
+                <a:spcPts val="600"/>
+              </a:spcAft>
+              <a:buClr>
+                <a:schemeClr val="accent1"/>
+              </a:buClr>
+              <a:buSzPct val="110000"/>
+              <a:buFont typeface="Arial" panose="020B0604020202020204" pitchFamily="34" charset="0"/>
+              <a:buChar char="•"/>
+            </a:pPr>
+            <a:r>
+              <a:rPr lang="en-US" dirty="0"/>
+              <a:t>Major Driving factor which can be used to predict the chance of defaulting and avoiding Credit Loss:</a:t>
+            </a:r>
+          </a:p>
+          <a:p>
+            <a:pPr indent="-228600" defTabSz="914400">
+              <a:lnSpc>
+                <a:spcPct val="90000"/>
+              </a:lnSpc>
+              <a:spcAft>
+                <a:spcPts val="600"/>
+              </a:spcAft>
+              <a:buClr>
+                <a:schemeClr val="accent1"/>
+              </a:buClr>
+              <a:buSzPct val="110000"/>
+              <a:buFont typeface="Arial" panose="020B0604020202020204" pitchFamily="34" charset="0"/>
+              <a:buChar char="•"/>
+            </a:pPr>
+            <a:r>
+              <a:rPr lang="en-US" dirty="0"/>
+              <a:t>    1. DTI </a:t>
+            </a:r>
+          </a:p>
+          <a:p>
+            <a:pPr indent="-228600" defTabSz="914400">
+              <a:lnSpc>
+                <a:spcPct val="90000"/>
+              </a:lnSpc>
+              <a:spcAft>
+                <a:spcPts val="600"/>
+              </a:spcAft>
+              <a:buClr>
+                <a:schemeClr val="accent1"/>
+              </a:buClr>
+              <a:buSzPct val="110000"/>
+              <a:buFont typeface="Arial" panose="020B0604020202020204" pitchFamily="34" charset="0"/>
+              <a:buChar char="•"/>
+            </a:pPr>
+            <a:r>
+              <a:rPr lang="en-US" dirty="0"/>
+              <a:t>    2. Grades</a:t>
+            </a:r>
+          </a:p>
+          <a:p>
+            <a:pPr indent="-228600" defTabSz="914400">
+              <a:lnSpc>
+                <a:spcPct val="90000"/>
+              </a:lnSpc>
+              <a:spcAft>
+                <a:spcPts val="600"/>
+              </a:spcAft>
+              <a:buClr>
+                <a:schemeClr val="accent1"/>
+              </a:buClr>
+              <a:buSzPct val="110000"/>
+              <a:buFont typeface="Arial" panose="020B0604020202020204" pitchFamily="34" charset="0"/>
+              <a:buChar char="•"/>
+            </a:pPr>
+            <a:r>
+              <a:rPr lang="en-US" dirty="0"/>
+              <a:t>    3. Verification Status</a:t>
+            </a:r>
+          </a:p>
+          <a:p>
+            <a:pPr indent="-228600" defTabSz="914400">
+              <a:lnSpc>
+                <a:spcPct val="90000"/>
+              </a:lnSpc>
+              <a:spcAft>
+                <a:spcPts val="600"/>
+              </a:spcAft>
+              <a:buClr>
+                <a:schemeClr val="accent1"/>
+              </a:buClr>
+              <a:buSzPct val="110000"/>
+              <a:buFont typeface="Arial" panose="020B0604020202020204" pitchFamily="34" charset="0"/>
+              <a:buChar char="•"/>
+            </a:pPr>
+            <a:r>
+              <a:rPr lang="en-US" dirty="0"/>
+              <a:t>    4. Annual income</a:t>
+            </a:r>
+          </a:p>
+          <a:p>
+            <a:pPr indent="-228600" defTabSz="914400">
+              <a:lnSpc>
+                <a:spcPct val="90000"/>
+              </a:lnSpc>
+              <a:spcAft>
+                <a:spcPts val="600"/>
+              </a:spcAft>
+              <a:buClr>
+                <a:schemeClr val="accent1"/>
+              </a:buClr>
+              <a:buSzPct val="110000"/>
+              <a:buFont typeface="Arial" panose="020B0604020202020204" pitchFamily="34" charset="0"/>
+              <a:buChar char="•"/>
+            </a:pPr>
+            <a:r>
+              <a:rPr lang="en-US" dirty="0"/>
+              <a:t>    5. </a:t>
+            </a:r>
+            <a:r>
+              <a:rPr lang="en-US" dirty="0" err="1"/>
+              <a:t>Pub_rec_bankruptcies</a:t>
+            </a:r>
+            <a:endParaRPr lang="en-US" dirty="0"/>
+          </a:p>
+          <a:p>
+            <a:pPr defTabSz="914400">
+              <a:lnSpc>
+                <a:spcPct val="90000"/>
+              </a:lnSpc>
+              <a:spcAft>
+                <a:spcPts val="600"/>
+              </a:spcAft>
+              <a:buClr>
+                <a:schemeClr val="accent1"/>
+              </a:buClr>
+              <a:buSzPct val="110000"/>
+            </a:pPr>
+            <a:endParaRPr lang="en-US" dirty="0"/>
+          </a:p>
+          <a:p>
+            <a:pPr defTabSz="914400">
+              <a:lnSpc>
+                <a:spcPct val="90000"/>
+              </a:lnSpc>
+              <a:spcAft>
+                <a:spcPts val="600"/>
+              </a:spcAft>
+              <a:buClr>
+                <a:schemeClr val="accent1"/>
+              </a:buClr>
+              <a:buSzPct val="110000"/>
+            </a:pPr>
+            <a:r>
+              <a:rPr lang="en-US" dirty="0"/>
+              <a:t>Other considerations for 'defaults' :</a:t>
+            </a:r>
+          </a:p>
+          <a:p>
+            <a:pPr indent="-228600" defTabSz="914400">
+              <a:lnSpc>
+                <a:spcPct val="90000"/>
+              </a:lnSpc>
+              <a:spcAft>
+                <a:spcPts val="600"/>
+              </a:spcAft>
+              <a:buClr>
+                <a:schemeClr val="accent1"/>
+              </a:buClr>
+              <a:buSzPct val="110000"/>
+              <a:buFont typeface="Arial" panose="020B0604020202020204" pitchFamily="34" charset="0"/>
+              <a:buChar char="•"/>
+            </a:pPr>
+            <a:r>
+              <a:rPr lang="en-US" dirty="0"/>
+              <a:t>    1. Burrowers not from large urban cities e.g. </a:t>
+            </a:r>
+            <a:r>
+              <a:rPr lang="en-US" dirty="0" err="1"/>
+              <a:t>NewYork</a:t>
+            </a:r>
+            <a:r>
+              <a:rPr lang="en-US" dirty="0"/>
+              <a:t> , California </a:t>
+            </a:r>
+            <a:r>
+              <a:rPr lang="en-US" dirty="0" err="1"/>
+              <a:t>etc</a:t>
+            </a:r>
+            <a:endParaRPr lang="en-US" dirty="0"/>
+          </a:p>
+          <a:p>
+            <a:pPr indent="-228600" defTabSz="914400">
+              <a:lnSpc>
+                <a:spcPct val="90000"/>
+              </a:lnSpc>
+              <a:spcAft>
+                <a:spcPts val="600"/>
+              </a:spcAft>
+              <a:buClr>
+                <a:schemeClr val="accent1"/>
+              </a:buClr>
+              <a:buSzPct val="110000"/>
+              <a:buFont typeface="Arial" panose="020B0604020202020204" pitchFamily="34" charset="0"/>
+              <a:buChar char="•"/>
+            </a:pPr>
+            <a:r>
+              <a:rPr lang="en-US" dirty="0"/>
+              <a:t>    2. Burrowers having annual income in the range 50000-100000.</a:t>
+            </a:r>
+          </a:p>
+          <a:p>
+            <a:pPr indent="-228600" defTabSz="914400">
+              <a:lnSpc>
+                <a:spcPct val="90000"/>
+              </a:lnSpc>
+              <a:spcAft>
+                <a:spcPts val="600"/>
+              </a:spcAft>
+              <a:buClr>
+                <a:schemeClr val="accent1"/>
+              </a:buClr>
+              <a:buSzPct val="110000"/>
+              <a:buFont typeface="Arial" panose="020B0604020202020204" pitchFamily="34" charset="0"/>
+              <a:buChar char="•"/>
+            </a:pPr>
+            <a:r>
+              <a:rPr lang="en-US" dirty="0"/>
+              <a:t>    3. Burrowers having Public Recorded Bankruptcy.</a:t>
+            </a:r>
+          </a:p>
+          <a:p>
+            <a:pPr indent="-228600" defTabSz="914400">
+              <a:lnSpc>
+                <a:spcPct val="90000"/>
+              </a:lnSpc>
+              <a:spcAft>
+                <a:spcPts val="600"/>
+              </a:spcAft>
+              <a:buClr>
+                <a:schemeClr val="accent1"/>
+              </a:buClr>
+              <a:buSzPct val="110000"/>
+              <a:buFont typeface="Arial" panose="020B0604020202020204" pitchFamily="34" charset="0"/>
+              <a:buChar char="•"/>
+            </a:pPr>
+            <a:r>
+              <a:rPr lang="en-US" dirty="0"/>
+              <a:t>    4. Burrowers with least grades like E,F,G which indicates high risk.</a:t>
+            </a:r>
+          </a:p>
+          <a:p>
+            <a:pPr indent="-228600" defTabSz="914400">
+              <a:lnSpc>
+                <a:spcPct val="90000"/>
+              </a:lnSpc>
+              <a:spcAft>
+                <a:spcPts val="600"/>
+              </a:spcAft>
+              <a:buClr>
+                <a:schemeClr val="accent1"/>
+              </a:buClr>
+              <a:buSzPct val="110000"/>
+              <a:buFont typeface="Arial" panose="020B0604020202020204" pitchFamily="34" charset="0"/>
+              <a:buChar char="•"/>
+            </a:pPr>
+            <a:r>
+              <a:rPr lang="en-US" dirty="0"/>
+              <a:t>    5. Burrowers with very high Debt to Income value.</a:t>
+            </a:r>
+          </a:p>
+          <a:p>
+            <a:pPr indent="-228600" defTabSz="914400">
+              <a:lnSpc>
+                <a:spcPct val="90000"/>
+              </a:lnSpc>
+              <a:spcAft>
+                <a:spcPts val="600"/>
+              </a:spcAft>
+              <a:buClr>
+                <a:schemeClr val="accent1"/>
+              </a:buClr>
+              <a:buSzPct val="110000"/>
+              <a:buFont typeface="Arial" panose="020B0604020202020204" pitchFamily="34" charset="0"/>
+              <a:buChar char="•"/>
+            </a:pPr>
+            <a:r>
+              <a:rPr lang="en-US" dirty="0"/>
+              <a:t>    6. Burrowers with working experience 10+ years.</a:t>
+            </a:r>
+          </a:p>
+        </p:txBody>
+      </p:sp>
+    </p:spTree>
+    <p:extLst>
+      <p:ext uri="{BB962C8B-B14F-4D97-AF65-F5344CB8AC3E}">
+        <p14:creationId xmlns:p14="http://schemas.microsoft.com/office/powerpoint/2010/main" val="4092385010"/>
+      </p:ext>
+    </p:extLst>
+  </p:cSld>
+  <p:clrMapOvr>
+    <a:masterClrMapping/>
+  </p:clrMapOvr>
+  <mc:AlternateContent xmlns:mc="http://schemas.openxmlformats.org/markup-compatibility/2006" xmlns:p14="http://schemas.microsoft.com/office/powerpoint/2010/main">
+    <mc:Choice Requires="p14">
+      <p:transition spd="med" p14:dur="700">
+        <p:fade/>
+      </p:transition>
+    </mc:Choice>
+    <mc:Fallback xmlns="">
+      <p:transition spd="med">
+        <p:fade/>
+      </p:transition>
+    </mc:Fallback>
+  </mc:AlternateContent>
 </p:sld>
 </file>
 
@@ -17380,98 +22957,6 @@
 <file path=ppt/slides/slide8.xml><?xml version="1.0" encoding="utf-8"?>
 <p:sld xmlns:a="http://schemas.openxmlformats.org/drawingml/2006/main" xmlns:r="http://schemas.openxmlformats.org/officeDocument/2006/relationships" xmlns:p="http://schemas.openxmlformats.org/presentationml/2006/main">
   <p:cSld>
-    <p:spTree>
-      <p:nvGrpSpPr>
-        <p:cNvPr id="1" name=""/>
-        <p:cNvGrpSpPr/>
-        <p:nvPr/>
-      </p:nvGrpSpPr>
-      <p:grpSpPr>
-        <a:xfrm>
-          <a:off x="0" y="0"/>
-          <a:ext cx="0" cy="0"/>
-          <a:chOff x="0" y="0"/>
-          <a:chExt cx="0" cy="0"/>
-        </a:xfrm>
-      </p:grpSpPr>
-      <p:sp>
-        <p:nvSpPr>
-          <p:cNvPr id="2" name="Title 1">
-            <a:extLst>
-              <a:ext uri="{FF2B5EF4-FFF2-40B4-BE49-F238E27FC236}">
-                <a16:creationId xmlns:a16="http://schemas.microsoft.com/office/drawing/2014/main" id="{D2547126-4A3A-2C11-F71E-795965E85D09}"/>
-              </a:ext>
-            </a:extLst>
-          </p:cNvPr>
-          <p:cNvSpPr>
-            <a:spLocks noGrp="1"/>
-          </p:cNvSpPr>
-          <p:nvPr>
-            <p:ph type="title"/>
-          </p:nvPr>
-        </p:nvSpPr>
-        <p:spPr/>
-        <p:txBody>
-          <a:bodyPr/>
-          <a:lstStyle/>
-          <a:p>
-            <a:r>
-              <a:rPr lang="en-US" dirty="0"/>
-              <a:t>Visualization – to be Added By </a:t>
-            </a:r>
-            <a:r>
-              <a:rPr lang="en-US" dirty="0" err="1"/>
-              <a:t>Bineesh</a:t>
-            </a:r>
-            <a:r>
-              <a:rPr lang="en-US" dirty="0"/>
-              <a:t> </a:t>
-            </a:r>
-            <a:endParaRPr lang="en-IN" dirty="0"/>
-          </a:p>
-        </p:txBody>
-      </p:sp>
-      <p:sp>
-        <p:nvSpPr>
-          <p:cNvPr id="3" name="Content Placeholder 2">
-            <a:extLst>
-              <a:ext uri="{FF2B5EF4-FFF2-40B4-BE49-F238E27FC236}">
-                <a16:creationId xmlns:a16="http://schemas.microsoft.com/office/drawing/2014/main" id="{34C0139A-C326-7952-C8AC-0943D191FE31}"/>
-              </a:ext>
-            </a:extLst>
-          </p:cNvPr>
-          <p:cNvSpPr>
-            <a:spLocks noGrp="1"/>
-          </p:cNvSpPr>
-          <p:nvPr>
-            <p:ph idx="1"/>
-          </p:nvPr>
-        </p:nvSpPr>
-        <p:spPr/>
-        <p:txBody>
-          <a:bodyPr/>
-          <a:lstStyle/>
-          <a:p>
-            <a:endParaRPr lang="en-IN"/>
-          </a:p>
-        </p:txBody>
-      </p:sp>
-    </p:spTree>
-    <p:extLst>
-      <p:ext uri="{BB962C8B-B14F-4D97-AF65-F5344CB8AC3E}">
-        <p14:creationId xmlns:p14="http://schemas.microsoft.com/office/powerpoint/2010/main" val="492544136"/>
-      </p:ext>
-    </p:extLst>
-  </p:cSld>
-  <p:clrMapOvr>
-    <a:masterClrMapping/>
-  </p:clrMapOvr>
-</p:sld>
-</file>
-
-<file path=ppt/slides/slide9.xml><?xml version="1.0" encoding="utf-8"?>
-<p:sld xmlns:a="http://schemas.openxmlformats.org/drawingml/2006/main" xmlns:r="http://schemas.openxmlformats.org/officeDocument/2006/relationships" xmlns:p="http://schemas.openxmlformats.org/presentationml/2006/main">
-  <p:cSld>
     <p:bg>
       <p:bgPr>
         <a:solidFill>
@@ -17496,10 +22981,10 @@
       </p:grpSpPr>
       <p:sp useBgFill="1">
         <p:nvSpPr>
-          <p:cNvPr id="12" name="Rectangle 11">
+          <p:cNvPr id="9" name="Rectangle 8">
             <a:extLst>
               <a:ext uri="{FF2B5EF4-FFF2-40B4-BE49-F238E27FC236}">
-                <a16:creationId xmlns:a16="http://schemas.microsoft.com/office/drawing/2014/main" id="{907EF6B7-1338-4443-8C46-6A318D952DFD}"/>
+                <a16:creationId xmlns:a16="http://schemas.microsoft.com/office/drawing/2014/main" id="{0671A8AE-40A1-4631-A6B8-581AFF065482}"/>
               </a:ext>
               <a:ext uri="{C183D7F6-B498-43B3-948B-1728B52AA6E4}">
                 <adec:decorative xmlns:adec="http://schemas.microsoft.com/office/drawing/2017/decorative" val="1"/>
@@ -17519,8 +23004,8 @@
         </p:nvSpPr>
         <p:spPr>
           <a:xfrm>
-            <a:off x="3048" y="0"/>
-            <a:ext cx="12188952" cy="6858000"/>
+            <a:off x="0" y="0"/>
+            <a:ext cx="12192000" cy="6858000"/>
           </a:xfrm>
           <a:prstGeom prst="rect">
             <a:avLst/>
@@ -17554,12 +23039,41 @@
           </a:p>
         </p:txBody>
       </p:sp>
+      <p:pic>
+        <p:nvPicPr>
+          <p:cNvPr id="5" name="Picture 4" descr="Graphs and plots layered on a blue digital screen">
+            <a:extLst>
+              <a:ext uri="{FF2B5EF4-FFF2-40B4-BE49-F238E27FC236}">
+                <a16:creationId xmlns:a16="http://schemas.microsoft.com/office/drawing/2014/main" id="{7BFB8554-9D20-D3BD-B261-6946D59A09F7}"/>
+              </a:ext>
+            </a:extLst>
+          </p:cNvPr>
+          <p:cNvPicPr>
+            <a:picLocks noChangeAspect="1"/>
+          </p:cNvPicPr>
+          <p:nvPr/>
+        </p:nvPicPr>
+        <p:blipFill rotWithShape="1">
+          <a:blip r:embed="rId2"/>
+          <a:srcRect r="5200"/>
+          <a:stretch/>
+        </p:blipFill>
+        <p:spPr>
+          <a:xfrm>
+            <a:off x="3523488" y="10"/>
+            <a:ext cx="8668512" cy="6857990"/>
+          </a:xfrm>
+          <a:prstGeom prst="rect">
+            <a:avLst/>
+          </a:prstGeom>
+        </p:spPr>
+      </p:pic>
       <p:sp>
         <p:nvSpPr>
-          <p:cNvPr id="14" name="Freeform: Shape 13">
+          <p:cNvPr id="11" name="Rectangle 10">
             <a:extLst>
               <a:ext uri="{FF2B5EF4-FFF2-40B4-BE49-F238E27FC236}">
-                <a16:creationId xmlns:a16="http://schemas.microsoft.com/office/drawing/2014/main" id="{DAAE4CDD-124C-4DCF-9584-B6033B545DD5}"/>
+                <a16:creationId xmlns:a16="http://schemas.microsoft.com/office/drawing/2014/main" id="{AB58EF07-17C2-48CF-ABB0-EEF1F17CB8F0}"/>
               </a:ext>
               <a:ext uri="{C183D7F6-B498-43B3-948B-1728B52AA6E4}">
                 <adec:decorative xmlns:adec="http://schemas.microsoft.com/office/drawing/2017/decorative" val="1"/>
@@ -17579,83 +23093,132 @@
         </p:nvSpPr>
         <p:spPr>
           <a:xfrm>
-            <a:off x="1" y="0"/>
-            <a:ext cx="4167271" cy="6858000"/>
+            <a:off x="3" y="0"/>
+            <a:ext cx="9339206" cy="6858000"/>
           </a:xfrm>
-          <a:custGeom>
+          <a:prstGeom prst="rect">
             <a:avLst/>
-            <a:gdLst>
-              <a:gd name="connsiteX0" fmla="*/ 0 w 4167271"/>
-              <a:gd name="connsiteY0" fmla="*/ 0 h 6858000"/>
-              <a:gd name="connsiteX1" fmla="*/ 2259550 w 4167271"/>
-              <a:gd name="connsiteY1" fmla="*/ 0 h 6858000"/>
-              <a:gd name="connsiteX2" fmla="*/ 2387803 w 4167271"/>
-              <a:gd name="connsiteY2" fmla="*/ 82222 h 6858000"/>
-              <a:gd name="connsiteX3" fmla="*/ 4167271 w 4167271"/>
-              <a:gd name="connsiteY3" fmla="*/ 3429000 h 6858000"/>
-              <a:gd name="connsiteX4" fmla="*/ 2387803 w 4167271"/>
-              <a:gd name="connsiteY4" fmla="*/ 6775779 h 6858000"/>
-              <a:gd name="connsiteX5" fmla="*/ 2259550 w 4167271"/>
-              <a:gd name="connsiteY5" fmla="*/ 6858000 h 6858000"/>
-              <a:gd name="connsiteX6" fmla="*/ 0 w 4167271"/>
-              <a:gd name="connsiteY6" fmla="*/ 6858000 h 6858000"/>
-            </a:gdLst>
-            <a:ahLst/>
-            <a:cxnLst>
-              <a:cxn ang="0">
-                <a:pos x="connsiteX0" y="connsiteY0"/>
-              </a:cxn>
-              <a:cxn ang="0">
-                <a:pos x="connsiteX1" y="connsiteY1"/>
-              </a:cxn>
-              <a:cxn ang="0">
-                <a:pos x="connsiteX2" y="connsiteY2"/>
-              </a:cxn>
-              <a:cxn ang="0">
-                <a:pos x="connsiteX3" y="connsiteY3"/>
-              </a:cxn>
-              <a:cxn ang="0">
-                <a:pos x="connsiteX4" y="connsiteY4"/>
-              </a:cxn>
-              <a:cxn ang="0">
-                <a:pos x="connsiteX5" y="connsiteY5"/>
-              </a:cxn>
-              <a:cxn ang="0">
-                <a:pos x="connsiteX6" y="connsiteY6"/>
-              </a:cxn>
-            </a:cxnLst>
-            <a:rect l="l" t="t" r="r" b="b"/>
-            <a:pathLst>
-              <a:path w="4167271" h="6858000">
-                <a:moveTo>
-                  <a:pt x="0" y="0"/>
-                </a:moveTo>
-                <a:lnTo>
-                  <a:pt x="2259550" y="0"/>
-                </a:lnTo>
-                <a:lnTo>
-                  <a:pt x="2387803" y="82222"/>
-                </a:lnTo>
-                <a:cubicBezTo>
-                  <a:pt x="3461407" y="807534"/>
-                  <a:pt x="4167271" y="2035835"/>
-                  <a:pt x="4167271" y="3429000"/>
-                </a:cubicBezTo>
-                <a:cubicBezTo>
-                  <a:pt x="4167271" y="4822165"/>
-                  <a:pt x="3461407" y="6050467"/>
-                  <a:pt x="2387803" y="6775779"/>
-                </a:cubicBezTo>
-                <a:lnTo>
-                  <a:pt x="2259550" y="6858000"/>
-                </a:lnTo>
-                <a:lnTo>
-                  <a:pt x="0" y="6858000"/>
-                </a:lnTo>
-                <a:close/>
-              </a:path>
-            </a:pathLst>
-          </a:custGeom>
+          </a:prstGeom>
+          <a:gradFill>
+            <a:gsLst>
+              <a:gs pos="58000">
+                <a:schemeClr val="tx1"/>
+              </a:gs>
+              <a:gs pos="33000">
+                <a:schemeClr val="tx1">
+                  <a:alpha val="64000"/>
+                </a:schemeClr>
+              </a:gs>
+              <a:gs pos="0">
+                <a:schemeClr val="tx1">
+                  <a:alpha val="0"/>
+                </a:schemeClr>
+              </a:gs>
+              <a:gs pos="100000">
+                <a:schemeClr val="tx1"/>
+              </a:gs>
+            </a:gsLst>
+            <a:lin ang="10800000" scaled="0"/>
+          </a:gradFill>
+          <a:ln>
+            <a:noFill/>
+          </a:ln>
+        </p:spPr>
+        <p:style>
+          <a:lnRef idx="2">
+            <a:schemeClr val="accent1">
+              <a:shade val="50000"/>
+            </a:schemeClr>
+          </a:lnRef>
+          <a:fillRef idx="1">
+            <a:schemeClr val="accent1"/>
+          </a:fillRef>
+          <a:effectRef idx="0">
+            <a:schemeClr val="accent1"/>
+          </a:effectRef>
+          <a:fontRef idx="minor">
+            <a:schemeClr val="lt1"/>
+          </a:fontRef>
+        </p:style>
+        <p:txBody>
+          <a:bodyPr rtlCol="0" anchor="ctr"/>
+          <a:lstStyle/>
+          <a:p>
+            <a:pPr algn="ctr"/>
+            <a:endParaRPr lang="en-US" dirty="0"/>
+          </a:p>
+        </p:txBody>
+      </p:sp>
+      <p:sp>
+        <p:nvSpPr>
+          <p:cNvPr id="2" name="Title 1">
+            <a:extLst>
+              <a:ext uri="{FF2B5EF4-FFF2-40B4-BE49-F238E27FC236}">
+                <a16:creationId xmlns:a16="http://schemas.microsoft.com/office/drawing/2014/main" id="{D2547126-4A3A-2C11-F71E-795965E85D09}"/>
+              </a:ext>
+            </a:extLst>
+          </p:cNvPr>
+          <p:cNvSpPr>
+            <a:spLocks noGrp="1"/>
+          </p:cNvSpPr>
+          <p:nvPr>
+            <p:ph type="title"/>
+          </p:nvPr>
+        </p:nvSpPr>
+        <p:spPr>
+          <a:xfrm>
+            <a:off x="477981" y="1122363"/>
+            <a:ext cx="4023360" cy="3204134"/>
+          </a:xfrm>
+        </p:spPr>
+        <p:txBody>
+          <a:bodyPr vert="horz" lIns="91440" tIns="45720" rIns="91440" bIns="45720" rtlCol="0" anchor="b">
+            <a:normAutofit/>
+          </a:bodyPr>
+          <a:lstStyle/>
+          <a:p>
+            <a:r>
+              <a:rPr lang="en-US" sz="4800" dirty="0">
+                <a:solidFill>
+                  <a:schemeClr val="bg1"/>
+                </a:solidFill>
+              </a:rPr>
+              <a:t>Visualization</a:t>
+            </a:r>
+          </a:p>
+        </p:txBody>
+      </p:sp>
+      <p:sp>
+        <p:nvSpPr>
+          <p:cNvPr id="13" name="Rectangle 12">
+            <a:extLst>
+              <a:ext uri="{FF2B5EF4-FFF2-40B4-BE49-F238E27FC236}">
+                <a16:creationId xmlns:a16="http://schemas.microsoft.com/office/drawing/2014/main" id="{AF2F604E-43BE-4DC3-B983-E071523364F8}"/>
+              </a:ext>
+              <a:ext uri="{C183D7F6-B498-43B3-948B-1728B52AA6E4}">
+                <adec:decorative xmlns:adec="http://schemas.microsoft.com/office/drawing/2017/decorative" val="1"/>
+              </a:ext>
+            </a:extLst>
+          </p:cNvPr>
+          <p:cNvSpPr>
+            <a:spLocks noGrp="1" noRot="1" noChangeAspect="1" noMove="1" noResize="1" noEditPoints="1" noAdjustHandles="1" noChangeArrowheads="1" noChangeShapeType="1" noTextEdit="1"/>
+          </p:cNvSpPr>
+          <p:nvPr>
+            <p:extLst>
+              <p:ext uri="{386F3935-93C4-4BCD-93E2-E3B085C9AB24}">
+                <p16:designElem xmlns:p16="http://schemas.microsoft.com/office/powerpoint/2015/main" val="1"/>
+              </p:ext>
+            </p:extLst>
+          </p:nvPr>
+        </p:nvSpPr>
+        <p:spPr>
+          <a:xfrm rot="5400000">
+            <a:off x="759921" y="346791"/>
+            <a:ext cx="146304" cy="704088"/>
+          </a:xfrm>
+          <a:prstGeom prst="rect">
+            <a:avLst/>
+          </a:prstGeom>
           <a:solidFill>
             <a:schemeClr val="accent2"/>
           </a:solidFill>
@@ -17684,58 +23247,21 @@
           <a:lstStyle/>
           <a:p>
             <a:pPr algn="ctr"/>
-            <a:endParaRPr lang="en-US"/>
+            <a:endParaRPr lang="en-US">
+              <a:solidFill>
+                <a:prstClr val="white"/>
+              </a:solidFill>
+              <a:latin typeface="Calibri" panose="020F0502020204030204"/>
+            </a:endParaRPr>
           </a:p>
         </p:txBody>
       </p:sp>
       <p:sp>
         <p:nvSpPr>
-          <p:cNvPr id="2" name="Title 1">
+          <p:cNvPr id="15" name="Rectangle 14">
             <a:extLst>
               <a:ext uri="{FF2B5EF4-FFF2-40B4-BE49-F238E27FC236}">
-                <a16:creationId xmlns:a16="http://schemas.microsoft.com/office/drawing/2014/main" id="{778B6999-6448-E0FC-FF99-45D758FA1A33}"/>
-              </a:ext>
-            </a:extLst>
-          </p:cNvPr>
-          <p:cNvSpPr>
-            <a:spLocks noGrp="1"/>
-          </p:cNvSpPr>
-          <p:nvPr>
-            <p:ph type="title"/>
-          </p:nvPr>
-        </p:nvSpPr>
-        <p:spPr>
-          <a:xfrm>
-            <a:off x="686834" y="1153572"/>
-            <a:ext cx="3200400" cy="4461163"/>
-          </a:xfrm>
-        </p:spPr>
-        <p:txBody>
-          <a:bodyPr vert="horz" lIns="91440" tIns="45720" rIns="91440" bIns="45720" rtlCol="0" anchor="ctr">
-            <a:normAutofit/>
-          </a:bodyPr>
-          <a:lstStyle/>
-          <a:p>
-            <a:r>
-              <a:rPr lang="en-US" sz="3100" kern="1200" dirty="0">
-                <a:solidFill>
-                  <a:srgbClr val="FFFFFF"/>
-                </a:solidFill>
-                <a:latin typeface="+mj-lt"/>
-                <a:ea typeface="+mj-ea"/>
-                <a:cs typeface="+mj-cs"/>
-              </a:rPr>
-              <a:t>Insights</a:t>
-            </a:r>
-          </a:p>
-        </p:txBody>
-      </p:sp>
-      <p:sp>
-        <p:nvSpPr>
-          <p:cNvPr id="23" name="Arc 15">
-            <a:extLst>
-              <a:ext uri="{FF2B5EF4-FFF2-40B4-BE49-F238E27FC236}">
-                <a16:creationId xmlns:a16="http://schemas.microsoft.com/office/drawing/2014/main" id="{081E4A58-353D-44AE-B2FC-2A74E2E400F7}"/>
+                <a16:creationId xmlns:a16="http://schemas.microsoft.com/office/drawing/2014/main" id="{08C9B587-E65E-4B52-B37C-ABEBB6E87928}"/>
               </a:ext>
               <a:ext uri="{C183D7F6-B498-43B3-948B-1728B52AA6E4}">
                 <adec:decorative xmlns:adec="http://schemas.microsoft.com/office/drawing/2017/decorative" val="1"/>
@@ -17754,366 +23280,814 @@
           </p:nvPr>
         </p:nvSpPr>
         <p:spPr>
-          <a:xfrm flipV="1">
-            <a:off x="7550402" y="2455479"/>
-            <a:ext cx="4083433" cy="4083433"/>
+          <a:xfrm>
+            <a:off x="481029" y="4546920"/>
+            <a:ext cx="3977640" cy="18288"/>
           </a:xfrm>
-          <a:prstGeom prst="arc">
+          <a:prstGeom prst="rect">
             <a:avLst/>
           </a:prstGeom>
-          <a:ln w="127000" cap="rnd">
-            <a:solidFill>
-              <a:schemeClr val="accent4"/>
-            </a:solidFill>
-            <a:prstDash val="dash"/>
+          <a:solidFill>
+            <a:schemeClr val="tx1"/>
+          </a:solidFill>
+          <a:ln w="3175">
+            <a:noFill/>
           </a:ln>
+          <a:effectLst/>
         </p:spPr>
         <p:style>
-          <a:lnRef idx="1">
-            <a:schemeClr val="accent1"/>
+          <a:lnRef idx="2">
+            <a:schemeClr val="accent1">
+              <a:shade val="50000"/>
+            </a:schemeClr>
           </a:lnRef>
-          <a:fillRef idx="0">
+          <a:fillRef idx="1">
             <a:schemeClr val="accent1"/>
           </a:fillRef>
           <a:effectRef idx="0">
             <a:schemeClr val="accent1"/>
           </a:effectRef>
           <a:fontRef idx="minor">
-            <a:schemeClr val="tx1"/>
+            <a:schemeClr val="lt1"/>
           </a:fontRef>
         </p:style>
         <p:txBody>
           <a:bodyPr rtlCol="0" anchor="ctr"/>
           <a:lstStyle/>
           <a:p>
-            <a:pPr algn="ctr"/>
-            <a:endParaRPr lang="en-US" dirty="0"/>
+            <a:pPr marL="0" marR="0" lvl="0" indent="0" algn="ctr" defTabSz="914400" rtl="0" eaLnBrk="1" fontAlgn="auto" latinLnBrk="0" hangingPunct="1">
+              <a:lnSpc>
+                <a:spcPct val="100000"/>
+              </a:lnSpc>
+              <a:spcBef>
+                <a:spcPts val="0"/>
+              </a:spcBef>
+              <a:spcAft>
+                <a:spcPts val="0"/>
+              </a:spcAft>
+              <a:buClrTx/>
+              <a:buSzTx/>
+              <a:buFontTx/>
+              <a:buNone/>
+              <a:tabLst/>
+              <a:defRPr/>
+            </a:pPr>
+            <a:endParaRPr kumimoji="0" lang="en-US" sz="1800" b="0" i="0" u="none" strike="noStrike" kern="1200" cap="none" spc="0" normalizeH="0" baseline="0" noProof="0">
+              <a:ln>
+                <a:noFill/>
+              </a:ln>
+              <a:solidFill>
+                <a:prstClr val="white"/>
+              </a:solidFill>
+              <a:effectLst/>
+              <a:uLnTx/>
+              <a:uFillTx/>
+              <a:latin typeface="Calibri" panose="020F0502020204030204"/>
+              <a:ea typeface="+mn-ea"/>
+              <a:cs typeface="+mn-cs"/>
+            </a:endParaRPr>
+          </a:p>
+        </p:txBody>
+      </p:sp>
+    </p:spTree>
+    <p:extLst>
+      <p:ext uri="{BB962C8B-B14F-4D97-AF65-F5344CB8AC3E}">
+        <p14:creationId xmlns:p14="http://schemas.microsoft.com/office/powerpoint/2010/main" val="492544136"/>
+      </p:ext>
+    </p:extLst>
+  </p:cSld>
+  <p:clrMapOvr>
+    <a:overrideClrMapping bg1="lt1" tx1="dk1" bg2="lt2" tx2="dk2" accent1="accent1" accent2="accent2" accent3="accent3" accent4="accent4" accent5="accent5" accent6="accent6" hlink="hlink" folHlink="folHlink"/>
+  </p:clrMapOvr>
+</p:sld>
+</file>
+
+<file path=ppt/slides/slide9.xml><?xml version="1.0" encoding="utf-8"?>
+<p:sld xmlns:a="http://schemas.openxmlformats.org/drawingml/2006/main" xmlns:r="http://schemas.openxmlformats.org/officeDocument/2006/relationships" xmlns:p="http://schemas.openxmlformats.org/presentationml/2006/main">
+  <p:cSld>
+    <p:spTree>
+      <p:nvGrpSpPr>
+        <p:cNvPr id="1" name=""/>
+        <p:cNvGrpSpPr/>
+        <p:nvPr/>
+      </p:nvGrpSpPr>
+      <p:grpSpPr>
+        <a:xfrm>
+          <a:off x="0" y="0"/>
+          <a:ext cx="0" cy="0"/>
+          <a:chOff x="0" y="0"/>
+          <a:chExt cx="0" cy="0"/>
+        </a:xfrm>
+      </p:grpSpPr>
+      <p:sp>
+        <p:nvSpPr>
+          <p:cNvPr id="2" name="Title 1">
+            <a:extLst>
+              <a:ext uri="{FF2B5EF4-FFF2-40B4-BE49-F238E27FC236}">
+                <a16:creationId xmlns:a16="http://schemas.microsoft.com/office/drawing/2014/main" id="{7E6792CE-8BD6-F52E-DB88-21B4248067AF}"/>
+              </a:ext>
+            </a:extLst>
+          </p:cNvPr>
+          <p:cNvSpPr>
+            <a:spLocks noGrp="1"/>
+          </p:cNvSpPr>
+          <p:nvPr>
+            <p:ph type="title"/>
+          </p:nvPr>
+        </p:nvSpPr>
+        <p:spPr/>
+        <p:txBody>
+          <a:bodyPr/>
+          <a:lstStyle/>
+          <a:p>
+            <a:r>
+              <a:rPr lang="en-IN" dirty="0"/>
+              <a:t>Loan Status and Amount</a:t>
+            </a:r>
           </a:p>
         </p:txBody>
       </p:sp>
       <p:sp>
         <p:nvSpPr>
-          <p:cNvPr id="7" name="TextBox 6">
+          <p:cNvPr id="3" name="Content Placeholder 2">
             <a:extLst>
               <a:ext uri="{FF2B5EF4-FFF2-40B4-BE49-F238E27FC236}">
-                <a16:creationId xmlns:a16="http://schemas.microsoft.com/office/drawing/2014/main" id="{D74A5B60-3918-AEEB-1F02-3DD99EC1034D}"/>
+                <a16:creationId xmlns:a16="http://schemas.microsoft.com/office/drawing/2014/main" id="{77811BD3-46D5-3C11-49A6-C9B1F0763696}"/>
               </a:ext>
             </a:extLst>
           </p:cNvPr>
-          <p:cNvSpPr txBox="1"/>
+          <p:cNvSpPr>
+            <a:spLocks noGrp="1"/>
+          </p:cNvSpPr>
+          <p:nvPr>
+            <p:ph idx="1"/>
+          </p:nvPr>
+        </p:nvSpPr>
+        <p:spPr>
+          <a:xfrm>
+            <a:off x="1097280" y="5007046"/>
+            <a:ext cx="4268804" cy="1559377"/>
+          </a:xfrm>
+        </p:spPr>
+        <p:txBody>
+          <a:bodyPr>
+            <a:normAutofit lnSpcReduction="10000"/>
+          </a:bodyPr>
+          <a:lstStyle/>
+          <a:p>
+            <a:pPr>
+              <a:buFont typeface="Wingdings" panose="05000000000000000000" pitchFamily="2" charset="2"/>
+              <a:buChar char="§"/>
+            </a:pPr>
+            <a:r>
+              <a:rPr lang="en-IN" b="1" dirty="0"/>
+              <a:t>Loan Status: </a:t>
+            </a:r>
+            <a:r>
+              <a:rPr lang="en-IN" dirty="0"/>
+              <a:t>The number of charged off loan is much smaller(14.5%) compared to total count.</a:t>
+            </a:r>
+          </a:p>
+        </p:txBody>
+      </p:sp>
+      <p:sp>
+        <p:nvSpPr>
+          <p:cNvPr id="4" name="Content Placeholder 2">
+            <a:extLst>
+              <a:ext uri="{FF2B5EF4-FFF2-40B4-BE49-F238E27FC236}">
+                <a16:creationId xmlns:a16="http://schemas.microsoft.com/office/drawing/2014/main" id="{481B4D95-2CFD-901A-1653-8FBB6D3214B4}"/>
+              </a:ext>
+            </a:extLst>
+          </p:cNvPr>
+          <p:cNvSpPr txBox="1">
+            <a:spLocks/>
+          </p:cNvSpPr>
           <p:nvPr/>
         </p:nvSpPr>
         <p:spPr>
           <a:xfrm>
-            <a:off x="4447308" y="168966"/>
-            <a:ext cx="7186527" cy="6007998"/>
+            <a:off x="6126480" y="4287970"/>
+            <a:ext cx="4856747" cy="1583266"/>
           </a:xfrm>
           <a:prstGeom prst="rect">
             <a:avLst/>
           </a:prstGeom>
         </p:spPr>
         <p:txBody>
-          <a:bodyPr vert="horz" lIns="91440" tIns="45720" rIns="91440" bIns="45720" rtlCol="0" anchor="ctr">
+          <a:bodyPr vert="horz" lIns="0" tIns="45720" rIns="0" bIns="45720" rtlCol="0">
             <a:normAutofit/>
           </a:bodyPr>
-          <a:lstStyle/>
-          <a:p>
-            <a:pPr indent="-228600" defTabSz="914400">
+          <a:lstStyle>
+            <a:lvl1pPr marL="91440" indent="-91440" algn="l" defTabSz="914400" rtl="0" eaLnBrk="1" latinLnBrk="0" hangingPunct="1">
               <a:lnSpc>
                 <a:spcPct val="90000"/>
               </a:lnSpc>
+              <a:spcBef>
+                <a:spcPts val="1200"/>
+              </a:spcBef>
               <a:spcAft>
-                <a:spcPts val="600"/>
+                <a:spcPts val="200"/>
               </a:spcAft>
               <a:buClr>
                 <a:schemeClr val="accent1"/>
               </a:buClr>
-              <a:buSzPct val="110000"/>
-              <a:buFont typeface="Arial" panose="020B0604020202020204" pitchFamily="34" charset="0"/>
-              <a:buChar char="•"/>
-            </a:pPr>
-            <a:r>
-              <a:rPr lang="en-US" dirty="0"/>
-              <a:t>Major Driving factor which can be used to predict the chance of defaulting and avoiding Credit Loss:</a:t>
-            </a:r>
-          </a:p>
-          <a:p>
-            <a:pPr indent="-228600" defTabSz="914400">
+              <a:buSzPct val="100000"/>
+              <a:buFont typeface="Calibri" panose="020F0502020204030204" pitchFamily="34" charset="0"/>
+              <a:buChar char=" "/>
+              <a:defRPr sz="2000" kern="1200">
+                <a:solidFill>
+                  <a:schemeClr val="tx1">
+                    <a:lumMod val="75000"/>
+                    <a:lumOff val="25000"/>
+                  </a:schemeClr>
+                </a:solidFill>
+                <a:latin typeface="+mn-lt"/>
+                <a:ea typeface="+mn-ea"/>
+                <a:cs typeface="+mn-cs"/>
+              </a:defRPr>
+            </a:lvl1pPr>
+            <a:lvl2pPr marL="384048" indent="-182880" algn="l" defTabSz="914400" rtl="0" eaLnBrk="1" latinLnBrk="0" hangingPunct="1">
               <a:lnSpc>
                 <a:spcPct val="90000"/>
               </a:lnSpc>
+              <a:spcBef>
+                <a:spcPts val="200"/>
+              </a:spcBef>
               <a:spcAft>
-                <a:spcPts val="600"/>
+                <a:spcPts val="400"/>
               </a:spcAft>
               <a:buClr>
                 <a:schemeClr val="accent1"/>
               </a:buClr>
-              <a:buSzPct val="110000"/>
-              <a:buFont typeface="Arial" panose="020B0604020202020204" pitchFamily="34" charset="0"/>
-              <a:buChar char="•"/>
-            </a:pPr>
-            <a:r>
-              <a:rPr lang="en-US" dirty="0"/>
-              <a:t>    1. DTI </a:t>
-            </a:r>
-          </a:p>
-          <a:p>
-            <a:pPr indent="-228600" defTabSz="914400">
+              <a:buFont typeface="Calibri" pitchFamily="34" charset="0"/>
+              <a:buChar char="◦"/>
+              <a:defRPr sz="1800" kern="1200">
+                <a:solidFill>
+                  <a:schemeClr val="tx1">
+                    <a:lumMod val="75000"/>
+                    <a:lumOff val="25000"/>
+                  </a:schemeClr>
+                </a:solidFill>
+                <a:latin typeface="+mn-lt"/>
+                <a:ea typeface="+mn-ea"/>
+                <a:cs typeface="+mn-cs"/>
+              </a:defRPr>
+            </a:lvl2pPr>
+            <a:lvl3pPr marL="566928" indent="-182880" algn="l" defTabSz="914400" rtl="0" eaLnBrk="1" latinLnBrk="0" hangingPunct="1">
               <a:lnSpc>
                 <a:spcPct val="90000"/>
               </a:lnSpc>
+              <a:spcBef>
+                <a:spcPts val="200"/>
+              </a:spcBef>
               <a:spcAft>
-                <a:spcPts val="600"/>
+                <a:spcPts val="400"/>
               </a:spcAft>
               <a:buClr>
                 <a:schemeClr val="accent1"/>
               </a:buClr>
-              <a:buSzPct val="110000"/>
-              <a:buFont typeface="Arial" panose="020B0604020202020204" pitchFamily="34" charset="0"/>
-              <a:buChar char="•"/>
-            </a:pPr>
-            <a:r>
-              <a:rPr lang="en-US" dirty="0"/>
-              <a:t>    2. Grades</a:t>
-            </a:r>
-          </a:p>
-          <a:p>
-            <a:pPr indent="-228600" defTabSz="914400">
+              <a:buFont typeface="Calibri" pitchFamily="34" charset="0"/>
+              <a:buChar char="◦"/>
+              <a:defRPr sz="1400" kern="1200">
+                <a:solidFill>
+                  <a:schemeClr val="tx1">
+                    <a:lumMod val="75000"/>
+                    <a:lumOff val="25000"/>
+                  </a:schemeClr>
+                </a:solidFill>
+                <a:latin typeface="+mn-lt"/>
+                <a:ea typeface="+mn-ea"/>
+                <a:cs typeface="+mn-cs"/>
+              </a:defRPr>
+            </a:lvl3pPr>
+            <a:lvl4pPr marL="749808" indent="-182880" algn="l" defTabSz="914400" rtl="0" eaLnBrk="1" latinLnBrk="0" hangingPunct="1">
               <a:lnSpc>
                 <a:spcPct val="90000"/>
               </a:lnSpc>
+              <a:spcBef>
+                <a:spcPts val="200"/>
+              </a:spcBef>
               <a:spcAft>
-                <a:spcPts val="600"/>
+                <a:spcPts val="400"/>
               </a:spcAft>
               <a:buClr>
                 <a:schemeClr val="accent1"/>
               </a:buClr>
-              <a:buSzPct val="110000"/>
-              <a:buFont typeface="Arial" panose="020B0604020202020204" pitchFamily="34" charset="0"/>
-              <a:buChar char="•"/>
-            </a:pPr>
-            <a:r>
-              <a:rPr lang="en-US" dirty="0"/>
-              <a:t>    3. Verification Status</a:t>
-            </a:r>
-          </a:p>
-          <a:p>
-            <a:pPr indent="-228600" defTabSz="914400">
+              <a:buFont typeface="Calibri" pitchFamily="34" charset="0"/>
+              <a:buChar char="◦"/>
+              <a:defRPr sz="1400" kern="1200">
+                <a:solidFill>
+                  <a:schemeClr val="tx1">
+                    <a:lumMod val="75000"/>
+                    <a:lumOff val="25000"/>
+                  </a:schemeClr>
+                </a:solidFill>
+                <a:latin typeface="+mn-lt"/>
+                <a:ea typeface="+mn-ea"/>
+                <a:cs typeface="+mn-cs"/>
+              </a:defRPr>
+            </a:lvl4pPr>
+            <a:lvl5pPr marL="932688" indent="-182880" algn="l" defTabSz="914400" rtl="0" eaLnBrk="1" latinLnBrk="0" hangingPunct="1">
               <a:lnSpc>
                 <a:spcPct val="90000"/>
               </a:lnSpc>
+              <a:spcBef>
+                <a:spcPts val="200"/>
+              </a:spcBef>
               <a:spcAft>
-                <a:spcPts val="600"/>
+                <a:spcPts val="400"/>
               </a:spcAft>
               <a:buClr>
                 <a:schemeClr val="accent1"/>
               </a:buClr>
-              <a:buSzPct val="110000"/>
-              <a:buFont typeface="Arial" panose="020B0604020202020204" pitchFamily="34" charset="0"/>
-              <a:buChar char="•"/>
-            </a:pPr>
-            <a:r>
-              <a:rPr lang="en-US" dirty="0"/>
-              <a:t>    4. Annual income</a:t>
-            </a:r>
-          </a:p>
-          <a:p>
-            <a:pPr indent="-228600" defTabSz="914400">
+              <a:buFont typeface="Calibri" pitchFamily="34" charset="0"/>
+              <a:buChar char="◦"/>
+              <a:defRPr sz="1400" kern="1200">
+                <a:solidFill>
+                  <a:schemeClr val="tx1">
+                    <a:lumMod val="75000"/>
+                    <a:lumOff val="25000"/>
+                  </a:schemeClr>
+                </a:solidFill>
+                <a:latin typeface="+mn-lt"/>
+                <a:ea typeface="+mn-ea"/>
+                <a:cs typeface="+mn-cs"/>
+              </a:defRPr>
+            </a:lvl5pPr>
+            <a:lvl6pPr marL="1100000" indent="-228600" algn="l" defTabSz="914400" rtl="0" eaLnBrk="1" latinLnBrk="0" hangingPunct="1">
               <a:lnSpc>
                 <a:spcPct val="90000"/>
               </a:lnSpc>
+              <a:spcBef>
+                <a:spcPts val="200"/>
+              </a:spcBef>
               <a:spcAft>
-                <a:spcPts val="600"/>
+                <a:spcPts val="400"/>
               </a:spcAft>
               <a:buClr>
                 <a:schemeClr val="accent1"/>
               </a:buClr>
-              <a:buSzPct val="110000"/>
-              <a:buFont typeface="Arial" panose="020B0604020202020204" pitchFamily="34" charset="0"/>
-              <a:buChar char="•"/>
-            </a:pPr>
-            <a:r>
-              <a:rPr lang="en-US" dirty="0"/>
-              <a:t>    5. </a:t>
-            </a:r>
-            <a:r>
-              <a:rPr lang="en-US" dirty="0" err="1"/>
-              <a:t>Pub_rec_bankruptcies</a:t>
-            </a:r>
-            <a:endParaRPr lang="en-US" dirty="0"/>
-          </a:p>
-          <a:p>
-            <a:pPr defTabSz="914400">
+              <a:buFont typeface="Calibri" pitchFamily="34" charset="0"/>
+              <a:buChar char="◦"/>
+              <a:defRPr sz="1400" kern="1200">
+                <a:solidFill>
+                  <a:schemeClr val="tx1">
+                    <a:lumMod val="75000"/>
+                    <a:lumOff val="25000"/>
+                  </a:schemeClr>
+                </a:solidFill>
+                <a:latin typeface="+mn-lt"/>
+                <a:ea typeface="+mn-ea"/>
+                <a:cs typeface="+mn-cs"/>
+              </a:defRPr>
+            </a:lvl6pPr>
+            <a:lvl7pPr marL="1300000" indent="-228600" algn="l" defTabSz="914400" rtl="0" eaLnBrk="1" latinLnBrk="0" hangingPunct="1">
               <a:lnSpc>
                 <a:spcPct val="90000"/>
               </a:lnSpc>
+              <a:spcBef>
+                <a:spcPts val="200"/>
+              </a:spcBef>
               <a:spcAft>
-                <a:spcPts val="600"/>
+                <a:spcPts val="400"/>
               </a:spcAft>
               <a:buClr>
                 <a:schemeClr val="accent1"/>
               </a:buClr>
-              <a:buSzPct val="110000"/>
-            </a:pPr>
-            <a:endParaRPr lang="en-US" dirty="0"/>
-          </a:p>
-          <a:p>
-            <a:pPr defTabSz="914400">
+              <a:buFont typeface="Calibri" pitchFamily="34" charset="0"/>
+              <a:buChar char="◦"/>
+              <a:defRPr sz="1400" kern="1200">
+                <a:solidFill>
+                  <a:schemeClr val="tx1">
+                    <a:lumMod val="75000"/>
+                    <a:lumOff val="25000"/>
+                  </a:schemeClr>
+                </a:solidFill>
+                <a:latin typeface="+mn-lt"/>
+                <a:ea typeface="+mn-ea"/>
+                <a:cs typeface="+mn-cs"/>
+              </a:defRPr>
+            </a:lvl7pPr>
+            <a:lvl8pPr marL="1500000" indent="-228600" algn="l" defTabSz="914400" rtl="0" eaLnBrk="1" latinLnBrk="0" hangingPunct="1">
               <a:lnSpc>
                 <a:spcPct val="90000"/>
               </a:lnSpc>
+              <a:spcBef>
+                <a:spcPts val="200"/>
+              </a:spcBef>
               <a:spcAft>
-                <a:spcPts val="600"/>
+                <a:spcPts val="400"/>
               </a:spcAft>
               <a:buClr>
                 <a:schemeClr val="accent1"/>
               </a:buClr>
-              <a:buSzPct val="110000"/>
-            </a:pPr>
-            <a:r>
-              <a:rPr lang="en-US" dirty="0"/>
-              <a:t>Other considerations for 'defaults' :</a:t>
-            </a:r>
-          </a:p>
-          <a:p>
-            <a:pPr indent="-228600" defTabSz="914400">
+              <a:buFont typeface="Calibri" pitchFamily="34" charset="0"/>
+              <a:buChar char="◦"/>
+              <a:defRPr sz="1400" kern="1200">
+                <a:solidFill>
+                  <a:schemeClr val="tx1">
+                    <a:lumMod val="75000"/>
+                    <a:lumOff val="25000"/>
+                  </a:schemeClr>
+                </a:solidFill>
+                <a:latin typeface="+mn-lt"/>
+                <a:ea typeface="+mn-ea"/>
+                <a:cs typeface="+mn-cs"/>
+              </a:defRPr>
+            </a:lvl8pPr>
+            <a:lvl9pPr marL="1700000" indent="-228600" algn="l" defTabSz="914400" rtl="0" eaLnBrk="1" latinLnBrk="0" hangingPunct="1">
               <a:lnSpc>
                 <a:spcPct val="90000"/>
               </a:lnSpc>
+              <a:spcBef>
+                <a:spcPts val="200"/>
+              </a:spcBef>
               <a:spcAft>
-                <a:spcPts val="600"/>
+                <a:spcPts val="400"/>
               </a:spcAft>
               <a:buClr>
                 <a:schemeClr val="accent1"/>
               </a:buClr>
-              <a:buSzPct val="110000"/>
-              <a:buFont typeface="Arial" panose="020B0604020202020204" pitchFamily="34" charset="0"/>
-              <a:buChar char="•"/>
-            </a:pPr>
-            <a:r>
-              <a:rPr lang="en-US" dirty="0"/>
-              <a:t>    1. Burrowers not from large urban cities e.g. </a:t>
-            </a:r>
-            <a:r>
-              <a:rPr lang="en-US" dirty="0" err="1"/>
-              <a:t>NewYork</a:t>
-            </a:r>
-            <a:r>
-              <a:rPr lang="en-US" dirty="0"/>
-              <a:t> , California </a:t>
-            </a:r>
-            <a:r>
-              <a:rPr lang="en-US" dirty="0" err="1"/>
-              <a:t>etc</a:t>
-            </a:r>
-            <a:endParaRPr lang="en-US" dirty="0"/>
+              <a:buFont typeface="Calibri" pitchFamily="34" charset="0"/>
+              <a:buChar char="◦"/>
+              <a:defRPr sz="1400" kern="1200">
+                <a:solidFill>
+                  <a:schemeClr val="tx1">
+                    <a:lumMod val="75000"/>
+                    <a:lumOff val="25000"/>
+                  </a:schemeClr>
+                </a:solidFill>
+                <a:latin typeface="+mn-lt"/>
+                <a:ea typeface="+mn-ea"/>
+                <a:cs typeface="+mn-cs"/>
+              </a:defRPr>
+            </a:lvl9pPr>
+          </a:lstStyle>
+          <a:p>
+            <a:endParaRPr lang="en-IN" dirty="0"/>
           </a:p>
-          <a:p>
-            <a:pPr indent="-228600" defTabSz="914400">
+        </p:txBody>
+      </p:sp>
+      <p:pic>
+        <p:nvPicPr>
+          <p:cNvPr id="7" name="Picture 6">
+            <a:extLst>
+              <a:ext uri="{FF2B5EF4-FFF2-40B4-BE49-F238E27FC236}">
+                <a16:creationId xmlns:a16="http://schemas.microsoft.com/office/drawing/2014/main" id="{3DE0074D-0249-B68A-04D8-67BCC135C21F}"/>
+              </a:ext>
+            </a:extLst>
+          </p:cNvPr>
+          <p:cNvPicPr>
+            <a:picLocks noChangeAspect="1"/>
+          </p:cNvPicPr>
+          <p:nvPr/>
+        </p:nvPicPr>
+        <p:blipFill>
+          <a:blip r:embed="rId2"/>
+          <a:stretch>
+            <a:fillRect/>
+          </a:stretch>
+        </p:blipFill>
+        <p:spPr>
+          <a:xfrm>
+            <a:off x="842212" y="1812372"/>
+            <a:ext cx="4635366" cy="3124636"/>
+          </a:xfrm>
+          <a:prstGeom prst="rect">
+            <a:avLst/>
+          </a:prstGeom>
+        </p:spPr>
+      </p:pic>
+      <p:sp>
+        <p:nvSpPr>
+          <p:cNvPr id="8" name="Content Placeholder 2">
+            <a:extLst>
+              <a:ext uri="{FF2B5EF4-FFF2-40B4-BE49-F238E27FC236}">
+                <a16:creationId xmlns:a16="http://schemas.microsoft.com/office/drawing/2014/main" id="{72B1345C-BECF-413D-ECFB-4BBD6973ABFB}"/>
+              </a:ext>
+            </a:extLst>
+          </p:cNvPr>
+          <p:cNvSpPr txBox="1">
+            <a:spLocks/>
+          </p:cNvSpPr>
+          <p:nvPr/>
+        </p:nvSpPr>
+        <p:spPr>
+          <a:xfrm>
+            <a:off x="6126480" y="5007046"/>
+            <a:ext cx="5854021" cy="1559377"/>
+          </a:xfrm>
+          <a:prstGeom prst="rect">
+            <a:avLst/>
+          </a:prstGeom>
+        </p:spPr>
+        <p:txBody>
+          <a:bodyPr vert="horz" lIns="0" tIns="45720" rIns="0" bIns="45720" rtlCol="0">
+            <a:normAutofit/>
+          </a:bodyPr>
+          <a:lstStyle>
+            <a:lvl1pPr marL="91440" indent="-91440" algn="l" defTabSz="914400" rtl="0" eaLnBrk="1" latinLnBrk="0" hangingPunct="1">
               <a:lnSpc>
                 <a:spcPct val="90000"/>
               </a:lnSpc>
+              <a:spcBef>
+                <a:spcPts val="1200"/>
+              </a:spcBef>
               <a:spcAft>
-                <a:spcPts val="600"/>
+                <a:spcPts val="200"/>
               </a:spcAft>
               <a:buClr>
                 <a:schemeClr val="accent1"/>
               </a:buClr>
-              <a:buSzPct val="110000"/>
-              <a:buFont typeface="Arial" panose="020B0604020202020204" pitchFamily="34" charset="0"/>
-              <a:buChar char="•"/>
-            </a:pPr>
-            <a:r>
-              <a:rPr lang="en-US" dirty="0"/>
-              <a:t>    2. Burrowers having annual income in the range 50000-100000.</a:t>
-            </a:r>
-          </a:p>
-          <a:p>
-            <a:pPr indent="-228600" defTabSz="914400">
+              <a:buSzPct val="100000"/>
+              <a:buFont typeface="Calibri" panose="020F0502020204030204" pitchFamily="34" charset="0"/>
+              <a:buChar char=" "/>
+              <a:defRPr sz="2000" kern="1200">
+                <a:solidFill>
+                  <a:schemeClr val="tx1">
+                    <a:lumMod val="75000"/>
+                    <a:lumOff val="25000"/>
+                  </a:schemeClr>
+                </a:solidFill>
+                <a:latin typeface="+mn-lt"/>
+                <a:ea typeface="+mn-ea"/>
+                <a:cs typeface="+mn-cs"/>
+              </a:defRPr>
+            </a:lvl1pPr>
+            <a:lvl2pPr marL="384048" indent="-182880" algn="l" defTabSz="914400" rtl="0" eaLnBrk="1" latinLnBrk="0" hangingPunct="1">
               <a:lnSpc>
                 <a:spcPct val="90000"/>
               </a:lnSpc>
+              <a:spcBef>
+                <a:spcPts val="200"/>
+              </a:spcBef>
               <a:spcAft>
-                <a:spcPts val="600"/>
+                <a:spcPts val="400"/>
               </a:spcAft>
               <a:buClr>
                 <a:schemeClr val="accent1"/>
               </a:buClr>
-              <a:buSzPct val="110000"/>
-              <a:buFont typeface="Arial" panose="020B0604020202020204" pitchFamily="34" charset="0"/>
-              <a:buChar char="•"/>
-            </a:pPr>
-            <a:r>
-              <a:rPr lang="en-US" dirty="0"/>
-              <a:t>    3. Burrowers having Public Recorded Bankruptcy.</a:t>
-            </a:r>
-          </a:p>
-          <a:p>
-            <a:pPr indent="-228600" defTabSz="914400">
+              <a:buFont typeface="Calibri" pitchFamily="34" charset="0"/>
+              <a:buChar char="◦"/>
+              <a:defRPr sz="1800" kern="1200">
+                <a:solidFill>
+                  <a:schemeClr val="tx1">
+                    <a:lumMod val="75000"/>
+                    <a:lumOff val="25000"/>
+                  </a:schemeClr>
+                </a:solidFill>
+                <a:latin typeface="+mn-lt"/>
+                <a:ea typeface="+mn-ea"/>
+                <a:cs typeface="+mn-cs"/>
+              </a:defRPr>
+            </a:lvl2pPr>
+            <a:lvl3pPr marL="566928" indent="-182880" algn="l" defTabSz="914400" rtl="0" eaLnBrk="1" latinLnBrk="0" hangingPunct="1">
               <a:lnSpc>
                 <a:spcPct val="90000"/>
               </a:lnSpc>
+              <a:spcBef>
+                <a:spcPts val="200"/>
+              </a:spcBef>
               <a:spcAft>
-                <a:spcPts val="600"/>
+                <a:spcPts val="400"/>
               </a:spcAft>
               <a:buClr>
                 <a:schemeClr val="accent1"/>
               </a:buClr>
-              <a:buSzPct val="110000"/>
-              <a:buFont typeface="Arial" panose="020B0604020202020204" pitchFamily="34" charset="0"/>
-              <a:buChar char="•"/>
-            </a:pPr>
-            <a:r>
-              <a:rPr lang="en-US" dirty="0"/>
-              <a:t>    4. Burrowers with least grades like E,F,G which indicates high risk.</a:t>
-            </a:r>
-          </a:p>
-          <a:p>
-            <a:pPr indent="-228600" defTabSz="914400">
+              <a:buFont typeface="Calibri" pitchFamily="34" charset="0"/>
+              <a:buChar char="◦"/>
+              <a:defRPr sz="1400" kern="1200">
+                <a:solidFill>
+                  <a:schemeClr val="tx1">
+                    <a:lumMod val="75000"/>
+                    <a:lumOff val="25000"/>
+                  </a:schemeClr>
+                </a:solidFill>
+                <a:latin typeface="+mn-lt"/>
+                <a:ea typeface="+mn-ea"/>
+                <a:cs typeface="+mn-cs"/>
+              </a:defRPr>
+            </a:lvl3pPr>
+            <a:lvl4pPr marL="749808" indent="-182880" algn="l" defTabSz="914400" rtl="0" eaLnBrk="1" latinLnBrk="0" hangingPunct="1">
               <a:lnSpc>
                 <a:spcPct val="90000"/>
               </a:lnSpc>
+              <a:spcBef>
+                <a:spcPts val="200"/>
+              </a:spcBef>
               <a:spcAft>
-                <a:spcPts val="600"/>
+                <a:spcPts val="400"/>
               </a:spcAft>
               <a:buClr>
                 <a:schemeClr val="accent1"/>
               </a:buClr>
-              <a:buSzPct val="110000"/>
-              <a:buFont typeface="Arial" panose="020B0604020202020204" pitchFamily="34" charset="0"/>
-              <a:buChar char="•"/>
-            </a:pPr>
-            <a:r>
-              <a:rPr lang="en-US" dirty="0"/>
-              <a:t>    5. Burrowers with very high Debt to Income value.</a:t>
-            </a:r>
-          </a:p>
-          <a:p>
-            <a:pPr indent="-228600" defTabSz="914400">
+              <a:buFont typeface="Calibri" pitchFamily="34" charset="0"/>
+              <a:buChar char="◦"/>
+              <a:defRPr sz="1400" kern="1200">
+                <a:solidFill>
+                  <a:schemeClr val="tx1">
+                    <a:lumMod val="75000"/>
+                    <a:lumOff val="25000"/>
+                  </a:schemeClr>
+                </a:solidFill>
+                <a:latin typeface="+mn-lt"/>
+                <a:ea typeface="+mn-ea"/>
+                <a:cs typeface="+mn-cs"/>
+              </a:defRPr>
+            </a:lvl4pPr>
+            <a:lvl5pPr marL="932688" indent="-182880" algn="l" defTabSz="914400" rtl="0" eaLnBrk="1" latinLnBrk="0" hangingPunct="1">
               <a:lnSpc>
                 <a:spcPct val="90000"/>
               </a:lnSpc>
+              <a:spcBef>
+                <a:spcPts val="200"/>
+              </a:spcBef>
               <a:spcAft>
-                <a:spcPts val="600"/>
+                <a:spcPts val="400"/>
               </a:spcAft>
               <a:buClr>
                 <a:schemeClr val="accent1"/>
               </a:buClr>
-              <a:buSzPct val="110000"/>
-              <a:buFont typeface="Arial" panose="020B0604020202020204" pitchFamily="34" charset="0"/>
-              <a:buChar char="•"/>
+              <a:buFont typeface="Calibri" pitchFamily="34" charset="0"/>
+              <a:buChar char="◦"/>
+              <a:defRPr sz="1400" kern="1200">
+                <a:solidFill>
+                  <a:schemeClr val="tx1">
+                    <a:lumMod val="75000"/>
+                    <a:lumOff val="25000"/>
+                  </a:schemeClr>
+                </a:solidFill>
+                <a:latin typeface="+mn-lt"/>
+                <a:ea typeface="+mn-ea"/>
+                <a:cs typeface="+mn-cs"/>
+              </a:defRPr>
+            </a:lvl5pPr>
+            <a:lvl6pPr marL="1100000" indent="-228600" algn="l" defTabSz="914400" rtl="0" eaLnBrk="1" latinLnBrk="0" hangingPunct="1">
+              <a:lnSpc>
+                <a:spcPct val="90000"/>
+              </a:lnSpc>
+              <a:spcBef>
+                <a:spcPts val="200"/>
+              </a:spcBef>
+              <a:spcAft>
+                <a:spcPts val="400"/>
+              </a:spcAft>
+              <a:buClr>
+                <a:schemeClr val="accent1"/>
+              </a:buClr>
+              <a:buFont typeface="Calibri" pitchFamily="34" charset="0"/>
+              <a:buChar char="◦"/>
+              <a:defRPr sz="1400" kern="1200">
+                <a:solidFill>
+                  <a:schemeClr val="tx1">
+                    <a:lumMod val="75000"/>
+                    <a:lumOff val="25000"/>
+                  </a:schemeClr>
+                </a:solidFill>
+                <a:latin typeface="+mn-lt"/>
+                <a:ea typeface="+mn-ea"/>
+                <a:cs typeface="+mn-cs"/>
+              </a:defRPr>
+            </a:lvl6pPr>
+            <a:lvl7pPr marL="1300000" indent="-228600" algn="l" defTabSz="914400" rtl="0" eaLnBrk="1" latinLnBrk="0" hangingPunct="1">
+              <a:lnSpc>
+                <a:spcPct val="90000"/>
+              </a:lnSpc>
+              <a:spcBef>
+                <a:spcPts val="200"/>
+              </a:spcBef>
+              <a:spcAft>
+                <a:spcPts val="400"/>
+              </a:spcAft>
+              <a:buClr>
+                <a:schemeClr val="accent1"/>
+              </a:buClr>
+              <a:buFont typeface="Calibri" pitchFamily="34" charset="0"/>
+              <a:buChar char="◦"/>
+              <a:defRPr sz="1400" kern="1200">
+                <a:solidFill>
+                  <a:schemeClr val="tx1">
+                    <a:lumMod val="75000"/>
+                    <a:lumOff val="25000"/>
+                  </a:schemeClr>
+                </a:solidFill>
+                <a:latin typeface="+mn-lt"/>
+                <a:ea typeface="+mn-ea"/>
+                <a:cs typeface="+mn-cs"/>
+              </a:defRPr>
+            </a:lvl7pPr>
+            <a:lvl8pPr marL="1500000" indent="-228600" algn="l" defTabSz="914400" rtl="0" eaLnBrk="1" latinLnBrk="0" hangingPunct="1">
+              <a:lnSpc>
+                <a:spcPct val="90000"/>
+              </a:lnSpc>
+              <a:spcBef>
+                <a:spcPts val="200"/>
+              </a:spcBef>
+              <a:spcAft>
+                <a:spcPts val="400"/>
+              </a:spcAft>
+              <a:buClr>
+                <a:schemeClr val="accent1"/>
+              </a:buClr>
+              <a:buFont typeface="Calibri" pitchFamily="34" charset="0"/>
+              <a:buChar char="◦"/>
+              <a:defRPr sz="1400" kern="1200">
+                <a:solidFill>
+                  <a:schemeClr val="tx1">
+                    <a:lumMod val="75000"/>
+                    <a:lumOff val="25000"/>
+                  </a:schemeClr>
+                </a:solidFill>
+                <a:latin typeface="+mn-lt"/>
+                <a:ea typeface="+mn-ea"/>
+                <a:cs typeface="+mn-cs"/>
+              </a:defRPr>
+            </a:lvl8pPr>
+            <a:lvl9pPr marL="1700000" indent="-228600" algn="l" defTabSz="914400" rtl="0" eaLnBrk="1" latinLnBrk="0" hangingPunct="1">
+              <a:lnSpc>
+                <a:spcPct val="90000"/>
+              </a:lnSpc>
+              <a:spcBef>
+                <a:spcPts val="200"/>
+              </a:spcBef>
+              <a:spcAft>
+                <a:spcPts val="400"/>
+              </a:spcAft>
+              <a:buClr>
+                <a:schemeClr val="accent1"/>
+              </a:buClr>
+              <a:buFont typeface="Calibri" pitchFamily="34" charset="0"/>
+              <a:buChar char="◦"/>
+              <a:defRPr sz="1400" kern="1200">
+                <a:solidFill>
+                  <a:schemeClr val="tx1">
+                    <a:lumMod val="75000"/>
+                    <a:lumOff val="25000"/>
+                  </a:schemeClr>
+                </a:solidFill>
+                <a:latin typeface="+mn-lt"/>
+                <a:ea typeface="+mn-ea"/>
+                <a:cs typeface="+mn-cs"/>
+              </a:defRPr>
+            </a:lvl9pPr>
+          </a:lstStyle>
+          <a:p>
+            <a:pPr>
+              <a:buFont typeface="Wingdings" panose="05000000000000000000" pitchFamily="2" charset="2"/>
+              <a:buChar char="§"/>
             </a:pPr>
             <a:r>
-              <a:rPr lang="en-US" dirty="0"/>
-              <a:t>    6. Burrowers with working experience 10+ years.</a:t>
+              <a:rPr lang="en-IN" b="1" dirty="0"/>
+              <a:t>Loan Amount: </a:t>
             </a:r>
+            <a:r>
+              <a:rPr lang="en-IN" dirty="0"/>
+              <a:t>It varies from 500 to 35000 with a median of 10000. Loan amount is majorly small and very few clients have taken large loans and larger it goes we have higher chance of defaulting.</a:t>
+            </a:r>
+          </a:p>
+          <a:p>
+            <a:pPr>
+              <a:buFont typeface="Wingdings" panose="05000000000000000000" pitchFamily="2" charset="2"/>
+              <a:buChar char="§"/>
+            </a:pPr>
+            <a:endParaRPr lang="en-IN" dirty="0"/>
           </a:p>
         </p:txBody>
       </p:sp>
+      <p:pic>
+        <p:nvPicPr>
+          <p:cNvPr id="6" name="Picture 5">
+            <a:extLst>
+              <a:ext uri="{FF2B5EF4-FFF2-40B4-BE49-F238E27FC236}">
+                <a16:creationId xmlns:a16="http://schemas.microsoft.com/office/drawing/2014/main" id="{7BE03645-9D07-A6A5-8DDC-8D820D1A1BD6}"/>
+              </a:ext>
+            </a:extLst>
+          </p:cNvPr>
+          <p:cNvPicPr>
+            <a:picLocks noChangeAspect="1"/>
+          </p:cNvPicPr>
+          <p:nvPr/>
+        </p:nvPicPr>
+        <p:blipFill>
+          <a:blip r:embed="rId3"/>
+          <a:stretch>
+            <a:fillRect/>
+          </a:stretch>
+        </p:blipFill>
+        <p:spPr>
+          <a:xfrm>
+            <a:off x="6096001" y="1828937"/>
+            <a:ext cx="5502442" cy="3086531"/>
+          </a:xfrm>
+          <a:prstGeom prst="rect">
+            <a:avLst/>
+          </a:prstGeom>
+        </p:spPr>
+      </p:pic>
     </p:spTree>
     <p:extLst>
       <p:ext uri="{BB962C8B-B14F-4D97-AF65-F5344CB8AC3E}">
-        <p14:creationId xmlns:p14="http://schemas.microsoft.com/office/powerpoint/2010/main" val="4092385010"/>
+        <p14:creationId xmlns:p14="http://schemas.microsoft.com/office/powerpoint/2010/main" val="4040720156"/>
       </p:ext>
     </p:extLst>
   </p:cSld>

--- a/UpGrad Case Study LendingClub.pptx
+++ b/UpGrad Case Study LendingClub.pptx
@@ -5,7 +5,7 @@
     <p:sldMasterId id="2147483947" r:id="rId1"/>
   </p:sldMasterIdLst>
   <p:notesMasterIdLst>
-    <p:notesMasterId r:id="rId23"/>
+    <p:notesMasterId r:id="rId22"/>
   </p:notesMasterIdLst>
   <p:sldIdLst>
     <p:sldId id="256" r:id="rId2"/>
@@ -20,15 +20,14 @@
     <p:sldId id="261" r:id="rId11"/>
     <p:sldId id="262" r:id="rId12"/>
     <p:sldId id="263" r:id="rId13"/>
-    <p:sldId id="264" r:id="rId14"/>
-    <p:sldId id="265" r:id="rId15"/>
-    <p:sldId id="266" r:id="rId16"/>
-    <p:sldId id="267" r:id="rId17"/>
-    <p:sldId id="277" r:id="rId18"/>
-    <p:sldId id="278" r:id="rId19"/>
-    <p:sldId id="279" r:id="rId20"/>
-    <p:sldId id="280" r:id="rId21"/>
-    <p:sldId id="268" r:id="rId22"/>
+    <p:sldId id="281" r:id="rId14"/>
+    <p:sldId id="264" r:id="rId15"/>
+    <p:sldId id="265" r:id="rId16"/>
+    <p:sldId id="277" r:id="rId17"/>
+    <p:sldId id="279" r:id="rId18"/>
+    <p:sldId id="280" r:id="rId19"/>
+    <p:sldId id="268" r:id="rId20"/>
+    <p:sldId id="282" r:id="rId21"/>
   </p:sldIdLst>
   <p:sldSz cx="12192000" cy="6858000"/>
   <p:notesSz cx="6858000" cy="9144000"/>
@@ -135,6 +134,14 @@
 </p:presentation>
 </file>
 
+<file path=ppt/revisionInfo.xml><?xml version="1.0" encoding="utf-8"?>
+<p1510:revInfo xmlns:a="http://schemas.openxmlformats.org/drawingml/2006/main" xmlns:r="http://schemas.openxmlformats.org/officeDocument/2006/relationships" xmlns:p1510="http://schemas.microsoft.com/office/powerpoint/2015/10/main">
+  <p1510:revLst>
+    <p1510:client id="{751571B4-6EEC-47ED-8A7B-F229EF9DC377}" v="690" dt="2023-10-11T14:58:08.334"/>
+  </p1510:revLst>
+</p1510:revInfo>
+</file>
+
 <file path=ppt/diagrams/colors1.xml><?xml version="1.0" encoding="utf-8"?>
 <dgm:colorsDef xmlns:dgm="http://schemas.openxmlformats.org/drawingml/2006/diagram" xmlns:a="http://schemas.openxmlformats.org/drawingml/2006/main" uniqueId="urn:microsoft.com/office/officeart/2005/8/colors/accent1_2">
   <dgm:title val=""/>
@@ -3264,6 +3271,925 @@
     <dgm:fillClrLst meth="repeat">
       <a:schemeClr val="accent1">
         <a:tint val="60000"/>
+      </a:schemeClr>
+    </dgm:fillClrLst>
+    <dgm:linClrLst meth="repeat">
+      <a:schemeClr val="lt1"/>
+    </dgm:linClrLst>
+    <dgm:effectClrLst/>
+    <dgm:txLinClrLst/>
+    <dgm:txFillClrLst meth="repeat">
+      <a:schemeClr val="dk1"/>
+    </dgm:txFillClrLst>
+    <dgm:txEffectClrLst/>
+  </dgm:styleLbl>
+  <dgm:styleLbl name="revTx">
+    <dgm:fillClrLst meth="repeat">
+      <a:schemeClr val="lt1">
+        <a:alpha val="0"/>
+      </a:schemeClr>
+    </dgm:fillClrLst>
+    <dgm:linClrLst meth="repeat">
+      <a:schemeClr val="dk1">
+        <a:alpha val="0"/>
+      </a:schemeClr>
+    </dgm:linClrLst>
+    <dgm:effectClrLst/>
+    <dgm:txLinClrLst/>
+    <dgm:txFillClrLst meth="repeat">
+      <a:schemeClr val="tx1"/>
+    </dgm:txFillClrLst>
+    <dgm:txEffectClrLst/>
+  </dgm:styleLbl>
+</dgm:colorsDef>
+</file>
+
+<file path=ppt/diagrams/colors5.xml><?xml version="1.0" encoding="utf-8"?>
+<dgm:colorsDef xmlns:dgm="http://schemas.openxmlformats.org/drawingml/2006/diagram" xmlns:a="http://schemas.openxmlformats.org/drawingml/2006/main" uniqueId="urn:microsoft.com/office/officeart/2005/8/colors/colorful1">
+  <dgm:title val=""/>
+  <dgm:desc val=""/>
+  <dgm:catLst>
+    <dgm:cat type="colorful" pri="10100"/>
+  </dgm:catLst>
+  <dgm:styleLbl name="node0">
+    <dgm:fillClrLst meth="repeat">
+      <a:schemeClr val="accent1"/>
+    </dgm:fillClrLst>
+    <dgm:linClrLst meth="repeat">
+      <a:schemeClr val="lt1"/>
+    </dgm:linClrLst>
+    <dgm:effectClrLst/>
+    <dgm:txLinClrLst/>
+    <dgm:txFillClrLst/>
+    <dgm:txEffectClrLst/>
+  </dgm:styleLbl>
+  <dgm:styleLbl name="node1">
+    <dgm:fillClrLst meth="repeat">
+      <a:schemeClr val="accent2"/>
+      <a:schemeClr val="accent3"/>
+      <a:schemeClr val="accent4"/>
+      <a:schemeClr val="accent5"/>
+      <a:schemeClr val="accent6"/>
+    </dgm:fillClrLst>
+    <dgm:linClrLst meth="repeat">
+      <a:schemeClr val="lt1"/>
+    </dgm:linClrLst>
+    <dgm:effectClrLst/>
+    <dgm:txLinClrLst/>
+    <dgm:txFillClrLst/>
+    <dgm:txEffectClrLst/>
+  </dgm:styleLbl>
+  <dgm:styleLbl name="alignNode1">
+    <dgm:fillClrLst meth="repeat">
+      <a:schemeClr val="accent2"/>
+      <a:schemeClr val="accent3"/>
+      <a:schemeClr val="accent4"/>
+      <a:schemeClr val="accent5"/>
+      <a:schemeClr val="accent6"/>
+    </dgm:fillClrLst>
+    <dgm:linClrLst meth="repeat">
+      <a:schemeClr val="accent2"/>
+      <a:schemeClr val="accent3"/>
+      <a:schemeClr val="accent4"/>
+      <a:schemeClr val="accent5"/>
+      <a:schemeClr val="accent6"/>
+    </dgm:linClrLst>
+    <dgm:effectClrLst/>
+    <dgm:txLinClrLst/>
+    <dgm:txFillClrLst/>
+    <dgm:txEffectClrLst/>
+  </dgm:styleLbl>
+  <dgm:styleLbl name="lnNode1">
+    <dgm:fillClrLst meth="repeat">
+      <a:schemeClr val="accent2"/>
+      <a:schemeClr val="accent3"/>
+      <a:schemeClr val="accent4"/>
+      <a:schemeClr val="accent5"/>
+      <a:schemeClr val="accent6"/>
+    </dgm:fillClrLst>
+    <dgm:linClrLst meth="repeat">
+      <a:schemeClr val="lt1"/>
+    </dgm:linClrLst>
+    <dgm:effectClrLst/>
+    <dgm:txLinClrLst/>
+    <dgm:txFillClrLst/>
+    <dgm:txEffectClrLst/>
+  </dgm:styleLbl>
+  <dgm:styleLbl name="vennNode1">
+    <dgm:fillClrLst meth="repeat">
+      <a:schemeClr val="accent2">
+        <a:alpha val="50000"/>
+      </a:schemeClr>
+      <a:schemeClr val="accent3">
+        <a:alpha val="50000"/>
+      </a:schemeClr>
+      <a:schemeClr val="accent4">
+        <a:alpha val="50000"/>
+      </a:schemeClr>
+      <a:schemeClr val="accent5">
+        <a:alpha val="50000"/>
+      </a:schemeClr>
+      <a:schemeClr val="accent6">
+        <a:alpha val="50000"/>
+      </a:schemeClr>
+    </dgm:fillClrLst>
+    <dgm:linClrLst meth="repeat">
+      <a:schemeClr val="lt1"/>
+    </dgm:linClrLst>
+    <dgm:effectClrLst/>
+    <dgm:txLinClrLst/>
+    <dgm:txFillClrLst/>
+    <dgm:txEffectClrLst/>
+  </dgm:styleLbl>
+  <dgm:styleLbl name="node2">
+    <dgm:fillClrLst>
+      <a:schemeClr val="accent2"/>
+    </dgm:fillClrLst>
+    <dgm:linClrLst meth="repeat">
+      <a:schemeClr val="lt1"/>
+    </dgm:linClrLst>
+    <dgm:effectClrLst/>
+    <dgm:txLinClrLst/>
+    <dgm:txFillClrLst/>
+    <dgm:txEffectClrLst/>
+  </dgm:styleLbl>
+  <dgm:styleLbl name="node3">
+    <dgm:fillClrLst>
+      <a:schemeClr val="accent3"/>
+    </dgm:fillClrLst>
+    <dgm:linClrLst meth="repeat">
+      <a:schemeClr val="lt1"/>
+    </dgm:linClrLst>
+    <dgm:effectClrLst/>
+    <dgm:txLinClrLst/>
+    <dgm:txFillClrLst/>
+    <dgm:txEffectClrLst/>
+  </dgm:styleLbl>
+  <dgm:styleLbl name="node4">
+    <dgm:fillClrLst>
+      <a:schemeClr val="accent4"/>
+    </dgm:fillClrLst>
+    <dgm:linClrLst meth="repeat">
+      <a:schemeClr val="lt1"/>
+    </dgm:linClrLst>
+    <dgm:effectClrLst/>
+    <dgm:txLinClrLst/>
+    <dgm:txFillClrLst/>
+    <dgm:txEffectClrLst/>
+  </dgm:styleLbl>
+  <dgm:styleLbl name="fgImgPlace1">
+    <dgm:fillClrLst meth="repeat">
+      <a:schemeClr val="accent2">
+        <a:tint val="50000"/>
+      </a:schemeClr>
+      <a:schemeClr val="accent3">
+        <a:tint val="50000"/>
+      </a:schemeClr>
+      <a:schemeClr val="accent4">
+        <a:tint val="50000"/>
+      </a:schemeClr>
+      <a:schemeClr val="accent5">
+        <a:tint val="50000"/>
+      </a:schemeClr>
+      <a:schemeClr val="accent6">
+        <a:tint val="50000"/>
+      </a:schemeClr>
+    </dgm:fillClrLst>
+    <dgm:linClrLst meth="repeat">
+      <a:schemeClr val="lt1"/>
+    </dgm:linClrLst>
+    <dgm:effectClrLst/>
+    <dgm:txLinClrLst/>
+    <dgm:txFillClrLst meth="repeat">
+      <a:schemeClr val="lt1"/>
+    </dgm:txFillClrLst>
+    <dgm:txEffectClrLst/>
+  </dgm:styleLbl>
+  <dgm:styleLbl name="alignImgPlace1">
+    <dgm:fillClrLst>
+      <a:schemeClr val="accent1">
+        <a:tint val="50000"/>
+      </a:schemeClr>
+      <a:schemeClr val="accent2">
+        <a:tint val="20000"/>
+      </a:schemeClr>
+    </dgm:fillClrLst>
+    <dgm:linClrLst meth="repeat">
+      <a:schemeClr val="lt1"/>
+    </dgm:linClrLst>
+    <dgm:effectClrLst/>
+    <dgm:txLinClrLst/>
+    <dgm:txFillClrLst meth="repeat">
+      <a:schemeClr val="lt1"/>
+    </dgm:txFillClrLst>
+    <dgm:txEffectClrLst/>
+  </dgm:styleLbl>
+  <dgm:styleLbl name="bgImgPlace1">
+    <dgm:fillClrLst>
+      <a:schemeClr val="accent1">
+        <a:tint val="50000"/>
+      </a:schemeClr>
+      <a:schemeClr val="accent2">
+        <a:tint val="20000"/>
+      </a:schemeClr>
+    </dgm:fillClrLst>
+    <dgm:linClrLst meth="repeat">
+      <a:schemeClr val="lt1"/>
+    </dgm:linClrLst>
+    <dgm:effectClrLst/>
+    <dgm:txLinClrLst/>
+    <dgm:txFillClrLst meth="repeat">
+      <a:schemeClr val="lt1"/>
+    </dgm:txFillClrLst>
+    <dgm:txEffectClrLst/>
+  </dgm:styleLbl>
+  <dgm:styleLbl name="sibTrans2D1">
+    <dgm:fillClrLst meth="repeat">
+      <a:schemeClr val="accent2"/>
+      <a:schemeClr val="accent3"/>
+      <a:schemeClr val="accent4"/>
+      <a:schemeClr val="accent5"/>
+      <a:schemeClr val="accent6"/>
+    </dgm:fillClrLst>
+    <dgm:linClrLst meth="cycle">
+      <a:schemeClr val="lt1"/>
+    </dgm:linClrLst>
+    <dgm:effectClrLst/>
+    <dgm:txLinClrLst/>
+    <dgm:txFillClrLst/>
+    <dgm:txEffectClrLst/>
+  </dgm:styleLbl>
+  <dgm:styleLbl name="fgSibTrans2D1">
+    <dgm:fillClrLst meth="repeat">
+      <a:schemeClr val="accent2"/>
+      <a:schemeClr val="accent3"/>
+      <a:schemeClr val="accent4"/>
+      <a:schemeClr val="accent5"/>
+      <a:schemeClr val="accent6"/>
+    </dgm:fillClrLst>
+    <dgm:linClrLst meth="cycle">
+      <a:schemeClr val="lt1"/>
+    </dgm:linClrLst>
+    <dgm:effectClrLst/>
+    <dgm:txLinClrLst/>
+    <dgm:txFillClrLst meth="repeat">
+      <a:schemeClr val="lt1"/>
+    </dgm:txFillClrLst>
+    <dgm:txEffectClrLst/>
+  </dgm:styleLbl>
+  <dgm:styleLbl name="bgSibTrans2D1">
+    <dgm:fillClrLst meth="repeat">
+      <a:schemeClr val="accent2"/>
+      <a:schemeClr val="accent3"/>
+      <a:schemeClr val="accent4"/>
+      <a:schemeClr val="accent5"/>
+      <a:schemeClr val="accent6"/>
+    </dgm:fillClrLst>
+    <dgm:linClrLst meth="cycle">
+      <a:schemeClr val="lt1"/>
+    </dgm:linClrLst>
+    <dgm:effectClrLst/>
+    <dgm:txLinClrLst/>
+    <dgm:txFillClrLst meth="repeat">
+      <a:schemeClr val="lt1"/>
+    </dgm:txFillClrLst>
+    <dgm:txEffectClrLst/>
+  </dgm:styleLbl>
+  <dgm:styleLbl name="sibTrans1D1">
+    <dgm:fillClrLst meth="repeat">
+      <a:schemeClr val="accent2"/>
+      <a:schemeClr val="accent3"/>
+      <a:schemeClr val="accent4"/>
+      <a:schemeClr val="accent5"/>
+      <a:schemeClr val="accent6"/>
+    </dgm:fillClrLst>
+    <dgm:linClrLst meth="repeat">
+      <a:schemeClr val="accent2"/>
+      <a:schemeClr val="accent3"/>
+      <a:schemeClr val="accent4"/>
+      <a:schemeClr val="accent5"/>
+      <a:schemeClr val="accent6"/>
+    </dgm:linClrLst>
+    <dgm:effectClrLst/>
+    <dgm:txLinClrLst/>
+    <dgm:txFillClrLst meth="repeat">
+      <a:schemeClr val="tx1"/>
+    </dgm:txFillClrLst>
+    <dgm:txEffectClrLst/>
+  </dgm:styleLbl>
+  <dgm:styleLbl name="callout">
+    <dgm:fillClrLst meth="repeat">
+      <a:schemeClr val="accent2"/>
+    </dgm:fillClrLst>
+    <dgm:linClrLst meth="repeat">
+      <a:schemeClr val="accent2">
+        <a:tint val="50000"/>
+      </a:schemeClr>
+    </dgm:linClrLst>
+    <dgm:effectClrLst/>
+    <dgm:txLinClrLst/>
+    <dgm:txFillClrLst meth="repeat">
+      <a:schemeClr val="tx1"/>
+    </dgm:txFillClrLst>
+    <dgm:txEffectClrLst/>
+  </dgm:styleLbl>
+  <dgm:styleLbl name="asst0">
+    <dgm:fillClrLst meth="repeat">
+      <a:schemeClr val="accent1"/>
+    </dgm:fillClrLst>
+    <dgm:linClrLst meth="repeat">
+      <a:schemeClr val="lt1"/>
+    </dgm:linClrLst>
+    <dgm:effectClrLst/>
+    <dgm:txLinClrLst/>
+    <dgm:txFillClrLst/>
+    <dgm:txEffectClrLst/>
+  </dgm:styleLbl>
+  <dgm:styleLbl name="asst1">
+    <dgm:fillClrLst meth="repeat">
+      <a:schemeClr val="accent2"/>
+    </dgm:fillClrLst>
+    <dgm:linClrLst meth="repeat">
+      <a:schemeClr val="lt1"/>
+    </dgm:linClrLst>
+    <dgm:effectClrLst/>
+    <dgm:txLinClrLst/>
+    <dgm:txFillClrLst/>
+    <dgm:txEffectClrLst/>
+  </dgm:styleLbl>
+  <dgm:styleLbl name="asst2">
+    <dgm:fillClrLst>
+      <a:schemeClr val="accent3"/>
+    </dgm:fillClrLst>
+    <dgm:linClrLst meth="repeat">
+      <a:schemeClr val="lt1"/>
+    </dgm:linClrLst>
+    <dgm:effectClrLst/>
+    <dgm:txLinClrLst/>
+    <dgm:txFillClrLst/>
+    <dgm:txEffectClrLst/>
+  </dgm:styleLbl>
+  <dgm:styleLbl name="asst3">
+    <dgm:fillClrLst>
+      <a:schemeClr val="accent4"/>
+    </dgm:fillClrLst>
+    <dgm:linClrLst meth="repeat">
+      <a:schemeClr val="lt1"/>
+    </dgm:linClrLst>
+    <dgm:effectClrLst/>
+    <dgm:txLinClrLst/>
+    <dgm:txFillClrLst/>
+    <dgm:txEffectClrLst/>
+  </dgm:styleLbl>
+  <dgm:styleLbl name="asst4">
+    <dgm:fillClrLst>
+      <a:schemeClr val="accent5"/>
+    </dgm:fillClrLst>
+    <dgm:linClrLst meth="repeat">
+      <a:schemeClr val="lt1"/>
+    </dgm:linClrLst>
+    <dgm:effectClrLst/>
+    <dgm:txLinClrLst/>
+    <dgm:txFillClrLst/>
+    <dgm:txEffectClrLst/>
+  </dgm:styleLbl>
+  <dgm:styleLbl name="parChTrans2D1">
+    <dgm:fillClrLst meth="repeat">
+      <a:schemeClr val="accent2"/>
+    </dgm:fillClrLst>
+    <dgm:linClrLst meth="repeat">
+      <a:schemeClr val="lt1"/>
+    </dgm:linClrLst>
+    <dgm:effectClrLst/>
+    <dgm:txLinClrLst/>
+    <dgm:txFillClrLst meth="repeat">
+      <a:schemeClr val="lt1"/>
+    </dgm:txFillClrLst>
+    <dgm:txEffectClrLst/>
+  </dgm:styleLbl>
+  <dgm:styleLbl name="parChTrans2D2">
+    <dgm:fillClrLst meth="repeat">
+      <a:schemeClr val="accent3"/>
+    </dgm:fillClrLst>
+    <dgm:linClrLst meth="repeat">
+      <a:schemeClr val="lt1"/>
+    </dgm:linClrLst>
+    <dgm:effectClrLst/>
+    <dgm:txLinClrLst/>
+    <dgm:txFillClrLst/>
+    <dgm:txEffectClrLst/>
+  </dgm:styleLbl>
+  <dgm:styleLbl name="parChTrans2D3">
+    <dgm:fillClrLst meth="repeat">
+      <a:schemeClr val="accent4"/>
+    </dgm:fillClrLst>
+    <dgm:linClrLst meth="repeat">
+      <a:schemeClr val="lt1"/>
+    </dgm:linClrLst>
+    <dgm:effectClrLst/>
+    <dgm:txLinClrLst/>
+    <dgm:txFillClrLst/>
+    <dgm:txEffectClrLst/>
+  </dgm:styleLbl>
+  <dgm:styleLbl name="parChTrans2D4">
+    <dgm:fillClrLst meth="repeat">
+      <a:schemeClr val="accent5"/>
+    </dgm:fillClrLst>
+    <dgm:linClrLst meth="repeat">
+      <a:schemeClr val="lt1"/>
+    </dgm:linClrLst>
+    <dgm:effectClrLst/>
+    <dgm:txLinClrLst/>
+    <dgm:txFillClrLst meth="repeat">
+      <a:schemeClr val="lt1"/>
+    </dgm:txFillClrLst>
+    <dgm:txEffectClrLst/>
+  </dgm:styleLbl>
+  <dgm:styleLbl name="parChTrans1D1">
+    <dgm:fillClrLst meth="repeat">
+      <a:schemeClr val="accent2"/>
+    </dgm:fillClrLst>
+    <dgm:linClrLst meth="repeat">
+      <a:schemeClr val="accent1"/>
+    </dgm:linClrLst>
+    <dgm:effectClrLst/>
+    <dgm:txLinClrLst/>
+    <dgm:txFillClrLst meth="repeat">
+      <a:schemeClr val="tx1"/>
+    </dgm:txFillClrLst>
+    <dgm:txEffectClrLst/>
+  </dgm:styleLbl>
+  <dgm:styleLbl name="parChTrans1D2">
+    <dgm:fillClrLst meth="repeat">
+      <a:schemeClr val="accent3">
+        <a:tint val="90000"/>
+      </a:schemeClr>
+    </dgm:fillClrLst>
+    <dgm:linClrLst meth="repeat">
+      <a:schemeClr val="accent2"/>
+    </dgm:linClrLst>
+    <dgm:effectClrLst/>
+    <dgm:txLinClrLst/>
+    <dgm:txFillClrLst meth="repeat">
+      <a:schemeClr val="tx1"/>
+    </dgm:txFillClrLst>
+    <dgm:txEffectClrLst/>
+  </dgm:styleLbl>
+  <dgm:styleLbl name="parChTrans1D3">
+    <dgm:fillClrLst meth="repeat">
+      <a:schemeClr val="accent4">
+        <a:tint val="70000"/>
+      </a:schemeClr>
+    </dgm:fillClrLst>
+    <dgm:linClrLst meth="repeat">
+      <a:schemeClr val="accent3"/>
+    </dgm:linClrLst>
+    <dgm:effectClrLst/>
+    <dgm:txLinClrLst/>
+    <dgm:txFillClrLst meth="repeat">
+      <a:schemeClr val="tx1"/>
+    </dgm:txFillClrLst>
+    <dgm:txEffectClrLst/>
+  </dgm:styleLbl>
+  <dgm:styleLbl name="parChTrans1D4">
+    <dgm:fillClrLst meth="repeat">
+      <a:schemeClr val="accent5">
+        <a:tint val="50000"/>
+      </a:schemeClr>
+    </dgm:fillClrLst>
+    <dgm:linClrLst meth="repeat">
+      <a:schemeClr val="accent4"/>
+    </dgm:linClrLst>
+    <dgm:effectClrLst/>
+    <dgm:txLinClrLst/>
+    <dgm:txFillClrLst meth="repeat">
+      <a:schemeClr val="tx1"/>
+    </dgm:txFillClrLst>
+    <dgm:txEffectClrLst/>
+  </dgm:styleLbl>
+  <dgm:styleLbl name="fgAcc1">
+    <dgm:fillClrLst meth="repeat">
+      <a:schemeClr val="lt1">
+        <a:alpha val="90000"/>
+      </a:schemeClr>
+    </dgm:fillClrLst>
+    <dgm:linClrLst meth="repeat">
+      <a:schemeClr val="accent2"/>
+      <a:schemeClr val="accent3"/>
+      <a:schemeClr val="accent4"/>
+      <a:schemeClr val="accent5"/>
+      <a:schemeClr val="accent6"/>
+    </dgm:linClrLst>
+    <dgm:effectClrLst/>
+    <dgm:txLinClrLst/>
+    <dgm:txFillClrLst meth="repeat">
+      <a:schemeClr val="dk1"/>
+    </dgm:txFillClrLst>
+    <dgm:txEffectClrLst/>
+  </dgm:styleLbl>
+  <dgm:styleLbl name="conFgAcc1">
+    <dgm:fillClrLst meth="repeat">
+      <a:schemeClr val="lt1">
+        <a:alpha val="90000"/>
+      </a:schemeClr>
+    </dgm:fillClrLst>
+    <dgm:linClrLst meth="repeat">
+      <a:schemeClr val="accent2"/>
+      <a:schemeClr val="accent3"/>
+      <a:schemeClr val="accent4"/>
+      <a:schemeClr val="accent5"/>
+      <a:schemeClr val="accent6"/>
+    </dgm:linClrLst>
+    <dgm:effectClrLst/>
+    <dgm:txLinClrLst/>
+    <dgm:txFillClrLst meth="repeat">
+      <a:schemeClr val="dk1"/>
+    </dgm:txFillClrLst>
+    <dgm:txEffectClrLst/>
+  </dgm:styleLbl>
+  <dgm:styleLbl name="alignAcc1">
+    <dgm:fillClrLst meth="repeat">
+      <a:schemeClr val="lt1">
+        <a:alpha val="90000"/>
+      </a:schemeClr>
+    </dgm:fillClrLst>
+    <dgm:linClrLst meth="repeat">
+      <a:schemeClr val="accent2"/>
+      <a:schemeClr val="accent3"/>
+      <a:schemeClr val="accent4"/>
+      <a:schemeClr val="accent5"/>
+      <a:schemeClr val="accent6"/>
+    </dgm:linClrLst>
+    <dgm:effectClrLst/>
+    <dgm:txLinClrLst/>
+    <dgm:txFillClrLst meth="repeat">
+      <a:schemeClr val="dk1"/>
+    </dgm:txFillClrLst>
+    <dgm:txEffectClrLst/>
+  </dgm:styleLbl>
+  <dgm:styleLbl name="trAlignAcc1">
+    <dgm:fillClrLst meth="repeat">
+      <a:schemeClr val="lt1">
+        <a:alpha val="40000"/>
+      </a:schemeClr>
+    </dgm:fillClrLst>
+    <dgm:linClrLst meth="repeat">
+      <a:schemeClr val="accent1"/>
+    </dgm:linClrLst>
+    <dgm:effectClrLst/>
+    <dgm:txLinClrLst/>
+    <dgm:txFillClrLst meth="repeat">
+      <a:schemeClr val="dk1"/>
+    </dgm:txFillClrLst>
+    <dgm:txEffectClrLst/>
+  </dgm:styleLbl>
+  <dgm:styleLbl name="bgAcc1">
+    <dgm:fillClrLst meth="repeat">
+      <a:schemeClr val="lt1">
+        <a:alpha val="90000"/>
+      </a:schemeClr>
+    </dgm:fillClrLst>
+    <dgm:linClrLst meth="repeat">
+      <a:schemeClr val="accent2"/>
+      <a:schemeClr val="accent3"/>
+      <a:schemeClr val="accent4"/>
+      <a:schemeClr val="accent5"/>
+      <a:schemeClr val="accent6"/>
+    </dgm:linClrLst>
+    <dgm:effectClrLst/>
+    <dgm:txLinClrLst/>
+    <dgm:txFillClrLst meth="repeat">
+      <a:schemeClr val="dk1"/>
+    </dgm:txFillClrLst>
+    <dgm:txEffectClrLst/>
+  </dgm:styleLbl>
+  <dgm:styleLbl name="solidFgAcc1">
+    <dgm:fillClrLst meth="repeat">
+      <a:schemeClr val="lt1"/>
+    </dgm:fillClrLst>
+    <dgm:linClrLst meth="repeat">
+      <a:schemeClr val="accent2"/>
+      <a:schemeClr val="accent3"/>
+      <a:schemeClr val="accent4"/>
+      <a:schemeClr val="accent5"/>
+      <a:schemeClr val="accent6"/>
+    </dgm:linClrLst>
+    <dgm:effectClrLst/>
+    <dgm:txLinClrLst/>
+    <dgm:txFillClrLst meth="repeat">
+      <a:schemeClr val="dk1"/>
+    </dgm:txFillClrLst>
+    <dgm:txEffectClrLst/>
+  </dgm:styleLbl>
+  <dgm:styleLbl name="solidAlignAcc1">
+    <dgm:fillClrLst meth="repeat">
+      <a:schemeClr val="lt1"/>
+    </dgm:fillClrLst>
+    <dgm:linClrLst meth="repeat">
+      <a:schemeClr val="accent2"/>
+      <a:schemeClr val="accent3"/>
+      <a:schemeClr val="accent4"/>
+      <a:schemeClr val="accent5"/>
+      <a:schemeClr val="accent6"/>
+    </dgm:linClrLst>
+    <dgm:effectClrLst/>
+    <dgm:txLinClrLst/>
+    <dgm:txFillClrLst meth="repeat">
+      <a:schemeClr val="dk1"/>
+    </dgm:txFillClrLst>
+    <dgm:txEffectClrLst/>
+  </dgm:styleLbl>
+  <dgm:styleLbl name="solidBgAcc1">
+    <dgm:fillClrLst meth="repeat">
+      <a:schemeClr val="lt1"/>
+    </dgm:fillClrLst>
+    <dgm:linClrLst meth="repeat">
+      <a:schemeClr val="accent2"/>
+      <a:schemeClr val="accent3"/>
+      <a:schemeClr val="accent4"/>
+      <a:schemeClr val="accent5"/>
+      <a:schemeClr val="accent6"/>
+    </dgm:linClrLst>
+    <dgm:effectClrLst/>
+    <dgm:txLinClrLst/>
+    <dgm:txFillClrLst meth="repeat">
+      <a:schemeClr val="dk1"/>
+    </dgm:txFillClrLst>
+    <dgm:txEffectClrLst/>
+  </dgm:styleLbl>
+  <dgm:styleLbl name="fgAccFollowNode1">
+    <dgm:fillClrLst meth="repeat">
+      <a:schemeClr val="accent2">
+        <a:tint val="40000"/>
+        <a:alpha val="90000"/>
+      </a:schemeClr>
+      <a:schemeClr val="accent3">
+        <a:tint val="40000"/>
+        <a:alpha val="90000"/>
+      </a:schemeClr>
+      <a:schemeClr val="accent4">
+        <a:tint val="40000"/>
+        <a:alpha val="90000"/>
+      </a:schemeClr>
+      <a:schemeClr val="accent5">
+        <a:tint val="40000"/>
+        <a:alpha val="90000"/>
+      </a:schemeClr>
+      <a:schemeClr val="accent6">
+        <a:tint val="40000"/>
+        <a:alpha val="90000"/>
+      </a:schemeClr>
+    </dgm:fillClrLst>
+    <dgm:linClrLst meth="repeat">
+      <a:schemeClr val="accent2">
+        <a:tint val="40000"/>
+        <a:alpha val="90000"/>
+      </a:schemeClr>
+      <a:schemeClr val="accent3">
+        <a:tint val="40000"/>
+        <a:alpha val="90000"/>
+      </a:schemeClr>
+      <a:schemeClr val="accent4">
+        <a:tint val="40000"/>
+        <a:alpha val="90000"/>
+      </a:schemeClr>
+      <a:schemeClr val="accent5">
+        <a:tint val="40000"/>
+        <a:alpha val="90000"/>
+      </a:schemeClr>
+      <a:schemeClr val="accent6">
+        <a:tint val="40000"/>
+        <a:alpha val="90000"/>
+      </a:schemeClr>
+    </dgm:linClrLst>
+    <dgm:effectClrLst/>
+    <dgm:txLinClrLst/>
+    <dgm:txFillClrLst meth="repeat">
+      <a:schemeClr val="dk1"/>
+    </dgm:txFillClrLst>
+    <dgm:txEffectClrLst/>
+  </dgm:styleLbl>
+  <dgm:styleLbl name="alignAccFollowNode1">
+    <dgm:fillClrLst meth="repeat">
+      <a:schemeClr val="accent2">
+        <a:tint val="40000"/>
+        <a:alpha val="90000"/>
+      </a:schemeClr>
+      <a:schemeClr val="accent3">
+        <a:tint val="40000"/>
+        <a:alpha val="90000"/>
+      </a:schemeClr>
+      <a:schemeClr val="accent4">
+        <a:tint val="40000"/>
+        <a:alpha val="90000"/>
+      </a:schemeClr>
+      <a:schemeClr val="accent5">
+        <a:tint val="40000"/>
+        <a:alpha val="90000"/>
+      </a:schemeClr>
+      <a:schemeClr val="accent6">
+        <a:tint val="40000"/>
+        <a:alpha val="90000"/>
+      </a:schemeClr>
+    </dgm:fillClrLst>
+    <dgm:linClrLst meth="repeat">
+      <a:schemeClr val="accent2">
+        <a:tint val="40000"/>
+        <a:alpha val="90000"/>
+      </a:schemeClr>
+      <a:schemeClr val="accent3">
+        <a:tint val="40000"/>
+        <a:alpha val="90000"/>
+      </a:schemeClr>
+      <a:schemeClr val="accent4">
+        <a:tint val="40000"/>
+        <a:alpha val="90000"/>
+      </a:schemeClr>
+      <a:schemeClr val="accent5">
+        <a:tint val="40000"/>
+        <a:alpha val="90000"/>
+      </a:schemeClr>
+      <a:schemeClr val="accent6">
+        <a:tint val="40000"/>
+        <a:alpha val="90000"/>
+      </a:schemeClr>
+    </dgm:linClrLst>
+    <dgm:effectClrLst/>
+    <dgm:txLinClrLst/>
+    <dgm:txFillClrLst meth="repeat">
+      <a:schemeClr val="dk1"/>
+    </dgm:txFillClrLst>
+    <dgm:txEffectClrLst/>
+  </dgm:styleLbl>
+  <dgm:styleLbl name="bgAccFollowNode1">
+    <dgm:fillClrLst meth="repeat">
+      <a:schemeClr val="accent2">
+        <a:tint val="40000"/>
+        <a:alpha val="90000"/>
+      </a:schemeClr>
+      <a:schemeClr val="accent3">
+        <a:tint val="40000"/>
+        <a:alpha val="90000"/>
+      </a:schemeClr>
+      <a:schemeClr val="accent4">
+        <a:tint val="40000"/>
+        <a:alpha val="90000"/>
+      </a:schemeClr>
+      <a:schemeClr val="accent5">
+        <a:tint val="40000"/>
+        <a:alpha val="90000"/>
+      </a:schemeClr>
+      <a:schemeClr val="accent6">
+        <a:tint val="40000"/>
+        <a:alpha val="90000"/>
+      </a:schemeClr>
+    </dgm:fillClrLst>
+    <dgm:linClrLst meth="repeat">
+      <a:schemeClr val="accent2">
+        <a:tint val="40000"/>
+        <a:alpha val="90000"/>
+      </a:schemeClr>
+      <a:schemeClr val="accent3">
+        <a:tint val="40000"/>
+        <a:alpha val="90000"/>
+      </a:schemeClr>
+      <a:schemeClr val="accent4">
+        <a:tint val="40000"/>
+        <a:alpha val="90000"/>
+      </a:schemeClr>
+      <a:schemeClr val="accent5">
+        <a:tint val="40000"/>
+        <a:alpha val="90000"/>
+      </a:schemeClr>
+      <a:schemeClr val="accent6">
+        <a:tint val="40000"/>
+        <a:alpha val="90000"/>
+      </a:schemeClr>
+    </dgm:linClrLst>
+    <dgm:effectClrLst/>
+    <dgm:txLinClrLst/>
+    <dgm:txFillClrLst meth="repeat">
+      <a:schemeClr val="dk1"/>
+    </dgm:txFillClrLst>
+    <dgm:txEffectClrLst/>
+  </dgm:styleLbl>
+  <dgm:styleLbl name="fgAcc0">
+    <dgm:fillClrLst meth="repeat">
+      <a:schemeClr val="lt1">
+        <a:alpha val="90000"/>
+      </a:schemeClr>
+    </dgm:fillClrLst>
+    <dgm:linClrLst>
+      <a:schemeClr val="accent1"/>
+    </dgm:linClrLst>
+    <dgm:effectClrLst/>
+    <dgm:txLinClrLst/>
+    <dgm:txFillClrLst meth="repeat">
+      <a:schemeClr val="dk1"/>
+    </dgm:txFillClrLst>
+    <dgm:txEffectClrLst/>
+  </dgm:styleLbl>
+  <dgm:styleLbl name="fgAcc2">
+    <dgm:fillClrLst meth="repeat">
+      <a:schemeClr val="lt1">
+        <a:alpha val="90000"/>
+      </a:schemeClr>
+    </dgm:fillClrLst>
+    <dgm:linClrLst>
+      <a:schemeClr val="accent2"/>
+    </dgm:linClrLst>
+    <dgm:effectClrLst/>
+    <dgm:txLinClrLst/>
+    <dgm:txFillClrLst meth="repeat">
+      <a:schemeClr val="dk1"/>
+    </dgm:txFillClrLst>
+    <dgm:txEffectClrLst/>
+  </dgm:styleLbl>
+  <dgm:styleLbl name="fgAcc3">
+    <dgm:fillClrLst meth="repeat">
+      <a:schemeClr val="lt1">
+        <a:alpha val="90000"/>
+      </a:schemeClr>
+    </dgm:fillClrLst>
+    <dgm:linClrLst>
+      <a:schemeClr val="accent3"/>
+    </dgm:linClrLst>
+    <dgm:effectClrLst/>
+    <dgm:txLinClrLst/>
+    <dgm:txFillClrLst meth="repeat">
+      <a:schemeClr val="dk1"/>
+    </dgm:txFillClrLst>
+    <dgm:txEffectClrLst/>
+  </dgm:styleLbl>
+  <dgm:styleLbl name="fgAcc4">
+    <dgm:fillClrLst meth="repeat">
+      <a:schemeClr val="lt1">
+        <a:alpha val="90000"/>
+      </a:schemeClr>
+    </dgm:fillClrLst>
+    <dgm:linClrLst>
+      <a:schemeClr val="accent4"/>
+    </dgm:linClrLst>
+    <dgm:effectClrLst/>
+    <dgm:txLinClrLst/>
+    <dgm:txFillClrLst meth="repeat">
+      <a:schemeClr val="dk1"/>
+    </dgm:txFillClrLst>
+    <dgm:txEffectClrLst/>
+  </dgm:styleLbl>
+  <dgm:styleLbl name="bgShp">
+    <dgm:fillClrLst meth="repeat">
+      <a:schemeClr val="accent2">
+        <a:tint val="40000"/>
+      </a:schemeClr>
+    </dgm:fillClrLst>
+    <dgm:linClrLst meth="repeat">
+      <a:schemeClr val="dk1"/>
+    </dgm:linClrLst>
+    <dgm:effectClrLst/>
+    <dgm:txLinClrLst/>
+    <dgm:txFillClrLst meth="repeat">
+      <a:schemeClr val="dk1"/>
+    </dgm:txFillClrLst>
+    <dgm:txEffectClrLst/>
+  </dgm:styleLbl>
+  <dgm:styleLbl name="dkBgShp">
+    <dgm:fillClrLst meth="repeat">
+      <a:schemeClr val="accent2">
+        <a:shade val="90000"/>
+      </a:schemeClr>
+    </dgm:fillClrLst>
+    <dgm:linClrLst meth="repeat">
+      <a:schemeClr val="dk1"/>
+    </dgm:linClrLst>
+    <dgm:effectClrLst/>
+    <dgm:txLinClrLst/>
+    <dgm:txFillClrLst meth="repeat">
+      <a:schemeClr val="lt1"/>
+    </dgm:txFillClrLst>
+    <dgm:txEffectClrLst/>
+  </dgm:styleLbl>
+  <dgm:styleLbl name="trBgShp">
+    <dgm:fillClrLst meth="repeat">
+      <a:schemeClr val="accent1">
+        <a:tint val="50000"/>
+        <a:alpha val="40000"/>
+      </a:schemeClr>
+    </dgm:fillClrLst>
+    <dgm:linClrLst meth="repeat">
+      <a:schemeClr val="accent2"/>
+    </dgm:linClrLst>
+    <dgm:effectClrLst/>
+    <dgm:txLinClrLst/>
+    <dgm:txFillClrLst meth="repeat">
+      <a:schemeClr val="lt1"/>
+    </dgm:txFillClrLst>
+    <dgm:txEffectClrLst/>
+  </dgm:styleLbl>
+  <dgm:styleLbl name="fgShp">
+    <dgm:fillClrLst meth="repeat">
+      <a:schemeClr val="accent2">
+        <a:tint val="40000"/>
       </a:schemeClr>
     </dgm:fillClrLst>
     <dgm:linClrLst meth="repeat">
@@ -4387,10 +5313,13 @@
         <a:lstStyle/>
         <a:p>
           <a:pPr>
+            <a:lnSpc>
+              <a:spcPct val="100000"/>
+            </a:lnSpc>
             <a:defRPr b="1"/>
           </a:pPr>
           <a:r>
-            <a:rPr lang="en-US"/>
+            <a:rPr lang="en-US" dirty="0"/>
             <a:t>Data Manipulation</a:t>
           </a:r>
         </a:p>
@@ -4425,9 +5354,22 @@
         <a:bodyPr/>
         <a:lstStyle/>
         <a:p>
+          <a:pPr>
+            <a:lnSpc>
+              <a:spcPct val="100000"/>
+            </a:lnSpc>
+          </a:pPr>
           <a:r>
-            <a:rPr lang="en-US"/>
-            <a:t>Convert Object Columns (such as dti, loan_amnt ) into float</a:t>
+            <a:rPr lang="en-US" dirty="0"/>
+            <a:t>Strip % from </a:t>
+          </a:r>
+          <a:r>
+            <a:rPr lang="en-US" dirty="0" err="1"/>
+            <a:t>int_rate</a:t>
+          </a:r>
+          <a:r>
+            <a:rPr lang="en-US" dirty="0"/>
+            <a:t> column and convert into float</a:t>
           </a:r>
         </a:p>
       </dgm:t>
@@ -4454,50 +5396,6 @@
         </a:p>
       </dgm:t>
     </dgm:pt>
-    <dgm:pt modelId="{3F8686F0-F213-4422-AC2F-949FF9DFB4FA}">
-      <dgm:prSet/>
-      <dgm:spPr/>
-      <dgm:t>
-        <a:bodyPr/>
-        <a:lstStyle/>
-        <a:p>
-          <a:r>
-            <a:rPr lang="en-US" dirty="0"/>
-            <a:t>Strip % from </a:t>
-          </a:r>
-          <a:r>
-            <a:rPr lang="en-US" dirty="0" err="1"/>
-            <a:t>int_rate</a:t>
-          </a:r>
-          <a:r>
-            <a:rPr lang="en-US" dirty="0"/>
-            <a:t> column and convert into float</a:t>
-          </a:r>
-        </a:p>
-      </dgm:t>
-    </dgm:pt>
-    <dgm:pt modelId="{F1FC4E7E-F7B0-425F-9C87-0FE7F74ED6D6}" type="parTrans" cxnId="{54A84740-5875-474C-91DB-6AB78C6BBA87}">
-      <dgm:prSet/>
-      <dgm:spPr/>
-      <dgm:t>
-        <a:bodyPr/>
-        <a:lstStyle/>
-        <a:p>
-          <a:endParaRPr lang="en-US"/>
-        </a:p>
-      </dgm:t>
-    </dgm:pt>
-    <dgm:pt modelId="{71D9A90D-6A95-4A15-A1A2-32B91CBAB4EC}" type="sibTrans" cxnId="{54A84740-5875-474C-91DB-6AB78C6BBA87}">
-      <dgm:prSet/>
-      <dgm:spPr/>
-      <dgm:t>
-        <a:bodyPr/>
-        <a:lstStyle/>
-        <a:p>
-          <a:endParaRPr lang="en-US"/>
-        </a:p>
-      </dgm:t>
-    </dgm:pt>
     <dgm:pt modelId="{C38DE23F-1F7B-4251-B13B-567621F388EC}">
       <dgm:prSet/>
       <dgm:spPr/>
@@ -4505,10 +5403,51 @@
         <a:bodyPr/>
         <a:lstStyle/>
         <a:p>
+          <a:pPr>
+            <a:lnSpc>
+              <a:spcPct val="100000"/>
+            </a:lnSpc>
+          </a:pPr>
           <a:r>
-            <a:rPr lang="en-US"/>
-            <a:t>For Analysis based on “month” strip month from term column</a:t>
+            <a:rPr lang="en-IN" dirty="0" err="1"/>
+            <a:t>pub_rec_bankruptcies</a:t>
           </a:r>
+          <a:r>
+            <a:rPr lang="en-IN" dirty="0"/>
+            <a:t> </a:t>
+          </a:r>
+          <a:r>
+            <a:rPr lang="en-IN" dirty="0" err="1"/>
+            <a:t>fillna</a:t>
+          </a:r>
+          <a:r>
+            <a:rPr lang="en-IN" dirty="0"/>
+            <a:t> = 0</a:t>
+          </a:r>
+        </a:p>
+        <a:p>
+          <a:pPr>
+            <a:lnSpc>
+              <a:spcPct val="100000"/>
+            </a:lnSpc>
+          </a:pPr>
+          <a:r>
+            <a:rPr lang="en-IN" dirty="0"/>
+            <a:t>Outlier removal </a:t>
+          </a:r>
+          <a:r>
+            <a:rPr lang="en-IN" dirty="0" err="1"/>
+            <a:t>Eg</a:t>
+          </a:r>
+          <a:r>
+            <a:rPr lang="en-IN" dirty="0"/>
+            <a:t> . </a:t>
+          </a:r>
+          <a:r>
+            <a:rPr lang="en-IN" dirty="0" err="1"/>
+            <a:t>Annual_inc</a:t>
+          </a:r>
+          <a:endParaRPr lang="en-US" dirty="0"/>
         </a:p>
       </dgm:t>
     </dgm:pt>
@@ -4534,42 +5473,6 @@
         </a:p>
       </dgm:t>
     </dgm:pt>
-    <dgm:pt modelId="{83AB01D4-1562-4BBD-AA98-10EAA4BA788E}">
-      <dgm:prSet/>
-      <dgm:spPr/>
-      <dgm:t>
-        <a:bodyPr/>
-        <a:lstStyle/>
-        <a:p>
-          <a:r>
-            <a:rPr lang="en-US"/>
-            <a:t>emp_length to be converted into integer and round off eg 10+ to 10, &lt;1 could be 0</a:t>
-          </a:r>
-        </a:p>
-      </dgm:t>
-    </dgm:pt>
-    <dgm:pt modelId="{B47E1C8B-8950-4287-BB6A-C6EC652A4BD9}" type="parTrans" cxnId="{34841445-A6A3-40AF-8133-4D3AFE83DDB1}">
-      <dgm:prSet/>
-      <dgm:spPr/>
-      <dgm:t>
-        <a:bodyPr/>
-        <a:lstStyle/>
-        <a:p>
-          <a:endParaRPr lang="en-US"/>
-        </a:p>
-      </dgm:t>
-    </dgm:pt>
-    <dgm:pt modelId="{A60E8C69-7A19-450D-88E8-60D1D79B5992}" type="sibTrans" cxnId="{34841445-A6A3-40AF-8133-4D3AFE83DDB1}">
-      <dgm:prSet/>
-      <dgm:spPr/>
-      <dgm:t>
-        <a:bodyPr/>
-        <a:lstStyle/>
-        <a:p>
-          <a:endParaRPr lang="en-US"/>
-        </a:p>
-      </dgm:t>
-    </dgm:pt>
     <dgm:pt modelId="{5CF578B5-64CA-45EB-9424-EA918C333A21}">
       <dgm:prSet/>
       <dgm:spPr/>
@@ -4577,9 +5480,14 @@
         <a:bodyPr/>
         <a:lstStyle/>
         <a:p>
+          <a:pPr>
+            <a:lnSpc>
+              <a:spcPct val="100000"/>
+            </a:lnSpc>
+          </a:pPr>
           <a:r>
-            <a:rPr lang="en-US"/>
-            <a:t>loan_status to be converted into boolean value </a:t>
+            <a:rPr lang="en-US" dirty="0"/>
+            <a:t> </a:t>
           </a:r>
         </a:p>
       </dgm:t>
@@ -4614,6 +5522,9 @@
         <a:lstStyle/>
         <a:p>
           <a:pPr>
+            <a:lnSpc>
+              <a:spcPct val="100000"/>
+            </a:lnSpc>
             <a:defRPr b="1"/>
           </a:pPr>
           <a:r>
@@ -4652,9 +5563,14 @@
         <a:bodyPr/>
         <a:lstStyle/>
         <a:p>
+          <a:pPr>
+            <a:lnSpc>
+              <a:spcPct val="100000"/>
+            </a:lnSpc>
+          </a:pPr>
           <a:r>
             <a:rPr lang="en-US" dirty="0"/>
-            <a:t>Extract Month and Year from </a:t>
+            <a:t>Extract Month ,Year &amp; quarter from </a:t>
           </a:r>
           <a:r>
             <a:rPr lang="en-US" dirty="0" err="1"/>
@@ -4679,114 +5595,6 @@
       </dgm:t>
     </dgm:pt>
     <dgm:pt modelId="{92E5BD5A-537E-45D6-A154-CD6FCB91AF2D}" type="sibTrans" cxnId="{0935358F-8B9E-4850-9B0E-7C78AAF86DE1}">
-      <dgm:prSet/>
-      <dgm:spPr/>
-      <dgm:t>
-        <a:bodyPr/>
-        <a:lstStyle/>
-        <a:p>
-          <a:endParaRPr lang="en-US"/>
-        </a:p>
-      </dgm:t>
-    </dgm:pt>
-    <dgm:pt modelId="{E8C08EFC-4145-4CF0-9A2F-D4814631FE1E}">
-      <dgm:prSet/>
-      <dgm:spPr/>
-      <dgm:t>
-        <a:bodyPr/>
-        <a:lstStyle/>
-        <a:p>
-          <a:r>
-            <a:rPr lang="en-US" dirty="0"/>
-            <a:t>Loan Status can be converted into Boolean and stored in another column</a:t>
-          </a:r>
-        </a:p>
-      </dgm:t>
-    </dgm:pt>
-    <dgm:pt modelId="{0B21AC09-18FA-4A30-90AE-7AE7550D5C05}" type="parTrans" cxnId="{CB4708C0-093B-42C4-A0CD-B0B549F0F793}">
-      <dgm:prSet/>
-      <dgm:spPr/>
-      <dgm:t>
-        <a:bodyPr/>
-        <a:lstStyle/>
-        <a:p>
-          <a:endParaRPr lang="en-US"/>
-        </a:p>
-      </dgm:t>
-    </dgm:pt>
-    <dgm:pt modelId="{B8ECC106-3D68-4650-9608-14478FCF50D8}" type="sibTrans" cxnId="{CB4708C0-093B-42C4-A0CD-B0B549F0F793}">
-      <dgm:prSet/>
-      <dgm:spPr/>
-      <dgm:t>
-        <a:bodyPr/>
-        <a:lstStyle/>
-        <a:p>
-          <a:endParaRPr lang="en-US"/>
-        </a:p>
-      </dgm:t>
-    </dgm:pt>
-    <dgm:pt modelId="{FDF2467A-052E-4835-8172-85CC9B61192A}">
-      <dgm:prSet/>
-      <dgm:spPr/>
-      <dgm:t>
-        <a:bodyPr/>
-        <a:lstStyle/>
-        <a:p>
-          <a:r>
-            <a:rPr lang="en-US"/>
-            <a:t>Verification status can be stored into another column where in </a:t>
-          </a:r>
-        </a:p>
-      </dgm:t>
-    </dgm:pt>
-    <dgm:pt modelId="{08711B2E-04FB-4708-AB5E-EFD46A6E8266}" type="parTrans" cxnId="{F503D893-0249-4B56-A965-142720008507}">
-      <dgm:prSet/>
-      <dgm:spPr/>
-      <dgm:t>
-        <a:bodyPr/>
-        <a:lstStyle/>
-        <a:p>
-          <a:endParaRPr lang="en-US"/>
-        </a:p>
-      </dgm:t>
-    </dgm:pt>
-    <dgm:pt modelId="{2CFD2D6F-B9F3-4939-B930-690B7E2F86BE}" type="sibTrans" cxnId="{F503D893-0249-4B56-A965-142720008507}">
-      <dgm:prSet/>
-      <dgm:spPr/>
-      <dgm:t>
-        <a:bodyPr/>
-        <a:lstStyle/>
-        <a:p>
-          <a:endParaRPr lang="en-US"/>
-        </a:p>
-      </dgm:t>
-    </dgm:pt>
-    <dgm:pt modelId="{8A369180-6184-49AE-8C97-16510EDCF446}">
-      <dgm:prSet/>
-      <dgm:spPr/>
-      <dgm:t>
-        <a:bodyPr/>
-        <a:lstStyle/>
-        <a:p>
-          <a:r>
-            <a:rPr lang="en-US"/>
-            <a:t>Verified = 1 , Source Verified = 2 and Not verified =3</a:t>
-          </a:r>
-        </a:p>
-      </dgm:t>
-    </dgm:pt>
-    <dgm:pt modelId="{AA519F22-3442-4689-ACB5-C80646AC8BE9}" type="parTrans" cxnId="{2C5611F6-6079-43B2-A20C-9BF0B863D158}">
-      <dgm:prSet/>
-      <dgm:spPr/>
-      <dgm:t>
-        <a:bodyPr/>
-        <a:lstStyle/>
-        <a:p>
-          <a:endParaRPr lang="en-US"/>
-        </a:p>
-      </dgm:t>
-    </dgm:pt>
-    <dgm:pt modelId="{D225E82A-4743-4307-8B5B-A1D39392BBE9}" type="sibTrans" cxnId="{2C5611F6-6079-43B2-A20C-9BF0B863D158}">
       <dgm:prSet/>
       <dgm:spPr/>
       <dgm:t>
@@ -4856,7 +5664,7 @@
       <dgm:spPr/>
     </dgm:pt>
     <dgm:pt modelId="{233B2114-1700-4828-9B47-C43CA3CDCCDC}" type="pres">
-      <dgm:prSet presAssocID="{A0C0827B-EDA2-4733-BD23-047F716FDA7F}" presName="desTx" presStyleLbl="revTx" presStyleIdx="1" presStyleCnt="4">
+      <dgm:prSet presAssocID="{A0C0827B-EDA2-4733-BD23-047F716FDA7F}" presName="desTx" presStyleLbl="revTx" presStyleIdx="1" presStyleCnt="4" custScaleX="117060">
         <dgm:presLayoutVars/>
       </dgm:prSet>
       <dgm:spPr/>
@@ -4924,27 +5732,17 @@
   <dgm:cxnLst>
     <dgm:cxn modelId="{12510806-8DF1-478B-9BB3-7DFC26C0D7E1}" srcId="{469A70D6-1745-4745-8B36-150E32347094}" destId="{A0C0827B-EDA2-4733-BD23-047F716FDA7F}" srcOrd="0" destOrd="0" parTransId="{B98F2A56-331C-4365-BBCE-8DC7BD50494C}" sibTransId="{689407EC-B4F2-4B6C-8886-057F1ECAEDF6}"/>
     <dgm:cxn modelId="{EE1BE915-5ED9-4573-9221-76470A54CBC0}" srcId="{A0C0827B-EDA2-4733-BD23-047F716FDA7F}" destId="{926A2B65-EC3C-4D6E-B167-5633F92A4D42}" srcOrd="0" destOrd="0" parTransId="{B13C9041-83BF-43E2-8C32-BC9CCE4D75A2}" sibTransId="{6F8ED3E5-3167-4C9A-9480-0F680DF9E496}"/>
-    <dgm:cxn modelId="{43878319-4D49-4066-B9B7-258073A7CEDE}" type="presOf" srcId="{C38DE23F-1F7B-4251-B13B-567621F388EC}" destId="{233B2114-1700-4828-9B47-C43CA3CDCCDC}" srcOrd="0" destOrd="2" presId="urn:microsoft.com/office/officeart/2018/2/layout/IconLabelDescriptionList"/>
-    <dgm:cxn modelId="{62245726-1CB2-4135-90AE-36B338D541E9}" type="presOf" srcId="{E8C08EFC-4145-4CF0-9A2F-D4814631FE1E}" destId="{5E243660-41C9-424F-AEF4-10D57A7C0098}" srcOrd="0" destOrd="1" presId="urn:microsoft.com/office/officeart/2018/2/layout/IconLabelDescriptionList"/>
-    <dgm:cxn modelId="{54A84740-5875-474C-91DB-6AB78C6BBA87}" srcId="{A0C0827B-EDA2-4733-BD23-047F716FDA7F}" destId="{3F8686F0-F213-4422-AC2F-949FF9DFB4FA}" srcOrd="1" destOrd="0" parTransId="{F1FC4E7E-F7B0-425F-9C87-0FE7F74ED6D6}" sibTransId="{71D9A90D-6A95-4A15-A1A2-32B91CBAB4EC}"/>
+    <dgm:cxn modelId="{43878319-4D49-4066-B9B7-258073A7CEDE}" type="presOf" srcId="{C38DE23F-1F7B-4251-B13B-567621F388EC}" destId="{233B2114-1700-4828-9B47-C43CA3CDCCDC}" srcOrd="0" destOrd="1" presId="urn:microsoft.com/office/officeart/2018/2/layout/IconLabelDescriptionList"/>
     <dgm:cxn modelId="{5E1AFA43-84CB-4632-9D66-02EB90CA8100}" type="presOf" srcId="{A0C0827B-EDA2-4733-BD23-047F716FDA7F}" destId="{4C8D97DF-4682-48B0-A82D-5210F9C853A3}" srcOrd="0" destOrd="0" presId="urn:microsoft.com/office/officeart/2018/2/layout/IconLabelDescriptionList"/>
-    <dgm:cxn modelId="{34841445-A6A3-40AF-8133-4D3AFE83DDB1}" srcId="{A0C0827B-EDA2-4733-BD23-047F716FDA7F}" destId="{83AB01D4-1562-4BBD-AA98-10EAA4BA788E}" srcOrd="3" destOrd="0" parTransId="{B47E1C8B-8950-4287-BB6A-C6EC652A4BD9}" sibTransId="{A60E8C69-7A19-450D-88E8-60D1D79B5992}"/>
     <dgm:cxn modelId="{C742A849-D073-42C1-9C21-CC80235A0AF6}" type="presOf" srcId="{926A2B65-EC3C-4D6E-B167-5633F92A4D42}" destId="{233B2114-1700-4828-9B47-C43CA3CDCCDC}" srcOrd="0" destOrd="0" presId="urn:microsoft.com/office/officeart/2018/2/layout/IconLabelDescriptionList"/>
-    <dgm:cxn modelId="{158D7155-D598-412C-A3DA-158DC223EDD6}" type="presOf" srcId="{83AB01D4-1562-4BBD-AA98-10EAA4BA788E}" destId="{233B2114-1700-4828-9B47-C43CA3CDCCDC}" srcOrd="0" destOrd="3" presId="urn:microsoft.com/office/officeart/2018/2/layout/IconLabelDescriptionList"/>
-    <dgm:cxn modelId="{CA04AC76-E6FA-4741-9FD2-610426574996}" type="presOf" srcId="{3F8686F0-F213-4422-AC2F-949FF9DFB4FA}" destId="{233B2114-1700-4828-9B47-C43CA3CDCCDC}" srcOrd="0" destOrd="1" presId="urn:microsoft.com/office/officeart/2018/2/layout/IconLabelDescriptionList"/>
-    <dgm:cxn modelId="{888F6D58-B334-478C-BA24-030E42DC9E96}" type="presOf" srcId="{5CF578B5-64CA-45EB-9424-EA918C333A21}" destId="{233B2114-1700-4828-9B47-C43CA3CDCCDC}" srcOrd="0" destOrd="4" presId="urn:microsoft.com/office/officeart/2018/2/layout/IconLabelDescriptionList"/>
-    <dgm:cxn modelId="{C20A0D84-D1E9-4755-A54B-00BEFB90CA3A}" type="presOf" srcId="{8A369180-6184-49AE-8C97-16510EDCF446}" destId="{5E243660-41C9-424F-AEF4-10D57A7C0098}" srcOrd="0" destOrd="3" presId="urn:microsoft.com/office/officeart/2018/2/layout/IconLabelDescriptionList"/>
+    <dgm:cxn modelId="{888F6D58-B334-478C-BA24-030E42DC9E96}" type="presOf" srcId="{5CF578B5-64CA-45EB-9424-EA918C333A21}" destId="{233B2114-1700-4828-9B47-C43CA3CDCCDC}" srcOrd="0" destOrd="2" presId="urn:microsoft.com/office/officeart/2018/2/layout/IconLabelDescriptionList"/>
     <dgm:cxn modelId="{0C9A0889-3419-440A-8CD1-46D79398C87C}" type="presOf" srcId="{469A70D6-1745-4745-8B36-150E32347094}" destId="{583D274F-9041-4D21-85B8-5518F6B91480}" srcOrd="0" destOrd="0" presId="urn:microsoft.com/office/officeart/2018/2/layout/IconLabelDescriptionList"/>
     <dgm:cxn modelId="{1520868E-5753-4A0A-A08D-83495C303A3C}" type="presOf" srcId="{FC522559-4BA9-453C-B2C1-7095E3962A60}" destId="{5E243660-41C9-424F-AEF4-10D57A7C0098}" srcOrd="0" destOrd="0" presId="urn:microsoft.com/office/officeart/2018/2/layout/IconLabelDescriptionList"/>
     <dgm:cxn modelId="{0935358F-8B9E-4850-9B0E-7C78AAF86DE1}" srcId="{0D1CFCA3-F86A-4779-AF1D-0E1EF4B948E0}" destId="{FC522559-4BA9-453C-B2C1-7095E3962A60}" srcOrd="0" destOrd="0" parTransId="{AE25C605-8954-4337-94C8-F14B8C6CE7FA}" sibTransId="{92E5BD5A-537E-45D6-A154-CD6FCB91AF2D}"/>
-    <dgm:cxn modelId="{F503D893-0249-4B56-A965-142720008507}" srcId="{0D1CFCA3-F86A-4779-AF1D-0E1EF4B948E0}" destId="{FDF2467A-052E-4835-8172-85CC9B61192A}" srcOrd="2" destOrd="0" parTransId="{08711B2E-04FB-4708-AB5E-EFD46A6E8266}" sibTransId="{2CFD2D6F-B9F3-4939-B930-690B7E2F86BE}"/>
     <dgm:cxn modelId="{7DCA209D-35E1-4634-972E-ABE4BC108185}" srcId="{469A70D6-1745-4745-8B36-150E32347094}" destId="{0D1CFCA3-F86A-4779-AF1D-0E1EF4B948E0}" srcOrd="1" destOrd="0" parTransId="{E136E889-429D-4F43-A46C-A112331BEB51}" sibTransId="{56E22F1A-35DE-4087-9A0B-875D4DC9281C}"/>
-    <dgm:cxn modelId="{A29B34BA-BE78-4D13-A520-44D223DCC2AE}" type="presOf" srcId="{FDF2467A-052E-4835-8172-85CC9B61192A}" destId="{5E243660-41C9-424F-AEF4-10D57A7C0098}" srcOrd="0" destOrd="2" presId="urn:microsoft.com/office/officeart/2018/2/layout/IconLabelDescriptionList"/>
-    <dgm:cxn modelId="{CB4708C0-093B-42C4-A0CD-B0B549F0F793}" srcId="{0D1CFCA3-F86A-4779-AF1D-0E1EF4B948E0}" destId="{E8C08EFC-4145-4CF0-9A2F-D4814631FE1E}" srcOrd="1" destOrd="0" parTransId="{0B21AC09-18FA-4A30-90AE-7AE7550D5C05}" sibTransId="{B8ECC106-3D68-4650-9608-14478FCF50D8}"/>
-    <dgm:cxn modelId="{2CD00DE3-C61F-4F46-9AF1-F2612082594C}" srcId="{A0C0827B-EDA2-4733-BD23-047F716FDA7F}" destId="{C38DE23F-1F7B-4251-B13B-567621F388EC}" srcOrd="2" destOrd="0" parTransId="{88743474-0478-4710-A054-1155CFB3AEA5}" sibTransId="{E0FFECA9-EA92-4555-8735-DB764EFD0D5E}"/>
-    <dgm:cxn modelId="{3CF535E4-EC1A-4116-B4B0-53266384A887}" srcId="{A0C0827B-EDA2-4733-BD23-047F716FDA7F}" destId="{5CF578B5-64CA-45EB-9424-EA918C333A21}" srcOrd="4" destOrd="0" parTransId="{08A49355-5628-4EEA-98F6-BD05574A32B4}" sibTransId="{634963F6-EF0B-4D2E-B5F0-72F9321CEC17}"/>
+    <dgm:cxn modelId="{2CD00DE3-C61F-4F46-9AF1-F2612082594C}" srcId="{A0C0827B-EDA2-4733-BD23-047F716FDA7F}" destId="{C38DE23F-1F7B-4251-B13B-567621F388EC}" srcOrd="1" destOrd="0" parTransId="{88743474-0478-4710-A054-1155CFB3AEA5}" sibTransId="{E0FFECA9-EA92-4555-8735-DB764EFD0D5E}"/>
+    <dgm:cxn modelId="{3CF535E4-EC1A-4116-B4B0-53266384A887}" srcId="{A0C0827B-EDA2-4733-BD23-047F716FDA7F}" destId="{5CF578B5-64CA-45EB-9424-EA918C333A21}" srcOrd="2" destOrd="0" parTransId="{08A49355-5628-4EEA-98F6-BD05574A32B4}" sibTransId="{634963F6-EF0B-4D2E-B5F0-72F9321CEC17}"/>
     <dgm:cxn modelId="{657A51E9-700D-48D2-BB4F-266D38E63164}" type="presOf" srcId="{0D1CFCA3-F86A-4779-AF1D-0E1EF4B948E0}" destId="{38F29CB2-5E52-40AC-8E5A-3E1544BA5772}" srcOrd="0" destOrd="0" presId="urn:microsoft.com/office/officeart/2018/2/layout/IconLabelDescriptionList"/>
-    <dgm:cxn modelId="{2C5611F6-6079-43B2-A20C-9BF0B863D158}" srcId="{0D1CFCA3-F86A-4779-AF1D-0E1EF4B948E0}" destId="{8A369180-6184-49AE-8C97-16510EDCF446}" srcOrd="3" destOrd="0" parTransId="{AA519F22-3442-4689-ACB5-C80646AC8BE9}" sibTransId="{D225E82A-4743-4307-8B5B-A1D39392BBE9}"/>
     <dgm:cxn modelId="{1379A229-8FB4-4159-BE0D-D2D5D5606A0A}" type="presParOf" srcId="{583D274F-9041-4D21-85B8-5518F6B91480}" destId="{929134D0-2D8D-4C92-AB93-F685C6AAEF42}" srcOrd="0" destOrd="0" presId="urn:microsoft.com/office/officeart/2018/2/layout/IconLabelDescriptionList"/>
     <dgm:cxn modelId="{C9E0BA55-5122-4418-A634-A4E9902C353F}" type="presParOf" srcId="{929134D0-2D8D-4C92-AB93-F685C6AAEF42}" destId="{9B37B479-0FF3-4618-AE98-EC0230BC94EF}" srcOrd="0" destOrd="0" presId="urn:microsoft.com/office/officeart/2018/2/layout/IconLabelDescriptionList"/>
     <dgm:cxn modelId="{8F5FCE06-8E1A-402E-92F2-7E32419C8660}" type="presParOf" srcId="{929134D0-2D8D-4C92-AB93-F685C6AAEF42}" destId="{1EE9B728-2ED6-4547-9075-3169959DF68A}" srcOrd="1" destOrd="0" presId="urn:microsoft.com/office/officeart/2018/2/layout/IconLabelDescriptionList"/>
@@ -4973,7 +5771,7 @@
 <dgm:dataModel xmlns:dgm="http://schemas.openxmlformats.org/drawingml/2006/diagram" xmlns:a="http://schemas.openxmlformats.org/drawingml/2006/main">
   <dgm:ptLst>
     <dgm:pt modelId="{1D4B55F6-EF60-4DFD-9C5C-A7C5B4BE2306}" type="doc">
-      <dgm:prSet loTypeId="urn:microsoft.com/office/officeart/2005/8/layout/vList2" loCatId="list" qsTypeId="urn:microsoft.com/office/officeart/2005/8/quickstyle/simple1" qsCatId="simple" csTypeId="urn:microsoft.com/office/officeart/2005/8/colors/accent1_2" csCatId="accent1"/>
+      <dgm:prSet loTypeId="urn:microsoft.com/office/officeart/2005/8/layout/vList2" loCatId="list" qsTypeId="urn:microsoft.com/office/officeart/2005/8/quickstyle/simple1" qsCatId="simple" csTypeId="urn:microsoft.com/office/officeart/2005/8/colors/accent1_2" csCatId="accent1" phldr="1"/>
       <dgm:spPr/>
       <dgm:t>
         <a:bodyPr/>
@@ -4991,10 +5789,18 @@
         <a:lstStyle/>
         <a:p>
           <a:r>
-            <a:rPr lang="en-IN" b="0" i="0"/>
-            <a:t>Employment Length(emp_length) – Higher the tenure more the financial stability and greater chances of loan payment</a:t>
+            <a:rPr lang="en-IN" b="0" i="0" dirty="0"/>
+            <a:t>Employment Length(</a:t>
           </a:r>
-          <a:endParaRPr lang="en-US"/>
+          <a:r>
+            <a:rPr lang="en-IN" b="0" i="0" dirty="0" err="1"/>
+            <a:t>emp_length</a:t>
+          </a:r>
+          <a:r>
+            <a:rPr lang="en-IN" b="0" i="0" dirty="0"/>
+            <a:t>) – Higher the tenure more the financial stability and greater chances of loan payment – But As per given data this is quite opposite</a:t>
+          </a:r>
+          <a:endParaRPr lang="en-US" dirty="0"/>
         </a:p>
       </dgm:t>
     </dgm:pt>
@@ -5065,10 +5871,18 @@
         <a:lstStyle/>
         <a:p>
           <a:r>
-            <a:rPr lang="en-US" b="0" i="0"/>
-            <a:t>State (addr_state) - There could be higher delinquency or defaulters demographical</a:t>
+            <a:rPr lang="en-US" b="0" i="0" dirty="0"/>
+            <a:t>State (</a:t>
           </a:r>
-          <a:endParaRPr lang="en-US"/>
+          <a:r>
+            <a:rPr lang="en-US" b="0" i="0" dirty="0" err="1"/>
+            <a:t>addr_state</a:t>
+          </a:r>
+          <a:r>
+            <a:rPr lang="en-US" b="0" i="0" dirty="0"/>
+            <a:t>) - There could be higher delinquency or defaulters demographical</a:t>
+          </a:r>
+          <a:endParaRPr lang="en-US" dirty="0"/>
         </a:p>
       </dgm:t>
     </dgm:pt>
@@ -5139,10 +5953,18 @@
         <a:lstStyle/>
         <a:p>
           <a:r>
-            <a:rPr lang="en-US" b="0" i="0"/>
-            <a:t>Home Ownership (home_ownership) - Owning a home adds a collateral which increases the chances of loan payment</a:t>
+            <a:rPr lang="en-US" b="0" i="0" dirty="0"/>
+            <a:t>Home Ownership (</a:t>
           </a:r>
-          <a:endParaRPr lang="en-US"/>
+          <a:r>
+            <a:rPr lang="en-US" b="0" i="0" dirty="0" err="1"/>
+            <a:t>home_ownership</a:t>
+          </a:r>
+          <a:r>
+            <a:rPr lang="en-US" b="0" i="0" dirty="0"/>
+            <a:t>) - Owning a home adds a collateral which increases the chances of loan payment , As per Data even Mortgage category was defaulting less</a:t>
+          </a:r>
+          <a:endParaRPr lang="en-US" dirty="0"/>
         </a:p>
       </dgm:t>
     </dgm:pt>
@@ -5260,6 +6082,522 @@
     <dgm:cxn modelId="{D4414D5B-3BC5-4962-8442-1C8BF5DED392}" type="presParOf" srcId="{6A314595-C012-49D1-A043-11DCD6604EDF}" destId="{A33C34DB-5F14-451D-A0DD-28891974375D}" srcOrd="6" destOrd="0" presId="urn:microsoft.com/office/officeart/2005/8/layout/vList2"/>
     <dgm:cxn modelId="{C9F57C20-59D6-4EA5-8AFA-8C5BBF6ABC4A}" type="presParOf" srcId="{6A314595-C012-49D1-A043-11DCD6604EDF}" destId="{31D69655-CB73-4D79-91D7-0F9D784E3CE2}" srcOrd="7" destOrd="0" presId="urn:microsoft.com/office/officeart/2005/8/layout/vList2"/>
     <dgm:cxn modelId="{DAE03A08-998A-4885-A55B-F2422A6C5088}" type="presParOf" srcId="{6A314595-C012-49D1-A043-11DCD6604EDF}" destId="{EBBD6B53-A248-4CBE-A998-D72C55BD31A2}" srcOrd="8" destOrd="0" presId="urn:microsoft.com/office/officeart/2005/8/layout/vList2"/>
+  </dgm:cxnLst>
+  <dgm:bg/>
+  <dgm:whole/>
+  <dgm:extLst>
+    <a:ext uri="http://schemas.microsoft.com/office/drawing/2008/diagram">
+      <dsp:dataModelExt xmlns:dsp="http://schemas.microsoft.com/office/drawing/2008/diagram" relId="rId6" minVer="http://schemas.openxmlformats.org/drawingml/2006/diagram"/>
+    </a:ext>
+  </dgm:extLst>
+</dgm:dataModel>
+</file>
+
+<file path=ppt/diagrams/data5.xml><?xml version="1.0" encoding="utf-8"?>
+<dgm:dataModel xmlns:dgm="http://schemas.openxmlformats.org/drawingml/2006/diagram" xmlns:a="http://schemas.openxmlformats.org/drawingml/2006/main">
+  <dgm:ptLst>
+    <dgm:pt modelId="{5CCFC136-6329-423C-B8EA-2225E7E8A180}" type="doc">
+      <dgm:prSet loTypeId="urn:microsoft.com/office/officeart/2008/layout/LinedList" loCatId="list" qsTypeId="urn:microsoft.com/office/officeart/2005/8/quickstyle/simple1" qsCatId="simple" csTypeId="urn:microsoft.com/office/officeart/2005/8/colors/colorful1" csCatId="colorful" phldr="1"/>
+      <dgm:spPr/>
+      <dgm:t>
+        <a:bodyPr/>
+        <a:lstStyle/>
+        <a:p>
+          <a:endParaRPr lang="en-US"/>
+        </a:p>
+      </dgm:t>
+    </dgm:pt>
+    <dgm:pt modelId="{5EA52D03-BCCA-4667-84FA-AECF3278BFC7}">
+      <dgm:prSet/>
+      <dgm:spPr/>
+      <dgm:t>
+        <a:bodyPr/>
+        <a:lstStyle/>
+        <a:p>
+          <a:r>
+            <a:rPr lang="en-US" dirty="0"/>
+            <a:t>The default is highest for Other category and lowest for Mortgage category</a:t>
+          </a:r>
+        </a:p>
+      </dgm:t>
+    </dgm:pt>
+    <dgm:pt modelId="{E9136572-48FA-436C-8BC6-8BD198F9F85C}" type="parTrans" cxnId="{679A1E23-72F7-4805-BBCC-C3131607807D}">
+      <dgm:prSet/>
+      <dgm:spPr/>
+      <dgm:t>
+        <a:bodyPr/>
+        <a:lstStyle/>
+        <a:p>
+          <a:endParaRPr lang="en-US"/>
+        </a:p>
+      </dgm:t>
+    </dgm:pt>
+    <dgm:pt modelId="{2D6995ED-B004-4ED8-8D08-3A337DBE4C31}" type="sibTrans" cxnId="{679A1E23-72F7-4805-BBCC-C3131607807D}">
+      <dgm:prSet/>
+      <dgm:spPr/>
+      <dgm:t>
+        <a:bodyPr/>
+        <a:lstStyle/>
+        <a:p>
+          <a:endParaRPr lang="en-US"/>
+        </a:p>
+      </dgm:t>
+    </dgm:pt>
+    <dgm:pt modelId="{E0BB9DC9-67DD-431A-90B8-6B28091B4E47}">
+      <dgm:prSet/>
+      <dgm:spPr/>
+      <dgm:t>
+        <a:bodyPr/>
+        <a:lstStyle/>
+        <a:p>
+          <a:r>
+            <a:rPr lang="en-US"/>
+            <a:t>Mortgage, Own, Rent are the best in repaying the loan and in that order</a:t>
+          </a:r>
+        </a:p>
+      </dgm:t>
+    </dgm:pt>
+    <dgm:pt modelId="{E8B3D052-02FB-4DF8-8FA6-ECACF091172D}" type="parTrans" cxnId="{373F06F2-167F-47E3-A047-BBC63701984E}">
+      <dgm:prSet/>
+      <dgm:spPr/>
+      <dgm:t>
+        <a:bodyPr/>
+        <a:lstStyle/>
+        <a:p>
+          <a:endParaRPr lang="en-US"/>
+        </a:p>
+      </dgm:t>
+    </dgm:pt>
+    <dgm:pt modelId="{C8A8E51F-93BA-4378-AF66-8C36F69705B6}" type="sibTrans" cxnId="{373F06F2-167F-47E3-A047-BBC63701984E}">
+      <dgm:prSet/>
+      <dgm:spPr/>
+      <dgm:t>
+        <a:bodyPr/>
+        <a:lstStyle/>
+        <a:p>
+          <a:endParaRPr lang="en-US"/>
+        </a:p>
+      </dgm:t>
+    </dgm:pt>
+    <dgm:pt modelId="{A026F2F7-5138-41B7-8CBB-35F57B66C5B6}">
+      <dgm:prSet/>
+      <dgm:spPr/>
+      <dgm:t>
+        <a:bodyPr/>
+        <a:lstStyle/>
+        <a:p>
+          <a:r>
+            <a:rPr lang="en-US" dirty="0"/>
+            <a:t>10+ years employees are defaulting about a percent more than the rest of the categories. </a:t>
+          </a:r>
+        </a:p>
+        <a:p>
+          <a:r>
+            <a:rPr lang="en-US" dirty="0"/>
+            <a:t>7 year employees also shows the similar trend </a:t>
+          </a:r>
+        </a:p>
+      </dgm:t>
+    </dgm:pt>
+    <dgm:pt modelId="{04405846-B4B5-4BEC-BD22-A72655A1F87A}" type="parTrans" cxnId="{CB8457DD-2CAB-4E0A-A29E-B7946B885D48}">
+      <dgm:prSet/>
+      <dgm:spPr/>
+      <dgm:t>
+        <a:bodyPr/>
+        <a:lstStyle/>
+        <a:p>
+          <a:endParaRPr lang="en-US"/>
+        </a:p>
+      </dgm:t>
+    </dgm:pt>
+    <dgm:pt modelId="{5EC3497F-B61A-4267-B224-1FF5637F5AB4}" type="sibTrans" cxnId="{CB8457DD-2CAB-4E0A-A29E-B7946B885D48}">
+      <dgm:prSet/>
+      <dgm:spPr/>
+      <dgm:t>
+        <a:bodyPr/>
+        <a:lstStyle/>
+        <a:p>
+          <a:endParaRPr lang="en-US"/>
+        </a:p>
+      </dgm:t>
+    </dgm:pt>
+    <dgm:pt modelId="{1153D10E-0EA6-4977-AD6E-365BA874E0FD}">
+      <dgm:prSet/>
+      <dgm:spPr/>
+      <dgm:t>
+        <a:bodyPr/>
+        <a:lstStyle/>
+        <a:p>
+          <a:r>
+            <a:rPr lang="en-US" dirty="0"/>
+            <a:t>Verified category, source verified category is defaulting more when compared to not verified</a:t>
+          </a:r>
+        </a:p>
+      </dgm:t>
+    </dgm:pt>
+    <dgm:pt modelId="{BBCEADCA-E069-4AB2-9F21-990BFE640797}" type="parTrans" cxnId="{B2EC4285-0130-4ED0-A535-6B31364D7B14}">
+      <dgm:prSet/>
+      <dgm:spPr/>
+      <dgm:t>
+        <a:bodyPr/>
+        <a:lstStyle/>
+        <a:p>
+          <a:endParaRPr lang="en-US"/>
+        </a:p>
+      </dgm:t>
+    </dgm:pt>
+    <dgm:pt modelId="{570CCA5D-E3DB-4B29-9B8A-052B7AFC441E}" type="sibTrans" cxnId="{B2EC4285-0130-4ED0-A535-6B31364D7B14}">
+      <dgm:prSet/>
+      <dgm:spPr/>
+      <dgm:t>
+        <a:bodyPr/>
+        <a:lstStyle/>
+        <a:p>
+          <a:endParaRPr lang="en-US"/>
+        </a:p>
+      </dgm:t>
+    </dgm:pt>
+    <dgm:pt modelId="{22179F32-A875-4F84-AF34-1AC53A20555C}">
+      <dgm:prSet/>
+      <dgm:spPr/>
+      <dgm:t>
+        <a:bodyPr/>
+        <a:lstStyle/>
+        <a:p>
+          <a:r>
+            <a:rPr lang="en-US" dirty="0"/>
+            <a:t>Small business defaulters are way higher than the rest</a:t>
+          </a:r>
+        </a:p>
+      </dgm:t>
+    </dgm:pt>
+    <dgm:pt modelId="{B1C34996-8DF7-43F3-9DC2-1FA2593E27C3}" type="parTrans" cxnId="{7913B4E0-0AB9-49B3-8227-0040B1A2D479}">
+      <dgm:prSet/>
+      <dgm:spPr/>
+      <dgm:t>
+        <a:bodyPr/>
+        <a:lstStyle/>
+        <a:p>
+          <a:endParaRPr lang="en-US"/>
+        </a:p>
+      </dgm:t>
+    </dgm:pt>
+    <dgm:pt modelId="{367AD8EC-224B-4AF3-AA56-2535F44F1683}" type="sibTrans" cxnId="{7913B4E0-0AB9-49B3-8227-0040B1A2D479}">
+      <dgm:prSet/>
+      <dgm:spPr/>
+      <dgm:t>
+        <a:bodyPr/>
+        <a:lstStyle/>
+        <a:p>
+          <a:endParaRPr lang="en-US"/>
+        </a:p>
+      </dgm:t>
+    </dgm:pt>
+    <dgm:pt modelId="{92806BDF-D08F-41F2-9A17-3C6A4DD9D1CE}">
+      <dgm:prSet/>
+      <dgm:spPr/>
+      <dgm:t>
+        <a:bodyPr/>
+        <a:lstStyle/>
+        <a:p>
+          <a:r>
+            <a:rPr lang="en-US" dirty="0"/>
+            <a:t>DTI is able to find the defaulters in the right order. Higher the </a:t>
+          </a:r>
+          <a:r>
+            <a:rPr lang="en-US" dirty="0" err="1"/>
+            <a:t>dti</a:t>
+          </a:r>
+          <a:r>
+            <a:rPr lang="en-US" dirty="0"/>
+            <a:t>, higher the chance of default</a:t>
+          </a:r>
+        </a:p>
+      </dgm:t>
+    </dgm:pt>
+    <dgm:pt modelId="{91F3748C-5B41-4CE3-B2BB-AF2661CE59DC}" type="parTrans" cxnId="{36A07BCA-A465-406C-90DB-286E037CC5B6}">
+      <dgm:prSet/>
+      <dgm:spPr/>
+      <dgm:t>
+        <a:bodyPr/>
+        <a:lstStyle/>
+        <a:p>
+          <a:endParaRPr lang="en-US"/>
+        </a:p>
+      </dgm:t>
+    </dgm:pt>
+    <dgm:pt modelId="{CE06C55B-F5CD-4B46-83CA-526313411ED6}" type="sibTrans" cxnId="{36A07BCA-A465-406C-90DB-286E037CC5B6}">
+      <dgm:prSet/>
+      <dgm:spPr/>
+      <dgm:t>
+        <a:bodyPr/>
+        <a:lstStyle/>
+        <a:p>
+          <a:endParaRPr lang="en-US"/>
+        </a:p>
+      </dgm:t>
+    </dgm:pt>
+    <dgm:pt modelId="{0300D5A6-11B4-4F7D-9A89-590B7E55A13B}">
+      <dgm:prSet/>
+      <dgm:spPr/>
+      <dgm:t>
+        <a:bodyPr/>
+        <a:lstStyle/>
+        <a:p>
+          <a:r>
+            <a:rPr lang="en-US"/>
+            <a:t>The observation is same when the split/binning was done based on the ranges ['00-05', '05-10', '10-15', '15-20', '20-25', '25-30'] and based on the quantiles [0, 0.2, 0.4, 0.6, 0.8, 1]</a:t>
+          </a:r>
+        </a:p>
+      </dgm:t>
+    </dgm:pt>
+    <dgm:pt modelId="{32EEA10A-1009-4A7C-B0CE-F7446E978ED1}" type="parTrans" cxnId="{8EBECDF4-7CA5-44D5-A534-F0D1004BED8C}">
+      <dgm:prSet/>
+      <dgm:spPr/>
+      <dgm:t>
+        <a:bodyPr/>
+        <a:lstStyle/>
+        <a:p>
+          <a:endParaRPr lang="en-US"/>
+        </a:p>
+      </dgm:t>
+    </dgm:pt>
+    <dgm:pt modelId="{3EAB0005-6FC0-4C75-A46D-E5CB2A9D76CD}" type="sibTrans" cxnId="{8EBECDF4-7CA5-44D5-A534-F0D1004BED8C}">
+      <dgm:prSet/>
+      <dgm:spPr/>
+      <dgm:t>
+        <a:bodyPr/>
+        <a:lstStyle/>
+        <a:p>
+          <a:endParaRPr lang="en-US"/>
+        </a:p>
+      </dgm:t>
+    </dgm:pt>
+    <dgm:pt modelId="{879CA89F-FBEB-4E9F-AFA5-2A4A81CF9EDB}">
+      <dgm:prSet/>
+      <dgm:spPr/>
+      <dgm:t>
+        <a:bodyPr/>
+        <a:lstStyle/>
+        <a:p>
+          <a:r>
+            <a:rPr lang="en-US" dirty="0"/>
+            <a:t>Grade is also a strong indicator. Its shows similar trends as that of subgrades, subgrade F5 is 47% default</a:t>
+          </a:r>
+        </a:p>
+      </dgm:t>
+    </dgm:pt>
+    <dgm:pt modelId="{5740B380-FFB1-449D-9D7D-9134B97E13E4}" type="parTrans" cxnId="{F0FEE464-743B-4351-8A1A-3F3935B56613}">
+      <dgm:prSet/>
+      <dgm:spPr/>
+      <dgm:t>
+        <a:bodyPr/>
+        <a:lstStyle/>
+        <a:p>
+          <a:endParaRPr lang="en-US"/>
+        </a:p>
+      </dgm:t>
+    </dgm:pt>
+    <dgm:pt modelId="{91649186-DC49-4612-876D-E165AFA4156C}" type="sibTrans" cxnId="{F0FEE464-743B-4351-8A1A-3F3935B56613}">
+      <dgm:prSet/>
+      <dgm:spPr/>
+      <dgm:t>
+        <a:bodyPr/>
+        <a:lstStyle/>
+        <a:p>
+          <a:endParaRPr lang="en-US"/>
+        </a:p>
+      </dgm:t>
+    </dgm:pt>
+    <dgm:pt modelId="{DBA7DFC4-0334-4CED-B197-C2FD8A48684C}" type="pres">
+      <dgm:prSet presAssocID="{5CCFC136-6329-423C-B8EA-2225E7E8A180}" presName="vert0" presStyleCnt="0">
+        <dgm:presLayoutVars>
+          <dgm:dir/>
+          <dgm:animOne val="branch"/>
+          <dgm:animLvl val="lvl"/>
+        </dgm:presLayoutVars>
+      </dgm:prSet>
+      <dgm:spPr/>
+    </dgm:pt>
+    <dgm:pt modelId="{BB2D281C-C12D-44A8-9EA9-1E0AFEDE89C5}" type="pres">
+      <dgm:prSet presAssocID="{5EA52D03-BCCA-4667-84FA-AECF3278BFC7}" presName="thickLine" presStyleLbl="alignNode1" presStyleIdx="0" presStyleCnt="8"/>
+      <dgm:spPr/>
+    </dgm:pt>
+    <dgm:pt modelId="{93D282EA-EE85-4865-8BF2-FA6BB2B4F944}" type="pres">
+      <dgm:prSet presAssocID="{5EA52D03-BCCA-4667-84FA-AECF3278BFC7}" presName="horz1" presStyleCnt="0"/>
+      <dgm:spPr/>
+    </dgm:pt>
+    <dgm:pt modelId="{27C41099-99EC-4C8C-84E0-5AAF97C0F956}" type="pres">
+      <dgm:prSet presAssocID="{5EA52D03-BCCA-4667-84FA-AECF3278BFC7}" presName="tx1" presStyleLbl="revTx" presStyleIdx="0" presStyleCnt="8"/>
+      <dgm:spPr/>
+    </dgm:pt>
+    <dgm:pt modelId="{6336D854-FC54-4E71-819B-0C1B1AC15303}" type="pres">
+      <dgm:prSet presAssocID="{5EA52D03-BCCA-4667-84FA-AECF3278BFC7}" presName="vert1" presStyleCnt="0"/>
+      <dgm:spPr/>
+    </dgm:pt>
+    <dgm:pt modelId="{7CDA4D47-0484-4D5F-8181-02BEC9A8F0FD}" type="pres">
+      <dgm:prSet presAssocID="{E0BB9DC9-67DD-431A-90B8-6B28091B4E47}" presName="thickLine" presStyleLbl="alignNode1" presStyleIdx="1" presStyleCnt="8"/>
+      <dgm:spPr/>
+    </dgm:pt>
+    <dgm:pt modelId="{6CC9751D-FD9A-4AC2-89BC-341C03FDE3CF}" type="pres">
+      <dgm:prSet presAssocID="{E0BB9DC9-67DD-431A-90B8-6B28091B4E47}" presName="horz1" presStyleCnt="0"/>
+      <dgm:spPr/>
+    </dgm:pt>
+    <dgm:pt modelId="{78B73354-C4DD-4535-A584-78AFB6BFCE61}" type="pres">
+      <dgm:prSet presAssocID="{E0BB9DC9-67DD-431A-90B8-6B28091B4E47}" presName="tx1" presStyleLbl="revTx" presStyleIdx="1" presStyleCnt="8"/>
+      <dgm:spPr/>
+    </dgm:pt>
+    <dgm:pt modelId="{E03D735F-333E-4D5F-924D-55E65EADF02D}" type="pres">
+      <dgm:prSet presAssocID="{E0BB9DC9-67DD-431A-90B8-6B28091B4E47}" presName="vert1" presStyleCnt="0"/>
+      <dgm:spPr/>
+    </dgm:pt>
+    <dgm:pt modelId="{5EBEA85B-F1A4-44CC-BC46-51E35323FD75}" type="pres">
+      <dgm:prSet presAssocID="{A026F2F7-5138-41B7-8CBB-35F57B66C5B6}" presName="thickLine" presStyleLbl="alignNode1" presStyleIdx="2" presStyleCnt="8"/>
+      <dgm:spPr/>
+    </dgm:pt>
+    <dgm:pt modelId="{447AE221-389D-4931-81A6-EBFB666A5BF7}" type="pres">
+      <dgm:prSet presAssocID="{A026F2F7-5138-41B7-8CBB-35F57B66C5B6}" presName="horz1" presStyleCnt="0"/>
+      <dgm:spPr/>
+    </dgm:pt>
+    <dgm:pt modelId="{304C6A05-C697-4098-BB4F-DDA6AB740844}" type="pres">
+      <dgm:prSet presAssocID="{A026F2F7-5138-41B7-8CBB-35F57B66C5B6}" presName="tx1" presStyleLbl="revTx" presStyleIdx="2" presStyleCnt="8"/>
+      <dgm:spPr/>
+    </dgm:pt>
+    <dgm:pt modelId="{F959E740-C028-4257-A059-3C6900F2FF4B}" type="pres">
+      <dgm:prSet presAssocID="{A026F2F7-5138-41B7-8CBB-35F57B66C5B6}" presName="vert1" presStyleCnt="0"/>
+      <dgm:spPr/>
+    </dgm:pt>
+    <dgm:pt modelId="{28A406BC-6288-4BC8-BEB9-E09FBE5C1110}" type="pres">
+      <dgm:prSet presAssocID="{1153D10E-0EA6-4977-AD6E-365BA874E0FD}" presName="thickLine" presStyleLbl="alignNode1" presStyleIdx="3" presStyleCnt="8"/>
+      <dgm:spPr/>
+    </dgm:pt>
+    <dgm:pt modelId="{8BB83B44-54B2-4135-ABEC-CD9FA103FFFC}" type="pres">
+      <dgm:prSet presAssocID="{1153D10E-0EA6-4977-AD6E-365BA874E0FD}" presName="horz1" presStyleCnt="0"/>
+      <dgm:spPr/>
+    </dgm:pt>
+    <dgm:pt modelId="{93E23857-A8FF-4092-95E5-C38EF9C850F2}" type="pres">
+      <dgm:prSet presAssocID="{1153D10E-0EA6-4977-AD6E-365BA874E0FD}" presName="tx1" presStyleLbl="revTx" presStyleIdx="3" presStyleCnt="8"/>
+      <dgm:spPr/>
+    </dgm:pt>
+    <dgm:pt modelId="{E03FBD9E-F47E-4FC1-B7AE-C1C6651FE446}" type="pres">
+      <dgm:prSet presAssocID="{1153D10E-0EA6-4977-AD6E-365BA874E0FD}" presName="vert1" presStyleCnt="0"/>
+      <dgm:spPr/>
+    </dgm:pt>
+    <dgm:pt modelId="{7C65DF8A-CA75-464C-9527-383479EFFB73}" type="pres">
+      <dgm:prSet presAssocID="{22179F32-A875-4F84-AF34-1AC53A20555C}" presName="thickLine" presStyleLbl="alignNode1" presStyleIdx="4" presStyleCnt="8"/>
+      <dgm:spPr/>
+    </dgm:pt>
+    <dgm:pt modelId="{FDF8D885-EFD9-445F-A852-7C49C91198CA}" type="pres">
+      <dgm:prSet presAssocID="{22179F32-A875-4F84-AF34-1AC53A20555C}" presName="horz1" presStyleCnt="0"/>
+      <dgm:spPr/>
+    </dgm:pt>
+    <dgm:pt modelId="{E1240EF8-9F11-4687-8867-4BD5AE12B8BC}" type="pres">
+      <dgm:prSet presAssocID="{22179F32-A875-4F84-AF34-1AC53A20555C}" presName="tx1" presStyleLbl="revTx" presStyleIdx="4" presStyleCnt="8"/>
+      <dgm:spPr/>
+    </dgm:pt>
+    <dgm:pt modelId="{4CBC85BB-EBA0-4DE9-A3E0-AE6105AC7EAC}" type="pres">
+      <dgm:prSet presAssocID="{22179F32-A875-4F84-AF34-1AC53A20555C}" presName="vert1" presStyleCnt="0"/>
+      <dgm:spPr/>
+    </dgm:pt>
+    <dgm:pt modelId="{C6EB45B4-193E-4EC7-8B5A-AD9BFFD22471}" type="pres">
+      <dgm:prSet presAssocID="{92806BDF-D08F-41F2-9A17-3C6A4DD9D1CE}" presName="thickLine" presStyleLbl="alignNode1" presStyleIdx="5" presStyleCnt="8"/>
+      <dgm:spPr/>
+    </dgm:pt>
+    <dgm:pt modelId="{AA4F3FC8-69BC-4778-ADDF-20BC804E04C7}" type="pres">
+      <dgm:prSet presAssocID="{92806BDF-D08F-41F2-9A17-3C6A4DD9D1CE}" presName="horz1" presStyleCnt="0"/>
+      <dgm:spPr/>
+    </dgm:pt>
+    <dgm:pt modelId="{44F0203E-CE07-4A60-80E5-EA372DE47B9C}" type="pres">
+      <dgm:prSet presAssocID="{92806BDF-D08F-41F2-9A17-3C6A4DD9D1CE}" presName="tx1" presStyleLbl="revTx" presStyleIdx="5" presStyleCnt="8"/>
+      <dgm:spPr/>
+    </dgm:pt>
+    <dgm:pt modelId="{1D52847E-54A6-4349-9EAB-4DB020AF5966}" type="pres">
+      <dgm:prSet presAssocID="{92806BDF-D08F-41F2-9A17-3C6A4DD9D1CE}" presName="vert1" presStyleCnt="0"/>
+      <dgm:spPr/>
+    </dgm:pt>
+    <dgm:pt modelId="{D162781B-D069-4640-8ACF-6BA9A5E4713F}" type="pres">
+      <dgm:prSet presAssocID="{0300D5A6-11B4-4F7D-9A89-590B7E55A13B}" presName="thickLine" presStyleLbl="alignNode1" presStyleIdx="6" presStyleCnt="8"/>
+      <dgm:spPr/>
+    </dgm:pt>
+    <dgm:pt modelId="{444C4335-DD41-4697-94F2-7A8C955CAF4D}" type="pres">
+      <dgm:prSet presAssocID="{0300D5A6-11B4-4F7D-9A89-590B7E55A13B}" presName="horz1" presStyleCnt="0"/>
+      <dgm:spPr/>
+    </dgm:pt>
+    <dgm:pt modelId="{5FF7CD76-3AB2-477E-84C5-D3C38A8E276B}" type="pres">
+      <dgm:prSet presAssocID="{0300D5A6-11B4-4F7D-9A89-590B7E55A13B}" presName="tx1" presStyleLbl="revTx" presStyleIdx="6" presStyleCnt="8"/>
+      <dgm:spPr/>
+    </dgm:pt>
+    <dgm:pt modelId="{42D2364F-783D-47AA-A465-80A9A587D0D4}" type="pres">
+      <dgm:prSet presAssocID="{0300D5A6-11B4-4F7D-9A89-590B7E55A13B}" presName="vert1" presStyleCnt="0"/>
+      <dgm:spPr/>
+    </dgm:pt>
+    <dgm:pt modelId="{6BAA3F78-A1BB-41CD-8D21-CA0871C8BE11}" type="pres">
+      <dgm:prSet presAssocID="{879CA89F-FBEB-4E9F-AFA5-2A4A81CF9EDB}" presName="thickLine" presStyleLbl="alignNode1" presStyleIdx="7" presStyleCnt="8"/>
+      <dgm:spPr/>
+    </dgm:pt>
+    <dgm:pt modelId="{B0F81393-1A96-4828-B48B-0A0A53B676FB}" type="pres">
+      <dgm:prSet presAssocID="{879CA89F-FBEB-4E9F-AFA5-2A4A81CF9EDB}" presName="horz1" presStyleCnt="0"/>
+      <dgm:spPr/>
+    </dgm:pt>
+    <dgm:pt modelId="{323DAB3E-B6FA-4D49-B062-34B44DBFBE4A}" type="pres">
+      <dgm:prSet presAssocID="{879CA89F-FBEB-4E9F-AFA5-2A4A81CF9EDB}" presName="tx1" presStyleLbl="revTx" presStyleIdx="7" presStyleCnt="8"/>
+      <dgm:spPr/>
+    </dgm:pt>
+    <dgm:pt modelId="{B076BE33-2E17-44CD-9DA1-056BED0780EA}" type="pres">
+      <dgm:prSet presAssocID="{879CA89F-FBEB-4E9F-AFA5-2A4A81CF9EDB}" presName="vert1" presStyleCnt="0"/>
+      <dgm:spPr/>
+    </dgm:pt>
+  </dgm:ptLst>
+  <dgm:cxnLst>
+    <dgm:cxn modelId="{3B8E0523-844E-4ECD-A607-A864F2E847FE}" type="presOf" srcId="{0300D5A6-11B4-4F7D-9A89-590B7E55A13B}" destId="{5FF7CD76-3AB2-477E-84C5-D3C38A8E276B}" srcOrd="0" destOrd="0" presId="urn:microsoft.com/office/officeart/2008/layout/LinedList"/>
+    <dgm:cxn modelId="{679A1E23-72F7-4805-BBCC-C3131607807D}" srcId="{5CCFC136-6329-423C-B8EA-2225E7E8A180}" destId="{5EA52D03-BCCA-4667-84FA-AECF3278BFC7}" srcOrd="0" destOrd="0" parTransId="{E9136572-48FA-436C-8BC6-8BD198F9F85C}" sibTransId="{2D6995ED-B004-4ED8-8D08-3A337DBE4C31}"/>
+    <dgm:cxn modelId="{AF7D615D-3F2C-44DF-A4CA-BB8B00F5C377}" type="presOf" srcId="{1153D10E-0EA6-4977-AD6E-365BA874E0FD}" destId="{93E23857-A8FF-4092-95E5-C38EF9C850F2}" srcOrd="0" destOrd="0" presId="urn:microsoft.com/office/officeart/2008/layout/LinedList"/>
+    <dgm:cxn modelId="{F0FEE464-743B-4351-8A1A-3F3935B56613}" srcId="{5CCFC136-6329-423C-B8EA-2225E7E8A180}" destId="{879CA89F-FBEB-4E9F-AFA5-2A4A81CF9EDB}" srcOrd="7" destOrd="0" parTransId="{5740B380-FFB1-449D-9D7D-9134B97E13E4}" sibTransId="{91649186-DC49-4612-876D-E165AFA4156C}"/>
+    <dgm:cxn modelId="{57F80E6D-3150-4880-96A7-F33A1D4B01F3}" type="presOf" srcId="{A026F2F7-5138-41B7-8CBB-35F57B66C5B6}" destId="{304C6A05-C697-4098-BB4F-DDA6AB740844}" srcOrd="0" destOrd="0" presId="urn:microsoft.com/office/officeart/2008/layout/LinedList"/>
+    <dgm:cxn modelId="{6B2D0A82-DE8C-488A-A028-EB9A4B03723A}" type="presOf" srcId="{5EA52D03-BCCA-4667-84FA-AECF3278BFC7}" destId="{27C41099-99EC-4C8C-84E0-5AAF97C0F956}" srcOrd="0" destOrd="0" presId="urn:microsoft.com/office/officeart/2008/layout/LinedList"/>
+    <dgm:cxn modelId="{B9E7CD82-D5A7-4403-AFEE-A1D89EC4121F}" type="presOf" srcId="{879CA89F-FBEB-4E9F-AFA5-2A4A81CF9EDB}" destId="{323DAB3E-B6FA-4D49-B062-34B44DBFBE4A}" srcOrd="0" destOrd="0" presId="urn:microsoft.com/office/officeart/2008/layout/LinedList"/>
+    <dgm:cxn modelId="{9BF6CF84-1EAA-41E8-87B2-15D8239EBA4B}" type="presOf" srcId="{92806BDF-D08F-41F2-9A17-3C6A4DD9D1CE}" destId="{44F0203E-CE07-4A60-80E5-EA372DE47B9C}" srcOrd="0" destOrd="0" presId="urn:microsoft.com/office/officeart/2008/layout/LinedList"/>
+    <dgm:cxn modelId="{B2EC4285-0130-4ED0-A535-6B31364D7B14}" srcId="{5CCFC136-6329-423C-B8EA-2225E7E8A180}" destId="{1153D10E-0EA6-4977-AD6E-365BA874E0FD}" srcOrd="3" destOrd="0" parTransId="{BBCEADCA-E069-4AB2-9F21-990BFE640797}" sibTransId="{570CCA5D-E3DB-4B29-9B8A-052B7AFC441E}"/>
+    <dgm:cxn modelId="{17496298-653B-4906-A987-F389A836627A}" type="presOf" srcId="{E0BB9DC9-67DD-431A-90B8-6B28091B4E47}" destId="{78B73354-C4DD-4535-A584-78AFB6BFCE61}" srcOrd="0" destOrd="0" presId="urn:microsoft.com/office/officeart/2008/layout/LinedList"/>
+    <dgm:cxn modelId="{36A07BCA-A465-406C-90DB-286E037CC5B6}" srcId="{5CCFC136-6329-423C-B8EA-2225E7E8A180}" destId="{92806BDF-D08F-41F2-9A17-3C6A4DD9D1CE}" srcOrd="5" destOrd="0" parTransId="{91F3748C-5B41-4CE3-B2BB-AF2661CE59DC}" sibTransId="{CE06C55B-F5CD-4B46-83CA-526313411ED6}"/>
+    <dgm:cxn modelId="{431009D8-A08E-480D-813E-E9805952D24C}" type="presOf" srcId="{22179F32-A875-4F84-AF34-1AC53A20555C}" destId="{E1240EF8-9F11-4687-8867-4BD5AE12B8BC}" srcOrd="0" destOrd="0" presId="urn:microsoft.com/office/officeart/2008/layout/LinedList"/>
+    <dgm:cxn modelId="{CB8457DD-2CAB-4E0A-A29E-B7946B885D48}" srcId="{5CCFC136-6329-423C-B8EA-2225E7E8A180}" destId="{A026F2F7-5138-41B7-8CBB-35F57B66C5B6}" srcOrd="2" destOrd="0" parTransId="{04405846-B4B5-4BEC-BD22-A72655A1F87A}" sibTransId="{5EC3497F-B61A-4267-B224-1FF5637F5AB4}"/>
+    <dgm:cxn modelId="{7913B4E0-0AB9-49B3-8227-0040B1A2D479}" srcId="{5CCFC136-6329-423C-B8EA-2225E7E8A180}" destId="{22179F32-A875-4F84-AF34-1AC53A20555C}" srcOrd="4" destOrd="0" parTransId="{B1C34996-8DF7-43F3-9DC2-1FA2593E27C3}" sibTransId="{367AD8EC-224B-4AF3-AA56-2535F44F1683}"/>
+    <dgm:cxn modelId="{3FD5F5F0-A80F-4CDE-8478-DE25B6F13717}" type="presOf" srcId="{5CCFC136-6329-423C-B8EA-2225E7E8A180}" destId="{DBA7DFC4-0334-4CED-B197-C2FD8A48684C}" srcOrd="0" destOrd="0" presId="urn:microsoft.com/office/officeart/2008/layout/LinedList"/>
+    <dgm:cxn modelId="{373F06F2-167F-47E3-A047-BBC63701984E}" srcId="{5CCFC136-6329-423C-B8EA-2225E7E8A180}" destId="{E0BB9DC9-67DD-431A-90B8-6B28091B4E47}" srcOrd="1" destOrd="0" parTransId="{E8B3D052-02FB-4DF8-8FA6-ECACF091172D}" sibTransId="{C8A8E51F-93BA-4378-AF66-8C36F69705B6}"/>
+    <dgm:cxn modelId="{8EBECDF4-7CA5-44D5-A534-F0D1004BED8C}" srcId="{5CCFC136-6329-423C-B8EA-2225E7E8A180}" destId="{0300D5A6-11B4-4F7D-9A89-590B7E55A13B}" srcOrd="6" destOrd="0" parTransId="{32EEA10A-1009-4A7C-B0CE-F7446E978ED1}" sibTransId="{3EAB0005-6FC0-4C75-A46D-E5CB2A9D76CD}"/>
+    <dgm:cxn modelId="{0477DF70-1184-4312-B8F4-0509231A19A0}" type="presParOf" srcId="{DBA7DFC4-0334-4CED-B197-C2FD8A48684C}" destId="{BB2D281C-C12D-44A8-9EA9-1E0AFEDE89C5}" srcOrd="0" destOrd="0" presId="urn:microsoft.com/office/officeart/2008/layout/LinedList"/>
+    <dgm:cxn modelId="{2F379F8F-3408-40F5-917E-3015E15A9234}" type="presParOf" srcId="{DBA7DFC4-0334-4CED-B197-C2FD8A48684C}" destId="{93D282EA-EE85-4865-8BF2-FA6BB2B4F944}" srcOrd="1" destOrd="0" presId="urn:microsoft.com/office/officeart/2008/layout/LinedList"/>
+    <dgm:cxn modelId="{CE2A68BA-6FC1-4966-AF0C-70FBFFE3C302}" type="presParOf" srcId="{93D282EA-EE85-4865-8BF2-FA6BB2B4F944}" destId="{27C41099-99EC-4C8C-84E0-5AAF97C0F956}" srcOrd="0" destOrd="0" presId="urn:microsoft.com/office/officeart/2008/layout/LinedList"/>
+    <dgm:cxn modelId="{ACC40447-2CD6-450B-A179-D02521DFB8E8}" type="presParOf" srcId="{93D282EA-EE85-4865-8BF2-FA6BB2B4F944}" destId="{6336D854-FC54-4E71-819B-0C1B1AC15303}" srcOrd="1" destOrd="0" presId="urn:microsoft.com/office/officeart/2008/layout/LinedList"/>
+    <dgm:cxn modelId="{10D2D051-6B1A-4DA6-96CB-E0DCFA5AA6EE}" type="presParOf" srcId="{DBA7DFC4-0334-4CED-B197-C2FD8A48684C}" destId="{7CDA4D47-0484-4D5F-8181-02BEC9A8F0FD}" srcOrd="2" destOrd="0" presId="urn:microsoft.com/office/officeart/2008/layout/LinedList"/>
+    <dgm:cxn modelId="{65043CE0-71DE-4CDC-9610-8D2008D9EAB8}" type="presParOf" srcId="{DBA7DFC4-0334-4CED-B197-C2FD8A48684C}" destId="{6CC9751D-FD9A-4AC2-89BC-341C03FDE3CF}" srcOrd="3" destOrd="0" presId="urn:microsoft.com/office/officeart/2008/layout/LinedList"/>
+    <dgm:cxn modelId="{8DBA3A72-A893-4C59-94FD-B8F67D8CC8B9}" type="presParOf" srcId="{6CC9751D-FD9A-4AC2-89BC-341C03FDE3CF}" destId="{78B73354-C4DD-4535-A584-78AFB6BFCE61}" srcOrd="0" destOrd="0" presId="urn:microsoft.com/office/officeart/2008/layout/LinedList"/>
+    <dgm:cxn modelId="{36CDCD86-30E1-4FEC-A3F9-FB97A84616A2}" type="presParOf" srcId="{6CC9751D-FD9A-4AC2-89BC-341C03FDE3CF}" destId="{E03D735F-333E-4D5F-924D-55E65EADF02D}" srcOrd="1" destOrd="0" presId="urn:microsoft.com/office/officeart/2008/layout/LinedList"/>
+    <dgm:cxn modelId="{95AE88BE-327B-4BE7-8E48-F6D1CF7A598D}" type="presParOf" srcId="{DBA7DFC4-0334-4CED-B197-C2FD8A48684C}" destId="{5EBEA85B-F1A4-44CC-BC46-51E35323FD75}" srcOrd="4" destOrd="0" presId="urn:microsoft.com/office/officeart/2008/layout/LinedList"/>
+    <dgm:cxn modelId="{E6CC2F53-CC35-4AE1-945A-F9F5DF79823D}" type="presParOf" srcId="{DBA7DFC4-0334-4CED-B197-C2FD8A48684C}" destId="{447AE221-389D-4931-81A6-EBFB666A5BF7}" srcOrd="5" destOrd="0" presId="urn:microsoft.com/office/officeart/2008/layout/LinedList"/>
+    <dgm:cxn modelId="{A37242B3-9986-4BA9-ADDC-E880394B37F7}" type="presParOf" srcId="{447AE221-389D-4931-81A6-EBFB666A5BF7}" destId="{304C6A05-C697-4098-BB4F-DDA6AB740844}" srcOrd="0" destOrd="0" presId="urn:microsoft.com/office/officeart/2008/layout/LinedList"/>
+    <dgm:cxn modelId="{E48D9869-DF59-4D1B-B02C-1089F470EF14}" type="presParOf" srcId="{447AE221-389D-4931-81A6-EBFB666A5BF7}" destId="{F959E740-C028-4257-A059-3C6900F2FF4B}" srcOrd="1" destOrd="0" presId="urn:microsoft.com/office/officeart/2008/layout/LinedList"/>
+    <dgm:cxn modelId="{5BD6F4C6-0B1B-4A66-AFC9-6C81855BF0E8}" type="presParOf" srcId="{DBA7DFC4-0334-4CED-B197-C2FD8A48684C}" destId="{28A406BC-6288-4BC8-BEB9-E09FBE5C1110}" srcOrd="6" destOrd="0" presId="urn:microsoft.com/office/officeart/2008/layout/LinedList"/>
+    <dgm:cxn modelId="{BDF46A99-9D4C-418F-9B09-3597AC29DDB0}" type="presParOf" srcId="{DBA7DFC4-0334-4CED-B197-C2FD8A48684C}" destId="{8BB83B44-54B2-4135-ABEC-CD9FA103FFFC}" srcOrd="7" destOrd="0" presId="urn:microsoft.com/office/officeart/2008/layout/LinedList"/>
+    <dgm:cxn modelId="{D1FB65B2-2A1F-426C-9EA4-11142307666A}" type="presParOf" srcId="{8BB83B44-54B2-4135-ABEC-CD9FA103FFFC}" destId="{93E23857-A8FF-4092-95E5-C38EF9C850F2}" srcOrd="0" destOrd="0" presId="urn:microsoft.com/office/officeart/2008/layout/LinedList"/>
+    <dgm:cxn modelId="{FB1E78B8-8A43-4310-A95C-D40099E9ECBF}" type="presParOf" srcId="{8BB83B44-54B2-4135-ABEC-CD9FA103FFFC}" destId="{E03FBD9E-F47E-4FC1-B7AE-C1C6651FE446}" srcOrd="1" destOrd="0" presId="urn:microsoft.com/office/officeart/2008/layout/LinedList"/>
+    <dgm:cxn modelId="{FA2BD578-03A2-4014-87CC-6A9B7C5F18FE}" type="presParOf" srcId="{DBA7DFC4-0334-4CED-B197-C2FD8A48684C}" destId="{7C65DF8A-CA75-464C-9527-383479EFFB73}" srcOrd="8" destOrd="0" presId="urn:microsoft.com/office/officeart/2008/layout/LinedList"/>
+    <dgm:cxn modelId="{E10AA92F-A5B9-4330-B1AE-7DF71616E92D}" type="presParOf" srcId="{DBA7DFC4-0334-4CED-B197-C2FD8A48684C}" destId="{FDF8D885-EFD9-445F-A852-7C49C91198CA}" srcOrd="9" destOrd="0" presId="urn:microsoft.com/office/officeart/2008/layout/LinedList"/>
+    <dgm:cxn modelId="{FE1C7BF6-927E-4AA7-BDC4-CC176A863FEC}" type="presParOf" srcId="{FDF8D885-EFD9-445F-A852-7C49C91198CA}" destId="{E1240EF8-9F11-4687-8867-4BD5AE12B8BC}" srcOrd="0" destOrd="0" presId="urn:microsoft.com/office/officeart/2008/layout/LinedList"/>
+    <dgm:cxn modelId="{205A2EA8-2202-4C29-A788-ED39B5B29E97}" type="presParOf" srcId="{FDF8D885-EFD9-445F-A852-7C49C91198CA}" destId="{4CBC85BB-EBA0-4DE9-A3E0-AE6105AC7EAC}" srcOrd="1" destOrd="0" presId="urn:microsoft.com/office/officeart/2008/layout/LinedList"/>
+    <dgm:cxn modelId="{EDDD3B05-EE9D-49BB-8CBF-9B4FC3B30D07}" type="presParOf" srcId="{DBA7DFC4-0334-4CED-B197-C2FD8A48684C}" destId="{C6EB45B4-193E-4EC7-8B5A-AD9BFFD22471}" srcOrd="10" destOrd="0" presId="urn:microsoft.com/office/officeart/2008/layout/LinedList"/>
+    <dgm:cxn modelId="{AA0C3306-0041-49C6-86F8-48A6412FDB33}" type="presParOf" srcId="{DBA7DFC4-0334-4CED-B197-C2FD8A48684C}" destId="{AA4F3FC8-69BC-4778-ADDF-20BC804E04C7}" srcOrd="11" destOrd="0" presId="urn:microsoft.com/office/officeart/2008/layout/LinedList"/>
+    <dgm:cxn modelId="{BC5E4EAC-37EF-4D7C-AD57-F75989109461}" type="presParOf" srcId="{AA4F3FC8-69BC-4778-ADDF-20BC804E04C7}" destId="{44F0203E-CE07-4A60-80E5-EA372DE47B9C}" srcOrd="0" destOrd="0" presId="urn:microsoft.com/office/officeart/2008/layout/LinedList"/>
+    <dgm:cxn modelId="{9A314502-42B2-4204-A95F-C74EB844EF4A}" type="presParOf" srcId="{AA4F3FC8-69BC-4778-ADDF-20BC804E04C7}" destId="{1D52847E-54A6-4349-9EAB-4DB020AF5966}" srcOrd="1" destOrd="0" presId="urn:microsoft.com/office/officeart/2008/layout/LinedList"/>
+    <dgm:cxn modelId="{8FFB06F3-84BE-4DD5-94B5-7B97ED628C45}" type="presParOf" srcId="{DBA7DFC4-0334-4CED-B197-C2FD8A48684C}" destId="{D162781B-D069-4640-8ACF-6BA9A5E4713F}" srcOrd="12" destOrd="0" presId="urn:microsoft.com/office/officeart/2008/layout/LinedList"/>
+    <dgm:cxn modelId="{0A65AF29-EA65-4EC6-BC53-FE847B21E0D4}" type="presParOf" srcId="{DBA7DFC4-0334-4CED-B197-C2FD8A48684C}" destId="{444C4335-DD41-4697-94F2-7A8C955CAF4D}" srcOrd="13" destOrd="0" presId="urn:microsoft.com/office/officeart/2008/layout/LinedList"/>
+    <dgm:cxn modelId="{32EAF25F-0864-41C9-B6A5-6AD111A88EEC}" type="presParOf" srcId="{444C4335-DD41-4697-94F2-7A8C955CAF4D}" destId="{5FF7CD76-3AB2-477E-84C5-D3C38A8E276B}" srcOrd="0" destOrd="0" presId="urn:microsoft.com/office/officeart/2008/layout/LinedList"/>
+    <dgm:cxn modelId="{0B5E98AC-4770-4A7D-A09F-AD511D3F8CEC}" type="presParOf" srcId="{444C4335-DD41-4697-94F2-7A8C955CAF4D}" destId="{42D2364F-783D-47AA-A465-80A9A587D0D4}" srcOrd="1" destOrd="0" presId="urn:microsoft.com/office/officeart/2008/layout/LinedList"/>
+    <dgm:cxn modelId="{9B2A96DC-2B04-4F54-9FD0-67B76BF0CC83}" type="presParOf" srcId="{DBA7DFC4-0334-4CED-B197-C2FD8A48684C}" destId="{6BAA3F78-A1BB-41CD-8D21-CA0871C8BE11}" srcOrd="14" destOrd="0" presId="urn:microsoft.com/office/officeart/2008/layout/LinedList"/>
+    <dgm:cxn modelId="{5AF06B8B-80EA-41FD-B7DC-4500D355A39A}" type="presParOf" srcId="{DBA7DFC4-0334-4CED-B197-C2FD8A48684C}" destId="{B0F81393-1A96-4828-B48B-0A0A53B676FB}" srcOrd="15" destOrd="0" presId="urn:microsoft.com/office/officeart/2008/layout/LinedList"/>
+    <dgm:cxn modelId="{744F15C2-84E4-48F2-9163-8A04EED96781}" type="presParOf" srcId="{B0F81393-1A96-4828-B48B-0A0A53B676FB}" destId="{323DAB3E-B6FA-4D49-B062-34B44DBFBE4A}" srcOrd="0" destOrd="0" presId="urn:microsoft.com/office/officeart/2008/layout/LinedList"/>
+    <dgm:cxn modelId="{2A6CC4C4-5BBE-43A0-BAE7-78596649BE2F}" type="presParOf" srcId="{B0F81393-1A96-4828-B48B-0A0A53B676FB}" destId="{B076BE33-2E17-44CD-9DA1-056BED0780EA}" srcOrd="1" destOrd="0" presId="urn:microsoft.com/office/officeart/2008/layout/LinedList"/>
   </dgm:cxnLst>
   <dgm:bg/>
   <dgm:whole/>
@@ -6663,8 +8001,8 @@
       </dsp:nvSpPr>
       <dsp:spPr>
         <a:xfrm>
-          <a:off x="770502" y="0"/>
-          <a:ext cx="1510523" cy="1465401"/>
+          <a:off x="770502" y="989667"/>
+          <a:ext cx="1510523" cy="1510523"/>
         </a:xfrm>
         <a:prstGeom prst="rect">
           <a:avLst/>
@@ -6713,8 +8051,8 @@
       </dsp:nvSpPr>
       <dsp:spPr>
         <a:xfrm>
-          <a:off x="770502" y="1667991"/>
-          <a:ext cx="4315781" cy="628029"/>
+          <a:off x="770502" y="2623953"/>
+          <a:ext cx="4315781" cy="647367"/>
         </a:xfrm>
         <a:prstGeom prst="rect">
           <a:avLst/>
@@ -6745,7 +8083,7 @@
         <a:p>
           <a:pPr marL="0" lvl="0" indent="0" algn="l" defTabSz="1200150">
             <a:lnSpc>
-              <a:spcPct val="90000"/>
+              <a:spcPct val="100000"/>
             </a:lnSpc>
             <a:spcBef>
               <a:spcPct val="0"/>
@@ -6757,14 +8095,14 @@
             <a:defRPr b="1"/>
           </a:pPr>
           <a:r>
-            <a:rPr lang="en-US" sz="2700" kern="1200"/>
+            <a:rPr lang="en-US" sz="2700" kern="1200" dirty="0"/>
             <a:t>Data Manipulation</a:t>
           </a:r>
         </a:p>
       </dsp:txBody>
       <dsp:txXfrm>
-        <a:off x="770502" y="1667991"/>
-        <a:ext cx="4315781" cy="628029"/>
+        <a:off x="770502" y="2623953"/>
+        <a:ext cx="4315781" cy="647367"/>
       </dsp:txXfrm>
     </dsp:sp>
     <dsp:sp modelId="{233B2114-1700-4828-9B47-C43CA3CDCCDC}">
@@ -6774,8 +8112,8 @@
       </dsp:nvSpPr>
       <dsp:spPr>
         <a:xfrm>
-          <a:off x="770502" y="2390248"/>
-          <a:ext cx="4315781" cy="2466231"/>
+          <a:off x="402366" y="3328884"/>
+          <a:ext cx="5052053" cy="537927"/>
         </a:xfrm>
         <a:prstGeom prst="rect">
           <a:avLst/>
@@ -6806,25 +8144,7 @@
         <a:p>
           <a:pPr marL="0" lvl="0" indent="0" algn="l" defTabSz="755650">
             <a:lnSpc>
-              <a:spcPct val="90000"/>
-            </a:lnSpc>
-            <a:spcBef>
-              <a:spcPct val="0"/>
-            </a:spcBef>
-            <a:spcAft>
-              <a:spcPct val="35000"/>
-            </a:spcAft>
-            <a:buNone/>
-          </a:pPr>
-          <a:r>
-            <a:rPr lang="en-US" sz="1700" kern="1200"/>
-            <a:t>Convert Object Columns (such as dti, loan_amnt ) into float</a:t>
-          </a:r>
-        </a:p>
-        <a:p>
-          <a:pPr marL="0" lvl="0" indent="0" algn="l" defTabSz="755650">
-            <a:lnSpc>
-              <a:spcPct val="90000"/>
+              <a:spcPct val="100000"/>
             </a:lnSpc>
             <a:spcBef>
               <a:spcPct val="0"/>
@@ -6850,7 +8170,7 @@
         <a:p>
           <a:pPr marL="0" lvl="0" indent="0" algn="l" defTabSz="755650">
             <a:lnSpc>
-              <a:spcPct val="90000"/>
+              <a:spcPct val="100000"/>
             </a:lnSpc>
             <a:spcBef>
               <a:spcPct val="0"/>
@@ -6861,14 +8181,26 @@
             <a:buNone/>
           </a:pPr>
           <a:r>
-            <a:rPr lang="en-US" sz="1700" kern="1200"/>
-            <a:t>For Analysis based on “month” strip month from term column</a:t>
+            <a:rPr lang="en-IN" sz="1700" kern="1200" dirty="0" err="1"/>
+            <a:t>pub_rec_bankruptcies</a:t>
+          </a:r>
+          <a:r>
+            <a:rPr lang="en-IN" sz="1700" kern="1200" dirty="0"/>
+            <a:t> </a:t>
+          </a:r>
+          <a:r>
+            <a:rPr lang="en-IN" sz="1700" kern="1200" dirty="0" err="1"/>
+            <a:t>fillna</a:t>
+          </a:r>
+          <a:r>
+            <a:rPr lang="en-IN" sz="1700" kern="1200" dirty="0"/>
+            <a:t> = 0</a:t>
           </a:r>
         </a:p>
         <a:p>
           <a:pPr marL="0" lvl="0" indent="0" algn="l" defTabSz="755650">
             <a:lnSpc>
-              <a:spcPct val="90000"/>
+              <a:spcPct val="100000"/>
             </a:lnSpc>
             <a:spcBef>
               <a:spcPct val="0"/>
@@ -6879,14 +8211,27 @@
             <a:buNone/>
           </a:pPr>
           <a:r>
-            <a:rPr lang="en-US" sz="1700" kern="1200"/>
-            <a:t>emp_length to be converted into integer and round off eg 10+ to 10, &lt;1 could be 0</a:t>
+            <a:rPr lang="en-IN" sz="1700" kern="1200" dirty="0"/>
+            <a:t>Outlier removal </a:t>
           </a:r>
+          <a:r>
+            <a:rPr lang="en-IN" sz="1700" kern="1200" dirty="0" err="1"/>
+            <a:t>Eg</a:t>
+          </a:r>
+          <a:r>
+            <a:rPr lang="en-IN" sz="1700" kern="1200" dirty="0"/>
+            <a:t> . </a:t>
+          </a:r>
+          <a:r>
+            <a:rPr lang="en-IN" sz="1700" kern="1200" dirty="0" err="1"/>
+            <a:t>Annual_inc</a:t>
+          </a:r>
+          <a:endParaRPr lang="en-US" sz="1700" kern="1200" dirty="0"/>
         </a:p>
         <a:p>
           <a:pPr marL="0" lvl="0" indent="0" algn="l" defTabSz="755650">
             <a:lnSpc>
-              <a:spcPct val="90000"/>
+              <a:spcPct val="100000"/>
             </a:lnSpc>
             <a:spcBef>
               <a:spcPct val="0"/>
@@ -6897,14 +8242,14 @@
             <a:buNone/>
           </a:pPr>
           <a:r>
-            <a:rPr lang="en-US" sz="1700" kern="1200"/>
-            <a:t>loan_status to be converted into boolean value </a:t>
+            <a:rPr lang="en-US" sz="1700" kern="1200" dirty="0"/>
+            <a:t> </a:t>
           </a:r>
         </a:p>
       </dsp:txBody>
       <dsp:txXfrm>
-        <a:off x="770502" y="2390248"/>
-        <a:ext cx="4315781" cy="2466231"/>
+        <a:off x="402366" y="3328884"/>
+        <a:ext cx="5052053" cy="537927"/>
       </dsp:txXfrm>
     </dsp:sp>
     <dsp:sp modelId="{E573206E-0995-400E-83C2-0D90C143A3B1}">
@@ -6914,8 +8259,8 @@
       </dsp:nvSpPr>
       <dsp:spPr>
         <a:xfrm>
-          <a:off x="5841545" y="0"/>
-          <a:ext cx="1510523" cy="1465401"/>
+          <a:off x="6209681" y="989667"/>
+          <a:ext cx="1510523" cy="1510523"/>
         </a:xfrm>
         <a:prstGeom prst="rect">
           <a:avLst/>
@@ -6964,8 +8309,8 @@
       </dsp:nvSpPr>
       <dsp:spPr>
         <a:xfrm>
-          <a:off x="5841545" y="1667991"/>
-          <a:ext cx="4315781" cy="628029"/>
+          <a:off x="6209681" y="2623953"/>
+          <a:ext cx="4315781" cy="647367"/>
         </a:xfrm>
         <a:prstGeom prst="rect">
           <a:avLst/>
@@ -6996,7 +8341,7 @@
         <a:p>
           <a:pPr marL="0" lvl="0" indent="0" algn="l" defTabSz="1200150">
             <a:lnSpc>
-              <a:spcPct val="90000"/>
+              <a:spcPct val="100000"/>
             </a:lnSpc>
             <a:spcBef>
               <a:spcPct val="0"/>
@@ -7014,8 +8359,8 @@
         </a:p>
       </dsp:txBody>
       <dsp:txXfrm>
-        <a:off x="5841545" y="1667991"/>
-        <a:ext cx="4315781" cy="628029"/>
+        <a:off x="6209681" y="2623953"/>
+        <a:ext cx="4315781" cy="647367"/>
       </dsp:txXfrm>
     </dsp:sp>
     <dsp:sp modelId="{5E243660-41C9-424F-AEF4-10D57A7C0098}">
@@ -7025,8 +8370,8 @@
       </dsp:nvSpPr>
       <dsp:spPr>
         <a:xfrm>
-          <a:off x="5841545" y="2390248"/>
-          <a:ext cx="4315781" cy="2466231"/>
+          <a:off x="6209681" y="3328884"/>
+          <a:ext cx="4315781" cy="537927"/>
         </a:xfrm>
         <a:prstGeom prst="rect">
           <a:avLst/>
@@ -7057,7 +8402,7 @@
         <a:p>
           <a:pPr marL="0" lvl="0" indent="0" algn="l" defTabSz="755650">
             <a:lnSpc>
-              <a:spcPct val="90000"/>
+              <a:spcPct val="100000"/>
             </a:lnSpc>
             <a:spcBef>
               <a:spcPct val="0"/>
@@ -7069,7 +8414,7 @@
           </a:pPr>
           <a:r>
             <a:rPr lang="en-US" sz="1700" kern="1200" dirty="0"/>
-            <a:t>Extract Month and Year from </a:t>
+            <a:t>Extract Month ,Year &amp; quarter from </a:t>
           </a:r>
           <a:r>
             <a:rPr lang="en-US" sz="1700" kern="1200" dirty="0" err="1"/>
@@ -7080,64 +8425,10 @@
             <a:t> column</a:t>
           </a:r>
         </a:p>
-        <a:p>
-          <a:pPr marL="0" lvl="0" indent="0" algn="l" defTabSz="755650">
-            <a:lnSpc>
-              <a:spcPct val="90000"/>
-            </a:lnSpc>
-            <a:spcBef>
-              <a:spcPct val="0"/>
-            </a:spcBef>
-            <a:spcAft>
-              <a:spcPct val="35000"/>
-            </a:spcAft>
-            <a:buNone/>
-          </a:pPr>
-          <a:r>
-            <a:rPr lang="en-US" sz="1700" kern="1200" dirty="0"/>
-            <a:t>Loan Status can be converted into Boolean and stored in another column</a:t>
-          </a:r>
-        </a:p>
-        <a:p>
-          <a:pPr marL="0" lvl="0" indent="0" algn="l" defTabSz="755650">
-            <a:lnSpc>
-              <a:spcPct val="90000"/>
-            </a:lnSpc>
-            <a:spcBef>
-              <a:spcPct val="0"/>
-            </a:spcBef>
-            <a:spcAft>
-              <a:spcPct val="35000"/>
-            </a:spcAft>
-            <a:buNone/>
-          </a:pPr>
-          <a:r>
-            <a:rPr lang="en-US" sz="1700" kern="1200"/>
-            <a:t>Verification status can be stored into another column where in </a:t>
-          </a:r>
-        </a:p>
-        <a:p>
-          <a:pPr marL="0" lvl="0" indent="0" algn="l" defTabSz="755650">
-            <a:lnSpc>
-              <a:spcPct val="90000"/>
-            </a:lnSpc>
-            <a:spcBef>
-              <a:spcPct val="0"/>
-            </a:spcBef>
-            <a:spcAft>
-              <a:spcPct val="35000"/>
-            </a:spcAft>
-            <a:buNone/>
-          </a:pPr>
-          <a:r>
-            <a:rPr lang="en-US" sz="1700" kern="1200"/>
-            <a:t>Verified = 1 , Source Verified = 2 and Not verified =3</a:t>
-          </a:r>
-        </a:p>
       </dsp:txBody>
       <dsp:txXfrm>
-        <a:off x="5841545" y="2390248"/>
-        <a:ext cx="4315781" cy="2466231"/>
+        <a:off x="6209681" y="3328884"/>
+        <a:ext cx="4315781" cy="537927"/>
       </dsp:txXfrm>
     </dsp:sp>
   </dsp:spTree>
@@ -7159,8 +8450,8 @@
       </dsp:nvSpPr>
       <dsp:spPr>
         <a:xfrm>
-          <a:off x="0" y="7699"/>
-          <a:ext cx="10515600" cy="914940"/>
+          <a:off x="0" y="112909"/>
+          <a:ext cx="10515600" cy="875160"/>
         </a:xfrm>
         <a:prstGeom prst="roundRect">
           <a:avLst/>
@@ -7202,12 +8493,12 @@
         </a:fontRef>
       </dsp:style>
       <dsp:txBody>
-        <a:bodyPr spcFirstLastPara="0" vert="horz" wrap="square" lIns="87630" tIns="87630" rIns="87630" bIns="87630" numCol="1" spcCol="1270" anchor="ctr" anchorCtr="0">
+        <a:bodyPr spcFirstLastPara="0" vert="horz" wrap="square" lIns="83820" tIns="83820" rIns="83820" bIns="83820" numCol="1" spcCol="1270" anchor="ctr" anchorCtr="0">
           <a:noAutofit/>
         </a:bodyPr>
         <a:lstStyle/>
         <a:p>
-          <a:pPr marL="0" lvl="0" indent="0" algn="l" defTabSz="1022350">
+          <a:pPr marL="0" lvl="0" indent="0" algn="l" defTabSz="977900">
             <a:lnSpc>
               <a:spcPct val="90000"/>
             </a:lnSpc>
@@ -7220,15 +8511,23 @@
             <a:buNone/>
           </a:pPr>
           <a:r>
-            <a:rPr lang="en-IN" sz="2300" b="0" i="0" kern="1200"/>
-            <a:t>Employment Length(emp_length) – Higher the tenure more the financial stability and greater chances of loan payment</a:t>
+            <a:rPr lang="en-IN" sz="2200" b="0" i="0" kern="1200" dirty="0"/>
+            <a:t>Employment Length(</a:t>
           </a:r>
-          <a:endParaRPr lang="en-US" sz="2300" kern="1200"/>
+          <a:r>
+            <a:rPr lang="en-IN" sz="2200" b="0" i="0" kern="1200" dirty="0" err="1"/>
+            <a:t>emp_length</a:t>
+          </a:r>
+          <a:r>
+            <a:rPr lang="en-IN" sz="2200" b="0" i="0" kern="1200" dirty="0"/>
+            <a:t>) – Higher the tenure more the financial stability and greater chances of loan payment – But As per given data this is quite opposite</a:t>
+          </a:r>
+          <a:endParaRPr lang="en-US" sz="2200" kern="1200" dirty="0"/>
         </a:p>
       </dsp:txBody>
       <dsp:txXfrm>
-        <a:off x="44664" y="52363"/>
-        <a:ext cx="10426272" cy="825612"/>
+        <a:off x="42722" y="155631"/>
+        <a:ext cx="10430156" cy="789716"/>
       </dsp:txXfrm>
     </dsp:sp>
     <dsp:sp modelId="{E66830D8-967F-4081-A3F1-28D3A1A03919}">
@@ -7238,8 +8537,8 @@
       </dsp:nvSpPr>
       <dsp:spPr>
         <a:xfrm>
-          <a:off x="0" y="988879"/>
-          <a:ext cx="10515600" cy="914940"/>
+          <a:off x="0" y="1051429"/>
+          <a:ext cx="10515600" cy="875160"/>
         </a:xfrm>
         <a:prstGeom prst="roundRect">
           <a:avLst/>
@@ -7281,12 +8580,12 @@
         </a:fontRef>
       </dsp:style>
       <dsp:txBody>
-        <a:bodyPr spcFirstLastPara="0" vert="horz" wrap="square" lIns="87630" tIns="87630" rIns="87630" bIns="87630" numCol="1" spcCol="1270" anchor="ctr" anchorCtr="0">
+        <a:bodyPr spcFirstLastPara="0" vert="horz" wrap="square" lIns="83820" tIns="83820" rIns="83820" bIns="83820" numCol="1" spcCol="1270" anchor="ctr" anchorCtr="0">
           <a:noAutofit/>
         </a:bodyPr>
         <a:lstStyle/>
         <a:p>
-          <a:pPr marL="0" lvl="0" indent="0" algn="l" defTabSz="1022350">
+          <a:pPr marL="0" lvl="0" indent="0" algn="l" defTabSz="977900">
             <a:lnSpc>
               <a:spcPct val="90000"/>
             </a:lnSpc>
@@ -7299,15 +8598,15 @@
             <a:buNone/>
           </a:pPr>
           <a:r>
-            <a:rPr lang="en-US" sz="2300" b="0" i="0" kern="1200"/>
+            <a:rPr lang="en-US" sz="2200" b="0" i="0" kern="1200"/>
             <a:t>Annual Income (annual_inc) - Annual income of the customer,higher the income, more chances of loan pass</a:t>
           </a:r>
-          <a:endParaRPr lang="en-US" sz="2300" kern="1200"/>
+          <a:endParaRPr lang="en-US" sz="2200" kern="1200"/>
         </a:p>
       </dsp:txBody>
       <dsp:txXfrm>
-        <a:off x="44664" y="1033543"/>
-        <a:ext cx="10426272" cy="825612"/>
+        <a:off x="42722" y="1094151"/>
+        <a:ext cx="10430156" cy="789716"/>
       </dsp:txXfrm>
     </dsp:sp>
     <dsp:sp modelId="{91167EAA-487D-4B3A-90CC-1DE78FE5CB60}">
@@ -7317,8 +8616,8 @@
       </dsp:nvSpPr>
       <dsp:spPr>
         <a:xfrm>
-          <a:off x="0" y="1970059"/>
-          <a:ext cx="10515600" cy="914940"/>
+          <a:off x="0" y="1989949"/>
+          <a:ext cx="10515600" cy="875160"/>
         </a:xfrm>
         <a:prstGeom prst="roundRect">
           <a:avLst/>
@@ -7360,12 +8659,12 @@
         </a:fontRef>
       </dsp:style>
       <dsp:txBody>
-        <a:bodyPr spcFirstLastPara="0" vert="horz" wrap="square" lIns="87630" tIns="87630" rIns="87630" bIns="87630" numCol="1" spcCol="1270" anchor="ctr" anchorCtr="0">
+        <a:bodyPr spcFirstLastPara="0" vert="horz" wrap="square" lIns="83820" tIns="83820" rIns="83820" bIns="83820" numCol="1" spcCol="1270" anchor="ctr" anchorCtr="0">
           <a:noAutofit/>
         </a:bodyPr>
         <a:lstStyle/>
         <a:p>
-          <a:pPr marL="0" lvl="0" indent="0" algn="l" defTabSz="1022350">
+          <a:pPr marL="0" lvl="0" indent="0" algn="l" defTabSz="977900">
             <a:lnSpc>
               <a:spcPct val="90000"/>
             </a:lnSpc>
@@ -7378,15 +8677,23 @@
             <a:buNone/>
           </a:pPr>
           <a:r>
-            <a:rPr lang="en-US" sz="2300" b="0" i="0" kern="1200"/>
-            <a:t>State (addr_state) - There could be higher delinquency or defaulters demographical</a:t>
+            <a:rPr lang="en-US" sz="2200" b="0" i="0" kern="1200" dirty="0"/>
+            <a:t>State (</a:t>
           </a:r>
-          <a:endParaRPr lang="en-US" sz="2300" kern="1200"/>
+          <a:r>
+            <a:rPr lang="en-US" sz="2200" b="0" i="0" kern="1200" dirty="0" err="1"/>
+            <a:t>addr_state</a:t>
+          </a:r>
+          <a:r>
+            <a:rPr lang="en-US" sz="2200" b="0" i="0" kern="1200" dirty="0"/>
+            <a:t>) - There could be higher delinquency or defaulters demographical</a:t>
+          </a:r>
+          <a:endParaRPr lang="en-US" sz="2200" kern="1200" dirty="0"/>
         </a:p>
       </dsp:txBody>
       <dsp:txXfrm>
-        <a:off x="44664" y="2014723"/>
-        <a:ext cx="10426272" cy="825612"/>
+        <a:off x="42722" y="2032671"/>
+        <a:ext cx="10430156" cy="789716"/>
       </dsp:txXfrm>
     </dsp:sp>
     <dsp:sp modelId="{A33C34DB-5F14-451D-A0DD-28891974375D}">
@@ -7396,8 +8703,8 @@
       </dsp:nvSpPr>
       <dsp:spPr>
         <a:xfrm>
-          <a:off x="0" y="2951239"/>
-          <a:ext cx="10515600" cy="914940"/>
+          <a:off x="0" y="2928469"/>
+          <a:ext cx="10515600" cy="875160"/>
         </a:xfrm>
         <a:prstGeom prst="roundRect">
           <a:avLst/>
@@ -7439,12 +8746,12 @@
         </a:fontRef>
       </dsp:style>
       <dsp:txBody>
-        <a:bodyPr spcFirstLastPara="0" vert="horz" wrap="square" lIns="87630" tIns="87630" rIns="87630" bIns="87630" numCol="1" spcCol="1270" anchor="ctr" anchorCtr="0">
+        <a:bodyPr spcFirstLastPara="0" vert="horz" wrap="square" lIns="83820" tIns="83820" rIns="83820" bIns="83820" numCol="1" spcCol="1270" anchor="ctr" anchorCtr="0">
           <a:noAutofit/>
         </a:bodyPr>
         <a:lstStyle/>
         <a:p>
-          <a:pPr marL="0" lvl="0" indent="0" algn="l" defTabSz="1022350">
+          <a:pPr marL="0" lvl="0" indent="0" algn="l" defTabSz="977900">
             <a:lnSpc>
               <a:spcPct val="90000"/>
             </a:lnSpc>
@@ -7457,15 +8764,15 @@
             <a:buNone/>
           </a:pPr>
           <a:r>
-            <a:rPr lang="en-US" sz="2300" b="0" i="0" kern="1200"/>
+            <a:rPr lang="en-US" sz="2200" b="0" i="0" kern="1200"/>
             <a:t>Debt to Income (dti) - The percentage of the salary which goes towards paying loan. Lower DTI, higher the chances of a loan pass</a:t>
           </a:r>
-          <a:endParaRPr lang="en-US" sz="2300" kern="1200"/>
+          <a:endParaRPr lang="en-US" sz="2200" kern="1200"/>
         </a:p>
       </dsp:txBody>
       <dsp:txXfrm>
-        <a:off x="44664" y="2995903"/>
-        <a:ext cx="10426272" cy="825612"/>
+        <a:off x="42722" y="2971191"/>
+        <a:ext cx="10430156" cy="789716"/>
       </dsp:txXfrm>
     </dsp:sp>
     <dsp:sp modelId="{EBBD6B53-A248-4CBE-A998-D72C55BD31A2}">
@@ -7475,8 +8782,8 @@
       </dsp:nvSpPr>
       <dsp:spPr>
         <a:xfrm>
-          <a:off x="0" y="3932419"/>
-          <a:ext cx="10515600" cy="914940"/>
+          <a:off x="0" y="3866989"/>
+          <a:ext cx="10515600" cy="875160"/>
         </a:xfrm>
         <a:prstGeom prst="roundRect">
           <a:avLst/>
@@ -7518,12 +8825,12 @@
         </a:fontRef>
       </dsp:style>
       <dsp:txBody>
-        <a:bodyPr spcFirstLastPara="0" vert="horz" wrap="square" lIns="87630" tIns="87630" rIns="87630" bIns="87630" numCol="1" spcCol="1270" anchor="ctr" anchorCtr="0">
+        <a:bodyPr spcFirstLastPara="0" vert="horz" wrap="square" lIns="83820" tIns="83820" rIns="83820" bIns="83820" numCol="1" spcCol="1270" anchor="ctr" anchorCtr="0">
           <a:noAutofit/>
         </a:bodyPr>
         <a:lstStyle/>
         <a:p>
-          <a:pPr marL="0" lvl="0" indent="0" algn="l" defTabSz="1022350">
+          <a:pPr marL="0" lvl="0" indent="0" algn="l" defTabSz="977900">
             <a:lnSpc>
               <a:spcPct val="90000"/>
             </a:lnSpc>
@@ -7536,15 +8843,941 @@
             <a:buNone/>
           </a:pPr>
           <a:r>
-            <a:rPr lang="en-US" sz="2300" b="0" i="0" kern="1200"/>
-            <a:t>Home Ownership (home_ownership) - Owning a home adds a collateral which increases the chances of loan payment</a:t>
+            <a:rPr lang="en-US" sz="2200" b="0" i="0" kern="1200" dirty="0"/>
+            <a:t>Home Ownership (</a:t>
           </a:r>
-          <a:endParaRPr lang="en-US" sz="2300" kern="1200"/>
+          <a:r>
+            <a:rPr lang="en-US" sz="2200" b="0" i="0" kern="1200" dirty="0" err="1"/>
+            <a:t>home_ownership</a:t>
+          </a:r>
+          <a:r>
+            <a:rPr lang="en-US" sz="2200" b="0" i="0" kern="1200" dirty="0"/>
+            <a:t>) - Owning a home adds a collateral which increases the chances of loan payment , As per Data even Mortgage category was defaulting less</a:t>
+          </a:r>
+          <a:endParaRPr lang="en-US" sz="2200" kern="1200" dirty="0"/>
         </a:p>
       </dsp:txBody>
       <dsp:txXfrm>
-        <a:off x="44664" y="3977083"/>
-        <a:ext cx="10426272" cy="825612"/>
+        <a:off x="42722" y="3909711"/>
+        <a:ext cx="10430156" cy="789716"/>
+      </dsp:txXfrm>
+    </dsp:sp>
+  </dsp:spTree>
+</dsp:drawing>
+</file>
+
+<file path=ppt/diagrams/drawing5.xml><?xml version="1.0" encoding="utf-8"?>
+<dsp:drawing xmlns:dgm="http://schemas.openxmlformats.org/drawingml/2006/diagram" xmlns:dsp="http://schemas.microsoft.com/office/drawing/2008/diagram" xmlns:a="http://schemas.openxmlformats.org/drawingml/2006/main">
+  <dsp:spTree>
+    <dsp:nvGrpSpPr>
+      <dsp:cNvPr id="0" name=""/>
+      <dsp:cNvGrpSpPr/>
+    </dsp:nvGrpSpPr>
+    <dsp:grpSpPr/>
+    <dsp:sp modelId="{BB2D281C-C12D-44A8-9EA9-1E0AFEDE89C5}">
+      <dsp:nvSpPr>
+        <dsp:cNvPr id="0" name=""/>
+        <dsp:cNvSpPr/>
+      </dsp:nvSpPr>
+      <dsp:spPr>
+        <a:xfrm>
+          <a:off x="0" y="0"/>
+          <a:ext cx="6900512" cy="0"/>
+        </a:xfrm>
+        <a:prstGeom prst="line">
+          <a:avLst/>
+        </a:prstGeom>
+        <a:solidFill>
+          <a:schemeClr val="accent2">
+            <a:hueOff val="0"/>
+            <a:satOff val="0"/>
+            <a:lumOff val="0"/>
+            <a:alphaOff val="0"/>
+          </a:schemeClr>
+        </a:solidFill>
+        <a:ln w="12700" cap="flat" cmpd="sng" algn="ctr">
+          <a:solidFill>
+            <a:schemeClr val="accent2">
+              <a:hueOff val="0"/>
+              <a:satOff val="0"/>
+              <a:lumOff val="0"/>
+              <a:alphaOff val="0"/>
+            </a:schemeClr>
+          </a:solidFill>
+          <a:prstDash val="solid"/>
+          <a:miter lim="800000"/>
+        </a:ln>
+        <a:effectLst/>
+      </dsp:spPr>
+      <dsp:style>
+        <a:lnRef idx="2">
+          <a:scrgbClr r="0" g="0" b="0"/>
+        </a:lnRef>
+        <a:fillRef idx="1">
+          <a:scrgbClr r="0" g="0" b="0"/>
+        </a:fillRef>
+        <a:effectRef idx="0">
+          <a:scrgbClr r="0" g="0" b="0"/>
+        </a:effectRef>
+        <a:fontRef idx="minor">
+          <a:schemeClr val="lt1"/>
+        </a:fontRef>
+      </dsp:style>
+    </dsp:sp>
+    <dsp:sp modelId="{27C41099-99EC-4C8C-84E0-5AAF97C0F956}">
+      <dsp:nvSpPr>
+        <dsp:cNvPr id="0" name=""/>
+        <dsp:cNvSpPr/>
+      </dsp:nvSpPr>
+      <dsp:spPr>
+        <a:xfrm>
+          <a:off x="0" y="0"/>
+          <a:ext cx="6900512" cy="692017"/>
+        </a:xfrm>
+        <a:prstGeom prst="rect">
+          <a:avLst/>
+        </a:prstGeom>
+        <a:noFill/>
+        <a:ln>
+          <a:noFill/>
+        </a:ln>
+        <a:effectLst/>
+      </dsp:spPr>
+      <dsp:style>
+        <a:lnRef idx="0">
+          <a:scrgbClr r="0" g="0" b="0"/>
+        </a:lnRef>
+        <a:fillRef idx="0">
+          <a:scrgbClr r="0" g="0" b="0"/>
+        </a:fillRef>
+        <a:effectRef idx="0">
+          <a:scrgbClr r="0" g="0" b="0"/>
+        </a:effectRef>
+        <a:fontRef idx="minor"/>
+      </dsp:style>
+      <dsp:txBody>
+        <a:bodyPr spcFirstLastPara="0" vert="horz" wrap="square" lIns="53340" tIns="53340" rIns="53340" bIns="53340" numCol="1" spcCol="1270" anchor="t" anchorCtr="0">
+          <a:noAutofit/>
+        </a:bodyPr>
+        <a:lstStyle/>
+        <a:p>
+          <a:pPr marL="0" lvl="0" indent="0" algn="l" defTabSz="622300">
+            <a:lnSpc>
+              <a:spcPct val="90000"/>
+            </a:lnSpc>
+            <a:spcBef>
+              <a:spcPct val="0"/>
+            </a:spcBef>
+            <a:spcAft>
+              <a:spcPct val="35000"/>
+            </a:spcAft>
+            <a:buNone/>
+          </a:pPr>
+          <a:r>
+            <a:rPr lang="en-US" sz="1400" kern="1200" dirty="0"/>
+            <a:t>The default is highest for Other category and lowest for Mortgage category</a:t>
+          </a:r>
+        </a:p>
+      </dsp:txBody>
+      <dsp:txXfrm>
+        <a:off x="0" y="0"/>
+        <a:ext cx="6900512" cy="692017"/>
+      </dsp:txXfrm>
+    </dsp:sp>
+    <dsp:sp modelId="{7CDA4D47-0484-4D5F-8181-02BEC9A8F0FD}">
+      <dsp:nvSpPr>
+        <dsp:cNvPr id="0" name=""/>
+        <dsp:cNvSpPr/>
+      </dsp:nvSpPr>
+      <dsp:spPr>
+        <a:xfrm>
+          <a:off x="0" y="692017"/>
+          <a:ext cx="6900512" cy="0"/>
+        </a:xfrm>
+        <a:prstGeom prst="line">
+          <a:avLst/>
+        </a:prstGeom>
+        <a:solidFill>
+          <a:schemeClr val="accent3">
+            <a:hueOff val="0"/>
+            <a:satOff val="0"/>
+            <a:lumOff val="0"/>
+            <a:alphaOff val="0"/>
+          </a:schemeClr>
+        </a:solidFill>
+        <a:ln w="12700" cap="flat" cmpd="sng" algn="ctr">
+          <a:solidFill>
+            <a:schemeClr val="accent3">
+              <a:hueOff val="0"/>
+              <a:satOff val="0"/>
+              <a:lumOff val="0"/>
+              <a:alphaOff val="0"/>
+            </a:schemeClr>
+          </a:solidFill>
+          <a:prstDash val="solid"/>
+          <a:miter lim="800000"/>
+        </a:ln>
+        <a:effectLst/>
+      </dsp:spPr>
+      <dsp:style>
+        <a:lnRef idx="2">
+          <a:scrgbClr r="0" g="0" b="0"/>
+        </a:lnRef>
+        <a:fillRef idx="1">
+          <a:scrgbClr r="0" g="0" b="0"/>
+        </a:fillRef>
+        <a:effectRef idx="0">
+          <a:scrgbClr r="0" g="0" b="0"/>
+        </a:effectRef>
+        <a:fontRef idx="minor">
+          <a:schemeClr val="lt1"/>
+        </a:fontRef>
+      </dsp:style>
+    </dsp:sp>
+    <dsp:sp modelId="{78B73354-C4DD-4535-A584-78AFB6BFCE61}">
+      <dsp:nvSpPr>
+        <dsp:cNvPr id="0" name=""/>
+        <dsp:cNvSpPr/>
+      </dsp:nvSpPr>
+      <dsp:spPr>
+        <a:xfrm>
+          <a:off x="0" y="692017"/>
+          <a:ext cx="6900512" cy="692017"/>
+        </a:xfrm>
+        <a:prstGeom prst="rect">
+          <a:avLst/>
+        </a:prstGeom>
+        <a:noFill/>
+        <a:ln>
+          <a:noFill/>
+        </a:ln>
+        <a:effectLst/>
+      </dsp:spPr>
+      <dsp:style>
+        <a:lnRef idx="0">
+          <a:scrgbClr r="0" g="0" b="0"/>
+        </a:lnRef>
+        <a:fillRef idx="0">
+          <a:scrgbClr r="0" g="0" b="0"/>
+        </a:fillRef>
+        <a:effectRef idx="0">
+          <a:scrgbClr r="0" g="0" b="0"/>
+        </a:effectRef>
+        <a:fontRef idx="minor"/>
+      </dsp:style>
+      <dsp:txBody>
+        <a:bodyPr spcFirstLastPara="0" vert="horz" wrap="square" lIns="53340" tIns="53340" rIns="53340" bIns="53340" numCol="1" spcCol="1270" anchor="t" anchorCtr="0">
+          <a:noAutofit/>
+        </a:bodyPr>
+        <a:lstStyle/>
+        <a:p>
+          <a:pPr marL="0" lvl="0" indent="0" algn="l" defTabSz="622300">
+            <a:lnSpc>
+              <a:spcPct val="90000"/>
+            </a:lnSpc>
+            <a:spcBef>
+              <a:spcPct val="0"/>
+            </a:spcBef>
+            <a:spcAft>
+              <a:spcPct val="35000"/>
+            </a:spcAft>
+            <a:buNone/>
+          </a:pPr>
+          <a:r>
+            <a:rPr lang="en-US" sz="1400" kern="1200"/>
+            <a:t>Mortgage, Own, Rent are the best in repaying the loan and in that order</a:t>
+          </a:r>
+        </a:p>
+      </dsp:txBody>
+      <dsp:txXfrm>
+        <a:off x="0" y="692017"/>
+        <a:ext cx="6900512" cy="692017"/>
+      </dsp:txXfrm>
+    </dsp:sp>
+    <dsp:sp modelId="{5EBEA85B-F1A4-44CC-BC46-51E35323FD75}">
+      <dsp:nvSpPr>
+        <dsp:cNvPr id="0" name=""/>
+        <dsp:cNvSpPr/>
+      </dsp:nvSpPr>
+      <dsp:spPr>
+        <a:xfrm>
+          <a:off x="0" y="1384035"/>
+          <a:ext cx="6900512" cy="0"/>
+        </a:xfrm>
+        <a:prstGeom prst="line">
+          <a:avLst/>
+        </a:prstGeom>
+        <a:solidFill>
+          <a:schemeClr val="accent4">
+            <a:hueOff val="0"/>
+            <a:satOff val="0"/>
+            <a:lumOff val="0"/>
+            <a:alphaOff val="0"/>
+          </a:schemeClr>
+        </a:solidFill>
+        <a:ln w="12700" cap="flat" cmpd="sng" algn="ctr">
+          <a:solidFill>
+            <a:schemeClr val="accent4">
+              <a:hueOff val="0"/>
+              <a:satOff val="0"/>
+              <a:lumOff val="0"/>
+              <a:alphaOff val="0"/>
+            </a:schemeClr>
+          </a:solidFill>
+          <a:prstDash val="solid"/>
+          <a:miter lim="800000"/>
+        </a:ln>
+        <a:effectLst/>
+      </dsp:spPr>
+      <dsp:style>
+        <a:lnRef idx="2">
+          <a:scrgbClr r="0" g="0" b="0"/>
+        </a:lnRef>
+        <a:fillRef idx="1">
+          <a:scrgbClr r="0" g="0" b="0"/>
+        </a:fillRef>
+        <a:effectRef idx="0">
+          <a:scrgbClr r="0" g="0" b="0"/>
+        </a:effectRef>
+        <a:fontRef idx="minor">
+          <a:schemeClr val="lt1"/>
+        </a:fontRef>
+      </dsp:style>
+    </dsp:sp>
+    <dsp:sp modelId="{304C6A05-C697-4098-BB4F-DDA6AB740844}">
+      <dsp:nvSpPr>
+        <dsp:cNvPr id="0" name=""/>
+        <dsp:cNvSpPr/>
+      </dsp:nvSpPr>
+      <dsp:spPr>
+        <a:xfrm>
+          <a:off x="0" y="1384035"/>
+          <a:ext cx="6900512" cy="692017"/>
+        </a:xfrm>
+        <a:prstGeom prst="rect">
+          <a:avLst/>
+        </a:prstGeom>
+        <a:noFill/>
+        <a:ln>
+          <a:noFill/>
+        </a:ln>
+        <a:effectLst/>
+      </dsp:spPr>
+      <dsp:style>
+        <a:lnRef idx="0">
+          <a:scrgbClr r="0" g="0" b="0"/>
+        </a:lnRef>
+        <a:fillRef idx="0">
+          <a:scrgbClr r="0" g="0" b="0"/>
+        </a:fillRef>
+        <a:effectRef idx="0">
+          <a:scrgbClr r="0" g="0" b="0"/>
+        </a:effectRef>
+        <a:fontRef idx="minor"/>
+      </dsp:style>
+      <dsp:txBody>
+        <a:bodyPr spcFirstLastPara="0" vert="horz" wrap="square" lIns="53340" tIns="53340" rIns="53340" bIns="53340" numCol="1" spcCol="1270" anchor="t" anchorCtr="0">
+          <a:noAutofit/>
+        </a:bodyPr>
+        <a:lstStyle/>
+        <a:p>
+          <a:pPr marL="0" lvl="0" indent="0" algn="l" defTabSz="622300">
+            <a:lnSpc>
+              <a:spcPct val="90000"/>
+            </a:lnSpc>
+            <a:spcBef>
+              <a:spcPct val="0"/>
+            </a:spcBef>
+            <a:spcAft>
+              <a:spcPct val="35000"/>
+            </a:spcAft>
+            <a:buNone/>
+          </a:pPr>
+          <a:r>
+            <a:rPr lang="en-US" sz="1400" kern="1200" dirty="0"/>
+            <a:t>10+ years employees are defaulting about a percent more than the rest of the categories. </a:t>
+          </a:r>
+        </a:p>
+        <a:p>
+          <a:pPr marL="0" lvl="0" indent="0" algn="l" defTabSz="622300">
+            <a:lnSpc>
+              <a:spcPct val="90000"/>
+            </a:lnSpc>
+            <a:spcBef>
+              <a:spcPct val="0"/>
+            </a:spcBef>
+            <a:spcAft>
+              <a:spcPct val="35000"/>
+            </a:spcAft>
+            <a:buNone/>
+          </a:pPr>
+          <a:r>
+            <a:rPr lang="en-US" sz="1400" kern="1200" dirty="0"/>
+            <a:t>7 year employees also shows the similar trend </a:t>
+          </a:r>
+        </a:p>
+      </dsp:txBody>
+      <dsp:txXfrm>
+        <a:off x="0" y="1384035"/>
+        <a:ext cx="6900512" cy="692017"/>
+      </dsp:txXfrm>
+    </dsp:sp>
+    <dsp:sp modelId="{28A406BC-6288-4BC8-BEB9-E09FBE5C1110}">
+      <dsp:nvSpPr>
+        <dsp:cNvPr id="0" name=""/>
+        <dsp:cNvSpPr/>
+      </dsp:nvSpPr>
+      <dsp:spPr>
+        <a:xfrm>
+          <a:off x="0" y="2076052"/>
+          <a:ext cx="6900512" cy="0"/>
+        </a:xfrm>
+        <a:prstGeom prst="line">
+          <a:avLst/>
+        </a:prstGeom>
+        <a:solidFill>
+          <a:schemeClr val="accent5">
+            <a:hueOff val="0"/>
+            <a:satOff val="0"/>
+            <a:lumOff val="0"/>
+            <a:alphaOff val="0"/>
+          </a:schemeClr>
+        </a:solidFill>
+        <a:ln w="12700" cap="flat" cmpd="sng" algn="ctr">
+          <a:solidFill>
+            <a:schemeClr val="accent5">
+              <a:hueOff val="0"/>
+              <a:satOff val="0"/>
+              <a:lumOff val="0"/>
+              <a:alphaOff val="0"/>
+            </a:schemeClr>
+          </a:solidFill>
+          <a:prstDash val="solid"/>
+          <a:miter lim="800000"/>
+        </a:ln>
+        <a:effectLst/>
+      </dsp:spPr>
+      <dsp:style>
+        <a:lnRef idx="2">
+          <a:scrgbClr r="0" g="0" b="0"/>
+        </a:lnRef>
+        <a:fillRef idx="1">
+          <a:scrgbClr r="0" g="0" b="0"/>
+        </a:fillRef>
+        <a:effectRef idx="0">
+          <a:scrgbClr r="0" g="0" b="0"/>
+        </a:effectRef>
+        <a:fontRef idx="minor">
+          <a:schemeClr val="lt1"/>
+        </a:fontRef>
+      </dsp:style>
+    </dsp:sp>
+    <dsp:sp modelId="{93E23857-A8FF-4092-95E5-C38EF9C850F2}">
+      <dsp:nvSpPr>
+        <dsp:cNvPr id="0" name=""/>
+        <dsp:cNvSpPr/>
+      </dsp:nvSpPr>
+      <dsp:spPr>
+        <a:xfrm>
+          <a:off x="0" y="2076052"/>
+          <a:ext cx="6900512" cy="692017"/>
+        </a:xfrm>
+        <a:prstGeom prst="rect">
+          <a:avLst/>
+        </a:prstGeom>
+        <a:noFill/>
+        <a:ln>
+          <a:noFill/>
+        </a:ln>
+        <a:effectLst/>
+      </dsp:spPr>
+      <dsp:style>
+        <a:lnRef idx="0">
+          <a:scrgbClr r="0" g="0" b="0"/>
+        </a:lnRef>
+        <a:fillRef idx="0">
+          <a:scrgbClr r="0" g="0" b="0"/>
+        </a:fillRef>
+        <a:effectRef idx="0">
+          <a:scrgbClr r="0" g="0" b="0"/>
+        </a:effectRef>
+        <a:fontRef idx="minor"/>
+      </dsp:style>
+      <dsp:txBody>
+        <a:bodyPr spcFirstLastPara="0" vert="horz" wrap="square" lIns="53340" tIns="53340" rIns="53340" bIns="53340" numCol="1" spcCol="1270" anchor="t" anchorCtr="0">
+          <a:noAutofit/>
+        </a:bodyPr>
+        <a:lstStyle/>
+        <a:p>
+          <a:pPr marL="0" lvl="0" indent="0" algn="l" defTabSz="622300">
+            <a:lnSpc>
+              <a:spcPct val="90000"/>
+            </a:lnSpc>
+            <a:spcBef>
+              <a:spcPct val="0"/>
+            </a:spcBef>
+            <a:spcAft>
+              <a:spcPct val="35000"/>
+            </a:spcAft>
+            <a:buNone/>
+          </a:pPr>
+          <a:r>
+            <a:rPr lang="en-US" sz="1400" kern="1200" dirty="0"/>
+            <a:t>Verified category, source verified category is defaulting more when compared to not verified</a:t>
+          </a:r>
+        </a:p>
+      </dsp:txBody>
+      <dsp:txXfrm>
+        <a:off x="0" y="2076052"/>
+        <a:ext cx="6900512" cy="692017"/>
+      </dsp:txXfrm>
+    </dsp:sp>
+    <dsp:sp modelId="{7C65DF8A-CA75-464C-9527-383479EFFB73}">
+      <dsp:nvSpPr>
+        <dsp:cNvPr id="0" name=""/>
+        <dsp:cNvSpPr/>
+      </dsp:nvSpPr>
+      <dsp:spPr>
+        <a:xfrm>
+          <a:off x="0" y="2768070"/>
+          <a:ext cx="6900512" cy="0"/>
+        </a:xfrm>
+        <a:prstGeom prst="line">
+          <a:avLst/>
+        </a:prstGeom>
+        <a:solidFill>
+          <a:schemeClr val="accent6">
+            <a:hueOff val="0"/>
+            <a:satOff val="0"/>
+            <a:lumOff val="0"/>
+            <a:alphaOff val="0"/>
+          </a:schemeClr>
+        </a:solidFill>
+        <a:ln w="12700" cap="flat" cmpd="sng" algn="ctr">
+          <a:solidFill>
+            <a:schemeClr val="accent6">
+              <a:hueOff val="0"/>
+              <a:satOff val="0"/>
+              <a:lumOff val="0"/>
+              <a:alphaOff val="0"/>
+            </a:schemeClr>
+          </a:solidFill>
+          <a:prstDash val="solid"/>
+          <a:miter lim="800000"/>
+        </a:ln>
+        <a:effectLst/>
+      </dsp:spPr>
+      <dsp:style>
+        <a:lnRef idx="2">
+          <a:scrgbClr r="0" g="0" b="0"/>
+        </a:lnRef>
+        <a:fillRef idx="1">
+          <a:scrgbClr r="0" g="0" b="0"/>
+        </a:fillRef>
+        <a:effectRef idx="0">
+          <a:scrgbClr r="0" g="0" b="0"/>
+        </a:effectRef>
+        <a:fontRef idx="minor">
+          <a:schemeClr val="lt1"/>
+        </a:fontRef>
+      </dsp:style>
+    </dsp:sp>
+    <dsp:sp modelId="{E1240EF8-9F11-4687-8867-4BD5AE12B8BC}">
+      <dsp:nvSpPr>
+        <dsp:cNvPr id="0" name=""/>
+        <dsp:cNvSpPr/>
+      </dsp:nvSpPr>
+      <dsp:spPr>
+        <a:xfrm>
+          <a:off x="0" y="2768070"/>
+          <a:ext cx="6900512" cy="692017"/>
+        </a:xfrm>
+        <a:prstGeom prst="rect">
+          <a:avLst/>
+        </a:prstGeom>
+        <a:noFill/>
+        <a:ln>
+          <a:noFill/>
+        </a:ln>
+        <a:effectLst/>
+      </dsp:spPr>
+      <dsp:style>
+        <a:lnRef idx="0">
+          <a:scrgbClr r="0" g="0" b="0"/>
+        </a:lnRef>
+        <a:fillRef idx="0">
+          <a:scrgbClr r="0" g="0" b="0"/>
+        </a:fillRef>
+        <a:effectRef idx="0">
+          <a:scrgbClr r="0" g="0" b="0"/>
+        </a:effectRef>
+        <a:fontRef idx="minor"/>
+      </dsp:style>
+      <dsp:txBody>
+        <a:bodyPr spcFirstLastPara="0" vert="horz" wrap="square" lIns="53340" tIns="53340" rIns="53340" bIns="53340" numCol="1" spcCol="1270" anchor="t" anchorCtr="0">
+          <a:noAutofit/>
+        </a:bodyPr>
+        <a:lstStyle/>
+        <a:p>
+          <a:pPr marL="0" lvl="0" indent="0" algn="l" defTabSz="622300">
+            <a:lnSpc>
+              <a:spcPct val="90000"/>
+            </a:lnSpc>
+            <a:spcBef>
+              <a:spcPct val="0"/>
+            </a:spcBef>
+            <a:spcAft>
+              <a:spcPct val="35000"/>
+            </a:spcAft>
+            <a:buNone/>
+          </a:pPr>
+          <a:r>
+            <a:rPr lang="en-US" sz="1400" kern="1200" dirty="0"/>
+            <a:t>Small business defaulters are way higher than the rest</a:t>
+          </a:r>
+        </a:p>
+      </dsp:txBody>
+      <dsp:txXfrm>
+        <a:off x="0" y="2768070"/>
+        <a:ext cx="6900512" cy="692017"/>
+      </dsp:txXfrm>
+    </dsp:sp>
+    <dsp:sp modelId="{C6EB45B4-193E-4EC7-8B5A-AD9BFFD22471}">
+      <dsp:nvSpPr>
+        <dsp:cNvPr id="0" name=""/>
+        <dsp:cNvSpPr/>
+      </dsp:nvSpPr>
+      <dsp:spPr>
+        <a:xfrm>
+          <a:off x="0" y="3460088"/>
+          <a:ext cx="6900512" cy="0"/>
+        </a:xfrm>
+        <a:prstGeom prst="line">
+          <a:avLst/>
+        </a:prstGeom>
+        <a:solidFill>
+          <a:schemeClr val="accent2">
+            <a:hueOff val="0"/>
+            <a:satOff val="0"/>
+            <a:lumOff val="0"/>
+            <a:alphaOff val="0"/>
+          </a:schemeClr>
+        </a:solidFill>
+        <a:ln w="12700" cap="flat" cmpd="sng" algn="ctr">
+          <a:solidFill>
+            <a:schemeClr val="accent2">
+              <a:hueOff val="0"/>
+              <a:satOff val="0"/>
+              <a:lumOff val="0"/>
+              <a:alphaOff val="0"/>
+            </a:schemeClr>
+          </a:solidFill>
+          <a:prstDash val="solid"/>
+          <a:miter lim="800000"/>
+        </a:ln>
+        <a:effectLst/>
+      </dsp:spPr>
+      <dsp:style>
+        <a:lnRef idx="2">
+          <a:scrgbClr r="0" g="0" b="0"/>
+        </a:lnRef>
+        <a:fillRef idx="1">
+          <a:scrgbClr r="0" g="0" b="0"/>
+        </a:fillRef>
+        <a:effectRef idx="0">
+          <a:scrgbClr r="0" g="0" b="0"/>
+        </a:effectRef>
+        <a:fontRef idx="minor">
+          <a:schemeClr val="lt1"/>
+        </a:fontRef>
+      </dsp:style>
+    </dsp:sp>
+    <dsp:sp modelId="{44F0203E-CE07-4A60-80E5-EA372DE47B9C}">
+      <dsp:nvSpPr>
+        <dsp:cNvPr id="0" name=""/>
+        <dsp:cNvSpPr/>
+      </dsp:nvSpPr>
+      <dsp:spPr>
+        <a:xfrm>
+          <a:off x="0" y="3460088"/>
+          <a:ext cx="6900512" cy="692017"/>
+        </a:xfrm>
+        <a:prstGeom prst="rect">
+          <a:avLst/>
+        </a:prstGeom>
+        <a:noFill/>
+        <a:ln>
+          <a:noFill/>
+        </a:ln>
+        <a:effectLst/>
+      </dsp:spPr>
+      <dsp:style>
+        <a:lnRef idx="0">
+          <a:scrgbClr r="0" g="0" b="0"/>
+        </a:lnRef>
+        <a:fillRef idx="0">
+          <a:scrgbClr r="0" g="0" b="0"/>
+        </a:fillRef>
+        <a:effectRef idx="0">
+          <a:scrgbClr r="0" g="0" b="0"/>
+        </a:effectRef>
+        <a:fontRef idx="minor"/>
+      </dsp:style>
+      <dsp:txBody>
+        <a:bodyPr spcFirstLastPara="0" vert="horz" wrap="square" lIns="53340" tIns="53340" rIns="53340" bIns="53340" numCol="1" spcCol="1270" anchor="t" anchorCtr="0">
+          <a:noAutofit/>
+        </a:bodyPr>
+        <a:lstStyle/>
+        <a:p>
+          <a:pPr marL="0" lvl="0" indent="0" algn="l" defTabSz="622300">
+            <a:lnSpc>
+              <a:spcPct val="90000"/>
+            </a:lnSpc>
+            <a:spcBef>
+              <a:spcPct val="0"/>
+            </a:spcBef>
+            <a:spcAft>
+              <a:spcPct val="35000"/>
+            </a:spcAft>
+            <a:buNone/>
+          </a:pPr>
+          <a:r>
+            <a:rPr lang="en-US" sz="1400" kern="1200" dirty="0"/>
+            <a:t>DTI is able to find the defaulters in the right order. Higher the </a:t>
+          </a:r>
+          <a:r>
+            <a:rPr lang="en-US" sz="1400" kern="1200" dirty="0" err="1"/>
+            <a:t>dti</a:t>
+          </a:r>
+          <a:r>
+            <a:rPr lang="en-US" sz="1400" kern="1200" dirty="0"/>
+            <a:t>, higher the chance of default</a:t>
+          </a:r>
+        </a:p>
+      </dsp:txBody>
+      <dsp:txXfrm>
+        <a:off x="0" y="3460088"/>
+        <a:ext cx="6900512" cy="692017"/>
+      </dsp:txXfrm>
+    </dsp:sp>
+    <dsp:sp modelId="{D162781B-D069-4640-8ACF-6BA9A5E4713F}">
+      <dsp:nvSpPr>
+        <dsp:cNvPr id="0" name=""/>
+        <dsp:cNvSpPr/>
+      </dsp:nvSpPr>
+      <dsp:spPr>
+        <a:xfrm>
+          <a:off x="0" y="4152105"/>
+          <a:ext cx="6900512" cy="0"/>
+        </a:xfrm>
+        <a:prstGeom prst="line">
+          <a:avLst/>
+        </a:prstGeom>
+        <a:solidFill>
+          <a:schemeClr val="accent3">
+            <a:hueOff val="0"/>
+            <a:satOff val="0"/>
+            <a:lumOff val="0"/>
+            <a:alphaOff val="0"/>
+          </a:schemeClr>
+        </a:solidFill>
+        <a:ln w="12700" cap="flat" cmpd="sng" algn="ctr">
+          <a:solidFill>
+            <a:schemeClr val="accent3">
+              <a:hueOff val="0"/>
+              <a:satOff val="0"/>
+              <a:lumOff val="0"/>
+              <a:alphaOff val="0"/>
+            </a:schemeClr>
+          </a:solidFill>
+          <a:prstDash val="solid"/>
+          <a:miter lim="800000"/>
+        </a:ln>
+        <a:effectLst/>
+      </dsp:spPr>
+      <dsp:style>
+        <a:lnRef idx="2">
+          <a:scrgbClr r="0" g="0" b="0"/>
+        </a:lnRef>
+        <a:fillRef idx="1">
+          <a:scrgbClr r="0" g="0" b="0"/>
+        </a:fillRef>
+        <a:effectRef idx="0">
+          <a:scrgbClr r="0" g="0" b="0"/>
+        </a:effectRef>
+        <a:fontRef idx="minor">
+          <a:schemeClr val="lt1"/>
+        </a:fontRef>
+      </dsp:style>
+    </dsp:sp>
+    <dsp:sp modelId="{5FF7CD76-3AB2-477E-84C5-D3C38A8E276B}">
+      <dsp:nvSpPr>
+        <dsp:cNvPr id="0" name=""/>
+        <dsp:cNvSpPr/>
+      </dsp:nvSpPr>
+      <dsp:spPr>
+        <a:xfrm>
+          <a:off x="0" y="4152105"/>
+          <a:ext cx="6900512" cy="692017"/>
+        </a:xfrm>
+        <a:prstGeom prst="rect">
+          <a:avLst/>
+        </a:prstGeom>
+        <a:noFill/>
+        <a:ln>
+          <a:noFill/>
+        </a:ln>
+        <a:effectLst/>
+      </dsp:spPr>
+      <dsp:style>
+        <a:lnRef idx="0">
+          <a:scrgbClr r="0" g="0" b="0"/>
+        </a:lnRef>
+        <a:fillRef idx="0">
+          <a:scrgbClr r="0" g="0" b="0"/>
+        </a:fillRef>
+        <a:effectRef idx="0">
+          <a:scrgbClr r="0" g="0" b="0"/>
+        </a:effectRef>
+        <a:fontRef idx="minor"/>
+      </dsp:style>
+      <dsp:txBody>
+        <a:bodyPr spcFirstLastPara="0" vert="horz" wrap="square" lIns="53340" tIns="53340" rIns="53340" bIns="53340" numCol="1" spcCol="1270" anchor="t" anchorCtr="0">
+          <a:noAutofit/>
+        </a:bodyPr>
+        <a:lstStyle/>
+        <a:p>
+          <a:pPr marL="0" lvl="0" indent="0" algn="l" defTabSz="622300">
+            <a:lnSpc>
+              <a:spcPct val="90000"/>
+            </a:lnSpc>
+            <a:spcBef>
+              <a:spcPct val="0"/>
+            </a:spcBef>
+            <a:spcAft>
+              <a:spcPct val="35000"/>
+            </a:spcAft>
+            <a:buNone/>
+          </a:pPr>
+          <a:r>
+            <a:rPr lang="en-US" sz="1400" kern="1200"/>
+            <a:t>The observation is same when the split/binning was done based on the ranges ['00-05', '05-10', '10-15', '15-20', '20-25', '25-30'] and based on the quantiles [0, 0.2, 0.4, 0.6, 0.8, 1]</a:t>
+          </a:r>
+        </a:p>
+      </dsp:txBody>
+      <dsp:txXfrm>
+        <a:off x="0" y="4152105"/>
+        <a:ext cx="6900512" cy="692017"/>
+      </dsp:txXfrm>
+    </dsp:sp>
+    <dsp:sp modelId="{6BAA3F78-A1BB-41CD-8D21-CA0871C8BE11}">
+      <dsp:nvSpPr>
+        <dsp:cNvPr id="0" name=""/>
+        <dsp:cNvSpPr/>
+      </dsp:nvSpPr>
+      <dsp:spPr>
+        <a:xfrm>
+          <a:off x="0" y="4844123"/>
+          <a:ext cx="6900512" cy="0"/>
+        </a:xfrm>
+        <a:prstGeom prst="line">
+          <a:avLst/>
+        </a:prstGeom>
+        <a:solidFill>
+          <a:schemeClr val="accent4">
+            <a:hueOff val="0"/>
+            <a:satOff val="0"/>
+            <a:lumOff val="0"/>
+            <a:alphaOff val="0"/>
+          </a:schemeClr>
+        </a:solidFill>
+        <a:ln w="12700" cap="flat" cmpd="sng" algn="ctr">
+          <a:solidFill>
+            <a:schemeClr val="accent4">
+              <a:hueOff val="0"/>
+              <a:satOff val="0"/>
+              <a:lumOff val="0"/>
+              <a:alphaOff val="0"/>
+            </a:schemeClr>
+          </a:solidFill>
+          <a:prstDash val="solid"/>
+          <a:miter lim="800000"/>
+        </a:ln>
+        <a:effectLst/>
+      </dsp:spPr>
+      <dsp:style>
+        <a:lnRef idx="2">
+          <a:scrgbClr r="0" g="0" b="0"/>
+        </a:lnRef>
+        <a:fillRef idx="1">
+          <a:scrgbClr r="0" g="0" b="0"/>
+        </a:fillRef>
+        <a:effectRef idx="0">
+          <a:scrgbClr r="0" g="0" b="0"/>
+        </a:effectRef>
+        <a:fontRef idx="minor">
+          <a:schemeClr val="lt1"/>
+        </a:fontRef>
+      </dsp:style>
+    </dsp:sp>
+    <dsp:sp modelId="{323DAB3E-B6FA-4D49-B062-34B44DBFBE4A}">
+      <dsp:nvSpPr>
+        <dsp:cNvPr id="0" name=""/>
+        <dsp:cNvSpPr/>
+      </dsp:nvSpPr>
+      <dsp:spPr>
+        <a:xfrm>
+          <a:off x="0" y="4844123"/>
+          <a:ext cx="6900512" cy="692017"/>
+        </a:xfrm>
+        <a:prstGeom prst="rect">
+          <a:avLst/>
+        </a:prstGeom>
+        <a:noFill/>
+        <a:ln>
+          <a:noFill/>
+        </a:ln>
+        <a:effectLst/>
+      </dsp:spPr>
+      <dsp:style>
+        <a:lnRef idx="0">
+          <a:scrgbClr r="0" g="0" b="0"/>
+        </a:lnRef>
+        <a:fillRef idx="0">
+          <a:scrgbClr r="0" g="0" b="0"/>
+        </a:fillRef>
+        <a:effectRef idx="0">
+          <a:scrgbClr r="0" g="0" b="0"/>
+        </a:effectRef>
+        <a:fontRef idx="minor"/>
+      </dsp:style>
+      <dsp:txBody>
+        <a:bodyPr spcFirstLastPara="0" vert="horz" wrap="square" lIns="53340" tIns="53340" rIns="53340" bIns="53340" numCol="1" spcCol="1270" anchor="t" anchorCtr="0">
+          <a:noAutofit/>
+        </a:bodyPr>
+        <a:lstStyle/>
+        <a:p>
+          <a:pPr marL="0" lvl="0" indent="0" algn="l" defTabSz="622300">
+            <a:lnSpc>
+              <a:spcPct val="90000"/>
+            </a:lnSpc>
+            <a:spcBef>
+              <a:spcPct val="0"/>
+            </a:spcBef>
+            <a:spcAft>
+              <a:spcPct val="35000"/>
+            </a:spcAft>
+            <a:buNone/>
+          </a:pPr>
+          <a:r>
+            <a:rPr lang="en-US" sz="1400" kern="1200" dirty="0"/>
+            <a:t>Grade is also a strong indicator. Its shows similar trends as that of subgrades, subgrade F5 is 47% default</a:t>
+          </a:r>
+        </a:p>
+      </dsp:txBody>
+      <dsp:txXfrm>
+        <a:off x="0" y="4844123"/>
+        <a:ext cx="6900512" cy="692017"/>
       </dsp:txXfrm>
     </dsp:sp>
   </dsp:spTree>
@@ -8329,6 +10562,472 @@
 </dgm:layoutDef>
 </file>
 
+<file path=ppt/diagrams/layout5.xml><?xml version="1.0" encoding="utf-8"?>
+<dgm:layoutDef xmlns:dgm="http://schemas.openxmlformats.org/drawingml/2006/diagram" xmlns:a="http://schemas.openxmlformats.org/drawingml/2006/main" uniqueId="urn:microsoft.com/office/officeart/2008/layout/LinedList">
+  <dgm:title val=""/>
+  <dgm:desc val=""/>
+  <dgm:catLst>
+    <dgm:cat type="hierarchy" pri="8000"/>
+    <dgm:cat type="list" pri="2500"/>
+  </dgm:catLst>
+  <dgm:sampData>
+    <dgm:dataModel>
+      <dgm:ptLst>
+        <dgm:pt modelId="0" type="doc"/>
+        <dgm:pt modelId="1">
+          <dgm:prSet phldr="1"/>
+        </dgm:pt>
+        <dgm:pt modelId="11">
+          <dgm:prSet phldr="1"/>
+        </dgm:pt>
+        <dgm:pt modelId="12">
+          <dgm:prSet phldr="1"/>
+        </dgm:pt>
+        <dgm:pt modelId="13">
+          <dgm:prSet phldr="1"/>
+        </dgm:pt>
+      </dgm:ptLst>
+      <dgm:cxnLst>
+        <dgm:cxn modelId="2" srcId="0" destId="1" srcOrd="0" destOrd="0"/>
+        <dgm:cxn modelId="3" srcId="1" destId="11" srcOrd="0" destOrd="0"/>
+        <dgm:cxn modelId="4" srcId="1" destId="12" srcOrd="1" destOrd="0"/>
+        <dgm:cxn modelId="5" srcId="1" destId="13" srcOrd="2" destOrd="0"/>
+      </dgm:cxnLst>
+      <dgm:bg/>
+      <dgm:whole/>
+    </dgm:dataModel>
+  </dgm:sampData>
+  <dgm:styleData>
+    <dgm:dataModel>
+      <dgm:ptLst>
+        <dgm:pt modelId="0" type="doc"/>
+        <dgm:pt modelId="1">
+          <dgm:prSet phldr="1"/>
+        </dgm:pt>
+        <dgm:pt modelId="11">
+          <dgm:prSet phldr="1"/>
+        </dgm:pt>
+        <dgm:pt modelId="12">
+          <dgm:prSet phldr="1"/>
+        </dgm:pt>
+      </dgm:ptLst>
+      <dgm:cxnLst>
+        <dgm:cxn modelId="2" srcId="0" destId="1" srcOrd="0" destOrd="0"/>
+        <dgm:cxn modelId="3" srcId="1" destId="11" srcOrd="0" destOrd="0"/>
+        <dgm:cxn modelId="4" srcId="1" destId="12" srcOrd="1" destOrd="0"/>
+      </dgm:cxnLst>
+      <dgm:bg/>
+      <dgm:whole/>
+    </dgm:dataModel>
+  </dgm:styleData>
+  <dgm:clrData>
+    <dgm:dataModel>
+      <dgm:ptLst>
+        <dgm:pt modelId="0" type="doc"/>
+        <dgm:pt modelId="1">
+          <dgm:prSet phldr="1"/>
+        </dgm:pt>
+        <dgm:pt modelId="11">
+          <dgm:prSet phldr="1"/>
+        </dgm:pt>
+        <dgm:pt modelId="12">
+          <dgm:prSet phldr="1"/>
+        </dgm:pt>
+      </dgm:ptLst>
+      <dgm:cxnLst>
+        <dgm:cxn modelId="2" srcId="0" destId="1" srcOrd="0" destOrd="0"/>
+        <dgm:cxn modelId="3" srcId="1" destId="11" srcOrd="0" destOrd="0"/>
+        <dgm:cxn modelId="4" srcId="1" destId="12" srcOrd="1" destOrd="0"/>
+      </dgm:cxnLst>
+      <dgm:bg/>
+      <dgm:whole/>
+    </dgm:dataModel>
+  </dgm:clrData>
+  <dgm:layoutNode name="vert0">
+    <dgm:varLst>
+      <dgm:dir/>
+      <dgm:animOne val="branch"/>
+      <dgm:animLvl val="lvl"/>
+    </dgm:varLst>
+    <dgm:choose name="Name0">
+      <dgm:if name="Name1" func="var" arg="dir" op="equ" val="norm">
+        <dgm:alg type="lin">
+          <dgm:param type="linDir" val="fromT"/>
+          <dgm:param type="nodeHorzAlign" val="l"/>
+        </dgm:alg>
+      </dgm:if>
+      <dgm:else name="Name2">
+        <dgm:alg type="lin">
+          <dgm:param type="linDir" val="fromT"/>
+          <dgm:param type="nodeHorzAlign" val="r"/>
+        </dgm:alg>
+      </dgm:else>
+    </dgm:choose>
+    <dgm:shape xmlns:r="http://schemas.openxmlformats.org/officeDocument/2006/relationships" r:blip="">
+      <dgm:adjLst/>
+    </dgm:shape>
+    <dgm:presOf/>
+    <dgm:constrLst>
+      <dgm:constr type="w" for="ch" forName="horz1" refType="w"/>
+      <dgm:constr type="h" for="ch" forName="horz1" refType="h"/>
+      <dgm:constr type="h" for="des" forName="vert1" refType="h"/>
+      <dgm:constr type="h" for="des" forName="tx1" refType="h"/>
+      <dgm:constr type="h" for="des" forName="horz2" refType="h"/>
+      <dgm:constr type="h" for="des" forName="vert2" refType="h"/>
+      <dgm:constr type="h" for="des" forName="horz3" refType="h"/>
+      <dgm:constr type="h" for="des" forName="vert3" refType="h"/>
+      <dgm:constr type="h" for="des" forName="horz4" refType="h"/>
+      <dgm:constr type="h" for="des" ptType="node" refType="h"/>
+      <dgm:constr type="primFontSz" for="des" forName="tx1" op="equ" val="65"/>
+      <dgm:constr type="primFontSz" for="des" forName="tx2" op="equ" val="65"/>
+      <dgm:constr type="primFontSz" for="des" forName="tx3" op="equ" val="65"/>
+      <dgm:constr type="primFontSz" for="des" forName="tx4" op="equ" val="65"/>
+      <dgm:constr type="w" for="des" forName="thickLine" refType="w"/>
+      <dgm:constr type="h" for="des" forName="thickLine"/>
+      <dgm:constr type="h" for="des" forName="thinLine1"/>
+      <dgm:constr type="h" for="des" forName="thinLine2b"/>
+      <dgm:constr type="h" for="des" forName="thinLine3"/>
+      <dgm:constr type="h" for="des" forName="vertSpace2a" refType="h" fact="0.05"/>
+      <dgm:constr type="h" for="des" forName="vertSpace2b" refType="h" refFor="des" refForName="vertSpace2a"/>
+    </dgm:constrLst>
+    <dgm:forEach name="Name3" axis="ch" ptType="node">
+      <dgm:layoutNode name="thickLine" styleLbl="alignNode1">
+        <dgm:alg type="sp"/>
+        <dgm:shape xmlns:r="http://schemas.openxmlformats.org/officeDocument/2006/relationships" type="line" r:blip="">
+          <dgm:adjLst/>
+        </dgm:shape>
+        <dgm:presOf/>
+      </dgm:layoutNode>
+      <dgm:layoutNode name="horz1">
+        <dgm:choose name="Name4">
+          <dgm:if name="Name5" func="var" arg="dir" op="equ" val="norm">
+            <dgm:alg type="lin">
+              <dgm:param type="linDir" val="fromL"/>
+              <dgm:param type="nodeVertAlign" val="t"/>
+            </dgm:alg>
+          </dgm:if>
+          <dgm:else name="Name6">
+            <dgm:alg type="lin">
+              <dgm:param type="linDir" val="fromR"/>
+              <dgm:param type="nodeVertAlign" val="t"/>
+            </dgm:alg>
+          </dgm:else>
+        </dgm:choose>
+        <dgm:shape xmlns:r="http://schemas.openxmlformats.org/officeDocument/2006/relationships" r:blip="">
+          <dgm:adjLst/>
+        </dgm:shape>
+        <dgm:presOf/>
+        <dgm:choose name="Name7">
+          <dgm:if name="Name8" axis="root des" func="maxDepth" op="equ" val="1">
+            <dgm:constrLst>
+              <dgm:constr type="w" for="ch" forName="tx1" refType="w"/>
+            </dgm:constrLst>
+          </dgm:if>
+          <dgm:if name="Name9" axis="root des" func="maxDepth" op="equ" val="2">
+            <dgm:constrLst>
+              <dgm:constr type="w" for="ch" forName="tx1" refType="w" fact="0.2"/>
+              <dgm:constr type="w" for="des" forName="tx2" refType="w" fact="0.785"/>
+              <dgm:constr type="w" for="des" forName="horzSpace2" refType="w" fact="0.015"/>
+              <dgm:constr type="w" for="des" forName="thinLine2b" refType="w" fact="0.8"/>
+            </dgm:constrLst>
+          </dgm:if>
+          <dgm:if name="Name10" axis="root des" func="maxDepth" op="equ" val="3">
+            <dgm:constrLst>
+              <dgm:constr type="w" for="ch" forName="tx1" refType="w" fact="0.2"/>
+              <dgm:constr type="w" for="des" forName="tx2" refType="w" fact="0.385"/>
+              <dgm:constr type="w" for="des" forName="tx3" refType="w" fact="0.385"/>
+              <dgm:constr type="w" for="des" forName="horzSpace2" refType="w" fact="0.015"/>
+              <dgm:constr type="w" for="des" forName="horzSpace3" refType="w" fact="0.015"/>
+              <dgm:constr type="w" for="des" forName="thinLine2b" refType="w" fact="0.8"/>
+              <dgm:constr type="w" for="des" forName="thinLine3" refType="w" fact="0.385"/>
+            </dgm:constrLst>
+          </dgm:if>
+          <dgm:if name="Name11" axis="root des" func="maxDepth" op="gte" val="4">
+            <dgm:constrLst>
+              <dgm:constr type="w" for="ch" forName="tx1" refType="w" fact="0.2"/>
+              <dgm:constr type="w" for="des" forName="tx2" refType="w" fact="0.2516"/>
+              <dgm:constr type="w" for="des" forName="tx3" refType="w" fact="0.2516"/>
+              <dgm:constr type="w" for="des" forName="tx4" refType="w" fact="0.2516"/>
+              <dgm:constr type="w" for="des" forName="horzSpace2" refType="w" fact="0.015"/>
+              <dgm:constr type="w" for="des" forName="horzSpace3" refType="w" fact="0.015"/>
+              <dgm:constr type="w" for="des" forName="horzSpace4" refType="w" fact="0.015"/>
+              <dgm:constr type="w" for="des" forName="thinLine2b" refType="w" fact="0.8"/>
+              <dgm:constr type="w" for="des" forName="thinLine3" refType="w" fact="0.5332"/>
+            </dgm:constrLst>
+          </dgm:if>
+          <dgm:else name="Name12"/>
+        </dgm:choose>
+        <dgm:layoutNode name="tx1" styleLbl="revTx">
+          <dgm:alg type="tx">
+            <dgm:param type="parTxLTRAlign" val="l"/>
+            <dgm:param type="parTxRTLAlign" val="r"/>
+            <dgm:param type="txAnchorVert" val="t"/>
+          </dgm:alg>
+          <dgm:shape xmlns:r="http://schemas.openxmlformats.org/officeDocument/2006/relationships" type="rect" r:blip="">
+            <dgm:adjLst/>
+          </dgm:shape>
+          <dgm:presOf axis="self"/>
+          <dgm:constrLst>
+            <dgm:constr type="tMarg" refType="primFontSz" fact="0.3"/>
+            <dgm:constr type="bMarg" refType="primFontSz" fact="0.3"/>
+            <dgm:constr type="lMarg" refType="primFontSz" fact="0.3"/>
+            <dgm:constr type="rMarg" refType="primFontSz" fact="0.3"/>
+          </dgm:constrLst>
+          <dgm:ruleLst>
+            <dgm:rule type="primFontSz" val="5" fact="NaN" max="NaN"/>
+          </dgm:ruleLst>
+        </dgm:layoutNode>
+        <dgm:layoutNode name="vert1">
+          <dgm:choose name="Name13">
+            <dgm:if name="Name14" func="var" arg="dir" op="equ" val="norm">
+              <dgm:alg type="lin">
+                <dgm:param type="linDir" val="fromT"/>
+                <dgm:param type="nodeHorzAlign" val="l"/>
+              </dgm:alg>
+            </dgm:if>
+            <dgm:else name="Name15">
+              <dgm:alg type="lin">
+                <dgm:param type="linDir" val="fromT"/>
+                <dgm:param type="nodeHorzAlign" val="r"/>
+              </dgm:alg>
+            </dgm:else>
+          </dgm:choose>
+          <dgm:shape xmlns:r="http://schemas.openxmlformats.org/officeDocument/2006/relationships" r:blip="">
+            <dgm:adjLst/>
+          </dgm:shape>
+          <dgm:presOf/>
+          <dgm:forEach name="Name16" axis="ch" ptType="node">
+            <dgm:choose name="Name17">
+              <dgm:if name="Name18" axis="self" ptType="node" func="pos" op="equ" val="1">
+                <dgm:layoutNode name="vertSpace2a">
+                  <dgm:alg type="sp"/>
+                  <dgm:shape xmlns:r="http://schemas.openxmlformats.org/officeDocument/2006/relationships" r:blip="">
+                    <dgm:adjLst/>
+                  </dgm:shape>
+                  <dgm:presOf/>
+                </dgm:layoutNode>
+              </dgm:if>
+              <dgm:else name="Name19"/>
+            </dgm:choose>
+            <dgm:layoutNode name="horz2">
+              <dgm:choose name="Name20">
+                <dgm:if name="Name21" func="var" arg="dir" op="equ" val="norm">
+                  <dgm:alg type="lin">
+                    <dgm:param type="linDir" val="fromL"/>
+                    <dgm:param type="nodeVertAlign" val="t"/>
+                  </dgm:alg>
+                </dgm:if>
+                <dgm:else name="Name22">
+                  <dgm:alg type="lin">
+                    <dgm:param type="linDir" val="fromR"/>
+                    <dgm:param type="nodeVertAlign" val="t"/>
+                  </dgm:alg>
+                </dgm:else>
+              </dgm:choose>
+              <dgm:shape xmlns:r="http://schemas.openxmlformats.org/officeDocument/2006/relationships" r:blip="">
+                <dgm:adjLst/>
+              </dgm:shape>
+              <dgm:presOf/>
+              <dgm:layoutNode name="horzSpace2">
+                <dgm:alg type="sp"/>
+                <dgm:shape xmlns:r="http://schemas.openxmlformats.org/officeDocument/2006/relationships" r:blip="">
+                  <dgm:adjLst/>
+                </dgm:shape>
+                <dgm:presOf/>
+              </dgm:layoutNode>
+              <dgm:layoutNode name="tx2" styleLbl="revTx">
+                <dgm:alg type="tx">
+                  <dgm:param type="parTxLTRAlign" val="l"/>
+                  <dgm:param type="parTxRTLAlign" val="r"/>
+                  <dgm:param type="txAnchorVert" val="t"/>
+                </dgm:alg>
+                <dgm:shape xmlns:r="http://schemas.openxmlformats.org/officeDocument/2006/relationships" type="rect" r:blip="">
+                  <dgm:adjLst/>
+                </dgm:shape>
+                <dgm:presOf axis="self"/>
+                <dgm:constrLst>
+                  <dgm:constr type="tMarg" refType="primFontSz" fact="0.3"/>
+                  <dgm:constr type="bMarg" refType="primFontSz" fact="0.3"/>
+                  <dgm:constr type="lMarg" refType="primFontSz" fact="0.3"/>
+                  <dgm:constr type="rMarg" refType="primFontSz" fact="0.3"/>
+                </dgm:constrLst>
+                <dgm:ruleLst>
+                  <dgm:rule type="primFontSz" val="5" fact="NaN" max="NaN"/>
+                </dgm:ruleLst>
+              </dgm:layoutNode>
+              <dgm:layoutNode name="vert2">
+                <dgm:choose name="Name23">
+                  <dgm:if name="Name24" func="var" arg="dir" op="equ" val="norm">
+                    <dgm:alg type="lin">
+                      <dgm:param type="linDir" val="fromT"/>
+                      <dgm:param type="nodeHorzAlign" val="l"/>
+                    </dgm:alg>
+                  </dgm:if>
+                  <dgm:else name="Name25">
+                    <dgm:alg type="lin">
+                      <dgm:param type="linDir" val="fromT"/>
+                      <dgm:param type="nodeHorzAlign" val="r"/>
+                    </dgm:alg>
+                  </dgm:else>
+                </dgm:choose>
+                <dgm:shape xmlns:r="http://schemas.openxmlformats.org/officeDocument/2006/relationships" r:blip="">
+                  <dgm:adjLst/>
+                </dgm:shape>
+                <dgm:presOf/>
+                <dgm:forEach name="Name26" axis="ch" ptType="node">
+                  <dgm:layoutNode name="horz3">
+                    <dgm:choose name="Name27">
+                      <dgm:if name="Name28" func="var" arg="dir" op="equ" val="norm">
+                        <dgm:alg type="lin">
+                          <dgm:param type="linDir" val="fromL"/>
+                          <dgm:param type="nodeVertAlign" val="t"/>
+                        </dgm:alg>
+                      </dgm:if>
+                      <dgm:else name="Name29">
+                        <dgm:alg type="lin">
+                          <dgm:param type="linDir" val="fromR"/>
+                          <dgm:param type="nodeVertAlign" val="t"/>
+                        </dgm:alg>
+                      </dgm:else>
+                    </dgm:choose>
+                    <dgm:shape xmlns:r="http://schemas.openxmlformats.org/officeDocument/2006/relationships" r:blip="">
+                      <dgm:adjLst/>
+                    </dgm:shape>
+                    <dgm:presOf/>
+                    <dgm:layoutNode name="horzSpace3">
+                      <dgm:alg type="sp"/>
+                      <dgm:shape xmlns:r="http://schemas.openxmlformats.org/officeDocument/2006/relationships" r:blip="">
+                        <dgm:adjLst/>
+                      </dgm:shape>
+                      <dgm:presOf/>
+                    </dgm:layoutNode>
+                    <dgm:layoutNode name="tx3" styleLbl="revTx">
+                      <dgm:alg type="tx">
+                        <dgm:param type="parTxLTRAlign" val="l"/>
+                        <dgm:param type="parTxRTLAlign" val="r"/>
+                        <dgm:param type="txAnchorVert" val="t"/>
+                      </dgm:alg>
+                      <dgm:shape xmlns:r="http://schemas.openxmlformats.org/officeDocument/2006/relationships" type="rect" r:blip="">
+                        <dgm:adjLst/>
+                      </dgm:shape>
+                      <dgm:presOf axis="self"/>
+                      <dgm:constrLst>
+                        <dgm:constr type="tMarg" refType="primFontSz" fact="0.3"/>
+                        <dgm:constr type="bMarg" refType="primFontSz" fact="0.3"/>
+                        <dgm:constr type="lMarg" refType="primFontSz" fact="0.3"/>
+                        <dgm:constr type="rMarg" refType="primFontSz" fact="0.3"/>
+                      </dgm:constrLst>
+                      <dgm:ruleLst>
+                        <dgm:rule type="primFontSz" val="5" fact="NaN" max="NaN"/>
+                      </dgm:ruleLst>
+                    </dgm:layoutNode>
+                    <dgm:layoutNode name="vert3">
+                      <dgm:choose name="Name30">
+                        <dgm:if name="Name31" func="var" arg="dir" op="equ" val="norm">
+                          <dgm:alg type="lin">
+                            <dgm:param type="linDir" val="fromT"/>
+                            <dgm:param type="nodeHorzAlign" val="l"/>
+                          </dgm:alg>
+                        </dgm:if>
+                        <dgm:else name="Name32">
+                          <dgm:alg type="lin">
+                            <dgm:param type="linDir" val="fromT"/>
+                            <dgm:param type="nodeHorzAlign" val="r"/>
+                          </dgm:alg>
+                        </dgm:else>
+                      </dgm:choose>
+                      <dgm:shape xmlns:r="http://schemas.openxmlformats.org/officeDocument/2006/relationships" r:blip="">
+                        <dgm:adjLst/>
+                      </dgm:shape>
+                      <dgm:presOf/>
+                      <dgm:forEach name="Name33" axis="ch" ptType="node">
+                        <dgm:layoutNode name="horz4">
+                          <dgm:choose name="Name34">
+                            <dgm:if name="Name35" func="var" arg="dir" op="equ" val="norm">
+                              <dgm:alg type="lin">
+                                <dgm:param type="linDir" val="fromL"/>
+                                <dgm:param type="nodeVertAlign" val="t"/>
+                              </dgm:alg>
+                            </dgm:if>
+                            <dgm:else name="Name36">
+                              <dgm:alg type="lin">
+                                <dgm:param type="linDir" val="fromR"/>
+                                <dgm:param type="nodeVertAlign" val="t"/>
+                              </dgm:alg>
+                            </dgm:else>
+                          </dgm:choose>
+                          <dgm:shape xmlns:r="http://schemas.openxmlformats.org/officeDocument/2006/relationships" r:blip="">
+                            <dgm:adjLst/>
+                          </dgm:shape>
+                          <dgm:presOf/>
+                          <dgm:layoutNode name="horzSpace4">
+                            <dgm:alg type="sp"/>
+                            <dgm:shape xmlns:r="http://schemas.openxmlformats.org/officeDocument/2006/relationships" r:blip="">
+                              <dgm:adjLst/>
+                            </dgm:shape>
+                            <dgm:presOf/>
+                          </dgm:layoutNode>
+                          <dgm:layoutNode name="tx4" styleLbl="revTx">
+                            <dgm:varLst>
+                              <dgm:bulletEnabled val="1"/>
+                            </dgm:varLst>
+                            <dgm:alg type="tx">
+                              <dgm:param type="parTxLTRAlign" val="l"/>
+                              <dgm:param type="parTxRTLAlign" val="r"/>
+                              <dgm:param type="txAnchorVert" val="t"/>
+                            </dgm:alg>
+                            <dgm:shape xmlns:r="http://schemas.openxmlformats.org/officeDocument/2006/relationships" type="rect" r:blip="">
+                              <dgm:adjLst/>
+                            </dgm:shape>
+                            <dgm:presOf axis="desOrSelf" ptType="node"/>
+                            <dgm:constrLst>
+                              <dgm:constr type="tMarg" refType="primFontSz" fact="0.3"/>
+                              <dgm:constr type="bMarg" refType="primFontSz" fact="0.3"/>
+                              <dgm:constr type="lMarg" refType="primFontSz" fact="0.3"/>
+                              <dgm:constr type="rMarg" refType="primFontSz" fact="0.3"/>
+                            </dgm:constrLst>
+                            <dgm:ruleLst>
+                              <dgm:rule type="primFontSz" val="5" fact="NaN" max="NaN"/>
+                            </dgm:ruleLst>
+                          </dgm:layoutNode>
+                        </dgm:layoutNode>
+                      </dgm:forEach>
+                    </dgm:layoutNode>
+                  </dgm:layoutNode>
+                  <dgm:forEach name="Name37" axis="followSib" ptType="sibTrans" cnt="1">
+                    <dgm:layoutNode name="thinLine3" styleLbl="callout">
+                      <dgm:alg type="sp"/>
+                      <dgm:shape xmlns:r="http://schemas.openxmlformats.org/officeDocument/2006/relationships" type="line" r:blip="">
+                        <dgm:adjLst/>
+                      </dgm:shape>
+                      <dgm:presOf/>
+                    </dgm:layoutNode>
+                  </dgm:forEach>
+                </dgm:forEach>
+              </dgm:layoutNode>
+            </dgm:layoutNode>
+            <dgm:layoutNode name="thinLine2b" styleLbl="callout">
+              <dgm:alg type="sp"/>
+              <dgm:shape xmlns:r="http://schemas.openxmlformats.org/officeDocument/2006/relationships" type="line" r:blip="">
+                <dgm:adjLst/>
+              </dgm:shape>
+              <dgm:presOf/>
+            </dgm:layoutNode>
+            <dgm:layoutNode name="vertSpace2b">
+              <dgm:alg type="sp"/>
+              <dgm:shape xmlns:r="http://schemas.openxmlformats.org/officeDocument/2006/relationships" r:blip="">
+                <dgm:adjLst/>
+              </dgm:shape>
+              <dgm:presOf/>
+            </dgm:layoutNode>
+          </dgm:forEach>
+        </dgm:layoutNode>
+      </dgm:layoutNode>
+    </dgm:forEach>
+  </dgm:layoutNode>
+</dgm:layoutDef>
+</file>
+
 <file path=ppt/diagrams/quickStyle1.xml><?xml version="1.0" encoding="utf-8"?>
 <dgm:styleDef xmlns:dgm="http://schemas.openxmlformats.org/drawingml/2006/diagram" xmlns:a="http://schemas.openxmlformats.org/drawingml/2006/main" uniqueId="urn:microsoft.com/office/officeart/2005/8/quickstyle/simple1">
   <dgm:title val=""/>
@@ -11432,6 +14131,1040 @@
 </file>
 
 <file path=ppt/diagrams/quickStyle4.xml><?xml version="1.0" encoding="utf-8"?>
+<dgm:styleDef xmlns:dgm="http://schemas.openxmlformats.org/drawingml/2006/diagram" xmlns:a="http://schemas.openxmlformats.org/drawingml/2006/main" uniqueId="urn:microsoft.com/office/officeart/2005/8/quickstyle/simple1">
+  <dgm:title val=""/>
+  <dgm:desc val=""/>
+  <dgm:catLst>
+    <dgm:cat type="simple" pri="10100"/>
+  </dgm:catLst>
+  <dgm:scene3d>
+    <a:camera prst="orthographicFront"/>
+    <a:lightRig rig="threePt" dir="t"/>
+  </dgm:scene3d>
+  <dgm:styleLbl name="node0">
+    <dgm:scene3d>
+      <a:camera prst="orthographicFront"/>
+      <a:lightRig rig="threePt" dir="t"/>
+    </dgm:scene3d>
+    <dgm:sp3d/>
+    <dgm:txPr/>
+    <dgm:style>
+      <a:lnRef idx="2">
+        <a:scrgbClr r="0" g="0" b="0"/>
+      </a:lnRef>
+      <a:fillRef idx="1">
+        <a:scrgbClr r="0" g="0" b="0"/>
+      </a:fillRef>
+      <a:effectRef idx="0">
+        <a:scrgbClr r="0" g="0" b="0"/>
+      </a:effectRef>
+      <a:fontRef idx="minor">
+        <a:schemeClr val="lt1"/>
+      </a:fontRef>
+    </dgm:style>
+  </dgm:styleLbl>
+  <dgm:styleLbl name="lnNode1">
+    <dgm:scene3d>
+      <a:camera prst="orthographicFront"/>
+      <a:lightRig rig="threePt" dir="t"/>
+    </dgm:scene3d>
+    <dgm:sp3d/>
+    <dgm:txPr/>
+    <dgm:style>
+      <a:lnRef idx="2">
+        <a:scrgbClr r="0" g="0" b="0"/>
+      </a:lnRef>
+      <a:fillRef idx="1">
+        <a:scrgbClr r="0" g="0" b="0"/>
+      </a:fillRef>
+      <a:effectRef idx="0">
+        <a:scrgbClr r="0" g="0" b="0"/>
+      </a:effectRef>
+      <a:fontRef idx="minor">
+        <a:schemeClr val="lt1"/>
+      </a:fontRef>
+    </dgm:style>
+  </dgm:styleLbl>
+  <dgm:styleLbl name="vennNode1">
+    <dgm:scene3d>
+      <a:camera prst="orthographicFront"/>
+      <a:lightRig rig="threePt" dir="t"/>
+    </dgm:scene3d>
+    <dgm:sp3d/>
+    <dgm:txPr/>
+    <dgm:style>
+      <a:lnRef idx="2">
+        <a:scrgbClr r="0" g="0" b="0"/>
+      </a:lnRef>
+      <a:fillRef idx="1">
+        <a:scrgbClr r="0" g="0" b="0"/>
+      </a:fillRef>
+      <a:effectRef idx="0">
+        <a:scrgbClr r="0" g="0" b="0"/>
+      </a:effectRef>
+      <a:fontRef idx="minor">
+        <a:schemeClr val="tx1"/>
+      </a:fontRef>
+    </dgm:style>
+  </dgm:styleLbl>
+  <dgm:styleLbl name="alignNode1">
+    <dgm:scene3d>
+      <a:camera prst="orthographicFront"/>
+      <a:lightRig rig="threePt" dir="t"/>
+    </dgm:scene3d>
+    <dgm:sp3d/>
+    <dgm:txPr/>
+    <dgm:style>
+      <a:lnRef idx="2">
+        <a:scrgbClr r="0" g="0" b="0"/>
+      </a:lnRef>
+      <a:fillRef idx="1">
+        <a:scrgbClr r="0" g="0" b="0"/>
+      </a:fillRef>
+      <a:effectRef idx="0">
+        <a:scrgbClr r="0" g="0" b="0"/>
+      </a:effectRef>
+      <a:fontRef idx="minor">
+        <a:schemeClr val="lt1"/>
+      </a:fontRef>
+    </dgm:style>
+  </dgm:styleLbl>
+  <dgm:styleLbl name="node1">
+    <dgm:scene3d>
+      <a:camera prst="orthographicFront"/>
+      <a:lightRig rig="threePt" dir="t"/>
+    </dgm:scene3d>
+    <dgm:sp3d/>
+    <dgm:txPr/>
+    <dgm:style>
+      <a:lnRef idx="2">
+        <a:scrgbClr r="0" g="0" b="0"/>
+      </a:lnRef>
+      <a:fillRef idx="1">
+        <a:scrgbClr r="0" g="0" b="0"/>
+      </a:fillRef>
+      <a:effectRef idx="0">
+        <a:scrgbClr r="0" g="0" b="0"/>
+      </a:effectRef>
+      <a:fontRef idx="minor">
+        <a:schemeClr val="lt1"/>
+      </a:fontRef>
+    </dgm:style>
+  </dgm:styleLbl>
+  <dgm:styleLbl name="node2">
+    <dgm:scene3d>
+      <a:camera prst="orthographicFront"/>
+      <a:lightRig rig="threePt" dir="t"/>
+    </dgm:scene3d>
+    <dgm:sp3d/>
+    <dgm:txPr/>
+    <dgm:style>
+      <a:lnRef idx="2">
+        <a:scrgbClr r="0" g="0" b="0"/>
+      </a:lnRef>
+      <a:fillRef idx="1">
+        <a:scrgbClr r="0" g="0" b="0"/>
+      </a:fillRef>
+      <a:effectRef idx="0">
+        <a:scrgbClr r="0" g="0" b="0"/>
+      </a:effectRef>
+      <a:fontRef idx="minor">
+        <a:schemeClr val="lt1"/>
+      </a:fontRef>
+    </dgm:style>
+  </dgm:styleLbl>
+  <dgm:styleLbl name="node3">
+    <dgm:scene3d>
+      <a:camera prst="orthographicFront"/>
+      <a:lightRig rig="threePt" dir="t"/>
+    </dgm:scene3d>
+    <dgm:sp3d/>
+    <dgm:txPr/>
+    <dgm:style>
+      <a:lnRef idx="2">
+        <a:scrgbClr r="0" g="0" b="0"/>
+      </a:lnRef>
+      <a:fillRef idx="1">
+        <a:scrgbClr r="0" g="0" b="0"/>
+      </a:fillRef>
+      <a:effectRef idx="0">
+        <a:scrgbClr r="0" g="0" b="0"/>
+      </a:effectRef>
+      <a:fontRef idx="minor">
+        <a:schemeClr val="lt1"/>
+      </a:fontRef>
+    </dgm:style>
+  </dgm:styleLbl>
+  <dgm:styleLbl name="node4">
+    <dgm:scene3d>
+      <a:camera prst="orthographicFront"/>
+      <a:lightRig rig="threePt" dir="t"/>
+    </dgm:scene3d>
+    <dgm:sp3d/>
+    <dgm:txPr/>
+    <dgm:style>
+      <a:lnRef idx="2">
+        <a:scrgbClr r="0" g="0" b="0"/>
+      </a:lnRef>
+      <a:fillRef idx="1">
+        <a:scrgbClr r="0" g="0" b="0"/>
+      </a:fillRef>
+      <a:effectRef idx="0">
+        <a:scrgbClr r="0" g="0" b="0"/>
+      </a:effectRef>
+      <a:fontRef idx="minor">
+        <a:schemeClr val="lt1"/>
+      </a:fontRef>
+    </dgm:style>
+  </dgm:styleLbl>
+  <dgm:styleLbl name="fgImgPlace1">
+    <dgm:scene3d>
+      <a:camera prst="orthographicFront"/>
+      <a:lightRig rig="threePt" dir="t"/>
+    </dgm:scene3d>
+    <dgm:sp3d/>
+    <dgm:txPr/>
+    <dgm:style>
+      <a:lnRef idx="2">
+        <a:scrgbClr r="0" g="0" b="0"/>
+      </a:lnRef>
+      <a:fillRef idx="1">
+        <a:scrgbClr r="0" g="0" b="0"/>
+      </a:fillRef>
+      <a:effectRef idx="0">
+        <a:scrgbClr r="0" g="0" b="0"/>
+      </a:effectRef>
+      <a:fontRef idx="minor"/>
+    </dgm:style>
+  </dgm:styleLbl>
+  <dgm:styleLbl name="alignImgPlace1">
+    <dgm:scene3d>
+      <a:camera prst="orthographicFront"/>
+      <a:lightRig rig="threePt" dir="t"/>
+    </dgm:scene3d>
+    <dgm:sp3d/>
+    <dgm:txPr/>
+    <dgm:style>
+      <a:lnRef idx="2">
+        <a:scrgbClr r="0" g="0" b="0"/>
+      </a:lnRef>
+      <a:fillRef idx="1">
+        <a:scrgbClr r="0" g="0" b="0"/>
+      </a:fillRef>
+      <a:effectRef idx="0">
+        <a:scrgbClr r="0" g="0" b="0"/>
+      </a:effectRef>
+      <a:fontRef idx="minor"/>
+    </dgm:style>
+  </dgm:styleLbl>
+  <dgm:styleLbl name="bgImgPlace1">
+    <dgm:scene3d>
+      <a:camera prst="orthographicFront"/>
+      <a:lightRig rig="threePt" dir="t"/>
+    </dgm:scene3d>
+    <dgm:sp3d/>
+    <dgm:txPr/>
+    <dgm:style>
+      <a:lnRef idx="2">
+        <a:scrgbClr r="0" g="0" b="0"/>
+      </a:lnRef>
+      <a:fillRef idx="1">
+        <a:scrgbClr r="0" g="0" b="0"/>
+      </a:fillRef>
+      <a:effectRef idx="0">
+        <a:scrgbClr r="0" g="0" b="0"/>
+      </a:effectRef>
+      <a:fontRef idx="minor"/>
+    </dgm:style>
+  </dgm:styleLbl>
+  <dgm:styleLbl name="sibTrans2D1">
+    <dgm:scene3d>
+      <a:camera prst="orthographicFront"/>
+      <a:lightRig rig="threePt" dir="t"/>
+    </dgm:scene3d>
+    <dgm:sp3d/>
+    <dgm:txPr/>
+    <dgm:style>
+      <a:lnRef idx="0">
+        <a:scrgbClr r="0" g="0" b="0"/>
+      </a:lnRef>
+      <a:fillRef idx="1">
+        <a:scrgbClr r="0" g="0" b="0"/>
+      </a:fillRef>
+      <a:effectRef idx="0">
+        <a:scrgbClr r="0" g="0" b="0"/>
+      </a:effectRef>
+      <a:fontRef idx="minor">
+        <a:schemeClr val="lt1"/>
+      </a:fontRef>
+    </dgm:style>
+  </dgm:styleLbl>
+  <dgm:styleLbl name="fgSibTrans2D1">
+    <dgm:scene3d>
+      <a:camera prst="orthographicFront"/>
+      <a:lightRig rig="threePt" dir="t"/>
+    </dgm:scene3d>
+    <dgm:sp3d/>
+    <dgm:txPr/>
+    <dgm:style>
+      <a:lnRef idx="0">
+        <a:scrgbClr r="0" g="0" b="0"/>
+      </a:lnRef>
+      <a:fillRef idx="1">
+        <a:scrgbClr r="0" g="0" b="0"/>
+      </a:fillRef>
+      <a:effectRef idx="0">
+        <a:scrgbClr r="0" g="0" b="0"/>
+      </a:effectRef>
+      <a:fontRef idx="minor">
+        <a:schemeClr val="lt1"/>
+      </a:fontRef>
+    </dgm:style>
+  </dgm:styleLbl>
+  <dgm:styleLbl name="bgSibTrans2D1">
+    <dgm:scene3d>
+      <a:camera prst="orthographicFront"/>
+      <a:lightRig rig="threePt" dir="t"/>
+    </dgm:scene3d>
+    <dgm:sp3d/>
+    <dgm:txPr/>
+    <dgm:style>
+      <a:lnRef idx="0">
+        <a:scrgbClr r="0" g="0" b="0"/>
+      </a:lnRef>
+      <a:fillRef idx="1">
+        <a:scrgbClr r="0" g="0" b="0"/>
+      </a:fillRef>
+      <a:effectRef idx="0">
+        <a:scrgbClr r="0" g="0" b="0"/>
+      </a:effectRef>
+      <a:fontRef idx="minor">
+        <a:schemeClr val="lt1"/>
+      </a:fontRef>
+    </dgm:style>
+  </dgm:styleLbl>
+  <dgm:styleLbl name="sibTrans1D1">
+    <dgm:scene3d>
+      <a:camera prst="orthographicFront"/>
+      <a:lightRig rig="threePt" dir="t"/>
+    </dgm:scene3d>
+    <dgm:sp3d/>
+    <dgm:txPr/>
+    <dgm:style>
+      <a:lnRef idx="1">
+        <a:scrgbClr r="0" g="0" b="0"/>
+      </a:lnRef>
+      <a:fillRef idx="0">
+        <a:scrgbClr r="0" g="0" b="0"/>
+      </a:fillRef>
+      <a:effectRef idx="0">
+        <a:scrgbClr r="0" g="0" b="0"/>
+      </a:effectRef>
+      <a:fontRef idx="minor"/>
+    </dgm:style>
+  </dgm:styleLbl>
+  <dgm:styleLbl name="callout">
+    <dgm:scene3d>
+      <a:camera prst="orthographicFront"/>
+      <a:lightRig rig="threePt" dir="t"/>
+    </dgm:scene3d>
+    <dgm:sp3d/>
+    <dgm:txPr/>
+    <dgm:style>
+      <a:lnRef idx="2">
+        <a:scrgbClr r="0" g="0" b="0"/>
+      </a:lnRef>
+      <a:fillRef idx="1">
+        <a:scrgbClr r="0" g="0" b="0"/>
+      </a:fillRef>
+      <a:effectRef idx="0">
+        <a:scrgbClr r="0" g="0" b="0"/>
+      </a:effectRef>
+      <a:fontRef idx="minor"/>
+    </dgm:style>
+  </dgm:styleLbl>
+  <dgm:styleLbl name="asst0">
+    <dgm:scene3d>
+      <a:camera prst="orthographicFront"/>
+      <a:lightRig rig="threePt" dir="t"/>
+    </dgm:scene3d>
+    <dgm:sp3d/>
+    <dgm:txPr/>
+    <dgm:style>
+      <a:lnRef idx="2">
+        <a:scrgbClr r="0" g="0" b="0"/>
+      </a:lnRef>
+      <a:fillRef idx="1">
+        <a:scrgbClr r="0" g="0" b="0"/>
+      </a:fillRef>
+      <a:effectRef idx="0">
+        <a:scrgbClr r="0" g="0" b="0"/>
+      </a:effectRef>
+      <a:fontRef idx="minor">
+        <a:schemeClr val="lt1"/>
+      </a:fontRef>
+    </dgm:style>
+  </dgm:styleLbl>
+  <dgm:styleLbl name="asst1">
+    <dgm:scene3d>
+      <a:camera prst="orthographicFront"/>
+      <a:lightRig rig="threePt" dir="t"/>
+    </dgm:scene3d>
+    <dgm:sp3d/>
+    <dgm:txPr/>
+    <dgm:style>
+      <a:lnRef idx="2">
+        <a:scrgbClr r="0" g="0" b="0"/>
+      </a:lnRef>
+      <a:fillRef idx="1">
+        <a:scrgbClr r="0" g="0" b="0"/>
+      </a:fillRef>
+      <a:effectRef idx="0">
+        <a:scrgbClr r="0" g="0" b="0"/>
+      </a:effectRef>
+      <a:fontRef idx="minor">
+        <a:schemeClr val="lt1"/>
+      </a:fontRef>
+    </dgm:style>
+  </dgm:styleLbl>
+  <dgm:styleLbl name="asst2">
+    <dgm:scene3d>
+      <a:camera prst="orthographicFront"/>
+      <a:lightRig rig="threePt" dir="t"/>
+    </dgm:scene3d>
+    <dgm:sp3d/>
+    <dgm:txPr/>
+    <dgm:style>
+      <a:lnRef idx="2">
+        <a:scrgbClr r="0" g="0" b="0"/>
+      </a:lnRef>
+      <a:fillRef idx="1">
+        <a:scrgbClr r="0" g="0" b="0"/>
+      </a:fillRef>
+      <a:effectRef idx="0">
+        <a:scrgbClr r="0" g="0" b="0"/>
+      </a:effectRef>
+      <a:fontRef idx="minor">
+        <a:schemeClr val="lt1"/>
+      </a:fontRef>
+    </dgm:style>
+  </dgm:styleLbl>
+  <dgm:styleLbl name="asst3">
+    <dgm:scene3d>
+      <a:camera prst="orthographicFront"/>
+      <a:lightRig rig="threePt" dir="t"/>
+    </dgm:scene3d>
+    <dgm:sp3d/>
+    <dgm:txPr/>
+    <dgm:style>
+      <a:lnRef idx="2">
+        <a:scrgbClr r="0" g="0" b="0"/>
+      </a:lnRef>
+      <a:fillRef idx="1">
+        <a:scrgbClr r="0" g="0" b="0"/>
+      </a:fillRef>
+      <a:effectRef idx="0">
+        <a:scrgbClr r="0" g="0" b="0"/>
+      </a:effectRef>
+      <a:fontRef idx="minor">
+        <a:schemeClr val="lt1"/>
+      </a:fontRef>
+    </dgm:style>
+  </dgm:styleLbl>
+  <dgm:styleLbl name="asst4">
+    <dgm:scene3d>
+      <a:camera prst="orthographicFront"/>
+      <a:lightRig rig="threePt" dir="t"/>
+    </dgm:scene3d>
+    <dgm:sp3d/>
+    <dgm:txPr/>
+    <dgm:style>
+      <a:lnRef idx="2">
+        <a:scrgbClr r="0" g="0" b="0"/>
+      </a:lnRef>
+      <a:fillRef idx="1">
+        <a:scrgbClr r="0" g="0" b="0"/>
+      </a:fillRef>
+      <a:effectRef idx="0">
+        <a:scrgbClr r="0" g="0" b="0"/>
+      </a:effectRef>
+      <a:fontRef idx="minor">
+        <a:schemeClr val="lt1"/>
+      </a:fontRef>
+    </dgm:style>
+  </dgm:styleLbl>
+  <dgm:styleLbl name="parChTrans2D1">
+    <dgm:scene3d>
+      <a:camera prst="orthographicFront"/>
+      <a:lightRig rig="threePt" dir="t"/>
+    </dgm:scene3d>
+    <dgm:sp3d/>
+    <dgm:txPr/>
+    <dgm:style>
+      <a:lnRef idx="2">
+        <a:scrgbClr r="0" g="0" b="0"/>
+      </a:lnRef>
+      <a:fillRef idx="1">
+        <a:scrgbClr r="0" g="0" b="0"/>
+      </a:fillRef>
+      <a:effectRef idx="0">
+        <a:scrgbClr r="0" g="0" b="0"/>
+      </a:effectRef>
+      <a:fontRef idx="minor">
+        <a:schemeClr val="lt1"/>
+      </a:fontRef>
+    </dgm:style>
+  </dgm:styleLbl>
+  <dgm:styleLbl name="parChTrans2D2">
+    <dgm:scene3d>
+      <a:camera prst="orthographicFront"/>
+      <a:lightRig rig="threePt" dir="t"/>
+    </dgm:scene3d>
+    <dgm:sp3d/>
+    <dgm:txPr/>
+    <dgm:style>
+      <a:lnRef idx="2">
+        <a:scrgbClr r="0" g="0" b="0"/>
+      </a:lnRef>
+      <a:fillRef idx="1">
+        <a:scrgbClr r="0" g="0" b="0"/>
+      </a:fillRef>
+      <a:effectRef idx="0">
+        <a:scrgbClr r="0" g="0" b="0"/>
+      </a:effectRef>
+      <a:fontRef idx="minor">
+        <a:schemeClr val="lt1"/>
+      </a:fontRef>
+    </dgm:style>
+  </dgm:styleLbl>
+  <dgm:styleLbl name="parChTrans2D3">
+    <dgm:scene3d>
+      <a:camera prst="orthographicFront"/>
+      <a:lightRig rig="threePt" dir="t"/>
+    </dgm:scene3d>
+    <dgm:sp3d/>
+    <dgm:txPr/>
+    <dgm:style>
+      <a:lnRef idx="2">
+        <a:scrgbClr r="0" g="0" b="0"/>
+      </a:lnRef>
+      <a:fillRef idx="1">
+        <a:scrgbClr r="0" g="0" b="0"/>
+      </a:fillRef>
+      <a:effectRef idx="0">
+        <a:scrgbClr r="0" g="0" b="0"/>
+      </a:effectRef>
+      <a:fontRef idx="minor">
+        <a:schemeClr val="lt1"/>
+      </a:fontRef>
+    </dgm:style>
+  </dgm:styleLbl>
+  <dgm:styleLbl name="parChTrans2D4">
+    <dgm:scene3d>
+      <a:camera prst="orthographicFront"/>
+      <a:lightRig rig="threePt" dir="t"/>
+    </dgm:scene3d>
+    <dgm:sp3d/>
+    <dgm:txPr/>
+    <dgm:style>
+      <a:lnRef idx="2">
+        <a:scrgbClr r="0" g="0" b="0"/>
+      </a:lnRef>
+      <a:fillRef idx="1">
+        <a:scrgbClr r="0" g="0" b="0"/>
+      </a:fillRef>
+      <a:effectRef idx="0">
+        <a:scrgbClr r="0" g="0" b="0"/>
+      </a:effectRef>
+      <a:fontRef idx="minor">
+        <a:schemeClr val="lt1"/>
+      </a:fontRef>
+    </dgm:style>
+  </dgm:styleLbl>
+  <dgm:styleLbl name="parChTrans1D1">
+    <dgm:scene3d>
+      <a:camera prst="orthographicFront"/>
+      <a:lightRig rig="threePt" dir="t"/>
+    </dgm:scene3d>
+    <dgm:sp3d/>
+    <dgm:txPr/>
+    <dgm:style>
+      <a:lnRef idx="2">
+        <a:scrgbClr r="0" g="0" b="0"/>
+      </a:lnRef>
+      <a:fillRef idx="0">
+        <a:scrgbClr r="0" g="0" b="0"/>
+      </a:fillRef>
+      <a:effectRef idx="0">
+        <a:scrgbClr r="0" g="0" b="0"/>
+      </a:effectRef>
+      <a:fontRef idx="minor"/>
+    </dgm:style>
+  </dgm:styleLbl>
+  <dgm:styleLbl name="parChTrans1D2">
+    <dgm:scene3d>
+      <a:camera prst="orthographicFront"/>
+      <a:lightRig rig="threePt" dir="t"/>
+    </dgm:scene3d>
+    <dgm:sp3d/>
+    <dgm:txPr/>
+    <dgm:style>
+      <a:lnRef idx="2">
+        <a:scrgbClr r="0" g="0" b="0"/>
+      </a:lnRef>
+      <a:fillRef idx="0">
+        <a:scrgbClr r="0" g="0" b="0"/>
+      </a:fillRef>
+      <a:effectRef idx="0">
+        <a:scrgbClr r="0" g="0" b="0"/>
+      </a:effectRef>
+      <a:fontRef idx="minor"/>
+    </dgm:style>
+  </dgm:styleLbl>
+  <dgm:styleLbl name="parChTrans1D3">
+    <dgm:scene3d>
+      <a:camera prst="orthographicFront"/>
+      <a:lightRig rig="threePt" dir="t"/>
+    </dgm:scene3d>
+    <dgm:sp3d/>
+    <dgm:txPr/>
+    <dgm:style>
+      <a:lnRef idx="2">
+        <a:scrgbClr r="0" g="0" b="0"/>
+      </a:lnRef>
+      <a:fillRef idx="0">
+        <a:scrgbClr r="0" g="0" b="0"/>
+      </a:fillRef>
+      <a:effectRef idx="0">
+        <a:scrgbClr r="0" g="0" b="0"/>
+      </a:effectRef>
+      <a:fontRef idx="minor"/>
+    </dgm:style>
+  </dgm:styleLbl>
+  <dgm:styleLbl name="parChTrans1D4">
+    <dgm:scene3d>
+      <a:camera prst="orthographicFront"/>
+      <a:lightRig rig="threePt" dir="t"/>
+    </dgm:scene3d>
+    <dgm:sp3d/>
+    <dgm:txPr/>
+    <dgm:style>
+      <a:lnRef idx="2">
+        <a:scrgbClr r="0" g="0" b="0"/>
+      </a:lnRef>
+      <a:fillRef idx="0">
+        <a:scrgbClr r="0" g="0" b="0"/>
+      </a:fillRef>
+      <a:effectRef idx="0">
+        <a:scrgbClr r="0" g="0" b="0"/>
+      </a:effectRef>
+      <a:fontRef idx="minor"/>
+    </dgm:style>
+  </dgm:styleLbl>
+  <dgm:styleLbl name="fgAcc1">
+    <dgm:scene3d>
+      <a:camera prst="orthographicFront"/>
+      <a:lightRig rig="threePt" dir="t"/>
+    </dgm:scene3d>
+    <dgm:sp3d/>
+    <dgm:txPr/>
+    <dgm:style>
+      <a:lnRef idx="2">
+        <a:scrgbClr r="0" g="0" b="0"/>
+      </a:lnRef>
+      <a:fillRef idx="1">
+        <a:scrgbClr r="0" g="0" b="0"/>
+      </a:fillRef>
+      <a:effectRef idx="0">
+        <a:scrgbClr r="0" g="0" b="0"/>
+      </a:effectRef>
+      <a:fontRef idx="minor"/>
+    </dgm:style>
+  </dgm:styleLbl>
+  <dgm:styleLbl name="conFgAcc1">
+    <dgm:scene3d>
+      <a:camera prst="orthographicFront"/>
+      <a:lightRig rig="threePt" dir="t"/>
+    </dgm:scene3d>
+    <dgm:sp3d/>
+    <dgm:txPr/>
+    <dgm:style>
+      <a:lnRef idx="2">
+        <a:scrgbClr r="0" g="0" b="0"/>
+      </a:lnRef>
+      <a:fillRef idx="1">
+        <a:scrgbClr r="0" g="0" b="0"/>
+      </a:fillRef>
+      <a:effectRef idx="0">
+        <a:scrgbClr r="0" g="0" b="0"/>
+      </a:effectRef>
+      <a:fontRef idx="minor"/>
+    </dgm:style>
+  </dgm:styleLbl>
+  <dgm:styleLbl name="alignAcc1">
+    <dgm:scene3d>
+      <a:camera prst="orthographicFront"/>
+      <a:lightRig rig="threePt" dir="t"/>
+    </dgm:scene3d>
+    <dgm:sp3d/>
+    <dgm:txPr/>
+    <dgm:style>
+      <a:lnRef idx="2">
+        <a:scrgbClr r="0" g="0" b="0"/>
+      </a:lnRef>
+      <a:fillRef idx="1">
+        <a:scrgbClr r="0" g="0" b="0"/>
+      </a:fillRef>
+      <a:effectRef idx="0">
+        <a:scrgbClr r="0" g="0" b="0"/>
+      </a:effectRef>
+      <a:fontRef idx="minor"/>
+    </dgm:style>
+  </dgm:styleLbl>
+  <dgm:styleLbl name="trAlignAcc1">
+    <dgm:scene3d>
+      <a:camera prst="orthographicFront"/>
+      <a:lightRig rig="threePt" dir="t"/>
+    </dgm:scene3d>
+    <dgm:sp3d/>
+    <dgm:txPr/>
+    <dgm:style>
+      <a:lnRef idx="1">
+        <a:scrgbClr r="0" g="0" b="0"/>
+      </a:lnRef>
+      <a:fillRef idx="1">
+        <a:scrgbClr r="0" g="0" b="0"/>
+      </a:fillRef>
+      <a:effectRef idx="0">
+        <a:scrgbClr r="0" g="0" b="0"/>
+      </a:effectRef>
+      <a:fontRef idx="minor"/>
+    </dgm:style>
+  </dgm:styleLbl>
+  <dgm:styleLbl name="bgAcc1">
+    <dgm:scene3d>
+      <a:camera prst="orthographicFront"/>
+      <a:lightRig rig="threePt" dir="t"/>
+    </dgm:scene3d>
+    <dgm:sp3d/>
+    <dgm:txPr/>
+    <dgm:style>
+      <a:lnRef idx="2">
+        <a:scrgbClr r="0" g="0" b="0"/>
+      </a:lnRef>
+      <a:fillRef idx="1">
+        <a:scrgbClr r="0" g="0" b="0"/>
+      </a:fillRef>
+      <a:effectRef idx="0">
+        <a:scrgbClr r="0" g="0" b="0"/>
+      </a:effectRef>
+      <a:fontRef idx="minor"/>
+    </dgm:style>
+  </dgm:styleLbl>
+  <dgm:styleLbl name="solidFgAcc1">
+    <dgm:scene3d>
+      <a:camera prst="orthographicFront"/>
+      <a:lightRig rig="threePt" dir="t"/>
+    </dgm:scene3d>
+    <dgm:sp3d/>
+    <dgm:txPr/>
+    <dgm:style>
+      <a:lnRef idx="2">
+        <a:scrgbClr r="0" g="0" b="0"/>
+      </a:lnRef>
+      <a:fillRef idx="1">
+        <a:scrgbClr r="0" g="0" b="0"/>
+      </a:fillRef>
+      <a:effectRef idx="0">
+        <a:scrgbClr r="0" g="0" b="0"/>
+      </a:effectRef>
+      <a:fontRef idx="minor"/>
+    </dgm:style>
+  </dgm:styleLbl>
+  <dgm:styleLbl name="solidAlignAcc1">
+    <dgm:scene3d>
+      <a:camera prst="orthographicFront"/>
+      <a:lightRig rig="threePt" dir="t"/>
+    </dgm:scene3d>
+    <dgm:sp3d/>
+    <dgm:txPr/>
+    <dgm:style>
+      <a:lnRef idx="2">
+        <a:scrgbClr r="0" g="0" b="0"/>
+      </a:lnRef>
+      <a:fillRef idx="1">
+        <a:scrgbClr r="0" g="0" b="0"/>
+      </a:fillRef>
+      <a:effectRef idx="0">
+        <a:scrgbClr r="0" g="0" b="0"/>
+      </a:effectRef>
+      <a:fontRef idx="minor"/>
+    </dgm:style>
+  </dgm:styleLbl>
+  <dgm:styleLbl name="solidBgAcc1">
+    <dgm:scene3d>
+      <a:camera prst="orthographicFront"/>
+      <a:lightRig rig="threePt" dir="t"/>
+    </dgm:scene3d>
+    <dgm:sp3d/>
+    <dgm:txPr/>
+    <dgm:style>
+      <a:lnRef idx="2">
+        <a:scrgbClr r="0" g="0" b="0"/>
+      </a:lnRef>
+      <a:fillRef idx="1">
+        <a:scrgbClr r="0" g="0" b="0"/>
+      </a:fillRef>
+      <a:effectRef idx="0">
+        <a:scrgbClr r="0" g="0" b="0"/>
+      </a:effectRef>
+      <a:fontRef idx="minor"/>
+    </dgm:style>
+  </dgm:styleLbl>
+  <dgm:styleLbl name="fgAccFollowNode1">
+    <dgm:scene3d>
+      <a:camera prst="orthographicFront"/>
+      <a:lightRig rig="threePt" dir="t"/>
+    </dgm:scene3d>
+    <dgm:sp3d/>
+    <dgm:txPr/>
+    <dgm:style>
+      <a:lnRef idx="2">
+        <a:scrgbClr r="0" g="0" b="0"/>
+      </a:lnRef>
+      <a:fillRef idx="1">
+        <a:scrgbClr r="0" g="0" b="0"/>
+      </a:fillRef>
+      <a:effectRef idx="0">
+        <a:scrgbClr r="0" g="0" b="0"/>
+      </a:effectRef>
+      <a:fontRef idx="minor"/>
+    </dgm:style>
+  </dgm:styleLbl>
+  <dgm:styleLbl name="alignAccFollowNode1">
+    <dgm:scene3d>
+      <a:camera prst="orthographicFront"/>
+      <a:lightRig rig="threePt" dir="t"/>
+    </dgm:scene3d>
+    <dgm:sp3d/>
+    <dgm:txPr/>
+    <dgm:style>
+      <a:lnRef idx="2">
+        <a:scrgbClr r="0" g="0" b="0"/>
+      </a:lnRef>
+      <a:fillRef idx="1">
+        <a:scrgbClr r="0" g="0" b="0"/>
+      </a:fillRef>
+      <a:effectRef idx="0">
+        <a:scrgbClr r="0" g="0" b="0"/>
+      </a:effectRef>
+      <a:fontRef idx="minor"/>
+    </dgm:style>
+  </dgm:styleLbl>
+  <dgm:styleLbl name="bgAccFollowNode1">
+    <dgm:scene3d>
+      <a:camera prst="orthographicFront"/>
+      <a:lightRig rig="threePt" dir="t"/>
+    </dgm:scene3d>
+    <dgm:sp3d/>
+    <dgm:txPr/>
+    <dgm:style>
+      <a:lnRef idx="2">
+        <a:scrgbClr r="0" g="0" b="0"/>
+      </a:lnRef>
+      <a:fillRef idx="1">
+        <a:scrgbClr r="0" g="0" b="0"/>
+      </a:fillRef>
+      <a:effectRef idx="0">
+        <a:scrgbClr r="0" g="0" b="0"/>
+      </a:effectRef>
+      <a:fontRef idx="minor"/>
+    </dgm:style>
+  </dgm:styleLbl>
+  <dgm:styleLbl name="fgAcc0">
+    <dgm:scene3d>
+      <a:camera prst="orthographicFront"/>
+      <a:lightRig rig="threePt" dir="t"/>
+    </dgm:scene3d>
+    <dgm:sp3d/>
+    <dgm:txPr/>
+    <dgm:style>
+      <a:lnRef idx="2">
+        <a:scrgbClr r="0" g="0" b="0"/>
+      </a:lnRef>
+      <a:fillRef idx="1">
+        <a:scrgbClr r="0" g="0" b="0"/>
+      </a:fillRef>
+      <a:effectRef idx="0">
+        <a:scrgbClr r="0" g="0" b="0"/>
+      </a:effectRef>
+      <a:fontRef idx="minor"/>
+    </dgm:style>
+  </dgm:styleLbl>
+  <dgm:styleLbl name="fgAcc2">
+    <dgm:scene3d>
+      <a:camera prst="orthographicFront"/>
+      <a:lightRig rig="threePt" dir="t"/>
+    </dgm:scene3d>
+    <dgm:sp3d/>
+    <dgm:txPr/>
+    <dgm:style>
+      <a:lnRef idx="2">
+        <a:scrgbClr r="0" g="0" b="0"/>
+      </a:lnRef>
+      <a:fillRef idx="1">
+        <a:scrgbClr r="0" g="0" b="0"/>
+      </a:fillRef>
+      <a:effectRef idx="0">
+        <a:scrgbClr r="0" g="0" b="0"/>
+      </a:effectRef>
+      <a:fontRef idx="minor"/>
+    </dgm:style>
+  </dgm:styleLbl>
+  <dgm:styleLbl name="fgAcc3">
+    <dgm:scene3d>
+      <a:camera prst="orthographicFront"/>
+      <a:lightRig rig="threePt" dir="t"/>
+    </dgm:scene3d>
+    <dgm:sp3d/>
+    <dgm:txPr/>
+    <dgm:style>
+      <a:lnRef idx="2">
+        <a:scrgbClr r="0" g="0" b="0"/>
+      </a:lnRef>
+      <a:fillRef idx="1">
+        <a:scrgbClr r="0" g="0" b="0"/>
+      </a:fillRef>
+      <a:effectRef idx="0">
+        <a:scrgbClr r="0" g="0" b="0"/>
+      </a:effectRef>
+      <a:fontRef idx="minor"/>
+    </dgm:style>
+  </dgm:styleLbl>
+  <dgm:styleLbl name="fgAcc4">
+    <dgm:scene3d>
+      <a:camera prst="orthographicFront"/>
+      <a:lightRig rig="threePt" dir="t"/>
+    </dgm:scene3d>
+    <dgm:sp3d/>
+    <dgm:txPr/>
+    <dgm:style>
+      <a:lnRef idx="2">
+        <a:scrgbClr r="0" g="0" b="0"/>
+      </a:lnRef>
+      <a:fillRef idx="1">
+        <a:scrgbClr r="0" g="0" b="0"/>
+      </a:fillRef>
+      <a:effectRef idx="0">
+        <a:scrgbClr r="0" g="0" b="0"/>
+      </a:effectRef>
+      <a:fontRef idx="minor"/>
+    </dgm:style>
+  </dgm:styleLbl>
+  <dgm:styleLbl name="bgShp">
+    <dgm:scene3d>
+      <a:camera prst="orthographicFront"/>
+      <a:lightRig rig="threePt" dir="t"/>
+    </dgm:scene3d>
+    <dgm:sp3d/>
+    <dgm:txPr/>
+    <dgm:style>
+      <a:lnRef idx="0">
+        <a:scrgbClr r="0" g="0" b="0"/>
+      </a:lnRef>
+      <a:fillRef idx="1">
+        <a:scrgbClr r="0" g="0" b="0"/>
+      </a:fillRef>
+      <a:effectRef idx="0">
+        <a:scrgbClr r="0" g="0" b="0"/>
+      </a:effectRef>
+      <a:fontRef idx="minor"/>
+    </dgm:style>
+  </dgm:styleLbl>
+  <dgm:styleLbl name="dkBgShp">
+    <dgm:scene3d>
+      <a:camera prst="orthographicFront"/>
+      <a:lightRig rig="threePt" dir="t"/>
+    </dgm:scene3d>
+    <dgm:sp3d/>
+    <dgm:txPr/>
+    <dgm:style>
+      <a:lnRef idx="0">
+        <a:scrgbClr r="0" g="0" b="0"/>
+      </a:lnRef>
+      <a:fillRef idx="1">
+        <a:scrgbClr r="0" g="0" b="0"/>
+      </a:fillRef>
+      <a:effectRef idx="0">
+        <a:scrgbClr r="0" g="0" b="0"/>
+      </a:effectRef>
+      <a:fontRef idx="minor"/>
+    </dgm:style>
+  </dgm:styleLbl>
+  <dgm:styleLbl name="trBgShp">
+    <dgm:scene3d>
+      <a:camera prst="orthographicFront"/>
+      <a:lightRig rig="threePt" dir="t"/>
+    </dgm:scene3d>
+    <dgm:sp3d/>
+    <dgm:txPr/>
+    <dgm:style>
+      <a:lnRef idx="0">
+        <a:scrgbClr r="0" g="0" b="0"/>
+      </a:lnRef>
+      <a:fillRef idx="1">
+        <a:scrgbClr r="0" g="0" b="0"/>
+      </a:fillRef>
+      <a:effectRef idx="0">
+        <a:scrgbClr r="0" g="0" b="0"/>
+      </a:effectRef>
+      <a:fontRef idx="minor"/>
+    </dgm:style>
+  </dgm:styleLbl>
+  <dgm:styleLbl name="fgShp">
+    <dgm:scene3d>
+      <a:camera prst="orthographicFront"/>
+      <a:lightRig rig="threePt" dir="t"/>
+    </dgm:scene3d>
+    <dgm:sp3d/>
+    <dgm:txPr/>
+    <dgm:style>
+      <a:lnRef idx="2">
+        <a:scrgbClr r="0" g="0" b="0"/>
+      </a:lnRef>
+      <a:fillRef idx="1">
+        <a:scrgbClr r="0" g="0" b="0"/>
+      </a:fillRef>
+      <a:effectRef idx="0">
+        <a:scrgbClr r="0" g="0" b="0"/>
+      </a:effectRef>
+      <a:fontRef idx="minor"/>
+    </dgm:style>
+  </dgm:styleLbl>
+  <dgm:styleLbl name="revTx">
+    <dgm:scene3d>
+      <a:camera prst="orthographicFront"/>
+      <a:lightRig rig="threePt" dir="t"/>
+    </dgm:scene3d>
+    <dgm:sp3d/>
+    <dgm:txPr/>
+    <dgm:style>
+      <a:lnRef idx="0">
+        <a:scrgbClr r="0" g="0" b="0"/>
+      </a:lnRef>
+      <a:fillRef idx="0">
+        <a:scrgbClr r="0" g="0" b="0"/>
+      </a:fillRef>
+      <a:effectRef idx="0">
+        <a:scrgbClr r="0" g="0" b="0"/>
+      </a:effectRef>
+      <a:fontRef idx="minor"/>
+    </dgm:style>
+  </dgm:styleLbl>
+</dgm:styleDef>
+</file>
+
+<file path=ppt/diagrams/quickStyle5.xml><?xml version="1.0" encoding="utf-8"?>
 <dgm:styleDef xmlns:dgm="http://schemas.openxmlformats.org/drawingml/2006/diagram" xmlns:a="http://schemas.openxmlformats.org/drawingml/2006/main" uniqueId="urn:microsoft.com/office/officeart/2005/8/quickstyle/simple1">
   <dgm:title val=""/>
   <dgm:desc val=""/>
@@ -12547,7 +16280,7 @@
           <a:p>
             <a:fld id="{9C99F701-9101-4D8F-A4D8-C5D74298C7ED}" type="datetimeFigureOut">
               <a:rPr lang="en-IN" smtClean="0"/>
-              <a:t>10-10-2023</a:t>
+              <a:t>11-10-2023</a:t>
             </a:fld>
             <a:endParaRPr lang="en-IN"/>
           </a:p>
@@ -12880,7 +16613,7 @@
           <a:p>
             <a:fld id="{5954B2FA-380E-4F4B-A48D-9B3DED5D0183}" type="slidenum">
               <a:rPr lang="en-IN" smtClean="0"/>
-              <a:t>15</a:t>
+              <a:t>11</a:t>
             </a:fld>
             <a:endParaRPr lang="en-IN"/>
           </a:p>
@@ -12889,7 +16622,91 @@
     </p:spTree>
     <p:extLst>
       <p:ext uri="{BB962C8B-B14F-4D97-AF65-F5344CB8AC3E}">
-        <p14:creationId xmlns:p14="http://schemas.microsoft.com/office/powerpoint/2010/main" val="1206622418"/>
+        <p14:creationId xmlns:p14="http://schemas.microsoft.com/office/powerpoint/2010/main" val="2053463717"/>
+      </p:ext>
+    </p:extLst>
+  </p:cSld>
+  <p:clrMapOvr>
+    <a:masterClrMapping/>
+  </p:clrMapOvr>
+</p:notes>
+</file>
+
+<file path=ppt/notesSlides/notesSlide2.xml><?xml version="1.0" encoding="utf-8"?>
+<p:notes xmlns:a="http://schemas.openxmlformats.org/drawingml/2006/main" xmlns:r="http://schemas.openxmlformats.org/officeDocument/2006/relationships" xmlns:p="http://schemas.openxmlformats.org/presentationml/2006/main">
+  <p:cSld>
+    <p:spTree>
+      <p:nvGrpSpPr>
+        <p:cNvPr id="1" name=""/>
+        <p:cNvGrpSpPr/>
+        <p:nvPr/>
+      </p:nvGrpSpPr>
+      <p:grpSpPr>
+        <a:xfrm>
+          <a:off x="0" y="0"/>
+          <a:ext cx="0" cy="0"/>
+          <a:chOff x="0" y="0"/>
+          <a:chExt cx="0" cy="0"/>
+        </a:xfrm>
+      </p:grpSpPr>
+      <p:sp>
+        <p:nvSpPr>
+          <p:cNvPr id="2" name="Slide Image Placeholder 1"/>
+          <p:cNvSpPr>
+            <a:spLocks noGrp="1" noRot="1" noChangeAspect="1"/>
+          </p:cNvSpPr>
+          <p:nvPr>
+            <p:ph type="sldImg"/>
+          </p:nvPr>
+        </p:nvSpPr>
+        <p:spPr/>
+      </p:sp>
+      <p:sp>
+        <p:nvSpPr>
+          <p:cNvPr id="3" name="Notes Placeholder 2"/>
+          <p:cNvSpPr>
+            <a:spLocks noGrp="1"/>
+          </p:cNvSpPr>
+          <p:nvPr>
+            <p:ph type="body" idx="1"/>
+          </p:nvPr>
+        </p:nvSpPr>
+        <p:spPr/>
+        <p:txBody>
+          <a:bodyPr/>
+          <a:lstStyle/>
+          <a:p>
+            <a:endParaRPr lang="en-IN" dirty="0"/>
+          </a:p>
+        </p:txBody>
+      </p:sp>
+      <p:sp>
+        <p:nvSpPr>
+          <p:cNvPr id="4" name="Slide Number Placeholder 3"/>
+          <p:cNvSpPr>
+            <a:spLocks noGrp="1"/>
+          </p:cNvSpPr>
+          <p:nvPr>
+            <p:ph type="sldNum" sz="quarter" idx="5"/>
+          </p:nvPr>
+        </p:nvSpPr>
+        <p:spPr/>
+        <p:txBody>
+          <a:bodyPr/>
+          <a:lstStyle/>
+          <a:p>
+            <a:fld id="{5954B2FA-380E-4F4B-A48D-9B3DED5D0183}" type="slidenum">
+              <a:rPr lang="en-IN" smtClean="0"/>
+              <a:t>16</a:t>
+            </a:fld>
+            <a:endParaRPr lang="en-IN"/>
+          </a:p>
+        </p:txBody>
+      </p:sp>
+    </p:spTree>
+    <p:extLst>
+      <p:ext uri="{BB962C8B-B14F-4D97-AF65-F5344CB8AC3E}">
+        <p14:creationId xmlns:p14="http://schemas.microsoft.com/office/powerpoint/2010/main" val="2451755061"/>
       </p:ext>
     </p:extLst>
   </p:cSld>
@@ -13030,7 +16847,7 @@
           <a:p>
             <a:fld id="{0E8C9E9E-0463-460F-9554-A68E93E25788}" type="datetimeFigureOut">
               <a:rPr lang="en-IN" smtClean="0"/>
-              <a:t>10-10-2023</a:t>
+              <a:t>11-10-2023</a:t>
             </a:fld>
             <a:endParaRPr lang="en-IN"/>
           </a:p>
@@ -13200,7 +17017,7 @@
           <a:p>
             <a:fld id="{0E8C9E9E-0463-460F-9554-A68E93E25788}" type="datetimeFigureOut">
               <a:rPr lang="en-IN" smtClean="0"/>
-              <a:t>10-10-2023</a:t>
+              <a:t>11-10-2023</a:t>
             </a:fld>
             <a:endParaRPr lang="en-IN"/>
           </a:p>
@@ -13380,7 +17197,7 @@
           <a:p>
             <a:fld id="{0E8C9E9E-0463-460F-9554-A68E93E25788}" type="datetimeFigureOut">
               <a:rPr lang="en-IN" smtClean="0"/>
-              <a:t>10-10-2023</a:t>
+              <a:t>11-10-2023</a:t>
             </a:fld>
             <a:endParaRPr lang="en-IN"/>
           </a:p>
@@ -13550,7 +17367,7 @@
           <a:p>
             <a:fld id="{0E8C9E9E-0463-460F-9554-A68E93E25788}" type="datetimeFigureOut">
               <a:rPr lang="en-IN" smtClean="0"/>
-              <a:t>10-10-2023</a:t>
+              <a:t>11-10-2023</a:t>
             </a:fld>
             <a:endParaRPr lang="en-IN"/>
           </a:p>
@@ -13796,7 +17613,7 @@
           <a:p>
             <a:fld id="{0E8C9E9E-0463-460F-9554-A68E93E25788}" type="datetimeFigureOut">
               <a:rPr lang="en-IN" smtClean="0"/>
-              <a:t>10-10-2023</a:t>
+              <a:t>11-10-2023</a:t>
             </a:fld>
             <a:endParaRPr lang="en-IN"/>
           </a:p>
@@ -14028,7 +17845,7 @@
           <a:p>
             <a:fld id="{0E8C9E9E-0463-460F-9554-A68E93E25788}" type="datetimeFigureOut">
               <a:rPr lang="en-IN" smtClean="0"/>
-              <a:t>10-10-2023</a:t>
+              <a:t>11-10-2023</a:t>
             </a:fld>
             <a:endParaRPr lang="en-IN"/>
           </a:p>
@@ -14395,7 +18212,7 @@
           <a:p>
             <a:fld id="{0E8C9E9E-0463-460F-9554-A68E93E25788}" type="datetimeFigureOut">
               <a:rPr lang="en-IN" smtClean="0"/>
-              <a:t>10-10-2023</a:t>
+              <a:t>11-10-2023</a:t>
             </a:fld>
             <a:endParaRPr lang="en-IN"/>
           </a:p>
@@ -14513,7 +18330,7 @@
           <a:p>
             <a:fld id="{0E8C9E9E-0463-460F-9554-A68E93E25788}" type="datetimeFigureOut">
               <a:rPr lang="en-IN" smtClean="0"/>
-              <a:t>10-10-2023</a:t>
+              <a:t>11-10-2023</a:t>
             </a:fld>
             <a:endParaRPr lang="en-IN"/>
           </a:p>
@@ -14608,7 +18425,7 @@
           <a:p>
             <a:fld id="{0E8C9E9E-0463-460F-9554-A68E93E25788}" type="datetimeFigureOut">
               <a:rPr lang="en-IN" smtClean="0"/>
-              <a:t>10-10-2023</a:t>
+              <a:t>11-10-2023</a:t>
             </a:fld>
             <a:endParaRPr lang="en-IN"/>
           </a:p>
@@ -14885,7 +18702,7 @@
           <a:p>
             <a:fld id="{0E8C9E9E-0463-460F-9554-A68E93E25788}" type="datetimeFigureOut">
               <a:rPr lang="en-IN" smtClean="0"/>
-              <a:t>10-10-2023</a:t>
+              <a:t>11-10-2023</a:t>
             </a:fld>
             <a:endParaRPr lang="en-IN"/>
           </a:p>
@@ -15142,7 +18959,7 @@
           <a:p>
             <a:fld id="{0E8C9E9E-0463-460F-9554-A68E93E25788}" type="datetimeFigureOut">
               <a:rPr lang="en-IN" smtClean="0"/>
-              <a:t>10-10-2023</a:t>
+              <a:t>11-10-2023</a:t>
             </a:fld>
             <a:endParaRPr lang="en-IN"/>
           </a:p>
@@ -15355,7 +19172,7 @@
           <a:p>
             <a:fld id="{0E8C9E9E-0463-460F-9554-A68E93E25788}" type="datetimeFigureOut">
               <a:rPr lang="en-IN" smtClean="0"/>
-              <a:t>10-10-2023</a:t>
+              <a:t>11-10-2023</a:t>
             </a:fld>
             <a:endParaRPr lang="en-IN"/>
           </a:p>
@@ -16324,14 +20141,19 @@
             <p:ph type="title"/>
           </p:nvPr>
         </p:nvSpPr>
-        <p:spPr/>
+        <p:spPr>
+          <a:xfrm>
+            <a:off x="838200" y="1"/>
+            <a:ext cx="10515600" cy="1242390"/>
+          </a:xfrm>
+        </p:spPr>
         <p:txBody>
           <a:bodyPr/>
           <a:lstStyle/>
           <a:p>
             <a:r>
               <a:rPr lang="en-IN" dirty="0"/>
-              <a:t>Term and Interest Rate</a:t>
+              <a:t>                 Term and Interest Rate</a:t>
             </a:r>
           </a:p>
         </p:txBody>
@@ -16354,28 +20176,21 @@
         </p:nvSpPr>
         <p:spPr>
           <a:xfrm>
-            <a:off x="1208773" y="4979744"/>
-            <a:ext cx="4268804" cy="1559377"/>
+            <a:off x="3289852" y="1421296"/>
+            <a:ext cx="6883519" cy="4117905"/>
           </a:xfrm>
         </p:spPr>
         <p:txBody>
           <a:bodyPr>
-            <a:normAutofit fontScale="92500" lnSpcReduction="20000"/>
+            <a:normAutofit/>
           </a:bodyPr>
           <a:lstStyle/>
           <a:p>
-            <a:pPr>
+            <a:pPr lvl="5">
               <a:buFont typeface="Wingdings" panose="05000000000000000000" pitchFamily="2" charset="2"/>
               <a:buChar char="§"/>
             </a:pPr>
-            <a:r>
-              <a:rPr lang="en-IN" b="1" dirty="0"/>
-              <a:t>Loan Term: </a:t>
-            </a:r>
-            <a:r>
-              <a:rPr lang="en-IN" dirty="0"/>
-              <a:t> The Loans taken for 36 month term are much more than 60 months and have lower chance of defaulting. </a:t>
-            </a:r>
+            <a:endParaRPr lang="en-IN" dirty="0"/>
           </a:p>
         </p:txBody>
       </p:sp>
@@ -16673,8 +20488,8 @@
         </p:nvSpPr>
         <p:spPr>
           <a:xfrm>
-            <a:off x="6388768" y="4984892"/>
-            <a:ext cx="5366085" cy="1559377"/>
+            <a:off x="3130827" y="5718106"/>
+            <a:ext cx="7156174" cy="826163"/>
           </a:xfrm>
           <a:prstGeom prst="rect">
             <a:avLst/>
@@ -16937,21 +20752,21 @@
             </a:pPr>
             <a:r>
               <a:rPr lang="en-IN" b="1" dirty="0"/>
-              <a:t>Interest Rate: </a:t>
+              <a:t> Interest Rate: T</a:t>
             </a:r>
             <a:r>
               <a:rPr lang="en-IN" dirty="0"/>
-              <a:t>The count of loan taken varies with interest rate showing peak around in 5-15 bracket and decreasing slowly where as the chance of defaulting increases with interest rate.</a:t>
+              <a:t>he chance of defaulting increases with interest rate.</a:t>
             </a:r>
           </a:p>
         </p:txBody>
       </p:sp>
       <p:pic>
         <p:nvPicPr>
-          <p:cNvPr id="13" name="Picture 12">
+          <p:cNvPr id="6" name="Picture 5">
             <a:extLst>
               <a:ext uri="{FF2B5EF4-FFF2-40B4-BE49-F238E27FC236}">
-                <a16:creationId xmlns:a16="http://schemas.microsoft.com/office/drawing/2014/main" id="{E5994666-9162-8840-6616-D5D9181CC33E}"/>
+                <a16:creationId xmlns:a16="http://schemas.microsoft.com/office/drawing/2014/main" id="{632D06BB-BE7D-031C-058B-473604F9C138}"/>
               </a:ext>
             </a:extLst>
           </p:cNvPr>
@@ -16968,38 +20783,8 @@
         </p:blipFill>
         <p:spPr>
           <a:xfrm>
-            <a:off x="108663" y="1887384"/>
-            <a:ext cx="5906324" cy="3124636"/>
-          </a:xfrm>
-          <a:prstGeom prst="rect">
-            <a:avLst/>
-          </a:prstGeom>
-        </p:spPr>
-      </p:pic>
-      <p:pic>
-        <p:nvPicPr>
-          <p:cNvPr id="15" name="Picture 14">
-            <a:extLst>
-              <a:ext uri="{FF2B5EF4-FFF2-40B4-BE49-F238E27FC236}">
-                <a16:creationId xmlns:a16="http://schemas.microsoft.com/office/drawing/2014/main" id="{0F0871A2-BC72-DACB-BCAF-BE4546C77119}"/>
-              </a:ext>
-            </a:extLst>
-          </p:cNvPr>
-          <p:cNvPicPr>
-            <a:picLocks noChangeAspect="1"/>
-          </p:cNvPicPr>
-          <p:nvPr/>
-        </p:nvPicPr>
-        <p:blipFill>
-          <a:blip r:embed="rId3"/>
-          <a:stretch>
-            <a:fillRect/>
-          </a:stretch>
-        </p:blipFill>
-        <p:spPr>
-          <a:xfrm>
-            <a:off x="6096000" y="1887384"/>
-            <a:ext cx="5858693" cy="3143689"/>
+            <a:off x="3474061" y="1421296"/>
+            <a:ext cx="6515100" cy="3971925"/>
           </a:xfrm>
           <a:prstGeom prst="rect">
             <a:avLst/>
@@ -17066,8 +20851,8 @@
         </p:nvSpPr>
         <p:spPr>
           <a:xfrm>
-            <a:off x="2146852" y="225466"/>
-            <a:ext cx="7841974" cy="1325563"/>
+            <a:off x="481261" y="225466"/>
+            <a:ext cx="11157460" cy="1325563"/>
           </a:xfrm>
         </p:spPr>
         <p:txBody>
@@ -17078,7 +20863,14 @@
           <a:p>
             <a:r>
               <a:rPr lang="en-IN" dirty="0"/>
-              <a:t>Distribution terms for  Grades</a:t>
+              <a:t>		Distribution terms for  Grades</a:t>
+            </a:r>
+            <a:br>
+              <a:rPr lang="en-IN" dirty="0"/>
+            </a:br>
+            <a:r>
+              <a:rPr lang="en-IN" dirty="0"/>
+              <a:t>		(Business Driven Matrix)</a:t>
             </a:r>
           </a:p>
         </p:txBody>
@@ -17115,13 +20907,20 @@
               <a:buFont typeface="Wingdings" panose="05000000000000000000" pitchFamily="2" charset="2"/>
               <a:buChar char="§"/>
             </a:pPr>
+            <a:endParaRPr lang="en-IN" b="1" dirty="0"/>
+          </a:p>
+          <a:p>
+            <a:pPr>
+              <a:buFont typeface="Wingdings" panose="05000000000000000000" pitchFamily="2" charset="2"/>
+              <a:buChar char="§"/>
+            </a:pPr>
             <a:r>
               <a:rPr lang="en-IN" b="1" dirty="0"/>
               <a:t>Grade: </a:t>
             </a:r>
             <a:r>
               <a:rPr lang="en-IN" dirty="0"/>
-              <a:t>The loan approved are majorly of higher grade as they are of low risk thus low chance of defaulting. 60 month term loans have larger number of lower grade loans with high risk.</a:t>
+              <a:t>Higher(A) the grade greater the chance of paying loan.</a:t>
             </a:r>
           </a:p>
         </p:txBody>
@@ -17688,10 +21487,10 @@
       </p:sp>
       <p:pic>
         <p:nvPicPr>
-          <p:cNvPr id="17" name="Picture 16">
+          <p:cNvPr id="6" name="Picture 5">
             <a:extLst>
               <a:ext uri="{FF2B5EF4-FFF2-40B4-BE49-F238E27FC236}">
-                <a16:creationId xmlns:a16="http://schemas.microsoft.com/office/drawing/2014/main" id="{19D64A14-40BF-58FD-9FE8-363A64BB9928}"/>
+                <a16:creationId xmlns:a16="http://schemas.microsoft.com/office/drawing/2014/main" id="{1A13E610-058C-AF5D-7266-647BD256EF2E}"/>
               </a:ext>
             </a:extLst>
           </p:cNvPr>
@@ -17701,15 +21500,45 @@
           <p:nvPr/>
         </p:nvPicPr>
         <p:blipFill>
-          <a:blip r:embed="rId2"/>
+          <a:blip r:embed="rId3"/>
           <a:stretch>
             <a:fillRect/>
           </a:stretch>
         </p:blipFill>
         <p:spPr>
           <a:xfrm>
-            <a:off x="2869727" y="1588409"/>
-            <a:ext cx="5801535" cy="3115110"/>
+            <a:off x="5805238" y="1455878"/>
+            <a:ext cx="5905500" cy="3686175"/>
+          </a:xfrm>
+          <a:prstGeom prst="rect">
+            <a:avLst/>
+          </a:prstGeom>
+        </p:spPr>
+      </p:pic>
+      <p:pic>
+        <p:nvPicPr>
+          <p:cNvPr id="9" name="Picture 8">
+            <a:extLst>
+              <a:ext uri="{FF2B5EF4-FFF2-40B4-BE49-F238E27FC236}">
+                <a16:creationId xmlns:a16="http://schemas.microsoft.com/office/drawing/2014/main" id="{3C7419D3-20E8-1829-E06A-934AF214EDF2}"/>
+              </a:ext>
+            </a:extLst>
+          </p:cNvPr>
+          <p:cNvPicPr>
+            <a:picLocks noChangeAspect="1"/>
+          </p:cNvPicPr>
+          <p:nvPr/>
+        </p:nvPicPr>
+        <p:blipFill>
+          <a:blip r:embed="rId4"/>
+          <a:stretch>
+            <a:fillRect/>
+          </a:stretch>
+        </p:blipFill>
+        <p:spPr>
+          <a:xfrm>
+            <a:off x="1356186" y="1455878"/>
+            <a:ext cx="4114800" cy="3686174"/>
           </a:xfrm>
           <a:prstGeom prst="rect">
             <a:avLst/>
@@ -17776,8 +21605,8 @@
         </p:nvSpPr>
         <p:spPr>
           <a:xfrm>
-            <a:off x="1097280" y="70424"/>
-            <a:ext cx="10058400" cy="1450757"/>
+            <a:off x="1097280" y="70425"/>
+            <a:ext cx="10058400" cy="916340"/>
           </a:xfrm>
         </p:spPr>
         <p:txBody>
@@ -17786,7 +21615,7 @@
           <a:p>
             <a:r>
               <a:rPr lang="en-IN" dirty="0"/>
-              <a:t>Employment Length &amp; Homeownership</a:t>
+              <a:t>			Employment Length</a:t>
             </a:r>
           </a:p>
         </p:txBody>
@@ -17809,8 +21638,8 @@
         </p:nvSpPr>
         <p:spPr>
           <a:xfrm>
-            <a:off x="360947" y="5012020"/>
-            <a:ext cx="5362958" cy="1559377"/>
+            <a:off x="360946" y="5747324"/>
+            <a:ext cx="10949783" cy="824073"/>
           </a:xfrm>
         </p:spPr>
         <p:txBody>
@@ -17829,7 +21658,7 @@
             </a:r>
             <a:r>
               <a:rPr lang="en-IN" dirty="0"/>
-              <a:t>Majority of clients have 10+ years of experience and has highest number of defaulted loan.</a:t>
+              <a:t>Majority of clients have 10+ years of experience and has highest proportion of defaulted loan.</a:t>
             </a:r>
           </a:p>
         </p:txBody>
@@ -18390,23 +22219,16 @@
               <a:buFont typeface="Wingdings" panose="05000000000000000000" pitchFamily="2" charset="2"/>
               <a:buChar char="§"/>
             </a:pPr>
-            <a:r>
-              <a:rPr lang="en-IN" b="1" dirty="0"/>
-              <a:t>Home Ownership: </a:t>
-            </a:r>
-            <a:r>
-              <a:rPr lang="en-IN" dirty="0"/>
-              <a:t>Majority of clients are lacking ownership of any property and are on rent or mortgage and have a higher chance of defaulting.</a:t>
-            </a:r>
+            <a:endParaRPr lang="en-IN" dirty="0"/>
           </a:p>
         </p:txBody>
       </p:sp>
       <p:pic>
         <p:nvPicPr>
-          <p:cNvPr id="12" name="Picture 11">
+          <p:cNvPr id="15" name="Picture 14">
             <a:extLst>
               <a:ext uri="{FF2B5EF4-FFF2-40B4-BE49-F238E27FC236}">
-                <a16:creationId xmlns:a16="http://schemas.microsoft.com/office/drawing/2014/main" id="{D3A423E8-D21A-8F01-9E51-E59BBF954FE4}"/>
+                <a16:creationId xmlns:a16="http://schemas.microsoft.com/office/drawing/2014/main" id="{D30C0E39-8079-ABC7-FF30-11AAD8EDB910}"/>
               </a:ext>
             </a:extLst>
           </p:cNvPr>
@@ -18423,8 +22245,8 @@
         </p:blipFill>
         <p:spPr>
           <a:xfrm>
-            <a:off x="6096000" y="1869642"/>
-            <a:ext cx="5877745" cy="3143689"/>
+            <a:off x="5552098" y="1502269"/>
+            <a:ext cx="5849166" cy="3134162"/>
           </a:xfrm>
           <a:prstGeom prst="rect">
             <a:avLst/>
@@ -18433,10 +22255,10 @@
       </p:pic>
       <p:pic>
         <p:nvPicPr>
-          <p:cNvPr id="15" name="Picture 14">
+          <p:cNvPr id="7" name="Picture 6">
             <a:extLst>
               <a:ext uri="{FF2B5EF4-FFF2-40B4-BE49-F238E27FC236}">
-                <a16:creationId xmlns:a16="http://schemas.microsoft.com/office/drawing/2014/main" id="{D30C0E39-8079-ABC7-FF30-11AAD8EDB910}"/>
+                <a16:creationId xmlns:a16="http://schemas.microsoft.com/office/drawing/2014/main" id="{887D0005-D570-0C57-50B7-5A94BD88C4BD}"/>
               </a:ext>
             </a:extLst>
           </p:cNvPr>
@@ -18453,8 +22275,8 @@
         </p:blipFill>
         <p:spPr>
           <a:xfrm>
-            <a:off x="115395" y="1807609"/>
-            <a:ext cx="5849166" cy="3134162"/>
+            <a:off x="594182" y="1110676"/>
+            <a:ext cx="4010025" cy="4206759"/>
           </a:xfrm>
           <a:prstGeom prst="rect">
             <a:avLst/>
@@ -18487,6 +22309,163 @@
 </file>
 
 <file path=ppt/slides/slide13.xml><?xml version="1.0" encoding="utf-8"?>
+<p:sld xmlns:a="http://schemas.openxmlformats.org/drawingml/2006/main" xmlns:r="http://schemas.openxmlformats.org/officeDocument/2006/relationships" xmlns:p="http://schemas.openxmlformats.org/presentationml/2006/main">
+  <p:cSld>
+    <p:spTree>
+      <p:nvGrpSpPr>
+        <p:cNvPr id="1" name=""/>
+        <p:cNvGrpSpPr/>
+        <p:nvPr/>
+      </p:nvGrpSpPr>
+      <p:grpSpPr>
+        <a:xfrm>
+          <a:off x="0" y="0"/>
+          <a:ext cx="0" cy="0"/>
+          <a:chOff x="0" y="0"/>
+          <a:chExt cx="0" cy="0"/>
+        </a:xfrm>
+      </p:grpSpPr>
+      <p:sp>
+        <p:nvSpPr>
+          <p:cNvPr id="2" name="Title 1">
+            <a:extLst>
+              <a:ext uri="{FF2B5EF4-FFF2-40B4-BE49-F238E27FC236}">
+                <a16:creationId xmlns:a16="http://schemas.microsoft.com/office/drawing/2014/main" id="{1C82F22D-9FF1-CCB9-914A-7F7E148A32C3}"/>
+              </a:ext>
+            </a:extLst>
+          </p:cNvPr>
+          <p:cNvSpPr>
+            <a:spLocks noGrp="1"/>
+          </p:cNvSpPr>
+          <p:nvPr>
+            <p:ph type="title"/>
+          </p:nvPr>
+        </p:nvSpPr>
+        <p:spPr/>
+        <p:txBody>
+          <a:bodyPr/>
+          <a:lstStyle/>
+          <a:p>
+            <a:r>
+              <a:rPr lang="en-US" dirty="0"/>
+              <a:t>                          Home Ownership</a:t>
+            </a:r>
+            <a:endParaRPr lang="en-IN" dirty="0"/>
+          </a:p>
+        </p:txBody>
+      </p:sp>
+      <p:pic>
+        <p:nvPicPr>
+          <p:cNvPr id="4" name="Content Placeholder 3">
+            <a:extLst>
+              <a:ext uri="{FF2B5EF4-FFF2-40B4-BE49-F238E27FC236}">
+                <a16:creationId xmlns:a16="http://schemas.microsoft.com/office/drawing/2014/main" id="{A5535BB4-F198-451F-7A41-3EC5C5F5A9B3}"/>
+              </a:ext>
+            </a:extLst>
+          </p:cNvPr>
+          <p:cNvPicPr>
+            <a:picLocks noGrp="1" noChangeAspect="1"/>
+          </p:cNvPicPr>
+          <p:nvPr>
+            <p:ph idx="1"/>
+          </p:nvPr>
+        </p:nvPicPr>
+        <p:blipFill>
+          <a:blip r:embed="rId2"/>
+          <a:stretch>
+            <a:fillRect/>
+          </a:stretch>
+        </p:blipFill>
+        <p:spPr>
+          <a:xfrm>
+            <a:off x="1047750" y="2217013"/>
+            <a:ext cx="5048250" cy="3190875"/>
+          </a:xfrm>
+          <a:prstGeom prst="rect">
+            <a:avLst/>
+          </a:prstGeom>
+        </p:spPr>
+      </p:pic>
+      <p:pic>
+        <p:nvPicPr>
+          <p:cNvPr id="5" name="Picture 4">
+            <a:extLst>
+              <a:ext uri="{FF2B5EF4-FFF2-40B4-BE49-F238E27FC236}">
+                <a16:creationId xmlns:a16="http://schemas.microsoft.com/office/drawing/2014/main" id="{1B5E7FB9-556E-4D15-089D-CB0D6D11BEE2}"/>
+              </a:ext>
+            </a:extLst>
+          </p:cNvPr>
+          <p:cNvPicPr>
+            <a:picLocks noChangeAspect="1"/>
+          </p:cNvPicPr>
+          <p:nvPr/>
+        </p:nvPicPr>
+        <p:blipFill>
+          <a:blip r:embed="rId3"/>
+          <a:stretch>
+            <a:fillRect/>
+          </a:stretch>
+        </p:blipFill>
+        <p:spPr>
+          <a:xfrm>
+            <a:off x="6231905" y="2217013"/>
+            <a:ext cx="5452095" cy="3143689"/>
+          </a:xfrm>
+          <a:prstGeom prst="rect">
+            <a:avLst/>
+          </a:prstGeom>
+        </p:spPr>
+      </p:pic>
+      <p:sp>
+        <p:nvSpPr>
+          <p:cNvPr id="7" name="TextBox 6">
+            <a:extLst>
+              <a:ext uri="{FF2B5EF4-FFF2-40B4-BE49-F238E27FC236}">
+                <a16:creationId xmlns:a16="http://schemas.microsoft.com/office/drawing/2014/main" id="{25CDD0A9-E792-09AD-AE0D-34C3EFDB9323}"/>
+              </a:ext>
+            </a:extLst>
+          </p:cNvPr>
+          <p:cNvSpPr txBox="1"/>
+          <p:nvPr/>
+        </p:nvSpPr>
+        <p:spPr>
+          <a:xfrm>
+            <a:off x="686412" y="5887027"/>
+            <a:ext cx="11262507" cy="369332"/>
+          </a:xfrm>
+          <a:prstGeom prst="rect">
+            <a:avLst/>
+          </a:prstGeom>
+          <a:noFill/>
+        </p:spPr>
+        <p:txBody>
+          <a:bodyPr wrap="none" rtlCol="0">
+            <a:spAutoFit/>
+          </a:bodyPr>
+          <a:lstStyle/>
+          <a:p>
+            <a:r>
+              <a:rPr lang="en-US" dirty="0"/>
+              <a:t>Home ownership : people who has home ownership status as “Mortgage” or “Owner” has high chances of paying loan </a:t>
+            </a:r>
+            <a:endParaRPr lang="en-IN" dirty="0"/>
+          </a:p>
+        </p:txBody>
+      </p:sp>
+    </p:spTree>
+    <p:extLst>
+      <p:ext uri="{BB962C8B-B14F-4D97-AF65-F5344CB8AC3E}">
+        <p14:creationId xmlns:p14="http://schemas.microsoft.com/office/powerpoint/2010/main" val="3506564263"/>
+      </p:ext>
+    </p:extLst>
+  </p:cSld>
+  <p:clrMapOvr>
+    <a:masterClrMapping/>
+  </p:clrMapOvr>
+</p:sld>
+</file>
+
+<file path=ppt/slides/slide14.xml><?xml version="1.0" encoding="utf-8"?>
 <p:sld xmlns:a="http://schemas.openxmlformats.org/drawingml/2006/main" xmlns:r="http://schemas.openxmlformats.org/officeDocument/2006/relationships" xmlns:p="http://schemas.openxmlformats.org/presentationml/2006/main">
   <p:cSld>
     <p:spTree>
@@ -18549,13 +22528,13 @@
         </p:nvSpPr>
         <p:spPr>
           <a:xfrm>
-            <a:off x="1208773" y="5012020"/>
-            <a:ext cx="4268804" cy="1559377"/>
+            <a:off x="457198" y="5089227"/>
+            <a:ext cx="5367131" cy="1482170"/>
           </a:xfrm>
         </p:spPr>
         <p:txBody>
           <a:bodyPr>
-            <a:normAutofit fontScale="85000" lnSpcReduction="20000"/>
+            <a:normAutofit/>
           </a:bodyPr>
           <a:lstStyle/>
           <a:p>
@@ -18569,7 +22548,16 @@
             </a:r>
             <a:r>
               <a:rPr lang="en-IN" dirty="0"/>
-              <a:t> The Majority of clients have low annual income compared to rest and income lower than 50k has higher chance of defaulting.</a:t>
+              <a:t> </a:t>
+            </a:r>
+          </a:p>
+          <a:p>
+            <a:pPr marL="0" indent="0">
+              <a:buNone/>
+            </a:pPr>
+            <a:r>
+              <a:rPr lang="en-IN" dirty="0"/>
+              <a:t>Very low (VL) Income group has maximum default </a:t>
             </a:r>
           </a:p>
         </p:txBody>
@@ -18868,8 +22856,8 @@
         </p:nvSpPr>
         <p:spPr>
           <a:xfrm>
-            <a:off x="6126480" y="4984892"/>
-            <a:ext cx="5915851" cy="1559377"/>
+            <a:off x="6126480" y="5317435"/>
+            <a:ext cx="5915851" cy="1226834"/>
           </a:xfrm>
           <a:prstGeom prst="rect">
             <a:avLst/>
@@ -19132,21 +23120,18 @@
             </a:pPr>
             <a:r>
               <a:rPr lang="en-IN" b="1" dirty="0"/>
-              <a:t>Purpose: </a:t>
+              <a:t>Purpose: Bank should be vigilant in providing loan to small business and renewable energy as they have maximum charge-off </a:t>
             </a:r>
-            <a:r>
-              <a:rPr lang="en-IN" dirty="0"/>
-              <a:t> Loans are taken mostly for debt consolidation followed by credit card payment. Whereas the debt consolidation has highest fully paid loan but also has highest defaulted loans as well.</a:t>
-            </a:r>
+            <a:endParaRPr lang="en-IN" dirty="0"/>
           </a:p>
         </p:txBody>
       </p:sp>
       <p:pic>
         <p:nvPicPr>
-          <p:cNvPr id="13" name="Picture 12">
+          <p:cNvPr id="6" name="Picture 5">
             <a:extLst>
               <a:ext uri="{FF2B5EF4-FFF2-40B4-BE49-F238E27FC236}">
-                <a16:creationId xmlns:a16="http://schemas.microsoft.com/office/drawing/2014/main" id="{481685C4-AE1D-65C9-AFB1-0801742B93FF}"/>
+                <a16:creationId xmlns:a16="http://schemas.microsoft.com/office/drawing/2014/main" id="{4B31D524-DCD3-4522-F955-8FE4618AA679}"/>
               </a:ext>
             </a:extLst>
           </p:cNvPr>
@@ -19163,20 +23148,110 @@
         </p:blipFill>
         <p:spPr>
           <a:xfrm>
-            <a:off x="5894046" y="1823602"/>
-            <a:ext cx="5915851" cy="3115110"/>
+            <a:off x="7354956" y="1818112"/>
+            <a:ext cx="4101173" cy="3166779"/>
           </a:xfrm>
           <a:prstGeom prst="rect">
             <a:avLst/>
           </a:prstGeom>
         </p:spPr>
       </p:pic>
+      <p:sp>
+        <p:nvSpPr>
+          <p:cNvPr id="7" name="AutoShape 2">
+            <a:extLst>
+              <a:ext uri="{FF2B5EF4-FFF2-40B4-BE49-F238E27FC236}">
+                <a16:creationId xmlns:a16="http://schemas.microsoft.com/office/drawing/2014/main" id="{B5A70C46-C3C8-A112-0553-C199BFB469E5}"/>
+              </a:ext>
+            </a:extLst>
+          </p:cNvPr>
+          <p:cNvSpPr>
+            <a:spLocks noChangeAspect="1" noChangeArrowheads="1"/>
+          </p:cNvSpPr>
+          <p:nvPr/>
+        </p:nvSpPr>
+        <p:spPr bwMode="auto">
+          <a:xfrm>
+            <a:off x="5943600" y="3276600"/>
+            <a:ext cx="304800" cy="304800"/>
+          </a:xfrm>
+          <a:prstGeom prst="rect">
+            <a:avLst/>
+          </a:prstGeom>
+          <a:noFill/>
+          <a:extLst>
+            <a:ext uri="{909E8E84-426E-40DD-AFC4-6F175D3DCCD1}">
+              <a14:hiddenFill xmlns:a14="http://schemas.microsoft.com/office/drawing/2010/main">
+                <a:solidFill>
+                  <a:srgbClr val="FFFFFF"/>
+                </a:solidFill>
+              </a14:hiddenFill>
+            </a:ext>
+          </a:extLst>
+        </p:spPr>
+        <p:txBody>
+          <a:bodyPr vert="horz" wrap="square" lIns="91440" tIns="45720" rIns="91440" bIns="45720" numCol="1" anchor="t" anchorCtr="0" compatLnSpc="1">
+            <a:prstTxWarp prst="textNoShape">
+              <a:avLst/>
+            </a:prstTxWarp>
+          </a:bodyPr>
+          <a:lstStyle/>
+          <a:p>
+            <a:endParaRPr lang="en-IN"/>
+          </a:p>
+        </p:txBody>
+      </p:sp>
+      <p:sp>
+        <p:nvSpPr>
+          <p:cNvPr id="9" name="AutoShape 4">
+            <a:extLst>
+              <a:ext uri="{FF2B5EF4-FFF2-40B4-BE49-F238E27FC236}">
+                <a16:creationId xmlns:a16="http://schemas.microsoft.com/office/drawing/2014/main" id="{8EDE0643-26CA-4E03-F49B-3EDE90AA2077}"/>
+              </a:ext>
+            </a:extLst>
+          </p:cNvPr>
+          <p:cNvSpPr>
+            <a:spLocks noChangeAspect="1" noChangeArrowheads="1"/>
+          </p:cNvSpPr>
+          <p:nvPr/>
+        </p:nvSpPr>
+        <p:spPr bwMode="auto">
+          <a:xfrm>
+            <a:off x="6096000" y="3429000"/>
+            <a:ext cx="304800" cy="304800"/>
+          </a:xfrm>
+          <a:prstGeom prst="rect">
+            <a:avLst/>
+          </a:prstGeom>
+          <a:noFill/>
+          <a:extLst>
+            <a:ext uri="{909E8E84-426E-40DD-AFC4-6F175D3DCCD1}">
+              <a14:hiddenFill xmlns:a14="http://schemas.microsoft.com/office/drawing/2010/main">
+                <a:solidFill>
+                  <a:srgbClr val="FFFFFF"/>
+                </a:solidFill>
+              </a14:hiddenFill>
+            </a:ext>
+          </a:extLst>
+        </p:spPr>
+        <p:txBody>
+          <a:bodyPr vert="horz" wrap="square" lIns="91440" tIns="45720" rIns="91440" bIns="45720" numCol="1" anchor="t" anchorCtr="0" compatLnSpc="1">
+            <a:prstTxWarp prst="textNoShape">
+              <a:avLst/>
+            </a:prstTxWarp>
+          </a:bodyPr>
+          <a:lstStyle/>
+          <a:p>
+            <a:endParaRPr lang="en-IN"/>
+          </a:p>
+        </p:txBody>
+      </p:sp>
       <p:pic>
         <p:nvPicPr>
-          <p:cNvPr id="15" name="Picture 14">
+          <p:cNvPr id="11" name="Picture 10">
             <a:extLst>
               <a:ext uri="{FF2B5EF4-FFF2-40B4-BE49-F238E27FC236}">
-                <a16:creationId xmlns:a16="http://schemas.microsoft.com/office/drawing/2014/main" id="{8536BAE8-5DF1-418D-DC0B-66CF93AA36A3}"/>
+                <a16:creationId xmlns:a16="http://schemas.microsoft.com/office/drawing/2014/main" id="{1EEA18F7-0D52-FC95-7D55-962554566980}"/>
               </a:ext>
             </a:extLst>
           </p:cNvPr>
@@ -19193,8 +23268,8 @@
         </p:blipFill>
         <p:spPr>
           <a:xfrm>
-            <a:off x="457199" y="1818113"/>
-            <a:ext cx="5269833" cy="3143689"/>
+            <a:off x="667100" y="1920363"/>
+            <a:ext cx="4600575" cy="2962275"/>
           </a:xfrm>
           <a:prstGeom prst="rect">
             <a:avLst/>
@@ -19226,7 +23301,7 @@
 </p:sld>
 </file>
 
-<file path=ppt/slides/slide14.xml><?xml version="1.0" encoding="utf-8"?>
+<file path=ppt/slides/slide15.xml><?xml version="1.0" encoding="utf-8"?>
 <p:sld xmlns:a="http://schemas.openxmlformats.org/drawingml/2006/main" xmlns:r="http://schemas.openxmlformats.org/officeDocument/2006/relationships" xmlns:p="http://schemas.openxmlformats.org/presentationml/2006/main">
   <p:cSld>
     <p:spTree>
@@ -19289,13 +23364,13 @@
         </p:nvSpPr>
         <p:spPr>
           <a:xfrm>
-            <a:off x="1208773" y="5012020"/>
-            <a:ext cx="4268804" cy="1559377"/>
+            <a:off x="266291" y="4984892"/>
+            <a:ext cx="6691100" cy="1430280"/>
           </a:xfrm>
         </p:spPr>
         <p:txBody>
           <a:bodyPr>
-            <a:normAutofit fontScale="92500" lnSpcReduction="20000"/>
+            <a:normAutofit fontScale="92500"/>
           </a:bodyPr>
           <a:lstStyle/>
           <a:p>
@@ -19330,8 +23405,8 @@
         </p:nvSpPr>
         <p:spPr>
           <a:xfrm>
-            <a:off x="6714423" y="4984892"/>
-            <a:ext cx="4268804" cy="1559377"/>
+            <a:off x="7225747" y="4984892"/>
+            <a:ext cx="4452731" cy="1559377"/>
           </a:xfrm>
           <a:prstGeom prst="rect">
             <a:avLst/>
@@ -19625,8 +23700,8 @@
         </p:blipFill>
         <p:spPr>
           <a:xfrm>
-            <a:off x="6096000" y="1777367"/>
-            <a:ext cx="5868219" cy="3115110"/>
+            <a:off x="7225749" y="1777367"/>
+            <a:ext cx="3756990" cy="3115110"/>
           </a:xfrm>
           <a:prstGeom prst="rect">
             <a:avLst/>
@@ -19655,8 +23730,38 @@
         </p:blipFill>
         <p:spPr>
           <a:xfrm>
-            <a:off x="613611" y="1845980"/>
-            <a:ext cx="5472863" cy="3124636"/>
+            <a:off x="3200400" y="1731159"/>
+            <a:ext cx="3756991" cy="3124636"/>
+          </a:xfrm>
+          <a:prstGeom prst="rect">
+            <a:avLst/>
+          </a:prstGeom>
+        </p:spPr>
+      </p:pic>
+      <p:pic>
+        <p:nvPicPr>
+          <p:cNvPr id="5" name="Picture 4">
+            <a:extLst>
+              <a:ext uri="{FF2B5EF4-FFF2-40B4-BE49-F238E27FC236}">
+                <a16:creationId xmlns:a16="http://schemas.microsoft.com/office/drawing/2014/main" id="{7096C628-F9D0-AFE0-37FD-E7B9BD59E5FB}"/>
+              </a:ext>
+            </a:extLst>
+          </p:cNvPr>
+          <p:cNvPicPr>
+            <a:picLocks noChangeAspect="1"/>
+          </p:cNvPicPr>
+          <p:nvPr/>
+        </p:nvPicPr>
+        <p:blipFill>
+          <a:blip r:embed="rId4"/>
+          <a:stretch>
+            <a:fillRect/>
+          </a:stretch>
+        </p:blipFill>
+        <p:spPr>
+          <a:xfrm>
+            <a:off x="227782" y="1777367"/>
+            <a:ext cx="2704262" cy="3032220"/>
           </a:xfrm>
           <a:prstGeom prst="rect">
             <a:avLst/>
@@ -19688,9 +23793,17 @@
 </p:sld>
 </file>
 
-<file path=ppt/slides/slide15.xml><?xml version="1.0" encoding="utf-8"?>
+<file path=ppt/slides/slide16.xml><?xml version="1.0" encoding="utf-8"?>
 <p:sld xmlns:a="http://schemas.openxmlformats.org/drawingml/2006/main" xmlns:r="http://schemas.openxmlformats.org/officeDocument/2006/relationships" xmlns:p="http://schemas.openxmlformats.org/presentationml/2006/main">
   <p:cSld>
+    <p:bg>
+      <p:bgPr>
+        <a:solidFill>
+          <a:schemeClr val="bg1"/>
+        </a:solidFill>
+        <a:effectLst/>
+      </p:bgPr>
+    </p:bg>
     <p:spTree>
       <p:nvGrpSpPr>
         <p:cNvPr id="1" name=""/>
@@ -19707,1095 +23820,70 @@
       </p:grpSpPr>
       <p:sp>
         <p:nvSpPr>
-          <p:cNvPr id="2" name="Title 1">
+          <p:cNvPr id="12" name="Down Arrow 7">
             <a:extLst>
               <a:ext uri="{FF2B5EF4-FFF2-40B4-BE49-F238E27FC236}">
-                <a16:creationId xmlns:a16="http://schemas.microsoft.com/office/drawing/2014/main" id="{5FB13B75-DFA3-153F-C5FE-788ECCD5EF5F}"/>
+                <a16:creationId xmlns:a16="http://schemas.microsoft.com/office/drawing/2014/main" id="{D4771268-CB57-404A-9271-370EB28F6090}"/>
+              </a:ext>
+              <a:ext uri="{C183D7F6-B498-43B3-948B-1728B52AA6E4}">
+                <adec:decorative xmlns:adec="http://schemas.microsoft.com/office/drawing/2017/decorative" val="1"/>
               </a:ext>
             </a:extLst>
           </p:cNvPr>
           <p:cNvSpPr>
-            <a:spLocks noGrp="1"/>
+            <a:spLocks noGrp="1" noRot="1" noChangeAspect="1" noMove="1" noResize="1" noEditPoints="1" noAdjustHandles="1" noChangeArrowheads="1" noChangeShapeType="1" noTextEdit="1"/>
           </p:cNvSpPr>
           <p:nvPr>
-            <p:ph type="title"/>
+            <p:extLst>
+              <p:ext uri="{386F3935-93C4-4BCD-93E2-E3B085C9AB24}">
+                <p16:designElem xmlns:p16="http://schemas.microsoft.com/office/powerpoint/2015/main" val="1"/>
+              </p:ext>
+            </p:extLst>
           </p:nvPr>
         </p:nvSpPr>
-        <p:spPr/>
+        <p:spPr>
+          <a:xfrm rot="16200000">
+            <a:off x="800100" y="1491343"/>
+            <a:ext cx="3333749" cy="3499103"/>
+          </a:xfrm>
+          <a:prstGeom prst="downArrow">
+            <a:avLst>
+              <a:gd name="adj1" fmla="val 100000"/>
+              <a:gd name="adj2" fmla="val 15788"/>
+            </a:avLst>
+          </a:prstGeom>
+          <a:solidFill>
+            <a:srgbClr val="404040"/>
+          </a:solidFill>
+          <a:ln w="53975">
+            <a:noFill/>
+          </a:ln>
+        </p:spPr>
+        <p:style>
+          <a:lnRef idx="2">
+            <a:schemeClr val="accent1">
+              <a:shade val="50000"/>
+            </a:schemeClr>
+          </a:lnRef>
+          <a:fillRef idx="1">
+            <a:schemeClr val="accent1"/>
+          </a:fillRef>
+          <a:effectRef idx="0">
+            <a:schemeClr val="accent1"/>
+          </a:effectRef>
+          <a:fontRef idx="minor">
+            <a:schemeClr val="lt1"/>
+          </a:fontRef>
+        </p:style>
         <p:txBody>
-          <a:bodyPr/>
+          <a:bodyPr rtlCol="0" anchor="ctr"/>
           <a:lstStyle/>
           <a:p>
-            <a:r>
-              <a:rPr lang="en-IN" dirty="0"/>
-              <a:t>Loan Trend over years</a:t>
-            </a:r>
+            <a:pPr algn="ctr"/>
+            <a:endParaRPr lang="en-US"/>
           </a:p>
         </p:txBody>
       </p:sp>
-      <p:sp>
-        <p:nvSpPr>
-          <p:cNvPr id="4" name="Content Placeholder 2">
-            <a:extLst>
-              <a:ext uri="{FF2B5EF4-FFF2-40B4-BE49-F238E27FC236}">
-                <a16:creationId xmlns:a16="http://schemas.microsoft.com/office/drawing/2014/main" id="{434436B7-A08B-F89B-1EFE-6FB6141D14BD}"/>
-              </a:ext>
-            </a:extLst>
-          </p:cNvPr>
-          <p:cNvSpPr txBox="1">
-            <a:spLocks/>
-          </p:cNvSpPr>
-          <p:nvPr/>
-        </p:nvSpPr>
-        <p:spPr>
-          <a:xfrm>
-            <a:off x="721895" y="5012020"/>
-            <a:ext cx="5313146" cy="1559377"/>
-          </a:xfrm>
-          <a:prstGeom prst="rect">
-            <a:avLst/>
-          </a:prstGeom>
-        </p:spPr>
-        <p:txBody>
-          <a:bodyPr vert="horz" lIns="0" tIns="45720" rIns="0" bIns="45720" rtlCol="0">
-            <a:normAutofit/>
-          </a:bodyPr>
-          <a:lstStyle>
-            <a:lvl1pPr marL="91440" indent="-91440" algn="l" defTabSz="914400" rtl="0" eaLnBrk="1" latinLnBrk="0" hangingPunct="1">
-              <a:lnSpc>
-                <a:spcPct val="90000"/>
-              </a:lnSpc>
-              <a:spcBef>
-                <a:spcPts val="1200"/>
-              </a:spcBef>
-              <a:spcAft>
-                <a:spcPts val="200"/>
-              </a:spcAft>
-              <a:buClr>
-                <a:schemeClr val="accent1"/>
-              </a:buClr>
-              <a:buSzPct val="100000"/>
-              <a:buFont typeface="Calibri" panose="020F0502020204030204" pitchFamily="34" charset="0"/>
-              <a:buChar char=" "/>
-              <a:defRPr sz="2000" kern="1200">
-                <a:solidFill>
-                  <a:schemeClr val="tx1">
-                    <a:lumMod val="75000"/>
-                    <a:lumOff val="25000"/>
-                  </a:schemeClr>
-                </a:solidFill>
-                <a:latin typeface="+mn-lt"/>
-                <a:ea typeface="+mn-ea"/>
-                <a:cs typeface="+mn-cs"/>
-              </a:defRPr>
-            </a:lvl1pPr>
-            <a:lvl2pPr marL="384048" indent="-182880" algn="l" defTabSz="914400" rtl="0" eaLnBrk="1" latinLnBrk="0" hangingPunct="1">
-              <a:lnSpc>
-                <a:spcPct val="90000"/>
-              </a:lnSpc>
-              <a:spcBef>
-                <a:spcPts val="200"/>
-              </a:spcBef>
-              <a:spcAft>
-                <a:spcPts val="400"/>
-              </a:spcAft>
-              <a:buClr>
-                <a:schemeClr val="accent1"/>
-              </a:buClr>
-              <a:buFont typeface="Calibri" pitchFamily="34" charset="0"/>
-              <a:buChar char="◦"/>
-              <a:defRPr sz="1800" kern="1200">
-                <a:solidFill>
-                  <a:schemeClr val="tx1">
-                    <a:lumMod val="75000"/>
-                    <a:lumOff val="25000"/>
-                  </a:schemeClr>
-                </a:solidFill>
-                <a:latin typeface="+mn-lt"/>
-                <a:ea typeface="+mn-ea"/>
-                <a:cs typeface="+mn-cs"/>
-              </a:defRPr>
-            </a:lvl2pPr>
-            <a:lvl3pPr marL="566928" indent="-182880" algn="l" defTabSz="914400" rtl="0" eaLnBrk="1" latinLnBrk="0" hangingPunct="1">
-              <a:lnSpc>
-                <a:spcPct val="90000"/>
-              </a:lnSpc>
-              <a:spcBef>
-                <a:spcPts val="200"/>
-              </a:spcBef>
-              <a:spcAft>
-                <a:spcPts val="400"/>
-              </a:spcAft>
-              <a:buClr>
-                <a:schemeClr val="accent1"/>
-              </a:buClr>
-              <a:buFont typeface="Calibri" pitchFamily="34" charset="0"/>
-              <a:buChar char="◦"/>
-              <a:defRPr sz="1400" kern="1200">
-                <a:solidFill>
-                  <a:schemeClr val="tx1">
-                    <a:lumMod val="75000"/>
-                    <a:lumOff val="25000"/>
-                  </a:schemeClr>
-                </a:solidFill>
-                <a:latin typeface="+mn-lt"/>
-                <a:ea typeface="+mn-ea"/>
-                <a:cs typeface="+mn-cs"/>
-              </a:defRPr>
-            </a:lvl3pPr>
-            <a:lvl4pPr marL="749808" indent="-182880" algn="l" defTabSz="914400" rtl="0" eaLnBrk="1" latinLnBrk="0" hangingPunct="1">
-              <a:lnSpc>
-                <a:spcPct val="90000"/>
-              </a:lnSpc>
-              <a:spcBef>
-                <a:spcPts val="200"/>
-              </a:spcBef>
-              <a:spcAft>
-                <a:spcPts val="400"/>
-              </a:spcAft>
-              <a:buClr>
-                <a:schemeClr val="accent1"/>
-              </a:buClr>
-              <a:buFont typeface="Calibri" pitchFamily="34" charset="0"/>
-              <a:buChar char="◦"/>
-              <a:defRPr sz="1400" kern="1200">
-                <a:solidFill>
-                  <a:schemeClr val="tx1">
-                    <a:lumMod val="75000"/>
-                    <a:lumOff val="25000"/>
-                  </a:schemeClr>
-                </a:solidFill>
-                <a:latin typeface="+mn-lt"/>
-                <a:ea typeface="+mn-ea"/>
-                <a:cs typeface="+mn-cs"/>
-              </a:defRPr>
-            </a:lvl4pPr>
-            <a:lvl5pPr marL="932688" indent="-182880" algn="l" defTabSz="914400" rtl="0" eaLnBrk="1" latinLnBrk="0" hangingPunct="1">
-              <a:lnSpc>
-                <a:spcPct val="90000"/>
-              </a:lnSpc>
-              <a:spcBef>
-                <a:spcPts val="200"/>
-              </a:spcBef>
-              <a:spcAft>
-                <a:spcPts val="400"/>
-              </a:spcAft>
-              <a:buClr>
-                <a:schemeClr val="accent1"/>
-              </a:buClr>
-              <a:buFont typeface="Calibri" pitchFamily="34" charset="0"/>
-              <a:buChar char="◦"/>
-              <a:defRPr sz="1400" kern="1200">
-                <a:solidFill>
-                  <a:schemeClr val="tx1">
-                    <a:lumMod val="75000"/>
-                    <a:lumOff val="25000"/>
-                  </a:schemeClr>
-                </a:solidFill>
-                <a:latin typeface="+mn-lt"/>
-                <a:ea typeface="+mn-ea"/>
-                <a:cs typeface="+mn-cs"/>
-              </a:defRPr>
-            </a:lvl5pPr>
-            <a:lvl6pPr marL="1100000" indent="-228600" algn="l" defTabSz="914400" rtl="0" eaLnBrk="1" latinLnBrk="0" hangingPunct="1">
-              <a:lnSpc>
-                <a:spcPct val="90000"/>
-              </a:lnSpc>
-              <a:spcBef>
-                <a:spcPts val="200"/>
-              </a:spcBef>
-              <a:spcAft>
-                <a:spcPts val="400"/>
-              </a:spcAft>
-              <a:buClr>
-                <a:schemeClr val="accent1"/>
-              </a:buClr>
-              <a:buFont typeface="Calibri" pitchFamily="34" charset="0"/>
-              <a:buChar char="◦"/>
-              <a:defRPr sz="1400" kern="1200">
-                <a:solidFill>
-                  <a:schemeClr val="tx1">
-                    <a:lumMod val="75000"/>
-                    <a:lumOff val="25000"/>
-                  </a:schemeClr>
-                </a:solidFill>
-                <a:latin typeface="+mn-lt"/>
-                <a:ea typeface="+mn-ea"/>
-                <a:cs typeface="+mn-cs"/>
-              </a:defRPr>
-            </a:lvl6pPr>
-            <a:lvl7pPr marL="1300000" indent="-228600" algn="l" defTabSz="914400" rtl="0" eaLnBrk="1" latinLnBrk="0" hangingPunct="1">
-              <a:lnSpc>
-                <a:spcPct val="90000"/>
-              </a:lnSpc>
-              <a:spcBef>
-                <a:spcPts val="200"/>
-              </a:spcBef>
-              <a:spcAft>
-                <a:spcPts val="400"/>
-              </a:spcAft>
-              <a:buClr>
-                <a:schemeClr val="accent1"/>
-              </a:buClr>
-              <a:buFont typeface="Calibri" pitchFamily="34" charset="0"/>
-              <a:buChar char="◦"/>
-              <a:defRPr sz="1400" kern="1200">
-                <a:solidFill>
-                  <a:schemeClr val="tx1">
-                    <a:lumMod val="75000"/>
-                    <a:lumOff val="25000"/>
-                  </a:schemeClr>
-                </a:solidFill>
-                <a:latin typeface="+mn-lt"/>
-                <a:ea typeface="+mn-ea"/>
-                <a:cs typeface="+mn-cs"/>
-              </a:defRPr>
-            </a:lvl7pPr>
-            <a:lvl8pPr marL="1500000" indent="-228600" algn="l" defTabSz="914400" rtl="0" eaLnBrk="1" latinLnBrk="0" hangingPunct="1">
-              <a:lnSpc>
-                <a:spcPct val="90000"/>
-              </a:lnSpc>
-              <a:spcBef>
-                <a:spcPts val="200"/>
-              </a:spcBef>
-              <a:spcAft>
-                <a:spcPts val="400"/>
-              </a:spcAft>
-              <a:buClr>
-                <a:schemeClr val="accent1"/>
-              </a:buClr>
-              <a:buFont typeface="Calibri" pitchFamily="34" charset="0"/>
-              <a:buChar char="◦"/>
-              <a:defRPr sz="1400" kern="1200">
-                <a:solidFill>
-                  <a:schemeClr val="tx1">
-                    <a:lumMod val="75000"/>
-                    <a:lumOff val="25000"/>
-                  </a:schemeClr>
-                </a:solidFill>
-                <a:latin typeface="+mn-lt"/>
-                <a:ea typeface="+mn-ea"/>
-                <a:cs typeface="+mn-cs"/>
-              </a:defRPr>
-            </a:lvl8pPr>
-            <a:lvl9pPr marL="1700000" indent="-228600" algn="l" defTabSz="914400" rtl="0" eaLnBrk="1" latinLnBrk="0" hangingPunct="1">
-              <a:lnSpc>
-                <a:spcPct val="90000"/>
-              </a:lnSpc>
-              <a:spcBef>
-                <a:spcPts val="200"/>
-              </a:spcBef>
-              <a:spcAft>
-                <a:spcPts val="400"/>
-              </a:spcAft>
-              <a:buClr>
-                <a:schemeClr val="accent1"/>
-              </a:buClr>
-              <a:buFont typeface="Calibri" pitchFamily="34" charset="0"/>
-              <a:buChar char="◦"/>
-              <a:defRPr sz="1400" kern="1200">
-                <a:solidFill>
-                  <a:schemeClr val="tx1">
-                    <a:lumMod val="75000"/>
-                    <a:lumOff val="25000"/>
-                  </a:schemeClr>
-                </a:solidFill>
-                <a:latin typeface="+mn-lt"/>
-                <a:ea typeface="+mn-ea"/>
-                <a:cs typeface="+mn-cs"/>
-              </a:defRPr>
-            </a:lvl9pPr>
-          </a:lstStyle>
-          <a:p>
-            <a:pPr marL="0" indent="0">
-              <a:buNone/>
-            </a:pPr>
-            <a:r>
-              <a:rPr lang="en-IN" b="1" dirty="0"/>
-              <a:t> </a:t>
-            </a:r>
-            <a:r>
-              <a:rPr lang="en-IN" dirty="0"/>
-              <a:t>We see a gradual increase in loan taken through the year, with lesser defaulting rate in April ,August, December quarter wise and better more late in year.</a:t>
-            </a:r>
-          </a:p>
-        </p:txBody>
-      </p:sp>
-      <p:sp>
-        <p:nvSpPr>
-          <p:cNvPr id="5" name="Content Placeholder 2">
-            <a:extLst>
-              <a:ext uri="{FF2B5EF4-FFF2-40B4-BE49-F238E27FC236}">
-                <a16:creationId xmlns:a16="http://schemas.microsoft.com/office/drawing/2014/main" id="{B334A241-ABA4-7377-C05E-D09711BFD375}"/>
-              </a:ext>
-            </a:extLst>
-          </p:cNvPr>
-          <p:cNvSpPr txBox="1">
-            <a:spLocks/>
-          </p:cNvSpPr>
-          <p:nvPr/>
-        </p:nvSpPr>
-        <p:spPr>
-          <a:xfrm>
-            <a:off x="6714423" y="4984892"/>
-            <a:ext cx="4268804" cy="1559377"/>
-          </a:xfrm>
-          <a:prstGeom prst="rect">
-            <a:avLst/>
-          </a:prstGeom>
-        </p:spPr>
-        <p:txBody>
-          <a:bodyPr vert="horz" lIns="0" tIns="45720" rIns="0" bIns="45720" rtlCol="0">
-            <a:normAutofit/>
-          </a:bodyPr>
-          <a:lstStyle>
-            <a:lvl1pPr marL="91440" indent="-91440" algn="l" defTabSz="914400" rtl="0" eaLnBrk="1" latinLnBrk="0" hangingPunct="1">
-              <a:lnSpc>
-                <a:spcPct val="90000"/>
-              </a:lnSpc>
-              <a:spcBef>
-                <a:spcPts val="1200"/>
-              </a:spcBef>
-              <a:spcAft>
-                <a:spcPts val="200"/>
-              </a:spcAft>
-              <a:buClr>
-                <a:schemeClr val="accent1"/>
-              </a:buClr>
-              <a:buSzPct val="100000"/>
-              <a:buFont typeface="Calibri" panose="020F0502020204030204" pitchFamily="34" charset="0"/>
-              <a:buChar char=" "/>
-              <a:defRPr sz="2000" kern="1200">
-                <a:solidFill>
-                  <a:schemeClr val="tx1">
-                    <a:lumMod val="75000"/>
-                    <a:lumOff val="25000"/>
-                  </a:schemeClr>
-                </a:solidFill>
-                <a:latin typeface="+mn-lt"/>
-                <a:ea typeface="+mn-ea"/>
-                <a:cs typeface="+mn-cs"/>
-              </a:defRPr>
-            </a:lvl1pPr>
-            <a:lvl2pPr marL="384048" indent="-182880" algn="l" defTabSz="914400" rtl="0" eaLnBrk="1" latinLnBrk="0" hangingPunct="1">
-              <a:lnSpc>
-                <a:spcPct val="90000"/>
-              </a:lnSpc>
-              <a:spcBef>
-                <a:spcPts val="200"/>
-              </a:spcBef>
-              <a:spcAft>
-                <a:spcPts val="400"/>
-              </a:spcAft>
-              <a:buClr>
-                <a:schemeClr val="accent1"/>
-              </a:buClr>
-              <a:buFont typeface="Calibri" pitchFamily="34" charset="0"/>
-              <a:buChar char="◦"/>
-              <a:defRPr sz="1800" kern="1200">
-                <a:solidFill>
-                  <a:schemeClr val="tx1">
-                    <a:lumMod val="75000"/>
-                    <a:lumOff val="25000"/>
-                  </a:schemeClr>
-                </a:solidFill>
-                <a:latin typeface="+mn-lt"/>
-                <a:ea typeface="+mn-ea"/>
-                <a:cs typeface="+mn-cs"/>
-              </a:defRPr>
-            </a:lvl2pPr>
-            <a:lvl3pPr marL="566928" indent="-182880" algn="l" defTabSz="914400" rtl="0" eaLnBrk="1" latinLnBrk="0" hangingPunct="1">
-              <a:lnSpc>
-                <a:spcPct val="90000"/>
-              </a:lnSpc>
-              <a:spcBef>
-                <a:spcPts val="200"/>
-              </a:spcBef>
-              <a:spcAft>
-                <a:spcPts val="400"/>
-              </a:spcAft>
-              <a:buClr>
-                <a:schemeClr val="accent1"/>
-              </a:buClr>
-              <a:buFont typeface="Calibri" pitchFamily="34" charset="0"/>
-              <a:buChar char="◦"/>
-              <a:defRPr sz="1400" kern="1200">
-                <a:solidFill>
-                  <a:schemeClr val="tx1">
-                    <a:lumMod val="75000"/>
-                    <a:lumOff val="25000"/>
-                  </a:schemeClr>
-                </a:solidFill>
-                <a:latin typeface="+mn-lt"/>
-                <a:ea typeface="+mn-ea"/>
-                <a:cs typeface="+mn-cs"/>
-              </a:defRPr>
-            </a:lvl3pPr>
-            <a:lvl4pPr marL="749808" indent="-182880" algn="l" defTabSz="914400" rtl="0" eaLnBrk="1" latinLnBrk="0" hangingPunct="1">
-              <a:lnSpc>
-                <a:spcPct val="90000"/>
-              </a:lnSpc>
-              <a:spcBef>
-                <a:spcPts val="200"/>
-              </a:spcBef>
-              <a:spcAft>
-                <a:spcPts val="400"/>
-              </a:spcAft>
-              <a:buClr>
-                <a:schemeClr val="accent1"/>
-              </a:buClr>
-              <a:buFont typeface="Calibri" pitchFamily="34" charset="0"/>
-              <a:buChar char="◦"/>
-              <a:defRPr sz="1400" kern="1200">
-                <a:solidFill>
-                  <a:schemeClr val="tx1">
-                    <a:lumMod val="75000"/>
-                    <a:lumOff val="25000"/>
-                  </a:schemeClr>
-                </a:solidFill>
-                <a:latin typeface="+mn-lt"/>
-                <a:ea typeface="+mn-ea"/>
-                <a:cs typeface="+mn-cs"/>
-              </a:defRPr>
-            </a:lvl4pPr>
-            <a:lvl5pPr marL="932688" indent="-182880" algn="l" defTabSz="914400" rtl="0" eaLnBrk="1" latinLnBrk="0" hangingPunct="1">
-              <a:lnSpc>
-                <a:spcPct val="90000"/>
-              </a:lnSpc>
-              <a:spcBef>
-                <a:spcPts val="200"/>
-              </a:spcBef>
-              <a:spcAft>
-                <a:spcPts val="400"/>
-              </a:spcAft>
-              <a:buClr>
-                <a:schemeClr val="accent1"/>
-              </a:buClr>
-              <a:buFont typeface="Calibri" pitchFamily="34" charset="0"/>
-              <a:buChar char="◦"/>
-              <a:defRPr sz="1400" kern="1200">
-                <a:solidFill>
-                  <a:schemeClr val="tx1">
-                    <a:lumMod val="75000"/>
-                    <a:lumOff val="25000"/>
-                  </a:schemeClr>
-                </a:solidFill>
-                <a:latin typeface="+mn-lt"/>
-                <a:ea typeface="+mn-ea"/>
-                <a:cs typeface="+mn-cs"/>
-              </a:defRPr>
-            </a:lvl5pPr>
-            <a:lvl6pPr marL="1100000" indent="-228600" algn="l" defTabSz="914400" rtl="0" eaLnBrk="1" latinLnBrk="0" hangingPunct="1">
-              <a:lnSpc>
-                <a:spcPct val="90000"/>
-              </a:lnSpc>
-              <a:spcBef>
-                <a:spcPts val="200"/>
-              </a:spcBef>
-              <a:spcAft>
-                <a:spcPts val="400"/>
-              </a:spcAft>
-              <a:buClr>
-                <a:schemeClr val="accent1"/>
-              </a:buClr>
-              <a:buFont typeface="Calibri" pitchFamily="34" charset="0"/>
-              <a:buChar char="◦"/>
-              <a:defRPr sz="1400" kern="1200">
-                <a:solidFill>
-                  <a:schemeClr val="tx1">
-                    <a:lumMod val="75000"/>
-                    <a:lumOff val="25000"/>
-                  </a:schemeClr>
-                </a:solidFill>
-                <a:latin typeface="+mn-lt"/>
-                <a:ea typeface="+mn-ea"/>
-                <a:cs typeface="+mn-cs"/>
-              </a:defRPr>
-            </a:lvl6pPr>
-            <a:lvl7pPr marL="1300000" indent="-228600" algn="l" defTabSz="914400" rtl="0" eaLnBrk="1" latinLnBrk="0" hangingPunct="1">
-              <a:lnSpc>
-                <a:spcPct val="90000"/>
-              </a:lnSpc>
-              <a:spcBef>
-                <a:spcPts val="200"/>
-              </a:spcBef>
-              <a:spcAft>
-                <a:spcPts val="400"/>
-              </a:spcAft>
-              <a:buClr>
-                <a:schemeClr val="accent1"/>
-              </a:buClr>
-              <a:buFont typeface="Calibri" pitchFamily="34" charset="0"/>
-              <a:buChar char="◦"/>
-              <a:defRPr sz="1400" kern="1200">
-                <a:solidFill>
-                  <a:schemeClr val="tx1">
-                    <a:lumMod val="75000"/>
-                    <a:lumOff val="25000"/>
-                  </a:schemeClr>
-                </a:solidFill>
-                <a:latin typeface="+mn-lt"/>
-                <a:ea typeface="+mn-ea"/>
-                <a:cs typeface="+mn-cs"/>
-              </a:defRPr>
-            </a:lvl7pPr>
-            <a:lvl8pPr marL="1500000" indent="-228600" algn="l" defTabSz="914400" rtl="0" eaLnBrk="1" latinLnBrk="0" hangingPunct="1">
-              <a:lnSpc>
-                <a:spcPct val="90000"/>
-              </a:lnSpc>
-              <a:spcBef>
-                <a:spcPts val="200"/>
-              </a:spcBef>
-              <a:spcAft>
-                <a:spcPts val="400"/>
-              </a:spcAft>
-              <a:buClr>
-                <a:schemeClr val="accent1"/>
-              </a:buClr>
-              <a:buFont typeface="Calibri" pitchFamily="34" charset="0"/>
-              <a:buChar char="◦"/>
-              <a:defRPr sz="1400" kern="1200">
-                <a:solidFill>
-                  <a:schemeClr val="tx1">
-                    <a:lumMod val="75000"/>
-                    <a:lumOff val="25000"/>
-                  </a:schemeClr>
-                </a:solidFill>
-                <a:latin typeface="+mn-lt"/>
-                <a:ea typeface="+mn-ea"/>
-                <a:cs typeface="+mn-cs"/>
-              </a:defRPr>
-            </a:lvl8pPr>
-            <a:lvl9pPr marL="1700000" indent="-228600" algn="l" defTabSz="914400" rtl="0" eaLnBrk="1" latinLnBrk="0" hangingPunct="1">
-              <a:lnSpc>
-                <a:spcPct val="90000"/>
-              </a:lnSpc>
-              <a:spcBef>
-                <a:spcPts val="200"/>
-              </a:spcBef>
-              <a:spcAft>
-                <a:spcPts val="400"/>
-              </a:spcAft>
-              <a:buClr>
-                <a:schemeClr val="accent1"/>
-              </a:buClr>
-              <a:buFont typeface="Calibri" pitchFamily="34" charset="0"/>
-              <a:buChar char="◦"/>
-              <a:defRPr sz="1400" kern="1200">
-                <a:solidFill>
-                  <a:schemeClr val="tx1">
-                    <a:lumMod val="75000"/>
-                    <a:lumOff val="25000"/>
-                  </a:schemeClr>
-                </a:solidFill>
-                <a:latin typeface="+mn-lt"/>
-                <a:ea typeface="+mn-ea"/>
-                <a:cs typeface="+mn-cs"/>
-              </a:defRPr>
-            </a:lvl9pPr>
-          </a:lstStyle>
-          <a:p>
-            <a:pPr marL="0" indent="0">
-              <a:buNone/>
-            </a:pPr>
-            <a:r>
-              <a:rPr lang="en-IN" dirty="0"/>
-              <a:t>With each passing year loan taken are increasing exponentially which indicate we are seeing large increase in DTI ratio and decrease in defaulting rate.</a:t>
-            </a:r>
-          </a:p>
-        </p:txBody>
-      </p:sp>
-      <p:pic>
-        <p:nvPicPr>
-          <p:cNvPr id="11" name="Picture 10">
-            <a:extLst>
-              <a:ext uri="{FF2B5EF4-FFF2-40B4-BE49-F238E27FC236}">
-                <a16:creationId xmlns:a16="http://schemas.microsoft.com/office/drawing/2014/main" id="{172A1BFA-5E4D-D967-BEC2-F693AA43CDAA}"/>
-              </a:ext>
-            </a:extLst>
-          </p:cNvPr>
-          <p:cNvPicPr>
-            <a:picLocks noChangeAspect="1"/>
-          </p:cNvPicPr>
-          <p:nvPr/>
-        </p:nvPicPr>
-        <p:blipFill>
-          <a:blip r:embed="rId3"/>
-          <a:stretch>
-            <a:fillRect/>
-          </a:stretch>
-        </p:blipFill>
-        <p:spPr>
-          <a:xfrm>
-            <a:off x="6035041" y="1896910"/>
-            <a:ext cx="5877745" cy="3115110"/>
-          </a:xfrm>
-          <a:prstGeom prst="rect">
-            <a:avLst/>
-          </a:prstGeom>
-        </p:spPr>
-      </p:pic>
-      <p:pic>
-        <p:nvPicPr>
-          <p:cNvPr id="15" name="Picture 14">
-            <a:extLst>
-              <a:ext uri="{FF2B5EF4-FFF2-40B4-BE49-F238E27FC236}">
-                <a16:creationId xmlns:a16="http://schemas.microsoft.com/office/drawing/2014/main" id="{D9F17DF2-8955-CD12-5B34-A8F93819EA5D}"/>
-              </a:ext>
-            </a:extLst>
-          </p:cNvPr>
-          <p:cNvPicPr>
-            <a:picLocks noChangeAspect="1"/>
-          </p:cNvPicPr>
-          <p:nvPr/>
-        </p:nvPicPr>
-        <p:blipFill>
-          <a:blip r:embed="rId4"/>
-          <a:stretch>
-            <a:fillRect/>
-          </a:stretch>
-        </p:blipFill>
-        <p:spPr>
-          <a:xfrm>
-            <a:off x="279214" y="1896910"/>
-            <a:ext cx="5820587" cy="3134162"/>
-          </a:xfrm>
-          <a:prstGeom prst="rect">
-            <a:avLst/>
-          </a:prstGeom>
-        </p:spPr>
-      </p:pic>
-    </p:spTree>
-    <p:extLst>
-      <p:ext uri="{BB962C8B-B14F-4D97-AF65-F5344CB8AC3E}">
-        <p14:creationId xmlns:p14="http://schemas.microsoft.com/office/powerpoint/2010/main" val="1715975152"/>
-      </p:ext>
-    </p:extLst>
-  </p:cSld>
-  <p:clrMapOvr>
-    <a:masterClrMapping/>
-  </p:clrMapOvr>
-  <mc:AlternateContent xmlns:mc="http://schemas.openxmlformats.org/markup-compatibility/2006" xmlns:p14="http://schemas.microsoft.com/office/powerpoint/2010/main">
-    <mc:Choice Requires="p14">
-      <p:transition spd="med" p14:dur="700">
-        <p:fade/>
-      </p:transition>
-    </mc:Choice>
-    <mc:Fallback xmlns="">
-      <p:transition spd="med">
-        <p:fade/>
-      </p:transition>
-    </mc:Fallback>
-  </mc:AlternateContent>
-</p:sld>
-</file>
-
-<file path=ppt/slides/slide16.xml><?xml version="1.0" encoding="utf-8"?>
-<p:sld xmlns:a="http://schemas.openxmlformats.org/drawingml/2006/main" xmlns:r="http://schemas.openxmlformats.org/officeDocument/2006/relationships" xmlns:p="http://schemas.openxmlformats.org/presentationml/2006/main">
-  <p:cSld>
-    <p:spTree>
-      <p:nvGrpSpPr>
-        <p:cNvPr id="1" name=""/>
-        <p:cNvGrpSpPr/>
-        <p:nvPr/>
-      </p:nvGrpSpPr>
-      <p:grpSpPr>
-        <a:xfrm>
-          <a:off x="0" y="0"/>
-          <a:ext cx="0" cy="0"/>
-          <a:chOff x="0" y="0"/>
-          <a:chExt cx="0" cy="0"/>
-        </a:xfrm>
-      </p:grpSpPr>
-      <p:sp>
-        <p:nvSpPr>
-          <p:cNvPr id="2" name="Title 1">
-            <a:extLst>
-              <a:ext uri="{FF2B5EF4-FFF2-40B4-BE49-F238E27FC236}">
-                <a16:creationId xmlns:a16="http://schemas.microsoft.com/office/drawing/2014/main" id="{7EC4AB0E-877F-15C6-BDD0-295D84FABBDF}"/>
-              </a:ext>
-            </a:extLst>
-          </p:cNvPr>
-          <p:cNvSpPr>
-            <a:spLocks noGrp="1"/>
-          </p:cNvSpPr>
-          <p:nvPr>
-            <p:ph type="title"/>
-          </p:nvPr>
-        </p:nvSpPr>
-        <p:spPr/>
-        <p:txBody>
-          <a:bodyPr/>
-          <a:lstStyle/>
-          <a:p>
-            <a:r>
-              <a:rPr lang="en-IN" dirty="0"/>
-              <a:t>Location Based </a:t>
-            </a:r>
-          </a:p>
-        </p:txBody>
-      </p:sp>
-      <p:sp>
-        <p:nvSpPr>
-          <p:cNvPr id="5" name="Content Placeholder 2">
-            <a:extLst>
-              <a:ext uri="{FF2B5EF4-FFF2-40B4-BE49-F238E27FC236}">
-                <a16:creationId xmlns:a16="http://schemas.microsoft.com/office/drawing/2014/main" id="{9B807178-85CF-0C85-8254-ACA7B5997AB5}"/>
-              </a:ext>
-            </a:extLst>
-          </p:cNvPr>
-          <p:cNvSpPr txBox="1">
-            <a:spLocks/>
-          </p:cNvSpPr>
-          <p:nvPr/>
-        </p:nvSpPr>
-        <p:spPr>
-          <a:xfrm>
-            <a:off x="784459" y="5120640"/>
-            <a:ext cx="10441806" cy="1559377"/>
-          </a:xfrm>
-          <a:prstGeom prst="rect">
-            <a:avLst/>
-          </a:prstGeom>
-        </p:spPr>
-        <p:txBody>
-          <a:bodyPr vert="horz" lIns="0" tIns="45720" rIns="0" bIns="45720" rtlCol="0">
-            <a:normAutofit/>
-          </a:bodyPr>
-          <a:lstStyle>
-            <a:lvl1pPr marL="91440" indent="-91440" algn="l" defTabSz="914400" rtl="0" eaLnBrk="1" latinLnBrk="0" hangingPunct="1">
-              <a:lnSpc>
-                <a:spcPct val="90000"/>
-              </a:lnSpc>
-              <a:spcBef>
-                <a:spcPts val="1200"/>
-              </a:spcBef>
-              <a:spcAft>
-                <a:spcPts val="200"/>
-              </a:spcAft>
-              <a:buClr>
-                <a:schemeClr val="accent1"/>
-              </a:buClr>
-              <a:buSzPct val="100000"/>
-              <a:buFont typeface="Calibri" panose="020F0502020204030204" pitchFamily="34" charset="0"/>
-              <a:buChar char=" "/>
-              <a:defRPr sz="2000" kern="1200">
-                <a:solidFill>
-                  <a:schemeClr val="tx1">
-                    <a:lumMod val="75000"/>
-                    <a:lumOff val="25000"/>
-                  </a:schemeClr>
-                </a:solidFill>
-                <a:latin typeface="+mn-lt"/>
-                <a:ea typeface="+mn-ea"/>
-                <a:cs typeface="+mn-cs"/>
-              </a:defRPr>
-            </a:lvl1pPr>
-            <a:lvl2pPr marL="384048" indent="-182880" algn="l" defTabSz="914400" rtl="0" eaLnBrk="1" latinLnBrk="0" hangingPunct="1">
-              <a:lnSpc>
-                <a:spcPct val="90000"/>
-              </a:lnSpc>
-              <a:spcBef>
-                <a:spcPts val="200"/>
-              </a:spcBef>
-              <a:spcAft>
-                <a:spcPts val="400"/>
-              </a:spcAft>
-              <a:buClr>
-                <a:schemeClr val="accent1"/>
-              </a:buClr>
-              <a:buFont typeface="Calibri" pitchFamily="34" charset="0"/>
-              <a:buChar char="◦"/>
-              <a:defRPr sz="1800" kern="1200">
-                <a:solidFill>
-                  <a:schemeClr val="tx1">
-                    <a:lumMod val="75000"/>
-                    <a:lumOff val="25000"/>
-                  </a:schemeClr>
-                </a:solidFill>
-                <a:latin typeface="+mn-lt"/>
-                <a:ea typeface="+mn-ea"/>
-                <a:cs typeface="+mn-cs"/>
-              </a:defRPr>
-            </a:lvl2pPr>
-            <a:lvl3pPr marL="566928" indent="-182880" algn="l" defTabSz="914400" rtl="0" eaLnBrk="1" latinLnBrk="0" hangingPunct="1">
-              <a:lnSpc>
-                <a:spcPct val="90000"/>
-              </a:lnSpc>
-              <a:spcBef>
-                <a:spcPts val="200"/>
-              </a:spcBef>
-              <a:spcAft>
-                <a:spcPts val="400"/>
-              </a:spcAft>
-              <a:buClr>
-                <a:schemeClr val="accent1"/>
-              </a:buClr>
-              <a:buFont typeface="Calibri" pitchFamily="34" charset="0"/>
-              <a:buChar char="◦"/>
-              <a:defRPr sz="1400" kern="1200">
-                <a:solidFill>
-                  <a:schemeClr val="tx1">
-                    <a:lumMod val="75000"/>
-                    <a:lumOff val="25000"/>
-                  </a:schemeClr>
-                </a:solidFill>
-                <a:latin typeface="+mn-lt"/>
-                <a:ea typeface="+mn-ea"/>
-                <a:cs typeface="+mn-cs"/>
-              </a:defRPr>
-            </a:lvl3pPr>
-            <a:lvl4pPr marL="749808" indent="-182880" algn="l" defTabSz="914400" rtl="0" eaLnBrk="1" latinLnBrk="0" hangingPunct="1">
-              <a:lnSpc>
-                <a:spcPct val="90000"/>
-              </a:lnSpc>
-              <a:spcBef>
-                <a:spcPts val="200"/>
-              </a:spcBef>
-              <a:spcAft>
-                <a:spcPts val="400"/>
-              </a:spcAft>
-              <a:buClr>
-                <a:schemeClr val="accent1"/>
-              </a:buClr>
-              <a:buFont typeface="Calibri" pitchFamily="34" charset="0"/>
-              <a:buChar char="◦"/>
-              <a:defRPr sz="1400" kern="1200">
-                <a:solidFill>
-                  <a:schemeClr val="tx1">
-                    <a:lumMod val="75000"/>
-                    <a:lumOff val="25000"/>
-                  </a:schemeClr>
-                </a:solidFill>
-                <a:latin typeface="+mn-lt"/>
-                <a:ea typeface="+mn-ea"/>
-                <a:cs typeface="+mn-cs"/>
-              </a:defRPr>
-            </a:lvl4pPr>
-            <a:lvl5pPr marL="932688" indent="-182880" algn="l" defTabSz="914400" rtl="0" eaLnBrk="1" latinLnBrk="0" hangingPunct="1">
-              <a:lnSpc>
-                <a:spcPct val="90000"/>
-              </a:lnSpc>
-              <a:spcBef>
-                <a:spcPts val="200"/>
-              </a:spcBef>
-              <a:spcAft>
-                <a:spcPts val="400"/>
-              </a:spcAft>
-              <a:buClr>
-                <a:schemeClr val="accent1"/>
-              </a:buClr>
-              <a:buFont typeface="Calibri" pitchFamily="34" charset="0"/>
-              <a:buChar char="◦"/>
-              <a:defRPr sz="1400" kern="1200">
-                <a:solidFill>
-                  <a:schemeClr val="tx1">
-                    <a:lumMod val="75000"/>
-                    <a:lumOff val="25000"/>
-                  </a:schemeClr>
-                </a:solidFill>
-                <a:latin typeface="+mn-lt"/>
-                <a:ea typeface="+mn-ea"/>
-                <a:cs typeface="+mn-cs"/>
-              </a:defRPr>
-            </a:lvl5pPr>
-            <a:lvl6pPr marL="1100000" indent="-228600" algn="l" defTabSz="914400" rtl="0" eaLnBrk="1" latinLnBrk="0" hangingPunct="1">
-              <a:lnSpc>
-                <a:spcPct val="90000"/>
-              </a:lnSpc>
-              <a:spcBef>
-                <a:spcPts val="200"/>
-              </a:spcBef>
-              <a:spcAft>
-                <a:spcPts val="400"/>
-              </a:spcAft>
-              <a:buClr>
-                <a:schemeClr val="accent1"/>
-              </a:buClr>
-              <a:buFont typeface="Calibri" pitchFamily="34" charset="0"/>
-              <a:buChar char="◦"/>
-              <a:defRPr sz="1400" kern="1200">
-                <a:solidFill>
-                  <a:schemeClr val="tx1">
-                    <a:lumMod val="75000"/>
-                    <a:lumOff val="25000"/>
-                  </a:schemeClr>
-                </a:solidFill>
-                <a:latin typeface="+mn-lt"/>
-                <a:ea typeface="+mn-ea"/>
-                <a:cs typeface="+mn-cs"/>
-              </a:defRPr>
-            </a:lvl6pPr>
-            <a:lvl7pPr marL="1300000" indent="-228600" algn="l" defTabSz="914400" rtl="0" eaLnBrk="1" latinLnBrk="0" hangingPunct="1">
-              <a:lnSpc>
-                <a:spcPct val="90000"/>
-              </a:lnSpc>
-              <a:spcBef>
-                <a:spcPts val="200"/>
-              </a:spcBef>
-              <a:spcAft>
-                <a:spcPts val="400"/>
-              </a:spcAft>
-              <a:buClr>
-                <a:schemeClr val="accent1"/>
-              </a:buClr>
-              <a:buFont typeface="Calibri" pitchFamily="34" charset="0"/>
-              <a:buChar char="◦"/>
-              <a:defRPr sz="1400" kern="1200">
-                <a:solidFill>
-                  <a:schemeClr val="tx1">
-                    <a:lumMod val="75000"/>
-                    <a:lumOff val="25000"/>
-                  </a:schemeClr>
-                </a:solidFill>
-                <a:latin typeface="+mn-lt"/>
-                <a:ea typeface="+mn-ea"/>
-                <a:cs typeface="+mn-cs"/>
-              </a:defRPr>
-            </a:lvl7pPr>
-            <a:lvl8pPr marL="1500000" indent="-228600" algn="l" defTabSz="914400" rtl="0" eaLnBrk="1" latinLnBrk="0" hangingPunct="1">
-              <a:lnSpc>
-                <a:spcPct val="90000"/>
-              </a:lnSpc>
-              <a:spcBef>
-                <a:spcPts val="200"/>
-              </a:spcBef>
-              <a:spcAft>
-                <a:spcPts val="400"/>
-              </a:spcAft>
-              <a:buClr>
-                <a:schemeClr val="accent1"/>
-              </a:buClr>
-              <a:buFont typeface="Calibri" pitchFamily="34" charset="0"/>
-              <a:buChar char="◦"/>
-              <a:defRPr sz="1400" kern="1200">
-                <a:solidFill>
-                  <a:schemeClr val="tx1">
-                    <a:lumMod val="75000"/>
-                    <a:lumOff val="25000"/>
-                  </a:schemeClr>
-                </a:solidFill>
-                <a:latin typeface="+mn-lt"/>
-                <a:ea typeface="+mn-ea"/>
-                <a:cs typeface="+mn-cs"/>
-              </a:defRPr>
-            </a:lvl8pPr>
-            <a:lvl9pPr marL="1700000" indent="-228600" algn="l" defTabSz="914400" rtl="0" eaLnBrk="1" latinLnBrk="0" hangingPunct="1">
-              <a:lnSpc>
-                <a:spcPct val="90000"/>
-              </a:lnSpc>
-              <a:spcBef>
-                <a:spcPts val="200"/>
-              </a:spcBef>
-              <a:spcAft>
-                <a:spcPts val="400"/>
-              </a:spcAft>
-              <a:buClr>
-                <a:schemeClr val="accent1"/>
-              </a:buClr>
-              <a:buFont typeface="Calibri" pitchFamily="34" charset="0"/>
-              <a:buChar char="◦"/>
-              <a:defRPr sz="1400" kern="1200">
-                <a:solidFill>
-                  <a:schemeClr val="tx1">
-                    <a:lumMod val="75000"/>
-                    <a:lumOff val="25000"/>
-                  </a:schemeClr>
-                </a:solidFill>
-                <a:latin typeface="+mn-lt"/>
-                <a:ea typeface="+mn-ea"/>
-                <a:cs typeface="+mn-cs"/>
-              </a:defRPr>
-            </a:lvl9pPr>
-          </a:lstStyle>
-          <a:p>
-            <a:pPr marL="0" indent="0">
-              <a:buNone/>
-            </a:pPr>
-            <a:r>
-              <a:rPr lang="en-IN" dirty="0"/>
-              <a:t>For large metropolitan cities we see large number of loans, with higher number of defaulted loans like </a:t>
-            </a:r>
-            <a:r>
-              <a:rPr lang="en-US" dirty="0"/>
-              <a:t>California, New York, Texas, Florida but have a lower chance of defaulting.</a:t>
-            </a:r>
-            <a:endParaRPr lang="en-IN" dirty="0"/>
-          </a:p>
-        </p:txBody>
-      </p:sp>
-      <p:pic>
-        <p:nvPicPr>
-          <p:cNvPr id="10" name="Picture 9">
-            <a:extLst>
-              <a:ext uri="{FF2B5EF4-FFF2-40B4-BE49-F238E27FC236}">
-                <a16:creationId xmlns:a16="http://schemas.microsoft.com/office/drawing/2014/main" id="{EBFC94DA-C123-C0A2-42A2-DAA66648C3DF}"/>
-              </a:ext>
-            </a:extLst>
-          </p:cNvPr>
-          <p:cNvPicPr>
-            <a:picLocks noChangeAspect="1"/>
-          </p:cNvPicPr>
-          <p:nvPr/>
-        </p:nvPicPr>
-        <p:blipFill>
-          <a:blip r:embed="rId2"/>
-          <a:stretch>
-            <a:fillRect/>
-          </a:stretch>
-        </p:blipFill>
-        <p:spPr>
-          <a:xfrm>
-            <a:off x="721895" y="1866682"/>
-            <a:ext cx="10611851" cy="3124636"/>
-          </a:xfrm>
-          <a:prstGeom prst="rect">
-            <a:avLst/>
-          </a:prstGeom>
-        </p:spPr>
-      </p:pic>
-    </p:spTree>
-    <p:extLst>
-      <p:ext uri="{BB962C8B-B14F-4D97-AF65-F5344CB8AC3E}">
-        <p14:creationId xmlns:p14="http://schemas.microsoft.com/office/powerpoint/2010/main" val="908417852"/>
-      </p:ext>
-    </p:extLst>
-  </p:cSld>
-  <p:clrMapOvr>
-    <a:masterClrMapping/>
-  </p:clrMapOvr>
-  <mc:AlternateContent xmlns:mc="http://schemas.openxmlformats.org/markup-compatibility/2006" xmlns:p14="http://schemas.microsoft.com/office/powerpoint/2010/main">
-    <mc:Choice Requires="p14">
-      <p:transition spd="med" p14:dur="700">
-        <p:fade/>
-      </p:transition>
-    </mc:Choice>
-    <mc:Fallback xmlns="">
-      <p:transition spd="med">
-        <p:fade/>
-      </p:transition>
-    </mc:Fallback>
-  </mc:AlternateContent>
-</p:sld>
-</file>
-
-<file path=ppt/slides/slide17.xml><?xml version="1.0" encoding="utf-8"?>
-<p:sld xmlns:a="http://schemas.openxmlformats.org/drawingml/2006/main" xmlns:r="http://schemas.openxmlformats.org/officeDocument/2006/relationships" xmlns:p="http://schemas.openxmlformats.org/presentationml/2006/main">
-  <p:cSld>
-    <p:spTree>
-      <p:nvGrpSpPr>
-        <p:cNvPr id="1" name=""/>
-        <p:cNvGrpSpPr/>
-        <p:nvPr/>
-      </p:nvGrpSpPr>
-      <p:grpSpPr>
-        <a:xfrm>
-          <a:off x="0" y="0"/>
-          <a:ext cx="0" cy="0"/>
-          <a:chOff x="0" y="0"/>
-          <a:chExt cx="0" cy="0"/>
-        </a:xfrm>
-      </p:grpSpPr>
       <p:sp>
         <p:nvSpPr>
           <p:cNvPr id="2" name="Title 1">
@@ -20812,53 +23900,133 @@
             <p:ph type="title"/>
           </p:nvPr>
         </p:nvSpPr>
-        <p:spPr/>
+        <p:spPr>
+          <a:xfrm>
+            <a:off x="1028700" y="1967266"/>
+            <a:ext cx="2628900" cy="2547257"/>
+          </a:xfrm>
+          <a:noFill/>
+        </p:spPr>
         <p:txBody>
-          <a:bodyPr/>
+          <a:bodyPr vert="horz" lIns="91440" tIns="45720" rIns="91440" bIns="45720" rtlCol="0" anchor="ctr">
+            <a:normAutofit/>
+          </a:bodyPr>
+          <a:lstStyle/>
+          <a:p>
+            <a:pPr algn="ctr"/>
+            <a:r>
+              <a:rPr lang="en-US" sz="3600" kern="1200" dirty="0" err="1">
+                <a:solidFill>
+                  <a:srgbClr val="FFFFFF"/>
+                </a:solidFill>
+                <a:latin typeface="+mj-lt"/>
+                <a:ea typeface="+mj-ea"/>
+                <a:cs typeface="+mj-cs"/>
+              </a:rPr>
+              <a:t>HeatMap</a:t>
+            </a:r>
+            <a:endParaRPr lang="en-US" sz="3600" kern="1200" dirty="0">
+              <a:solidFill>
+                <a:srgbClr val="FFFFFF"/>
+              </a:solidFill>
+              <a:latin typeface="+mj-lt"/>
+              <a:ea typeface="+mj-ea"/>
+              <a:cs typeface="+mj-cs"/>
+            </a:endParaRPr>
+          </a:p>
+        </p:txBody>
+      </p:sp>
+      <p:pic>
+        <p:nvPicPr>
+          <p:cNvPr id="7" name="Content Placeholder 6">
+            <a:extLst>
+              <a:ext uri="{FF2B5EF4-FFF2-40B4-BE49-F238E27FC236}">
+                <a16:creationId xmlns:a16="http://schemas.microsoft.com/office/drawing/2014/main" id="{915CCBC5-98BF-2F6D-04ED-328763EA7F54}"/>
+              </a:ext>
+            </a:extLst>
+          </p:cNvPr>
+          <p:cNvPicPr>
+            <a:picLocks noGrp="1" noChangeAspect="1"/>
+          </p:cNvPicPr>
+          <p:nvPr>
+            <p:ph idx="1"/>
+          </p:nvPr>
+        </p:nvPicPr>
+        <p:blipFill>
+          <a:blip r:embed="rId3"/>
+          <a:stretch>
+            <a:fillRect/>
+          </a:stretch>
+        </p:blipFill>
+        <p:spPr bwMode="auto">
+          <a:xfrm>
+            <a:off x="4777316" y="1452957"/>
+            <a:ext cx="6780700" cy="3949757"/>
+          </a:xfrm>
+          <a:prstGeom prst="rect">
+            <a:avLst/>
+          </a:prstGeom>
+          <a:noFill/>
+          <a:extLst>
+            <a:ext uri="{909E8E84-426E-40DD-AFC4-6F175D3DCCD1}">
+              <a14:hiddenFill xmlns:a14="http://schemas.microsoft.com/office/drawing/2010/main">
+                <a:solidFill>
+                  <a:srgbClr val="FFFFFF"/>
+                </a:solidFill>
+              </a14:hiddenFill>
+            </a:ext>
+          </a:extLst>
+        </p:spPr>
+      </p:pic>
+      <p:sp>
+        <p:nvSpPr>
+          <p:cNvPr id="8" name="TextBox 7">
+            <a:extLst>
+              <a:ext uri="{FF2B5EF4-FFF2-40B4-BE49-F238E27FC236}">
+                <a16:creationId xmlns:a16="http://schemas.microsoft.com/office/drawing/2014/main" id="{8A9A7F63-4864-EB66-080E-5DA4A41D7A83}"/>
+              </a:ext>
+            </a:extLst>
+          </p:cNvPr>
+          <p:cNvSpPr txBox="1"/>
+          <p:nvPr/>
+        </p:nvSpPr>
+        <p:spPr>
+          <a:xfrm>
+            <a:off x="1259840" y="5953760"/>
+            <a:ext cx="10932160" cy="369332"/>
+          </a:xfrm>
+          <a:prstGeom prst="rect">
+            <a:avLst/>
+          </a:prstGeom>
+          <a:noFill/>
+        </p:spPr>
+        <p:txBody>
+          <a:bodyPr wrap="square" rtlCol="0">
+            <a:spAutoFit/>
+          </a:bodyPr>
           <a:lstStyle/>
           <a:p>
             <a:r>
               <a:rPr lang="en-US" dirty="0"/>
-              <a:t>Add some </a:t>
+              <a:t>There is a high correlation between </a:t>
             </a:r>
             <a:r>
               <a:rPr lang="en-US" dirty="0" err="1"/>
-              <a:t>HeatMaps</a:t>
+              <a:t>loan_amnt</a:t>
             </a:r>
             <a:r>
               <a:rPr lang="en-US" dirty="0"/>
-              <a:t> &amp; Scatter Plots -  </a:t>
+              <a:t> and </a:t>
             </a:r>
             <a:r>
               <a:rPr lang="en-US" dirty="0" err="1"/>
-              <a:t>Bineesh</a:t>
+              <a:t>funded_amnt</a:t>
+            </a:r>
+            <a:r>
+              <a:rPr lang="en-US" dirty="0"/>
+              <a:t>, so one of them can be skipped </a:t>
             </a:r>
             <a:endParaRPr lang="en-IN" dirty="0"/>
-          </a:p>
-        </p:txBody>
-      </p:sp>
-      <p:sp>
-        <p:nvSpPr>
-          <p:cNvPr id="3" name="Content Placeholder 2">
-            <a:extLst>
-              <a:ext uri="{FF2B5EF4-FFF2-40B4-BE49-F238E27FC236}">
-                <a16:creationId xmlns:a16="http://schemas.microsoft.com/office/drawing/2014/main" id="{8E2CBC8F-0B9E-E8A9-D105-63816637A42A}"/>
-              </a:ext>
-            </a:extLst>
-          </p:cNvPr>
-          <p:cNvSpPr>
-            <a:spLocks noGrp="1"/>
-          </p:cNvSpPr>
-          <p:nvPr>
-            <p:ph idx="1"/>
-          </p:nvPr>
-        </p:nvSpPr>
-        <p:spPr/>
-        <p:txBody>
-          <a:bodyPr/>
-          <a:lstStyle/>
-          <a:p>
-            <a:endParaRPr lang="en-IN"/>
           </a:p>
         </p:txBody>
       </p:sp>
@@ -20875,95 +24043,7 @@
 </p:sld>
 </file>
 
-<file path=ppt/slides/slide18.xml><?xml version="1.0" encoding="utf-8"?>
-<p:sld xmlns:a="http://schemas.openxmlformats.org/drawingml/2006/main" xmlns:r="http://schemas.openxmlformats.org/officeDocument/2006/relationships" xmlns:p="http://schemas.openxmlformats.org/presentationml/2006/main">
-  <p:cSld>
-    <p:spTree>
-      <p:nvGrpSpPr>
-        <p:cNvPr id="1" name=""/>
-        <p:cNvGrpSpPr/>
-        <p:nvPr/>
-      </p:nvGrpSpPr>
-      <p:grpSpPr>
-        <a:xfrm>
-          <a:off x="0" y="0"/>
-          <a:ext cx="0" cy="0"/>
-          <a:chOff x="0" y="0"/>
-          <a:chExt cx="0" cy="0"/>
-        </a:xfrm>
-      </p:grpSpPr>
-      <p:sp>
-        <p:nvSpPr>
-          <p:cNvPr id="2" name="Title 1">
-            <a:extLst>
-              <a:ext uri="{FF2B5EF4-FFF2-40B4-BE49-F238E27FC236}">
-                <a16:creationId xmlns:a16="http://schemas.microsoft.com/office/drawing/2014/main" id="{7A2F286B-691A-A0CD-6B66-C5ABB2B4AA87}"/>
-              </a:ext>
-            </a:extLst>
-          </p:cNvPr>
-          <p:cNvSpPr>
-            <a:spLocks noGrp="1"/>
-          </p:cNvSpPr>
-          <p:nvPr>
-            <p:ph type="title"/>
-          </p:nvPr>
-        </p:nvSpPr>
-        <p:spPr/>
-        <p:txBody>
-          <a:bodyPr/>
-          <a:lstStyle/>
-          <a:p>
-            <a:r>
-              <a:rPr lang="en-US" dirty="0"/>
-              <a:t>Feature Engineering - </a:t>
-            </a:r>
-            <a:r>
-              <a:rPr lang="en-US" dirty="0" err="1"/>
-              <a:t>Bineesh</a:t>
-            </a:r>
-            <a:endParaRPr lang="en-IN" dirty="0"/>
-          </a:p>
-        </p:txBody>
-      </p:sp>
-      <p:sp>
-        <p:nvSpPr>
-          <p:cNvPr id="3" name="Content Placeholder 2">
-            <a:extLst>
-              <a:ext uri="{FF2B5EF4-FFF2-40B4-BE49-F238E27FC236}">
-                <a16:creationId xmlns:a16="http://schemas.microsoft.com/office/drawing/2014/main" id="{5510DE8A-C3BD-6826-0105-DF91FD9E0FBD}"/>
-              </a:ext>
-            </a:extLst>
-          </p:cNvPr>
-          <p:cNvSpPr>
-            <a:spLocks noGrp="1"/>
-          </p:cNvSpPr>
-          <p:nvPr>
-            <p:ph idx="1"/>
-          </p:nvPr>
-        </p:nvSpPr>
-        <p:spPr/>
-        <p:txBody>
-          <a:bodyPr/>
-          <a:lstStyle/>
-          <a:p>
-            <a:endParaRPr lang="en-IN"/>
-          </a:p>
-        </p:txBody>
-      </p:sp>
-    </p:spTree>
-    <p:extLst>
-      <p:ext uri="{BB962C8B-B14F-4D97-AF65-F5344CB8AC3E}">
-        <p14:creationId xmlns:p14="http://schemas.microsoft.com/office/powerpoint/2010/main" val="872814187"/>
-      </p:ext>
-    </p:extLst>
-  </p:cSld>
-  <p:clrMapOvr>
-    <a:masterClrMapping/>
-  </p:clrMapOvr>
-</p:sld>
-</file>
-
-<file path=ppt/slides/slide19.xml><?xml version="1.0" encoding="utf-8"?>
+<file path=ppt/slides/slide17.xml><?xml version="1.0" encoding="utf-8"?>
 <p:sld xmlns:a="http://schemas.openxmlformats.org/drawingml/2006/main" xmlns:r="http://schemas.openxmlformats.org/officeDocument/2006/relationships" xmlns:p="http://schemas.openxmlformats.org/presentationml/2006/main">
   <p:cSld>
     <p:spTree>
@@ -21002,8 +24082,8 @@
           <a:lstStyle/>
           <a:p>
             <a:r>
-              <a:rPr lang="en-US" dirty="0" err="1"/>
-              <a:t>Coorelations</a:t>
+              <a:rPr lang="en-IN" dirty="0"/>
+              <a:t>Correlation</a:t>
             </a:r>
             <a:r>
               <a:rPr lang="en-US" dirty="0"/>
@@ -21013,28 +24093,180 @@
           </a:p>
         </p:txBody>
       </p:sp>
-      <p:sp>
-        <p:nvSpPr>
-          <p:cNvPr id="3" name="Content Placeholder 2">
+      <p:pic>
+        <p:nvPicPr>
+          <p:cNvPr id="5" name="Content Placeholder 4">
             <a:extLst>
               <a:ext uri="{FF2B5EF4-FFF2-40B4-BE49-F238E27FC236}">
-                <a16:creationId xmlns:a16="http://schemas.microsoft.com/office/drawing/2014/main" id="{FA524557-4D73-B267-A5D2-7860E7FBB1EA}"/>
+                <a16:creationId xmlns:a16="http://schemas.microsoft.com/office/drawing/2014/main" id="{DA3D12BE-1260-E74C-DA22-7EB54A59BEE0}"/>
               </a:ext>
             </a:extLst>
           </p:cNvPr>
-          <p:cNvSpPr>
-            <a:spLocks noGrp="1"/>
-          </p:cNvSpPr>
+          <p:cNvPicPr>
+            <a:picLocks noGrp="1" noChangeAspect="1"/>
+          </p:cNvPicPr>
           <p:nvPr>
             <p:ph idx="1"/>
           </p:nvPr>
+        </p:nvPicPr>
+        <p:blipFill>
+          <a:blip r:embed="rId2"/>
+          <a:stretch>
+            <a:fillRect/>
+          </a:stretch>
+        </p:blipFill>
+        <p:spPr>
+          <a:xfrm>
+            <a:off x="596348" y="1510748"/>
+            <a:ext cx="7638949" cy="4666215"/>
+          </a:xfrm>
+        </p:spPr>
+      </p:pic>
+      <p:sp>
+        <p:nvSpPr>
+          <p:cNvPr id="7" name="TextBox 6">
+            <a:extLst>
+              <a:ext uri="{FF2B5EF4-FFF2-40B4-BE49-F238E27FC236}">
+                <a16:creationId xmlns:a16="http://schemas.microsoft.com/office/drawing/2014/main" id="{E511526A-37BC-71A6-718D-7B8D00C5208F}"/>
+              </a:ext>
+            </a:extLst>
+          </p:cNvPr>
+          <p:cNvSpPr txBox="1"/>
+          <p:nvPr/>
         </p:nvSpPr>
-        <p:spPr/>
+        <p:spPr>
+          <a:xfrm>
+            <a:off x="8567531" y="1375649"/>
+            <a:ext cx="3468756" cy="3139321"/>
+          </a:xfrm>
+          <a:prstGeom prst="rect">
+            <a:avLst/>
+          </a:prstGeom>
+          <a:noFill/>
+        </p:spPr>
         <p:txBody>
-          <a:bodyPr/>
+          <a:bodyPr wrap="square">
+            <a:spAutoFit/>
+          </a:bodyPr>
           <a:lstStyle/>
           <a:p>
-            <a:endParaRPr lang="en-IN"/>
+            <a:pPr algn="l"/>
+            <a:r>
+              <a:rPr lang="en-US" b="1" i="0" dirty="0">
+                <a:effectLst/>
+                <a:latin typeface="-apple-system"/>
+              </a:rPr>
+              <a:t>Negative Correlation</a:t>
+            </a:r>
+          </a:p>
+          <a:p>
+            <a:pPr algn="l"/>
+            <a:endParaRPr lang="en-US" b="0" i="0" dirty="0">
+              <a:effectLst/>
+              <a:latin typeface="-apple-system"/>
+            </a:endParaRPr>
+          </a:p>
+          <a:p>
+            <a:pPr marL="285750" indent="-285750" algn="l">
+              <a:buFont typeface="Arial" panose="020B0604020202020204" pitchFamily="34" charset="0"/>
+              <a:buChar char="•"/>
+            </a:pPr>
+            <a:r>
+              <a:rPr lang="en-US" b="0" i="0" dirty="0" err="1">
+                <a:effectLst/>
+                <a:latin typeface="-apple-system"/>
+              </a:rPr>
+              <a:t>loan_amnt</a:t>
+            </a:r>
+            <a:r>
+              <a:rPr lang="en-US" b="0" i="0" dirty="0">
+                <a:effectLst/>
+                <a:latin typeface="-apple-system"/>
+              </a:rPr>
+              <a:t> has negative correlation with </a:t>
+            </a:r>
+            <a:r>
+              <a:rPr lang="en-US" b="0" i="0" dirty="0" err="1">
+                <a:effectLst/>
+                <a:latin typeface="-apple-system"/>
+              </a:rPr>
+              <a:t>pub_rec_bankrupticies</a:t>
+            </a:r>
+            <a:endParaRPr lang="en-US" b="0" i="0" dirty="0">
+              <a:effectLst/>
+              <a:latin typeface="-apple-system"/>
+            </a:endParaRPr>
+          </a:p>
+          <a:p>
+            <a:pPr marL="285750" indent="-285750" algn="l">
+              <a:buFont typeface="Arial" panose="020B0604020202020204" pitchFamily="34" charset="0"/>
+              <a:buChar char="•"/>
+            </a:pPr>
+            <a:r>
+              <a:rPr lang="en-US" b="0" i="0" dirty="0">
+                <a:effectLst/>
+                <a:latin typeface="-apple-system"/>
+              </a:rPr>
+              <a:t>annual income has a negative correlation with </a:t>
+            </a:r>
+            <a:r>
+              <a:rPr lang="en-US" b="0" i="0" dirty="0" err="1">
+                <a:effectLst/>
+                <a:latin typeface="-apple-system"/>
+              </a:rPr>
+              <a:t>dti</a:t>
+            </a:r>
+            <a:endParaRPr lang="en-US" dirty="0">
+              <a:latin typeface="-apple-system"/>
+            </a:endParaRPr>
+          </a:p>
+          <a:p>
+            <a:pPr algn="l">
+              <a:buFont typeface="Arial" panose="020B0604020202020204" pitchFamily="34" charset="0"/>
+              <a:buChar char="•"/>
+            </a:pPr>
+            <a:endParaRPr lang="en-US" b="0" i="0" dirty="0">
+              <a:effectLst/>
+              <a:latin typeface="-apple-system"/>
+            </a:endParaRPr>
+          </a:p>
+          <a:p>
+            <a:pPr algn="l"/>
+            <a:r>
+              <a:rPr lang="en-US" b="1" i="0" dirty="0">
+                <a:effectLst/>
+                <a:latin typeface="-apple-system"/>
+              </a:rPr>
+              <a:t>Strong Correlation</a:t>
+            </a:r>
+            <a:endParaRPr lang="en-US" b="0" i="0" dirty="0">
+              <a:effectLst/>
+              <a:latin typeface="-apple-system"/>
+            </a:endParaRPr>
+          </a:p>
+          <a:p>
+            <a:pPr marL="285750" indent="-285750" algn="l">
+              <a:buFont typeface="Arial" panose="020B0604020202020204" pitchFamily="34" charset="0"/>
+              <a:buChar char="•"/>
+            </a:pPr>
+            <a:r>
+              <a:rPr lang="en-US" b="0" i="0" dirty="0">
+                <a:effectLst/>
+                <a:latin typeface="-apple-system"/>
+              </a:rPr>
+              <a:t>annual income has a strong correlation with </a:t>
+            </a:r>
+            <a:r>
+              <a:rPr lang="en-US" b="0" i="0" dirty="0" err="1">
+                <a:effectLst/>
+                <a:latin typeface="-apple-system"/>
+              </a:rPr>
+              <a:t>loan_amount</a:t>
+            </a:r>
+            <a:endParaRPr lang="en-US" b="0" i="0" dirty="0">
+              <a:effectLst/>
+              <a:latin typeface="-apple-system"/>
+            </a:endParaRPr>
           </a:p>
         </p:txBody>
       </p:sp>
@@ -21051,119 +24283,7 @@
 </p:sld>
 </file>
 
-<file path=ppt/slides/slide2.xml><?xml version="1.0" encoding="utf-8"?>
-<p:sld xmlns:a="http://schemas.openxmlformats.org/drawingml/2006/main" xmlns:r="http://schemas.openxmlformats.org/officeDocument/2006/relationships" xmlns:p="http://schemas.openxmlformats.org/presentationml/2006/main">
-  <p:cSld>
-    <p:spTree>
-      <p:nvGrpSpPr>
-        <p:cNvPr id="1" name=""/>
-        <p:cNvGrpSpPr/>
-        <p:nvPr/>
-      </p:nvGrpSpPr>
-      <p:grpSpPr>
-        <a:xfrm>
-          <a:off x="0" y="0"/>
-          <a:ext cx="0" cy="0"/>
-          <a:chOff x="0" y="0"/>
-          <a:chExt cx="0" cy="0"/>
-        </a:xfrm>
-      </p:grpSpPr>
-      <p:sp>
-        <p:nvSpPr>
-          <p:cNvPr id="2" name="Title 1">
-            <a:extLst>
-              <a:ext uri="{FF2B5EF4-FFF2-40B4-BE49-F238E27FC236}">
-                <a16:creationId xmlns:a16="http://schemas.microsoft.com/office/drawing/2014/main" id="{D9C748E8-7D8E-52AA-F391-558DFF7AF219}"/>
-              </a:ext>
-            </a:extLst>
-          </p:cNvPr>
-          <p:cNvSpPr>
-            <a:spLocks noGrp="1"/>
-          </p:cNvSpPr>
-          <p:nvPr>
-            <p:ph type="title"/>
-          </p:nvPr>
-        </p:nvSpPr>
-        <p:spPr/>
-        <p:txBody>
-          <a:bodyPr/>
-          <a:lstStyle/>
-          <a:p>
-            <a:r>
-              <a:rPr lang="en-US" dirty="0"/>
-              <a:t>Agenda</a:t>
-            </a:r>
-            <a:endParaRPr lang="en-IN" dirty="0"/>
-          </a:p>
-        </p:txBody>
-      </p:sp>
-      <p:sp>
-        <p:nvSpPr>
-          <p:cNvPr id="3" name="Content Placeholder 2">
-            <a:extLst>
-              <a:ext uri="{FF2B5EF4-FFF2-40B4-BE49-F238E27FC236}">
-                <a16:creationId xmlns:a16="http://schemas.microsoft.com/office/drawing/2014/main" id="{60FD1F2D-6D60-C33E-2F76-B304948177C6}"/>
-              </a:ext>
-            </a:extLst>
-          </p:cNvPr>
-          <p:cNvSpPr>
-            <a:spLocks noGrp="1"/>
-          </p:cNvSpPr>
-          <p:nvPr>
-            <p:ph idx="1"/>
-          </p:nvPr>
-        </p:nvSpPr>
-        <p:spPr/>
-        <p:txBody>
-          <a:bodyPr/>
-          <a:lstStyle/>
-          <a:p>
-            <a:r>
-              <a:rPr lang="en-US" dirty="0"/>
-              <a:t>Business Objective</a:t>
-            </a:r>
-          </a:p>
-          <a:p>
-            <a:r>
-              <a:rPr lang="en-US" dirty="0"/>
-              <a:t>Technical Solution </a:t>
-            </a:r>
-          </a:p>
-          <a:p>
-            <a:r>
-              <a:rPr lang="en-US" dirty="0"/>
-              <a:t>Approach</a:t>
-            </a:r>
-          </a:p>
-          <a:p>
-            <a:r>
-              <a:rPr lang="en-US" dirty="0"/>
-              <a:t>Analysis </a:t>
-            </a:r>
-          </a:p>
-          <a:p>
-            <a:r>
-              <a:rPr lang="en-US" dirty="0"/>
-              <a:t>Conclusion</a:t>
-            </a:r>
-            <a:endParaRPr lang="en-IN" dirty="0"/>
-          </a:p>
-        </p:txBody>
-      </p:sp>
-    </p:spTree>
-    <p:extLst>
-      <p:ext uri="{BB962C8B-B14F-4D97-AF65-F5344CB8AC3E}">
-        <p14:creationId xmlns:p14="http://schemas.microsoft.com/office/powerpoint/2010/main" val="489771083"/>
-      </p:ext>
-    </p:extLst>
-  </p:cSld>
-  <p:clrMapOvr>
-    <a:masterClrMapping/>
-  </p:clrMapOvr>
-</p:sld>
-</file>
-
-<file path=ppt/slides/slide20.xml><?xml version="1.0" encoding="utf-8"?>
+<file path=ppt/slides/slide18.xml><?xml version="1.0" encoding="utf-8"?>
 <p:sld xmlns:a="http://schemas.openxmlformats.org/drawingml/2006/main" xmlns:r="http://schemas.openxmlformats.org/officeDocument/2006/relationships" xmlns:p="http://schemas.openxmlformats.org/presentationml/2006/main">
   <p:cSld>
     <p:spTree>
@@ -21203,34 +24323,77 @@
           <a:p>
             <a:r>
               <a:rPr lang="en-US" dirty="0"/>
-              <a:t>Univariate , bivariate and Decision Matrix</a:t>
+              <a:t>			Bivariate Analysis</a:t>
             </a:r>
             <a:endParaRPr lang="en-IN" dirty="0"/>
           </a:p>
         </p:txBody>
       </p:sp>
-      <p:sp>
-        <p:nvSpPr>
-          <p:cNvPr id="3" name="Content Placeholder 2">
+      <p:pic>
+        <p:nvPicPr>
+          <p:cNvPr id="5" name="Content Placeholder 4">
             <a:extLst>
               <a:ext uri="{FF2B5EF4-FFF2-40B4-BE49-F238E27FC236}">
-                <a16:creationId xmlns:a16="http://schemas.microsoft.com/office/drawing/2014/main" id="{BC17B563-9488-41CC-8680-494ED5483E38}"/>
+                <a16:creationId xmlns:a16="http://schemas.microsoft.com/office/drawing/2014/main" id="{2C6CBBAD-DEC2-3578-9448-78C5D5112850}"/>
               </a:ext>
             </a:extLst>
           </p:cNvPr>
-          <p:cNvSpPr>
-            <a:spLocks noGrp="1"/>
-          </p:cNvSpPr>
+          <p:cNvPicPr>
+            <a:picLocks noGrp="1" noChangeAspect="1"/>
+          </p:cNvPicPr>
           <p:nvPr>
             <p:ph idx="1"/>
           </p:nvPr>
+        </p:nvPicPr>
+        <p:blipFill>
+          <a:blip r:embed="rId2"/>
+          <a:stretch>
+            <a:fillRect/>
+          </a:stretch>
+        </p:blipFill>
+        <p:spPr>
+          <a:xfrm>
+            <a:off x="1849120" y="1483201"/>
+            <a:ext cx="8666480" cy="4162425"/>
+          </a:xfrm>
+        </p:spPr>
+      </p:pic>
+      <p:sp>
+        <p:nvSpPr>
+          <p:cNvPr id="9" name="TextBox 8">
+            <a:extLst>
+              <a:ext uri="{FF2B5EF4-FFF2-40B4-BE49-F238E27FC236}">
+                <a16:creationId xmlns:a16="http://schemas.microsoft.com/office/drawing/2014/main" id="{E8166897-CB83-A6A8-B314-DE34FF2BF893}"/>
+              </a:ext>
+            </a:extLst>
+          </p:cNvPr>
+          <p:cNvSpPr txBox="1"/>
+          <p:nvPr/>
         </p:nvSpPr>
-        <p:spPr/>
+        <p:spPr>
+          <a:xfrm>
+            <a:off x="1528140" y="6345992"/>
+            <a:ext cx="8987459" cy="369332"/>
+          </a:xfrm>
+          <a:prstGeom prst="rect">
+            <a:avLst/>
+          </a:prstGeom>
+          <a:noFill/>
+        </p:spPr>
         <p:txBody>
-          <a:bodyPr/>
+          <a:bodyPr wrap="square">
+            <a:spAutoFit/>
+          </a:bodyPr>
           <a:lstStyle/>
           <a:p>
-            <a:endParaRPr lang="en-IN"/>
+            <a:r>
+              <a:rPr lang="en-US" b="0" i="0" dirty="0">
+                <a:effectLst/>
+                <a:latin typeface="-apple-system"/>
+              </a:rPr>
+              <a:t>The Grade represent risk factor thus we can say interest rate increases with the risk.</a:t>
+            </a:r>
+            <a:endParaRPr lang="en-IN" dirty="0"/>
           </a:p>
         </p:txBody>
       </p:sp>
@@ -21247,7 +24410,7 @@
 </p:sld>
 </file>
 
-<file path=ppt/slides/slide21.xml><?xml version="1.0" encoding="utf-8"?>
+<file path=ppt/slides/slide19.xml><?xml version="1.0" encoding="utf-8"?>
 <p:sld xmlns:a="http://schemas.openxmlformats.org/drawingml/2006/main" xmlns:r="http://schemas.openxmlformats.org/officeDocument/2006/relationships" xmlns:p="http://schemas.openxmlformats.org/presentationml/2006/main">
   <p:cSld>
     <p:bg>
@@ -21652,7 +24815,7 @@
             </a:pPr>
             <a:r>
               <a:rPr lang="en-US" dirty="0"/>
-              <a:t>    2. Grades</a:t>
+              <a:t>    2. Grades/Sub-Grades</a:t>
             </a:r>
           </a:p>
           <a:p>
@@ -21843,7 +25006,7 @@
             </a:pPr>
             <a:r>
               <a:rPr lang="en-US" dirty="0"/>
-              <a:t>    4. Burrowers with least grades like E,F,G which indicates high risk.</a:t>
+              <a:t>    4. Burrowers with least grades E.g. E,F,G  indicates high risk.</a:t>
             </a:r>
           </a:p>
           <a:p>
@@ -21910,6 +25073,656 @@
       </p:transition>
     </mc:Fallback>
   </mc:AlternateContent>
+</p:sld>
+</file>
+
+<file path=ppt/slides/slide2.xml><?xml version="1.0" encoding="utf-8"?>
+<p:sld xmlns:a="http://schemas.openxmlformats.org/drawingml/2006/main" xmlns:r="http://schemas.openxmlformats.org/officeDocument/2006/relationships" xmlns:p="http://schemas.openxmlformats.org/presentationml/2006/main">
+  <p:cSld>
+    <p:spTree>
+      <p:nvGrpSpPr>
+        <p:cNvPr id="1" name=""/>
+        <p:cNvGrpSpPr/>
+        <p:nvPr/>
+      </p:nvGrpSpPr>
+      <p:grpSpPr>
+        <a:xfrm>
+          <a:off x="0" y="0"/>
+          <a:ext cx="0" cy="0"/>
+          <a:chOff x="0" y="0"/>
+          <a:chExt cx="0" cy="0"/>
+        </a:xfrm>
+      </p:grpSpPr>
+      <p:sp>
+        <p:nvSpPr>
+          <p:cNvPr id="2" name="Title 1">
+            <a:extLst>
+              <a:ext uri="{FF2B5EF4-FFF2-40B4-BE49-F238E27FC236}">
+                <a16:creationId xmlns:a16="http://schemas.microsoft.com/office/drawing/2014/main" id="{D9C748E8-7D8E-52AA-F391-558DFF7AF219}"/>
+              </a:ext>
+            </a:extLst>
+          </p:cNvPr>
+          <p:cNvSpPr>
+            <a:spLocks noGrp="1"/>
+          </p:cNvSpPr>
+          <p:nvPr>
+            <p:ph type="title"/>
+          </p:nvPr>
+        </p:nvSpPr>
+        <p:spPr/>
+        <p:txBody>
+          <a:bodyPr/>
+          <a:lstStyle/>
+          <a:p>
+            <a:r>
+              <a:rPr lang="en-US" dirty="0"/>
+              <a:t>Agenda</a:t>
+            </a:r>
+            <a:endParaRPr lang="en-IN" dirty="0"/>
+          </a:p>
+        </p:txBody>
+      </p:sp>
+      <p:sp>
+        <p:nvSpPr>
+          <p:cNvPr id="3" name="Content Placeholder 2">
+            <a:extLst>
+              <a:ext uri="{FF2B5EF4-FFF2-40B4-BE49-F238E27FC236}">
+                <a16:creationId xmlns:a16="http://schemas.microsoft.com/office/drawing/2014/main" id="{60FD1F2D-6D60-C33E-2F76-B304948177C6}"/>
+              </a:ext>
+            </a:extLst>
+          </p:cNvPr>
+          <p:cNvSpPr>
+            <a:spLocks noGrp="1"/>
+          </p:cNvSpPr>
+          <p:nvPr>
+            <p:ph idx="1"/>
+          </p:nvPr>
+        </p:nvSpPr>
+        <p:spPr/>
+        <p:txBody>
+          <a:bodyPr/>
+          <a:lstStyle/>
+          <a:p>
+            <a:r>
+              <a:rPr lang="en-US" dirty="0"/>
+              <a:t>Business Objective</a:t>
+            </a:r>
+          </a:p>
+          <a:p>
+            <a:r>
+              <a:rPr lang="en-US" dirty="0"/>
+              <a:t>Technical Solution </a:t>
+            </a:r>
+          </a:p>
+          <a:p>
+            <a:r>
+              <a:rPr lang="en-US" dirty="0"/>
+              <a:t>Approach</a:t>
+            </a:r>
+          </a:p>
+          <a:p>
+            <a:r>
+              <a:rPr lang="en-US" dirty="0"/>
+              <a:t>Analysis </a:t>
+            </a:r>
+          </a:p>
+          <a:p>
+            <a:r>
+              <a:rPr lang="en-US" dirty="0"/>
+              <a:t>Conclusion</a:t>
+            </a:r>
+            <a:endParaRPr lang="en-IN" dirty="0"/>
+          </a:p>
+        </p:txBody>
+      </p:sp>
+    </p:spTree>
+    <p:extLst>
+      <p:ext uri="{BB962C8B-B14F-4D97-AF65-F5344CB8AC3E}">
+        <p14:creationId xmlns:p14="http://schemas.microsoft.com/office/powerpoint/2010/main" val="489771083"/>
+      </p:ext>
+    </p:extLst>
+  </p:cSld>
+  <p:clrMapOvr>
+    <a:masterClrMapping/>
+  </p:clrMapOvr>
+</p:sld>
+</file>
+
+<file path=ppt/slides/slide20.xml><?xml version="1.0" encoding="utf-8"?>
+<p:sld xmlns:a="http://schemas.openxmlformats.org/drawingml/2006/main" xmlns:r="http://schemas.openxmlformats.org/officeDocument/2006/relationships" xmlns:p="http://schemas.openxmlformats.org/presentationml/2006/main">
+  <p:cSld>
+    <p:bg>
+      <p:bgPr>
+        <a:solidFill>
+          <a:schemeClr val="bg1"/>
+        </a:solidFill>
+        <a:effectLst/>
+      </p:bgPr>
+    </p:bg>
+    <p:spTree>
+      <p:nvGrpSpPr>
+        <p:cNvPr id="1" name=""/>
+        <p:cNvGrpSpPr/>
+        <p:nvPr/>
+      </p:nvGrpSpPr>
+      <p:grpSpPr>
+        <a:xfrm>
+          <a:off x="0" y="0"/>
+          <a:ext cx="0" cy="0"/>
+          <a:chOff x="0" y="0"/>
+          <a:chExt cx="0" cy="0"/>
+        </a:xfrm>
+      </p:grpSpPr>
+      <p:sp useBgFill="1">
+        <p:nvSpPr>
+          <p:cNvPr id="9" name="Rectangle 8">
+            <a:extLst>
+              <a:ext uri="{FF2B5EF4-FFF2-40B4-BE49-F238E27FC236}">
+                <a16:creationId xmlns:a16="http://schemas.microsoft.com/office/drawing/2014/main" id="{2E442304-DDBD-4F7B-8017-36BCC863FB40}"/>
+              </a:ext>
+              <a:ext uri="{C183D7F6-B498-43B3-948B-1728B52AA6E4}">
+                <adec:decorative xmlns:adec="http://schemas.microsoft.com/office/drawing/2017/decorative" val="1"/>
+              </a:ext>
+            </a:extLst>
+          </p:cNvPr>
+          <p:cNvSpPr>
+            <a:spLocks noGrp="1" noRot="1" noChangeAspect="1" noMove="1" noResize="1" noEditPoints="1" noAdjustHandles="1" noChangeArrowheads="1" noChangeShapeType="1" noTextEdit="1"/>
+          </p:cNvSpPr>
+          <p:nvPr>
+            <p:extLst>
+              <p:ext uri="{386F3935-93C4-4BCD-93E2-E3B085C9AB24}">
+                <p16:designElem xmlns:p16="http://schemas.microsoft.com/office/powerpoint/2015/main" val="1"/>
+              </p:ext>
+            </p:extLst>
+          </p:nvPr>
+        </p:nvSpPr>
+        <p:spPr>
+          <a:xfrm>
+            <a:off x="0" y="0"/>
+            <a:ext cx="12188952" cy="6858000"/>
+          </a:xfrm>
+          <a:prstGeom prst="rect">
+            <a:avLst/>
+          </a:prstGeom>
+          <a:ln>
+            <a:noFill/>
+          </a:ln>
+        </p:spPr>
+        <p:style>
+          <a:lnRef idx="2">
+            <a:schemeClr val="accent1">
+              <a:shade val="50000"/>
+            </a:schemeClr>
+          </a:lnRef>
+          <a:fillRef idx="1">
+            <a:schemeClr val="accent1"/>
+          </a:fillRef>
+          <a:effectRef idx="0">
+            <a:schemeClr val="accent1"/>
+          </a:effectRef>
+          <a:fontRef idx="minor">
+            <a:schemeClr val="lt1"/>
+          </a:fontRef>
+        </p:style>
+        <p:txBody>
+          <a:bodyPr rtlCol="0" anchor="ctr"/>
+          <a:lstStyle/>
+          <a:p>
+            <a:pPr algn="ctr"/>
+            <a:endParaRPr lang="en-US"/>
+          </a:p>
+        </p:txBody>
+      </p:sp>
+      <p:sp>
+        <p:nvSpPr>
+          <p:cNvPr id="2" name="Title 1">
+            <a:extLst>
+              <a:ext uri="{FF2B5EF4-FFF2-40B4-BE49-F238E27FC236}">
+                <a16:creationId xmlns:a16="http://schemas.microsoft.com/office/drawing/2014/main" id="{624A463A-8058-939F-A836-6EDA52966352}"/>
+              </a:ext>
+            </a:extLst>
+          </p:cNvPr>
+          <p:cNvSpPr>
+            <a:spLocks noGrp="1"/>
+          </p:cNvSpPr>
+          <p:nvPr>
+            <p:ph type="title"/>
+          </p:nvPr>
+        </p:nvSpPr>
+        <p:spPr>
+          <a:xfrm>
+            <a:off x="635000" y="640823"/>
+            <a:ext cx="3418659" cy="5583148"/>
+          </a:xfrm>
+        </p:spPr>
+        <p:txBody>
+          <a:bodyPr anchor="ctr">
+            <a:normAutofit/>
+          </a:bodyPr>
+          <a:lstStyle/>
+          <a:p>
+            <a:r>
+              <a:rPr lang="en-US" sz="5400" dirty="0"/>
+              <a:t>Conclusion </a:t>
+            </a:r>
+            <a:endParaRPr lang="en-IN" sz="5400" dirty="0"/>
+          </a:p>
+        </p:txBody>
+      </p:sp>
+      <p:sp>
+        <p:nvSpPr>
+          <p:cNvPr id="11" name="sketch line">
+            <a:extLst>
+              <a:ext uri="{FF2B5EF4-FFF2-40B4-BE49-F238E27FC236}">
+                <a16:creationId xmlns:a16="http://schemas.microsoft.com/office/drawing/2014/main" id="{5E107275-3853-46FD-A241-DE4355A42675}"/>
+              </a:ext>
+              <a:ext uri="{C183D7F6-B498-43B3-948B-1728B52AA6E4}">
+                <adec:decorative xmlns:adec="http://schemas.microsoft.com/office/drawing/2017/decorative" val="1"/>
+              </a:ext>
+            </a:extLst>
+          </p:cNvPr>
+          <p:cNvSpPr>
+            <a:spLocks noGrp="1" noRot="1" noChangeAspect="1" noMove="1" noResize="1" noEditPoints="1" noAdjustHandles="1" noChangeArrowheads="1" noChangeShapeType="1" noTextEdit="1"/>
+          </p:cNvSpPr>
+          <p:nvPr>
+            <p:extLst>
+              <p:ext uri="{386F3935-93C4-4BCD-93E2-E3B085C9AB24}">
+                <p16:designElem xmlns:p16="http://schemas.microsoft.com/office/powerpoint/2015/main" val="1"/>
+              </p:ext>
+            </p:extLst>
+          </p:nvPr>
+        </p:nvSpPr>
+        <p:spPr>
+          <a:xfrm rot="5400000">
+            <a:off x="1627450" y="3462719"/>
+            <a:ext cx="5410200" cy="18288"/>
+          </a:xfrm>
+          <a:custGeom>
+            <a:avLst/>
+            <a:gdLst>
+              <a:gd name="connsiteX0" fmla="*/ 0 w 5410200"/>
+              <a:gd name="connsiteY0" fmla="*/ 0 h 18288"/>
+              <a:gd name="connsiteX1" fmla="*/ 568071 w 5410200"/>
+              <a:gd name="connsiteY1" fmla="*/ 0 h 18288"/>
+              <a:gd name="connsiteX2" fmla="*/ 1298448 w 5410200"/>
+              <a:gd name="connsiteY2" fmla="*/ 0 h 18288"/>
+              <a:gd name="connsiteX3" fmla="*/ 1920621 w 5410200"/>
+              <a:gd name="connsiteY3" fmla="*/ 0 h 18288"/>
+              <a:gd name="connsiteX4" fmla="*/ 2488692 w 5410200"/>
+              <a:gd name="connsiteY4" fmla="*/ 0 h 18288"/>
+              <a:gd name="connsiteX5" fmla="*/ 3219069 w 5410200"/>
+              <a:gd name="connsiteY5" fmla="*/ 0 h 18288"/>
+              <a:gd name="connsiteX6" fmla="*/ 3895344 w 5410200"/>
+              <a:gd name="connsiteY6" fmla="*/ 0 h 18288"/>
+              <a:gd name="connsiteX7" fmla="*/ 4571619 w 5410200"/>
+              <a:gd name="connsiteY7" fmla="*/ 0 h 18288"/>
+              <a:gd name="connsiteX8" fmla="*/ 5410200 w 5410200"/>
+              <a:gd name="connsiteY8" fmla="*/ 0 h 18288"/>
+              <a:gd name="connsiteX9" fmla="*/ 5410200 w 5410200"/>
+              <a:gd name="connsiteY9" fmla="*/ 18288 h 18288"/>
+              <a:gd name="connsiteX10" fmla="*/ 4842129 w 5410200"/>
+              <a:gd name="connsiteY10" fmla="*/ 18288 h 18288"/>
+              <a:gd name="connsiteX11" fmla="*/ 4328160 w 5410200"/>
+              <a:gd name="connsiteY11" fmla="*/ 18288 h 18288"/>
+              <a:gd name="connsiteX12" fmla="*/ 3597783 w 5410200"/>
+              <a:gd name="connsiteY12" fmla="*/ 18288 h 18288"/>
+              <a:gd name="connsiteX13" fmla="*/ 3029712 w 5410200"/>
+              <a:gd name="connsiteY13" fmla="*/ 18288 h 18288"/>
+              <a:gd name="connsiteX14" fmla="*/ 2299335 w 5410200"/>
+              <a:gd name="connsiteY14" fmla="*/ 18288 h 18288"/>
+              <a:gd name="connsiteX15" fmla="*/ 1514856 w 5410200"/>
+              <a:gd name="connsiteY15" fmla="*/ 18288 h 18288"/>
+              <a:gd name="connsiteX16" fmla="*/ 892683 w 5410200"/>
+              <a:gd name="connsiteY16" fmla="*/ 18288 h 18288"/>
+              <a:gd name="connsiteX17" fmla="*/ 0 w 5410200"/>
+              <a:gd name="connsiteY17" fmla="*/ 18288 h 18288"/>
+              <a:gd name="connsiteX18" fmla="*/ 0 w 5410200"/>
+              <a:gd name="connsiteY18" fmla="*/ 0 h 18288"/>
+            </a:gdLst>
+            <a:ahLst/>
+            <a:cxnLst>
+              <a:cxn ang="0">
+                <a:pos x="connsiteX0" y="connsiteY0"/>
+              </a:cxn>
+              <a:cxn ang="0">
+                <a:pos x="connsiteX1" y="connsiteY1"/>
+              </a:cxn>
+              <a:cxn ang="0">
+                <a:pos x="connsiteX2" y="connsiteY2"/>
+              </a:cxn>
+              <a:cxn ang="0">
+                <a:pos x="connsiteX3" y="connsiteY3"/>
+              </a:cxn>
+              <a:cxn ang="0">
+                <a:pos x="connsiteX4" y="connsiteY4"/>
+              </a:cxn>
+              <a:cxn ang="0">
+                <a:pos x="connsiteX5" y="connsiteY5"/>
+              </a:cxn>
+              <a:cxn ang="0">
+                <a:pos x="connsiteX6" y="connsiteY6"/>
+              </a:cxn>
+              <a:cxn ang="0">
+                <a:pos x="connsiteX7" y="connsiteY7"/>
+              </a:cxn>
+              <a:cxn ang="0">
+                <a:pos x="connsiteX8" y="connsiteY8"/>
+              </a:cxn>
+              <a:cxn ang="0">
+                <a:pos x="connsiteX9" y="connsiteY9"/>
+              </a:cxn>
+              <a:cxn ang="0">
+                <a:pos x="connsiteX10" y="connsiteY10"/>
+              </a:cxn>
+              <a:cxn ang="0">
+                <a:pos x="connsiteX11" y="connsiteY11"/>
+              </a:cxn>
+              <a:cxn ang="0">
+                <a:pos x="connsiteX12" y="connsiteY12"/>
+              </a:cxn>
+              <a:cxn ang="0">
+                <a:pos x="connsiteX13" y="connsiteY13"/>
+              </a:cxn>
+              <a:cxn ang="0">
+                <a:pos x="connsiteX14" y="connsiteY14"/>
+              </a:cxn>
+              <a:cxn ang="0">
+                <a:pos x="connsiteX15" y="connsiteY15"/>
+              </a:cxn>
+              <a:cxn ang="0">
+                <a:pos x="connsiteX16" y="connsiteY16"/>
+              </a:cxn>
+              <a:cxn ang="0">
+                <a:pos x="connsiteX17" y="connsiteY17"/>
+              </a:cxn>
+              <a:cxn ang="0">
+                <a:pos x="connsiteX18" y="connsiteY18"/>
+              </a:cxn>
+            </a:cxnLst>
+            <a:rect l="l" t="t" r="r" b="b"/>
+            <a:pathLst>
+              <a:path w="5410200" h="18288" fill="none" extrusionOk="0">
+                <a:moveTo>
+                  <a:pt x="0" y="0"/>
+                </a:moveTo>
+                <a:cubicBezTo>
+                  <a:pt x="163050" y="-18707"/>
+                  <a:pt x="319321" y="-16364"/>
+                  <a:pt x="568071" y="0"/>
+                </a:cubicBezTo>
+                <a:cubicBezTo>
+                  <a:pt x="816821" y="16364"/>
+                  <a:pt x="1013224" y="-7268"/>
+                  <a:pt x="1298448" y="0"/>
+                </a:cubicBezTo>
+                <a:cubicBezTo>
+                  <a:pt x="1583672" y="7268"/>
+                  <a:pt x="1631711" y="-3367"/>
+                  <a:pt x="1920621" y="0"/>
+                </a:cubicBezTo>
+                <a:cubicBezTo>
+                  <a:pt x="2209531" y="3367"/>
+                  <a:pt x="2364420" y="-19184"/>
+                  <a:pt x="2488692" y="0"/>
+                </a:cubicBezTo>
+                <a:cubicBezTo>
+                  <a:pt x="2612964" y="19184"/>
+                  <a:pt x="3023298" y="-34627"/>
+                  <a:pt x="3219069" y="0"/>
+                </a:cubicBezTo>
+                <a:cubicBezTo>
+                  <a:pt x="3414840" y="34627"/>
+                  <a:pt x="3656810" y="24043"/>
+                  <a:pt x="3895344" y="0"/>
+                </a:cubicBezTo>
+                <a:cubicBezTo>
+                  <a:pt x="4133879" y="-24043"/>
+                  <a:pt x="4393984" y="-19577"/>
+                  <a:pt x="4571619" y="0"/>
+                </a:cubicBezTo>
+                <a:cubicBezTo>
+                  <a:pt x="4749255" y="19577"/>
+                  <a:pt x="5179928" y="-6281"/>
+                  <a:pt x="5410200" y="0"/>
+                </a:cubicBezTo>
+                <a:cubicBezTo>
+                  <a:pt x="5410730" y="6954"/>
+                  <a:pt x="5410934" y="12839"/>
+                  <a:pt x="5410200" y="18288"/>
+                </a:cubicBezTo>
+                <a:cubicBezTo>
+                  <a:pt x="5139060" y="6751"/>
+                  <a:pt x="5121593" y="31035"/>
+                  <a:pt x="4842129" y="18288"/>
+                </a:cubicBezTo>
+                <a:cubicBezTo>
+                  <a:pt x="4562665" y="5541"/>
+                  <a:pt x="4448273" y="9487"/>
+                  <a:pt x="4328160" y="18288"/>
+                </a:cubicBezTo>
+                <a:cubicBezTo>
+                  <a:pt x="4208047" y="27089"/>
+                  <a:pt x="3760936" y="22567"/>
+                  <a:pt x="3597783" y="18288"/>
+                </a:cubicBezTo>
+                <a:cubicBezTo>
+                  <a:pt x="3434630" y="14009"/>
+                  <a:pt x="3299718" y="33213"/>
+                  <a:pt x="3029712" y="18288"/>
+                </a:cubicBezTo>
+                <a:cubicBezTo>
+                  <a:pt x="2759706" y="3363"/>
+                  <a:pt x="2640159" y="27394"/>
+                  <a:pt x="2299335" y="18288"/>
+                </a:cubicBezTo>
+                <a:cubicBezTo>
+                  <a:pt x="1958511" y="9182"/>
+                  <a:pt x="1801186" y="28985"/>
+                  <a:pt x="1514856" y="18288"/>
+                </a:cubicBezTo>
+                <a:cubicBezTo>
+                  <a:pt x="1228526" y="7591"/>
+                  <a:pt x="1063509" y="-5305"/>
+                  <a:pt x="892683" y="18288"/>
+                </a:cubicBezTo>
+                <a:cubicBezTo>
+                  <a:pt x="721857" y="41881"/>
+                  <a:pt x="186945" y="-20897"/>
+                  <a:pt x="0" y="18288"/>
+                </a:cubicBezTo>
+                <a:cubicBezTo>
+                  <a:pt x="-570" y="9279"/>
+                  <a:pt x="132" y="5100"/>
+                  <a:pt x="0" y="0"/>
+                </a:cubicBezTo>
+                <a:close/>
+              </a:path>
+              <a:path w="5410200" h="18288" stroke="0" extrusionOk="0">
+                <a:moveTo>
+                  <a:pt x="0" y="0"/>
+                </a:moveTo>
+                <a:cubicBezTo>
+                  <a:pt x="285096" y="-4925"/>
+                  <a:pt x="376456" y="22268"/>
+                  <a:pt x="622173" y="0"/>
+                </a:cubicBezTo>
+                <a:cubicBezTo>
+                  <a:pt x="867890" y="-22268"/>
+                  <a:pt x="1031392" y="7228"/>
+                  <a:pt x="1136142" y="0"/>
+                </a:cubicBezTo>
+                <a:cubicBezTo>
+                  <a:pt x="1240892" y="-7228"/>
+                  <a:pt x="1561853" y="9877"/>
+                  <a:pt x="1920621" y="0"/>
+                </a:cubicBezTo>
+                <a:cubicBezTo>
+                  <a:pt x="2279389" y="-9877"/>
+                  <a:pt x="2367255" y="19546"/>
+                  <a:pt x="2542794" y="0"/>
+                </a:cubicBezTo>
+                <a:cubicBezTo>
+                  <a:pt x="2718333" y="-19546"/>
+                  <a:pt x="2866732" y="-22226"/>
+                  <a:pt x="3164967" y="0"/>
+                </a:cubicBezTo>
+                <a:cubicBezTo>
+                  <a:pt x="3463202" y="22226"/>
+                  <a:pt x="3568055" y="-2765"/>
+                  <a:pt x="3949446" y="0"/>
+                </a:cubicBezTo>
+                <a:cubicBezTo>
+                  <a:pt x="4330837" y="2765"/>
+                  <a:pt x="4287895" y="10557"/>
+                  <a:pt x="4517517" y="0"/>
+                </a:cubicBezTo>
+                <a:cubicBezTo>
+                  <a:pt x="4747139" y="-10557"/>
+                  <a:pt x="5149588" y="8716"/>
+                  <a:pt x="5410200" y="0"/>
+                </a:cubicBezTo>
+                <a:cubicBezTo>
+                  <a:pt x="5409517" y="5414"/>
+                  <a:pt x="5409480" y="12510"/>
+                  <a:pt x="5410200" y="18288"/>
+                </a:cubicBezTo>
+                <a:cubicBezTo>
+                  <a:pt x="5163327" y="41494"/>
+                  <a:pt x="5008749" y="10693"/>
+                  <a:pt x="4842129" y="18288"/>
+                </a:cubicBezTo>
+                <a:cubicBezTo>
+                  <a:pt x="4675509" y="25883"/>
+                  <a:pt x="4433401" y="-615"/>
+                  <a:pt x="4165854" y="18288"/>
+                </a:cubicBezTo>
+                <a:cubicBezTo>
+                  <a:pt x="3898308" y="37191"/>
+                  <a:pt x="3809032" y="-8710"/>
+                  <a:pt x="3543681" y="18288"/>
+                </a:cubicBezTo>
+                <a:cubicBezTo>
+                  <a:pt x="3278330" y="45286"/>
+                  <a:pt x="3073876" y="-15917"/>
+                  <a:pt x="2759202" y="18288"/>
+                </a:cubicBezTo>
+                <a:cubicBezTo>
+                  <a:pt x="2444528" y="52493"/>
+                  <a:pt x="2204144" y="3372"/>
+                  <a:pt x="1974723" y="18288"/>
+                </a:cubicBezTo>
+                <a:cubicBezTo>
+                  <a:pt x="1745302" y="33204"/>
+                  <a:pt x="1602335" y="31490"/>
+                  <a:pt x="1406652" y="18288"/>
+                </a:cubicBezTo>
+                <a:cubicBezTo>
+                  <a:pt x="1210969" y="5086"/>
+                  <a:pt x="923948" y="3161"/>
+                  <a:pt x="730377" y="18288"/>
+                </a:cubicBezTo>
+                <a:cubicBezTo>
+                  <a:pt x="536806" y="33415"/>
+                  <a:pt x="336496" y="-141"/>
+                  <a:pt x="0" y="18288"/>
+                </a:cubicBezTo>
+                <a:cubicBezTo>
+                  <a:pt x="-306" y="11061"/>
+                  <a:pt x="-655" y="7751"/>
+                  <a:pt x="0" y="0"/>
+                </a:cubicBezTo>
+                <a:close/>
+              </a:path>
+            </a:pathLst>
+          </a:custGeom>
+          <a:solidFill>
+            <a:schemeClr val="accent2"/>
+          </a:solidFill>
+          <a:ln w="41275" cap="rnd">
+            <a:solidFill>
+              <a:schemeClr val="accent2"/>
+            </a:solidFill>
+            <a:round/>
+            <a:extLst>
+              <a:ext uri="{C807C97D-BFC1-408E-A445-0C87EB9F89A2}">
+                <ask:lineSketchStyleProps xmlns:ask="http://schemas.microsoft.com/office/drawing/2018/sketchyshapes" sd="1219033472">
+                  <a:prstGeom prst="rect">
+                    <a:avLst/>
+                  </a:prstGeom>
+                  <ask:type>
+                    <ask:lineSketchFreehand/>
+                  </ask:type>
+                </ask:lineSketchStyleProps>
+              </a:ext>
+            </a:extLst>
+          </a:ln>
+        </p:spPr>
+        <p:style>
+          <a:lnRef idx="2">
+            <a:schemeClr val="accent1">
+              <a:shade val="50000"/>
+            </a:schemeClr>
+          </a:lnRef>
+          <a:fillRef idx="1">
+            <a:schemeClr val="accent1"/>
+          </a:fillRef>
+          <a:effectRef idx="0">
+            <a:schemeClr val="accent1"/>
+          </a:effectRef>
+          <a:fontRef idx="minor">
+            <a:schemeClr val="lt1"/>
+          </a:fontRef>
+        </p:style>
+        <p:txBody>
+          <a:bodyPr rtlCol="0" anchor="ctr"/>
+          <a:lstStyle/>
+          <a:p>
+            <a:pPr algn="ctr"/>
+            <a:endParaRPr lang="en-US"/>
+          </a:p>
+        </p:txBody>
+      </p:sp>
+      <p:graphicFrame>
+        <p:nvGraphicFramePr>
+          <p:cNvPr id="5" name="Content Placeholder 2">
+            <a:extLst>
+              <a:ext uri="{FF2B5EF4-FFF2-40B4-BE49-F238E27FC236}">
+                <a16:creationId xmlns:a16="http://schemas.microsoft.com/office/drawing/2014/main" id="{7675F9E9-2EFA-D66A-D762-715BA2779FB7}"/>
+              </a:ext>
+            </a:extLst>
+          </p:cNvPr>
+          <p:cNvGraphicFramePr>
+            <a:graphicFrameLocks noGrp="1"/>
+          </p:cNvGraphicFramePr>
+          <p:nvPr>
+            <p:ph idx="1"/>
+            <p:extLst>
+              <p:ext uri="{D42A27DB-BD31-4B8C-83A1-F6EECF244321}">
+                <p14:modId xmlns:p14="http://schemas.microsoft.com/office/powerpoint/2010/main" val="3322005479"/>
+              </p:ext>
+            </p:extLst>
+          </p:nvPr>
+        </p:nvGraphicFramePr>
+        <p:xfrm>
+          <a:off x="4648018" y="640822"/>
+          <a:ext cx="6900512" cy="5536141"/>
+        </p:xfrm>
+        <a:graphic>
+          <a:graphicData uri="http://schemas.openxmlformats.org/drawingml/2006/diagram">
+            <dgm:relIds xmlns:dgm="http://schemas.openxmlformats.org/drawingml/2006/diagram" xmlns:r="http://schemas.openxmlformats.org/officeDocument/2006/relationships" r:dm="rId2" r:lo="rId3" r:qs="rId4" r:cs="rId5"/>
+          </a:graphicData>
+        </a:graphic>
+      </p:graphicFrame>
+    </p:spTree>
+    <p:extLst>
+      <p:ext uri="{BB962C8B-B14F-4D97-AF65-F5344CB8AC3E}">
+        <p14:creationId xmlns:p14="http://schemas.microsoft.com/office/powerpoint/2010/main" val="2067240730"/>
+      </p:ext>
+    </p:extLst>
+  </p:cSld>
+  <p:clrMapOvr>
+    <a:masterClrMapping/>
+  </p:clrMapOvr>
 </p:sld>
 </file>
 
@@ -22313,7 +26126,7 @@
         </p:spPr>
         <p:txBody>
           <a:bodyPr>
-            <a:normAutofit lnSpcReduction="10000"/>
+            <a:normAutofit/>
           </a:bodyPr>
           <a:lstStyle/>
           <a:p>
@@ -22361,7 +26174,7 @@
             <a:pPr lvl="3"/>
             <a:r>
               <a:rPr lang="en-US" dirty="0"/>
-              <a:t>Rows with high percentage of missing values (e.g. &gt; 70%)</a:t>
+              <a:t>Rows with high percentage of missing values </a:t>
             </a:r>
           </a:p>
           <a:p>
@@ -22382,14 +26195,23 @@
             <a:pPr lvl="4"/>
             <a:r>
               <a:rPr lang="en-US" dirty="0"/>
-              <a:t>Long text </a:t>
+              <a:t>Long text (</a:t>
             </a:r>
-          </a:p>
-          <a:p>
-            <a:pPr lvl="4"/>
+            <a:r>
+              <a:rPr lang="en-US" dirty="0" err="1"/>
+              <a:t>Eg</a:t>
+            </a:r>
             <a:r>
               <a:rPr lang="en-US" dirty="0"/>
-              <a:t>Columns where more than 70% of data is empty</a:t>
+              <a:t> ,</a:t>
+            </a:r>
+            <a:r>
+              <a:rPr lang="en-US" dirty="0" err="1"/>
+              <a:t>emp_title</a:t>
+            </a:r>
+            <a:r>
+              <a:rPr lang="en-US" dirty="0"/>
+              <a:t>)</a:t>
             </a:r>
           </a:p>
           <a:p>
@@ -22836,7 +26658,7 @@
             <p:ph idx="1"/>
             <p:extLst>
               <p:ext uri="{D42A27DB-BD31-4B8C-83A1-F6EECF244321}">
-                <p14:modId xmlns:p14="http://schemas.microsoft.com/office/powerpoint/2010/main" val="2264230258"/>
+                <p14:modId xmlns:p14="http://schemas.microsoft.com/office/powerpoint/2010/main" val="4214311520"/>
               </p:ext>
             </p:extLst>
           </p:nvPr>
@@ -22909,7 +26731,7 @@
           <a:p>
             <a:r>
               <a:rPr lang="en-US" dirty="0"/>
-              <a:t>Analysis on critical columns</a:t>
+              <a:t>        Analysis on critical columns</a:t>
             </a:r>
             <a:endParaRPr lang="en-IN" dirty="0"/>
           </a:p>
@@ -22929,6 +26751,11 @@
           </p:cNvGraphicFramePr>
           <p:nvPr>
             <p:ph idx="1"/>
+            <p:extLst>
+              <p:ext uri="{D42A27DB-BD31-4B8C-83A1-F6EECF244321}">
+                <p14:modId xmlns:p14="http://schemas.microsoft.com/office/powerpoint/2010/main" val="3400657138"/>
+              </p:ext>
+            </p:extLst>
           </p:nvPr>
         </p:nvGraphicFramePr>
         <p:xfrm>
@@ -23431,7 +27258,7 @@
         </p:spPr>
         <p:txBody>
           <a:bodyPr>
-            <a:normAutofit lnSpcReduction="10000"/>
+            <a:normAutofit fontScale="77500" lnSpcReduction="20000"/>
           </a:bodyPr>
           <a:lstStyle/>
           <a:p>
@@ -23441,12 +27268,36 @@
             </a:pPr>
             <a:r>
               <a:rPr lang="en-IN" b="1" dirty="0"/>
-              <a:t>Loan Status: </a:t>
+              <a:t>Loan Status:</a:t>
             </a:r>
+          </a:p>
+          <a:p>
+            <a:pPr marL="0" indent="0">
+              <a:buNone/>
+            </a:pPr>
             <a:r>
-              <a:rPr lang="en-IN" dirty="0"/>
-              <a:t>The number of charged off loan is much smaller(14.5%) compared to total count.</a:t>
+              <a:rPr lang="en-US" dirty="0"/>
+              <a:t>* 83 % of the loans were fully paid</a:t>
             </a:r>
+          </a:p>
+          <a:p>
+            <a:pPr marL="0" indent="0">
+              <a:buNone/>
+            </a:pPr>
+            <a:r>
+              <a:rPr lang="en-US" dirty="0"/>
+              <a:t>* 14 % were defaulted</a:t>
+            </a:r>
+          </a:p>
+          <a:p>
+            <a:pPr marL="0" indent="0">
+              <a:buNone/>
+            </a:pPr>
+            <a:r>
+              <a:rPr lang="en-US" dirty="0"/>
+              <a:t>* 3 % is current loan</a:t>
+            </a:r>
+            <a:endParaRPr lang="en-IN" dirty="0"/>
           </a:p>
         </p:txBody>
       </p:sp>
@@ -23728,36 +27579,6 @@
           </a:p>
         </p:txBody>
       </p:sp>
-      <p:pic>
-        <p:nvPicPr>
-          <p:cNvPr id="7" name="Picture 6">
-            <a:extLst>
-              <a:ext uri="{FF2B5EF4-FFF2-40B4-BE49-F238E27FC236}">
-                <a16:creationId xmlns:a16="http://schemas.microsoft.com/office/drawing/2014/main" id="{3DE0074D-0249-B68A-04D8-67BCC135C21F}"/>
-              </a:ext>
-            </a:extLst>
-          </p:cNvPr>
-          <p:cNvPicPr>
-            <a:picLocks noChangeAspect="1"/>
-          </p:cNvPicPr>
-          <p:nvPr/>
-        </p:nvPicPr>
-        <p:blipFill>
-          <a:blip r:embed="rId2"/>
-          <a:stretch>
-            <a:fillRect/>
-          </a:stretch>
-        </p:blipFill>
-        <p:spPr>
-          <a:xfrm>
-            <a:off x="842212" y="1812372"/>
-            <a:ext cx="4635366" cy="3124636"/>
-          </a:xfrm>
-          <a:prstGeom prst="rect">
-            <a:avLst/>
-          </a:prstGeom>
-        </p:spPr>
-      </p:pic>
       <p:sp>
         <p:nvSpPr>
           <p:cNvPr id="8" name="Content Placeholder 2">
@@ -24042,7 +27863,7 @@
             </a:r>
             <a:r>
               <a:rPr lang="en-IN" dirty="0"/>
-              <a:t>It varies from 500 to 35000 with a median of 10000. Loan amount is majorly small and very few clients have taken large loans and larger it goes we have higher chance of defaulting.</a:t>
+              <a:t>It varies from 5000 to 30000 with a median of 10000. Loan amount is majorly small and very few clients have taken large loans and larger it goes we have higher chance of defaulting.</a:t>
             </a:r>
           </a:p>
           <a:p>
@@ -24056,10 +27877,40 @@
       </p:sp>
       <p:pic>
         <p:nvPicPr>
-          <p:cNvPr id="6" name="Picture 5">
+          <p:cNvPr id="11" name="Picture 10">
             <a:extLst>
               <a:ext uri="{FF2B5EF4-FFF2-40B4-BE49-F238E27FC236}">
-                <a16:creationId xmlns:a16="http://schemas.microsoft.com/office/drawing/2014/main" id="{7BE03645-9D07-A6A5-8DDC-8D820D1A1BD6}"/>
+                <a16:creationId xmlns:a16="http://schemas.microsoft.com/office/drawing/2014/main" id="{5BB6E82E-62BD-D167-69E9-7647874AB2E4}"/>
+              </a:ext>
+            </a:extLst>
+          </p:cNvPr>
+          <p:cNvPicPr>
+            <a:picLocks noChangeAspect="1"/>
+          </p:cNvPicPr>
+          <p:nvPr/>
+        </p:nvPicPr>
+        <p:blipFill>
+          <a:blip r:embed="rId2"/>
+          <a:stretch>
+            <a:fillRect/>
+          </a:stretch>
+        </p:blipFill>
+        <p:spPr>
+          <a:xfrm>
+            <a:off x="1208773" y="1828937"/>
+            <a:ext cx="4665340" cy="2971664"/>
+          </a:xfrm>
+          <a:prstGeom prst="rect">
+            <a:avLst/>
+          </a:prstGeom>
+        </p:spPr>
+      </p:pic>
+      <p:pic>
+        <p:nvPicPr>
+          <p:cNvPr id="13" name="Picture 12">
+            <a:extLst>
+              <a:ext uri="{FF2B5EF4-FFF2-40B4-BE49-F238E27FC236}">
+                <a16:creationId xmlns:a16="http://schemas.microsoft.com/office/drawing/2014/main" id="{994E9143-67DC-CE89-96D4-02E594E3EAC5}"/>
               </a:ext>
             </a:extLst>
           </p:cNvPr>
@@ -24076,8 +27927,8 @@
         </p:blipFill>
         <p:spPr>
           <a:xfrm>
-            <a:off x="6096001" y="1828937"/>
-            <a:ext cx="5502442" cy="3086531"/>
+            <a:off x="6126480" y="1828937"/>
+            <a:ext cx="5691146" cy="2971664"/>
           </a:xfrm>
           <a:prstGeom prst="rect">
             <a:avLst/>
